--- a/pics/2021-10-28-permutation_test/pics.pptx
+++ b/pics/2021-10-28-permutation_test/pics.pptx
@@ -7,6 +7,7 @@
   <p:sldIdLst>
     <p:sldId id="256" r:id="rId2"/>
     <p:sldId id="257" r:id="rId3"/>
+    <p:sldId id="258" r:id="rId4"/>
   </p:sldIdLst>
   <p:sldSz cx="9144000" cy="6858000" type="screen4x3"/>
   <p:notesSz cx="6858000" cy="9144000"/>
@@ -4122,6 +4123,840 @@
     <p:extLst>
       <p:ext uri="{BB962C8B-B14F-4D97-AF65-F5344CB8AC3E}">
         <p14:creationId xmlns:p14="http://schemas.microsoft.com/office/powerpoint/2010/main" val="4285912065"/>
+      </p:ext>
+    </p:extLst>
+  </p:cSld>
+  <p:clrMapOvr>
+    <a:masterClrMapping/>
+  </p:clrMapOvr>
+</p:sld>
+</file>
+
+<file path=ppt/slides/slide3.xml><?xml version="1.0" encoding="utf-8"?>
+<p:sld xmlns:a="http://schemas.openxmlformats.org/drawingml/2006/main" xmlns:r="http://schemas.openxmlformats.org/officeDocument/2006/relationships" xmlns:p="http://schemas.openxmlformats.org/presentationml/2006/main">
+  <p:cSld>
+    <p:spTree>
+      <p:nvGrpSpPr>
+        <p:cNvPr id="1" name=""/>
+        <p:cNvGrpSpPr/>
+        <p:nvPr/>
+      </p:nvGrpSpPr>
+      <p:grpSpPr>
+        <a:xfrm>
+          <a:off x="0" y="0"/>
+          <a:ext cx="0" cy="0"/>
+          <a:chOff x="0" y="0"/>
+          <a:chExt cx="0" cy="0"/>
+        </a:xfrm>
+      </p:grpSpPr>
+      <p:sp>
+        <p:nvSpPr>
+          <p:cNvPr id="6" name="타원 5"/>
+          <p:cNvSpPr/>
+          <p:nvPr/>
+        </p:nvSpPr>
+        <p:spPr>
+          <a:xfrm>
+            <a:off x="212335" y="2102382"/>
+            <a:ext cx="831273" cy="831273"/>
+          </a:xfrm>
+          <a:prstGeom prst="ellipse">
+            <a:avLst/>
+          </a:prstGeom>
+          <a:solidFill>
+            <a:srgbClr val="F94545"/>
+          </a:solidFill>
+          <a:ln>
+            <a:solidFill>
+              <a:schemeClr val="tx1"/>
+            </a:solidFill>
+          </a:ln>
+        </p:spPr>
+        <p:style>
+          <a:lnRef idx="2">
+            <a:schemeClr val="accent1">
+              <a:shade val="50000"/>
+            </a:schemeClr>
+          </a:lnRef>
+          <a:fillRef idx="1">
+            <a:schemeClr val="accent1"/>
+          </a:fillRef>
+          <a:effectRef idx="0">
+            <a:schemeClr val="accent1"/>
+          </a:effectRef>
+          <a:fontRef idx="minor">
+            <a:schemeClr val="lt1"/>
+          </a:fontRef>
+        </p:style>
+        <p:txBody>
+          <a:bodyPr rtlCol="0" anchor="ctr"/>
+          <a:lstStyle/>
+          <a:p>
+            <a:pPr algn="ctr"/>
+            <a:r>
+              <a:rPr lang="en-US" altLang="ko-KR" sz="2400" b="1" dirty="0" smtClean="0">
+                <a:solidFill>
+                  <a:sysClr val="windowText" lastClr="000000"/>
+                </a:solidFill>
+              </a:rPr>
+              <a:t>58</a:t>
+            </a:r>
+            <a:endParaRPr lang="ko-KR" altLang="en-US" sz="2400" b="1" dirty="0">
+              <a:solidFill>
+                <a:sysClr val="windowText" lastClr="000000"/>
+              </a:solidFill>
+            </a:endParaRPr>
+          </a:p>
+        </p:txBody>
+      </p:sp>
+      <p:sp>
+        <p:nvSpPr>
+          <p:cNvPr id="7" name="타원 6"/>
+          <p:cNvSpPr/>
+          <p:nvPr/>
+        </p:nvSpPr>
+        <p:spPr>
+          <a:xfrm>
+            <a:off x="1198342" y="2102382"/>
+            <a:ext cx="831273" cy="831273"/>
+          </a:xfrm>
+          <a:prstGeom prst="ellipse">
+            <a:avLst/>
+          </a:prstGeom>
+          <a:solidFill>
+            <a:srgbClr val="F94545"/>
+          </a:solidFill>
+          <a:ln>
+            <a:solidFill>
+              <a:schemeClr val="tx1"/>
+            </a:solidFill>
+          </a:ln>
+        </p:spPr>
+        <p:style>
+          <a:lnRef idx="2">
+            <a:schemeClr val="accent1">
+              <a:shade val="50000"/>
+            </a:schemeClr>
+          </a:lnRef>
+          <a:fillRef idx="1">
+            <a:schemeClr val="accent1"/>
+          </a:fillRef>
+          <a:effectRef idx="0">
+            <a:schemeClr val="accent1"/>
+          </a:effectRef>
+          <a:fontRef idx="minor">
+            <a:schemeClr val="lt1"/>
+          </a:fontRef>
+        </p:style>
+        <p:txBody>
+          <a:bodyPr rtlCol="0" anchor="ctr"/>
+          <a:lstStyle/>
+          <a:p>
+            <a:pPr algn="ctr"/>
+            <a:r>
+              <a:rPr lang="en-US" altLang="ko-KR" sz="2400" b="1" dirty="0" smtClean="0">
+                <a:solidFill>
+                  <a:sysClr val="windowText" lastClr="000000"/>
+                </a:solidFill>
+              </a:rPr>
+              <a:t>69</a:t>
+            </a:r>
+            <a:endParaRPr lang="ko-KR" altLang="en-US" sz="2400" b="1" dirty="0">
+              <a:solidFill>
+                <a:sysClr val="windowText" lastClr="000000"/>
+              </a:solidFill>
+            </a:endParaRPr>
+          </a:p>
+        </p:txBody>
+      </p:sp>
+      <p:sp>
+        <p:nvSpPr>
+          <p:cNvPr id="8" name="타원 7"/>
+          <p:cNvSpPr/>
+          <p:nvPr/>
+        </p:nvSpPr>
+        <p:spPr>
+          <a:xfrm>
+            <a:off x="2184349" y="2102382"/>
+            <a:ext cx="831273" cy="831273"/>
+          </a:xfrm>
+          <a:prstGeom prst="ellipse">
+            <a:avLst/>
+          </a:prstGeom>
+          <a:solidFill>
+            <a:srgbClr val="F94545"/>
+          </a:solidFill>
+          <a:ln>
+            <a:solidFill>
+              <a:schemeClr val="tx1"/>
+            </a:solidFill>
+          </a:ln>
+        </p:spPr>
+        <p:style>
+          <a:lnRef idx="2">
+            <a:schemeClr val="accent1">
+              <a:shade val="50000"/>
+            </a:schemeClr>
+          </a:lnRef>
+          <a:fillRef idx="1">
+            <a:schemeClr val="accent1"/>
+          </a:fillRef>
+          <a:effectRef idx="0">
+            <a:schemeClr val="accent1"/>
+          </a:effectRef>
+          <a:fontRef idx="minor">
+            <a:schemeClr val="lt1"/>
+          </a:fontRef>
+        </p:style>
+        <p:txBody>
+          <a:bodyPr rtlCol="0" anchor="ctr"/>
+          <a:lstStyle/>
+          <a:p>
+            <a:pPr algn="ctr"/>
+            <a:r>
+              <a:rPr lang="en-US" altLang="ko-KR" sz="2400" b="1" dirty="0" smtClean="0">
+                <a:solidFill>
+                  <a:sysClr val="windowText" lastClr="000000"/>
+                </a:solidFill>
+              </a:rPr>
+              <a:t>64</a:t>
+            </a:r>
+            <a:endParaRPr lang="ko-KR" altLang="en-US" sz="2400" b="1" dirty="0">
+              <a:solidFill>
+                <a:sysClr val="windowText" lastClr="000000"/>
+              </a:solidFill>
+            </a:endParaRPr>
+          </a:p>
+        </p:txBody>
+      </p:sp>
+      <p:sp>
+        <p:nvSpPr>
+          <p:cNvPr id="9" name="타원 8"/>
+          <p:cNvSpPr/>
+          <p:nvPr/>
+        </p:nvSpPr>
+        <p:spPr>
+          <a:xfrm>
+            <a:off x="3170356" y="2102382"/>
+            <a:ext cx="831273" cy="831273"/>
+          </a:xfrm>
+          <a:prstGeom prst="ellipse">
+            <a:avLst/>
+          </a:prstGeom>
+          <a:solidFill>
+            <a:srgbClr val="F94545"/>
+          </a:solidFill>
+          <a:ln>
+            <a:solidFill>
+              <a:schemeClr val="tx1"/>
+            </a:solidFill>
+          </a:ln>
+        </p:spPr>
+        <p:style>
+          <a:lnRef idx="2">
+            <a:schemeClr val="accent1">
+              <a:shade val="50000"/>
+            </a:schemeClr>
+          </a:lnRef>
+          <a:fillRef idx="1">
+            <a:schemeClr val="accent1"/>
+          </a:fillRef>
+          <a:effectRef idx="0">
+            <a:schemeClr val="accent1"/>
+          </a:effectRef>
+          <a:fontRef idx="minor">
+            <a:schemeClr val="lt1"/>
+          </a:fontRef>
+        </p:style>
+        <p:txBody>
+          <a:bodyPr rtlCol="0" anchor="ctr"/>
+          <a:lstStyle/>
+          <a:p>
+            <a:pPr algn="ctr"/>
+            <a:r>
+              <a:rPr lang="en-US" altLang="ko-KR" sz="2400" b="1" dirty="0" smtClean="0">
+                <a:solidFill>
+                  <a:sysClr val="windowText" lastClr="000000"/>
+                </a:solidFill>
+              </a:rPr>
+              <a:t>55</a:t>
+            </a:r>
+            <a:endParaRPr lang="ko-KR" altLang="en-US" sz="2400" b="1" dirty="0">
+              <a:solidFill>
+                <a:sysClr val="windowText" lastClr="000000"/>
+              </a:solidFill>
+            </a:endParaRPr>
+          </a:p>
+        </p:txBody>
+      </p:sp>
+      <p:sp>
+        <p:nvSpPr>
+          <p:cNvPr id="10" name="타원 9"/>
+          <p:cNvSpPr/>
+          <p:nvPr/>
+        </p:nvSpPr>
+        <p:spPr>
+          <a:xfrm>
+            <a:off x="4156363" y="2102382"/>
+            <a:ext cx="831273" cy="831273"/>
+          </a:xfrm>
+          <a:prstGeom prst="ellipse">
+            <a:avLst/>
+          </a:prstGeom>
+          <a:solidFill>
+            <a:srgbClr val="92B1D6"/>
+          </a:solidFill>
+          <a:ln>
+            <a:solidFill>
+              <a:schemeClr val="tx1"/>
+            </a:solidFill>
+          </a:ln>
+        </p:spPr>
+        <p:style>
+          <a:lnRef idx="2">
+            <a:schemeClr val="accent1">
+              <a:shade val="50000"/>
+            </a:schemeClr>
+          </a:lnRef>
+          <a:fillRef idx="1">
+            <a:schemeClr val="accent1"/>
+          </a:fillRef>
+          <a:effectRef idx="0">
+            <a:schemeClr val="accent1"/>
+          </a:effectRef>
+          <a:fontRef idx="minor">
+            <a:schemeClr val="lt1"/>
+          </a:fontRef>
+        </p:style>
+        <p:txBody>
+          <a:bodyPr rtlCol="0" anchor="ctr"/>
+          <a:lstStyle/>
+          <a:p>
+            <a:pPr algn="ctr"/>
+            <a:r>
+              <a:rPr lang="en-US" altLang="ko-KR" sz="2400" b="1" dirty="0" smtClean="0">
+                <a:solidFill>
+                  <a:sysClr val="windowText" lastClr="000000"/>
+                </a:solidFill>
+              </a:rPr>
+              <a:t>51</a:t>
+            </a:r>
+            <a:endParaRPr lang="ko-KR" altLang="en-US" sz="2400" b="1" dirty="0">
+              <a:solidFill>
+                <a:sysClr val="windowText" lastClr="000000"/>
+              </a:solidFill>
+            </a:endParaRPr>
+          </a:p>
+        </p:txBody>
+      </p:sp>
+      <p:sp>
+        <p:nvSpPr>
+          <p:cNvPr id="11" name="타원 10"/>
+          <p:cNvSpPr/>
+          <p:nvPr/>
+        </p:nvSpPr>
+        <p:spPr>
+          <a:xfrm>
+            <a:off x="5142370" y="2102382"/>
+            <a:ext cx="831273" cy="831273"/>
+          </a:xfrm>
+          <a:prstGeom prst="ellipse">
+            <a:avLst/>
+          </a:prstGeom>
+          <a:solidFill>
+            <a:srgbClr val="92B1D6"/>
+          </a:solidFill>
+          <a:ln>
+            <a:solidFill>
+              <a:schemeClr val="tx1"/>
+            </a:solidFill>
+          </a:ln>
+        </p:spPr>
+        <p:style>
+          <a:lnRef idx="2">
+            <a:schemeClr val="accent1">
+              <a:shade val="50000"/>
+            </a:schemeClr>
+          </a:lnRef>
+          <a:fillRef idx="1">
+            <a:schemeClr val="accent1"/>
+          </a:fillRef>
+          <a:effectRef idx="0">
+            <a:schemeClr val="accent1"/>
+          </a:effectRef>
+          <a:fontRef idx="minor">
+            <a:schemeClr val="lt1"/>
+          </a:fontRef>
+        </p:style>
+        <p:txBody>
+          <a:bodyPr rtlCol="0" anchor="ctr"/>
+          <a:lstStyle/>
+          <a:p>
+            <a:pPr algn="ctr"/>
+            <a:r>
+              <a:rPr lang="en-US" altLang="ko-KR" sz="2400" b="1" dirty="0" smtClean="0">
+                <a:solidFill>
+                  <a:sysClr val="windowText" lastClr="000000"/>
+                </a:solidFill>
+              </a:rPr>
+              <a:t>41</a:t>
+            </a:r>
+            <a:endParaRPr lang="ko-KR" altLang="en-US" sz="2400" b="1" dirty="0">
+              <a:solidFill>
+                <a:sysClr val="windowText" lastClr="000000"/>
+              </a:solidFill>
+            </a:endParaRPr>
+          </a:p>
+        </p:txBody>
+      </p:sp>
+      <p:sp>
+        <p:nvSpPr>
+          <p:cNvPr id="12" name="타원 11"/>
+          <p:cNvSpPr/>
+          <p:nvPr/>
+        </p:nvSpPr>
+        <p:spPr>
+          <a:xfrm>
+            <a:off x="6128377" y="2102382"/>
+            <a:ext cx="831273" cy="831273"/>
+          </a:xfrm>
+          <a:prstGeom prst="ellipse">
+            <a:avLst/>
+          </a:prstGeom>
+          <a:solidFill>
+            <a:srgbClr val="92B1D6"/>
+          </a:solidFill>
+          <a:ln>
+            <a:solidFill>
+              <a:schemeClr val="tx1"/>
+            </a:solidFill>
+          </a:ln>
+        </p:spPr>
+        <p:style>
+          <a:lnRef idx="2">
+            <a:schemeClr val="accent1">
+              <a:shade val="50000"/>
+            </a:schemeClr>
+          </a:lnRef>
+          <a:fillRef idx="1">
+            <a:schemeClr val="accent1"/>
+          </a:fillRef>
+          <a:effectRef idx="0">
+            <a:schemeClr val="accent1"/>
+          </a:effectRef>
+          <a:fontRef idx="minor">
+            <a:schemeClr val="lt1"/>
+          </a:fontRef>
+        </p:style>
+        <p:txBody>
+          <a:bodyPr rtlCol="0" anchor="ctr"/>
+          <a:lstStyle/>
+          <a:p>
+            <a:pPr algn="ctr"/>
+            <a:r>
+              <a:rPr lang="en-US" altLang="ko-KR" sz="2400" b="1" dirty="0" smtClean="0">
+                <a:solidFill>
+                  <a:sysClr val="windowText" lastClr="000000"/>
+                </a:solidFill>
+              </a:rPr>
+              <a:t>51</a:t>
+            </a:r>
+            <a:endParaRPr lang="ko-KR" altLang="en-US" sz="2400" b="1" dirty="0">
+              <a:solidFill>
+                <a:sysClr val="windowText" lastClr="000000"/>
+              </a:solidFill>
+            </a:endParaRPr>
+          </a:p>
+        </p:txBody>
+      </p:sp>
+      <p:sp>
+        <p:nvSpPr>
+          <p:cNvPr id="13" name="타원 12"/>
+          <p:cNvSpPr/>
+          <p:nvPr/>
+        </p:nvSpPr>
+        <p:spPr>
+          <a:xfrm>
+            <a:off x="7114384" y="2102382"/>
+            <a:ext cx="831273" cy="831273"/>
+          </a:xfrm>
+          <a:prstGeom prst="ellipse">
+            <a:avLst/>
+          </a:prstGeom>
+          <a:solidFill>
+            <a:srgbClr val="92B1D6"/>
+          </a:solidFill>
+          <a:ln>
+            <a:solidFill>
+              <a:schemeClr val="tx1"/>
+            </a:solidFill>
+          </a:ln>
+        </p:spPr>
+        <p:style>
+          <a:lnRef idx="2">
+            <a:schemeClr val="accent1">
+              <a:shade val="50000"/>
+            </a:schemeClr>
+          </a:lnRef>
+          <a:fillRef idx="1">
+            <a:schemeClr val="accent1"/>
+          </a:fillRef>
+          <a:effectRef idx="0">
+            <a:schemeClr val="accent1"/>
+          </a:effectRef>
+          <a:fontRef idx="minor">
+            <a:schemeClr val="lt1"/>
+          </a:fontRef>
+        </p:style>
+        <p:txBody>
+          <a:bodyPr rtlCol="0" anchor="ctr"/>
+          <a:lstStyle/>
+          <a:p>
+            <a:pPr algn="ctr"/>
+            <a:r>
+              <a:rPr lang="en-US" altLang="ko-KR" sz="2400" b="1" dirty="0" smtClean="0">
+                <a:solidFill>
+                  <a:sysClr val="windowText" lastClr="000000"/>
+                </a:solidFill>
+              </a:rPr>
+              <a:t>71</a:t>
+            </a:r>
+            <a:endParaRPr lang="ko-KR" altLang="en-US" sz="2400" b="1" dirty="0">
+              <a:solidFill>
+                <a:sysClr val="windowText" lastClr="000000"/>
+              </a:solidFill>
+            </a:endParaRPr>
+          </a:p>
+        </p:txBody>
+      </p:sp>
+      <p:sp>
+        <p:nvSpPr>
+          <p:cNvPr id="14" name="타원 13"/>
+          <p:cNvSpPr/>
+          <p:nvPr/>
+        </p:nvSpPr>
+        <p:spPr>
+          <a:xfrm>
+            <a:off x="8100392" y="2102382"/>
+            <a:ext cx="831273" cy="831273"/>
+          </a:xfrm>
+          <a:prstGeom prst="ellipse">
+            <a:avLst/>
+          </a:prstGeom>
+          <a:solidFill>
+            <a:srgbClr val="92B1D6"/>
+          </a:solidFill>
+          <a:ln>
+            <a:solidFill>
+              <a:schemeClr val="tx1"/>
+            </a:solidFill>
+          </a:ln>
+        </p:spPr>
+        <p:style>
+          <a:lnRef idx="2">
+            <a:schemeClr val="accent1">
+              <a:shade val="50000"/>
+            </a:schemeClr>
+          </a:lnRef>
+          <a:fillRef idx="1">
+            <a:schemeClr val="accent1"/>
+          </a:fillRef>
+          <a:effectRef idx="0">
+            <a:schemeClr val="accent1"/>
+          </a:effectRef>
+          <a:fontRef idx="minor">
+            <a:schemeClr val="lt1"/>
+          </a:fontRef>
+        </p:style>
+        <p:txBody>
+          <a:bodyPr rtlCol="0" anchor="ctr"/>
+          <a:lstStyle/>
+          <a:p>
+            <a:pPr algn="ctr"/>
+            <a:r>
+              <a:rPr lang="en-US" altLang="ko-KR" sz="2400" b="1" dirty="0" smtClean="0">
+                <a:solidFill>
+                  <a:sysClr val="windowText" lastClr="000000"/>
+                </a:solidFill>
+              </a:rPr>
+              <a:t>42</a:t>
+            </a:r>
+            <a:endParaRPr lang="ko-KR" altLang="en-US" sz="2400" b="1" dirty="0">
+              <a:solidFill>
+                <a:sysClr val="windowText" lastClr="000000"/>
+              </a:solidFill>
+            </a:endParaRPr>
+          </a:p>
+        </p:txBody>
+      </p:sp>
+      <p:sp>
+        <p:nvSpPr>
+          <p:cNvPr id="16" name="TextBox 15"/>
+          <p:cNvSpPr txBox="1"/>
+          <p:nvPr/>
+        </p:nvSpPr>
+        <p:spPr>
+          <a:xfrm>
+            <a:off x="1187624" y="1437898"/>
+            <a:ext cx="1835374" cy="584775"/>
+          </a:xfrm>
+          <a:prstGeom prst="rect">
+            <a:avLst/>
+          </a:prstGeom>
+          <a:noFill/>
+        </p:spPr>
+        <p:txBody>
+          <a:bodyPr wrap="none" rtlCol="0">
+            <a:spAutoFit/>
+          </a:bodyPr>
+          <a:lstStyle/>
+          <a:p>
+            <a:r>
+              <a:rPr lang="en-US" altLang="ko-KR" sz="3200" b="1" dirty="0" smtClean="0">
+                <a:solidFill>
+                  <a:srgbClr val="F94545"/>
+                </a:solidFill>
+              </a:rPr>
+              <a:t>Group</a:t>
+            </a:r>
+            <a:r>
+              <a:rPr lang="ko-KR" altLang="en-US" sz="3200" b="1" dirty="0" smtClean="0">
+                <a:solidFill>
+                  <a:srgbClr val="F94545"/>
+                </a:solidFill>
+              </a:rPr>
+              <a:t> </a:t>
+            </a:r>
+            <a:r>
+              <a:rPr lang="en-US" altLang="ko-KR" sz="3200" b="1" dirty="0" smtClean="0">
+                <a:solidFill>
+                  <a:srgbClr val="F94545"/>
+                </a:solidFill>
+              </a:rPr>
+              <a:t>A</a:t>
+            </a:r>
+            <a:endParaRPr lang="ko-KR" altLang="en-US" sz="3200" b="1" dirty="0">
+              <a:solidFill>
+                <a:srgbClr val="F94545"/>
+              </a:solidFill>
+            </a:endParaRPr>
+          </a:p>
+        </p:txBody>
+      </p:sp>
+      <p:sp>
+        <p:nvSpPr>
+          <p:cNvPr id="17" name="TextBox 16"/>
+          <p:cNvSpPr txBox="1"/>
+          <p:nvPr/>
+        </p:nvSpPr>
+        <p:spPr>
+          <a:xfrm>
+            <a:off x="5644196" y="1437898"/>
+            <a:ext cx="1808124" cy="584775"/>
+          </a:xfrm>
+          <a:prstGeom prst="rect">
+            <a:avLst/>
+          </a:prstGeom>
+          <a:noFill/>
+        </p:spPr>
+        <p:txBody>
+          <a:bodyPr wrap="none" rtlCol="0">
+            <a:spAutoFit/>
+          </a:bodyPr>
+          <a:lstStyle/>
+          <a:p>
+            <a:r>
+              <a:rPr lang="en-US" altLang="ko-KR" sz="3200" b="1" dirty="0" smtClean="0">
+                <a:solidFill>
+                  <a:schemeClr val="accent1"/>
+                </a:solidFill>
+              </a:rPr>
+              <a:t>Group</a:t>
+            </a:r>
+            <a:r>
+              <a:rPr lang="ko-KR" altLang="en-US" sz="3200" b="1" dirty="0" smtClean="0">
+                <a:solidFill>
+                  <a:schemeClr val="accent1"/>
+                </a:solidFill>
+              </a:rPr>
+              <a:t> </a:t>
+            </a:r>
+            <a:r>
+              <a:rPr lang="en-US" altLang="ko-KR" sz="3200" b="1" dirty="0" smtClean="0">
+                <a:solidFill>
+                  <a:schemeClr val="accent1"/>
+                </a:solidFill>
+              </a:rPr>
+              <a:t>B</a:t>
+            </a:r>
+            <a:endParaRPr lang="ko-KR" altLang="en-US" sz="3200" b="1" dirty="0">
+              <a:solidFill>
+                <a:schemeClr val="accent1"/>
+              </a:solidFill>
+            </a:endParaRPr>
+          </a:p>
+        </p:txBody>
+      </p:sp>
+      <p:sp>
+        <p:nvSpPr>
+          <p:cNvPr id="18" name="TextBox 17"/>
+          <p:cNvSpPr txBox="1"/>
+          <p:nvPr/>
+        </p:nvSpPr>
+        <p:spPr>
+          <a:xfrm>
+            <a:off x="971600" y="3094082"/>
+            <a:ext cx="2313454" cy="584775"/>
+          </a:xfrm>
+          <a:prstGeom prst="rect">
+            <a:avLst/>
+          </a:prstGeom>
+          <a:noFill/>
+        </p:spPr>
+        <p:txBody>
+          <a:bodyPr wrap="none" rtlCol="0">
+            <a:spAutoFit/>
+          </a:bodyPr>
+          <a:lstStyle/>
+          <a:p>
+            <a:r>
+              <a:rPr lang="ko-KR" altLang="en-US" sz="3200" b="1" dirty="0" smtClean="0">
+                <a:solidFill>
+                  <a:srgbClr val="F94545"/>
+                </a:solidFill>
+              </a:rPr>
+              <a:t>평균</a:t>
+            </a:r>
+            <a:r>
+              <a:rPr lang="en-US" altLang="ko-KR" sz="3200" b="1" dirty="0" smtClean="0">
+                <a:solidFill>
+                  <a:srgbClr val="F94545"/>
+                </a:solidFill>
+              </a:rPr>
+              <a:t>: 61.50</a:t>
+            </a:r>
+            <a:endParaRPr lang="ko-KR" altLang="en-US" sz="3200" b="1" dirty="0">
+              <a:solidFill>
+                <a:srgbClr val="F94545"/>
+              </a:solidFill>
+            </a:endParaRPr>
+          </a:p>
+        </p:txBody>
+      </p:sp>
+      <p:sp>
+        <p:nvSpPr>
+          <p:cNvPr id="19" name="TextBox 18"/>
+          <p:cNvSpPr txBox="1"/>
+          <p:nvPr/>
+        </p:nvSpPr>
+        <p:spPr>
+          <a:xfrm>
+            <a:off x="5426898" y="3094081"/>
+            <a:ext cx="2313454" cy="584775"/>
+          </a:xfrm>
+          <a:prstGeom prst="rect">
+            <a:avLst/>
+          </a:prstGeom>
+          <a:noFill/>
+        </p:spPr>
+        <p:txBody>
+          <a:bodyPr wrap="none" rtlCol="0">
+            <a:spAutoFit/>
+          </a:bodyPr>
+          <a:lstStyle/>
+          <a:p>
+            <a:r>
+              <a:rPr lang="ko-KR" altLang="en-US" sz="3200" b="1" dirty="0" smtClean="0">
+                <a:solidFill>
+                  <a:schemeClr val="accent1"/>
+                </a:solidFill>
+              </a:rPr>
+              <a:t>평균</a:t>
+            </a:r>
+            <a:r>
+              <a:rPr lang="en-US" altLang="ko-KR" sz="3200" b="1" dirty="0" smtClean="0">
+                <a:solidFill>
+                  <a:schemeClr val="accent1"/>
+                </a:solidFill>
+              </a:rPr>
+              <a:t>: 51.20</a:t>
+            </a:r>
+            <a:endParaRPr lang="ko-KR" altLang="en-US" sz="3200" b="1" dirty="0">
+              <a:solidFill>
+                <a:schemeClr val="accent1"/>
+              </a:solidFill>
+            </a:endParaRPr>
+          </a:p>
+        </p:txBody>
+      </p:sp>
+      <p:sp>
+        <p:nvSpPr>
+          <p:cNvPr id="20" name="TextBox 19"/>
+          <p:cNvSpPr txBox="1"/>
+          <p:nvPr/>
+        </p:nvSpPr>
+        <p:spPr>
+          <a:xfrm>
+            <a:off x="243732" y="3958178"/>
+            <a:ext cx="8656537" cy="584775"/>
+          </a:xfrm>
+          <a:prstGeom prst="rect">
+            <a:avLst/>
+          </a:prstGeom>
+          <a:noFill/>
+        </p:spPr>
+        <p:txBody>
+          <a:bodyPr wrap="none" rtlCol="0">
+            <a:spAutoFit/>
+          </a:bodyPr>
+          <a:lstStyle/>
+          <a:p>
+            <a:r>
+              <a:rPr lang="en-US" altLang="ko-KR" sz="3200" b="1" dirty="0" smtClean="0">
+                <a:sym typeface="Wingdings" pitchFamily="2" charset="2"/>
+              </a:rPr>
+              <a:t> </a:t>
+            </a:r>
+            <a:r>
+              <a:rPr lang="ko-KR" altLang="en-US" sz="3200" b="1" dirty="0" smtClean="0"/>
+              <a:t>각 그룹의 평균 차이</a:t>
+            </a:r>
+            <a:r>
+              <a:rPr lang="en-US" altLang="ko-KR" sz="3200" b="1" dirty="0" smtClean="0"/>
+              <a:t>: </a:t>
+            </a:r>
+            <a:r>
+              <a:rPr lang="en-US" altLang="ko-KR" sz="3200" b="1" dirty="0" smtClean="0">
+                <a:solidFill>
+                  <a:srgbClr val="F94545"/>
+                </a:solidFill>
+              </a:rPr>
+              <a:t>61.50</a:t>
+            </a:r>
+            <a:r>
+              <a:rPr lang="en-US" altLang="ko-KR" sz="3200" b="1" dirty="0" smtClean="0"/>
+              <a:t>-</a:t>
+            </a:r>
+            <a:r>
+              <a:rPr lang="en-US" altLang="ko-KR" sz="3200" b="1" dirty="0" smtClean="0">
+                <a:solidFill>
+                  <a:srgbClr val="92B1D6"/>
+                </a:solidFill>
+              </a:rPr>
+              <a:t>51.20</a:t>
+            </a:r>
+            <a:r>
+              <a:rPr lang="en-US" altLang="ko-KR" sz="3200" b="1" dirty="0" smtClean="0"/>
+              <a:t> = 10.30</a:t>
+            </a:r>
+            <a:endParaRPr lang="ko-KR" altLang="en-US" sz="3200" b="1" dirty="0"/>
+          </a:p>
+        </p:txBody>
+      </p:sp>
+    </p:spTree>
+    <p:extLst>
+      <p:ext uri="{BB962C8B-B14F-4D97-AF65-F5344CB8AC3E}">
+        <p14:creationId xmlns:p14="http://schemas.microsoft.com/office/powerpoint/2010/main" val="3650947820"/>
       </p:ext>
     </p:extLst>
   </p:cSld>

--- a/pics/2021-10-28-permutation_test/pics.pptx
+++ b/pics/2021-10-28-permutation_test/pics.pptx
@@ -8,6 +8,9 @@
     <p:sldId id="256" r:id="rId2"/>
     <p:sldId id="257" r:id="rId3"/>
     <p:sldId id="258" r:id="rId4"/>
+    <p:sldId id="259" r:id="rId5"/>
+    <p:sldId id="260" r:id="rId6"/>
+    <p:sldId id="261" r:id="rId7"/>
   </p:sldIdLst>
   <p:sldSz cx="9144000" cy="6858000" type="screen4x3"/>
   <p:notesSz cx="6858000" cy="9144000"/>
@@ -290,7 +293,7 @@
           <a:p>
             <a:fld id="{FB30EDBD-1C2D-4C1E-B459-B60219FAB484}" type="datetimeFigureOut">
               <a:rPr lang="ko-KR" altLang="en-US" smtClean="0"/>
-              <a:t>2021-10-28</a:t>
+              <a:t>2021-10-29</a:t>
             </a:fld>
             <a:endParaRPr lang="ko-KR" altLang="en-US"/>
           </a:p>
@@ -455,7 +458,7 @@
           <a:p>
             <a:fld id="{FB30EDBD-1C2D-4C1E-B459-B60219FAB484}" type="datetimeFigureOut">
               <a:rPr lang="ko-KR" altLang="en-US" smtClean="0"/>
-              <a:t>2021-10-28</a:t>
+              <a:t>2021-10-29</a:t>
             </a:fld>
             <a:endParaRPr lang="ko-KR" altLang="en-US"/>
           </a:p>
@@ -630,7 +633,7 @@
           <a:p>
             <a:fld id="{FB30EDBD-1C2D-4C1E-B459-B60219FAB484}" type="datetimeFigureOut">
               <a:rPr lang="ko-KR" altLang="en-US" smtClean="0"/>
-              <a:t>2021-10-28</a:t>
+              <a:t>2021-10-29</a:t>
             </a:fld>
             <a:endParaRPr lang="ko-KR" altLang="en-US"/>
           </a:p>
@@ -795,7 +798,7 @@
           <a:p>
             <a:fld id="{FB30EDBD-1C2D-4C1E-B459-B60219FAB484}" type="datetimeFigureOut">
               <a:rPr lang="ko-KR" altLang="en-US" smtClean="0"/>
-              <a:t>2021-10-28</a:t>
+              <a:t>2021-10-29</a:t>
             </a:fld>
             <a:endParaRPr lang="ko-KR" altLang="en-US"/>
           </a:p>
@@ -1036,7 +1039,7 @@
           <a:p>
             <a:fld id="{FB30EDBD-1C2D-4C1E-B459-B60219FAB484}" type="datetimeFigureOut">
               <a:rPr lang="ko-KR" altLang="en-US" smtClean="0"/>
-              <a:t>2021-10-28</a:t>
+              <a:t>2021-10-29</a:t>
             </a:fld>
             <a:endParaRPr lang="ko-KR" altLang="en-US"/>
           </a:p>
@@ -1319,7 +1322,7 @@
           <a:p>
             <a:fld id="{FB30EDBD-1C2D-4C1E-B459-B60219FAB484}" type="datetimeFigureOut">
               <a:rPr lang="ko-KR" altLang="en-US" smtClean="0"/>
-              <a:t>2021-10-28</a:t>
+              <a:t>2021-10-29</a:t>
             </a:fld>
             <a:endParaRPr lang="ko-KR" altLang="en-US"/>
           </a:p>
@@ -1736,7 +1739,7 @@
           <a:p>
             <a:fld id="{FB30EDBD-1C2D-4C1E-B459-B60219FAB484}" type="datetimeFigureOut">
               <a:rPr lang="ko-KR" altLang="en-US" smtClean="0"/>
-              <a:t>2021-10-28</a:t>
+              <a:t>2021-10-29</a:t>
             </a:fld>
             <a:endParaRPr lang="ko-KR" altLang="en-US"/>
           </a:p>
@@ -1849,7 +1852,7 @@
           <a:p>
             <a:fld id="{FB30EDBD-1C2D-4C1E-B459-B60219FAB484}" type="datetimeFigureOut">
               <a:rPr lang="ko-KR" altLang="en-US" smtClean="0"/>
-              <a:t>2021-10-28</a:t>
+              <a:t>2021-10-29</a:t>
             </a:fld>
             <a:endParaRPr lang="ko-KR" altLang="en-US"/>
           </a:p>
@@ -1939,7 +1942,7 @@
           <a:p>
             <a:fld id="{FB30EDBD-1C2D-4C1E-B459-B60219FAB484}" type="datetimeFigureOut">
               <a:rPr lang="ko-KR" altLang="en-US" smtClean="0"/>
-              <a:t>2021-10-28</a:t>
+              <a:t>2021-10-29</a:t>
             </a:fld>
             <a:endParaRPr lang="ko-KR" altLang="en-US"/>
           </a:p>
@@ -2211,7 +2214,7 @@
           <a:p>
             <a:fld id="{FB30EDBD-1C2D-4C1E-B459-B60219FAB484}" type="datetimeFigureOut">
               <a:rPr lang="ko-KR" altLang="en-US" smtClean="0"/>
-              <a:t>2021-10-28</a:t>
+              <a:t>2021-10-29</a:t>
             </a:fld>
             <a:endParaRPr lang="ko-KR" altLang="en-US"/>
           </a:p>
@@ -2459,7 +2462,7 @@
           <a:p>
             <a:fld id="{FB30EDBD-1C2D-4C1E-B459-B60219FAB484}" type="datetimeFigureOut">
               <a:rPr lang="ko-KR" altLang="en-US" smtClean="0"/>
-              <a:t>2021-10-28</a:t>
+              <a:t>2021-10-29</a:t>
             </a:fld>
             <a:endParaRPr lang="ko-KR" altLang="en-US"/>
           </a:p>
@@ -2667,7 +2670,7 @@
           <a:p>
             <a:fld id="{FB30EDBD-1C2D-4C1E-B459-B60219FAB484}" type="datetimeFigureOut">
               <a:rPr lang="ko-KR" altLang="en-US" smtClean="0"/>
-              <a:t>2021-10-28</a:t>
+              <a:t>2021-10-29</a:t>
             </a:fld>
             <a:endParaRPr lang="ko-KR" altLang="en-US"/>
           </a:p>
@@ -4957,6 +4960,3585 @@
     <p:extLst>
       <p:ext uri="{BB962C8B-B14F-4D97-AF65-F5344CB8AC3E}">
         <p14:creationId xmlns:p14="http://schemas.microsoft.com/office/powerpoint/2010/main" val="3650947820"/>
+      </p:ext>
+    </p:extLst>
+  </p:cSld>
+  <p:clrMapOvr>
+    <a:masterClrMapping/>
+  </p:clrMapOvr>
+</p:sld>
+</file>
+
+<file path=ppt/slides/slide4.xml><?xml version="1.0" encoding="utf-8"?>
+<p:sld xmlns:a="http://schemas.openxmlformats.org/drawingml/2006/main" xmlns:r="http://schemas.openxmlformats.org/officeDocument/2006/relationships" xmlns:p="http://schemas.openxmlformats.org/presentationml/2006/main">
+  <p:cSld>
+    <p:spTree>
+      <p:nvGrpSpPr>
+        <p:cNvPr id="1" name=""/>
+        <p:cNvGrpSpPr/>
+        <p:nvPr/>
+      </p:nvGrpSpPr>
+      <p:grpSpPr>
+        <a:xfrm>
+          <a:off x="0" y="0"/>
+          <a:ext cx="0" cy="0"/>
+          <a:chOff x="0" y="0"/>
+          <a:chExt cx="0" cy="0"/>
+        </a:xfrm>
+      </p:grpSpPr>
+      <p:pic>
+        <p:nvPicPr>
+          <p:cNvPr id="1031" name="Picture 7"/>
+          <p:cNvPicPr>
+            <a:picLocks noChangeAspect="1" noChangeArrowheads="1"/>
+          </p:cNvPicPr>
+          <p:nvPr/>
+        </p:nvPicPr>
+        <p:blipFill>
+          <a:blip r:embed="rId2">
+            <a:extLst>
+              <a:ext uri="{28A0092B-C50C-407E-A947-70E740481C1C}">
+                <a14:useLocalDpi xmlns:a14="http://schemas.microsoft.com/office/drawing/2010/main" val="0"/>
+              </a:ext>
+            </a:extLst>
+          </a:blip>
+          <a:srcRect/>
+          <a:stretch>
+            <a:fillRect/>
+          </a:stretch>
+        </p:blipFill>
+        <p:spPr bwMode="auto">
+          <a:xfrm>
+            <a:off x="519113" y="2828055"/>
+            <a:ext cx="8105775" cy="3990975"/>
+          </a:xfrm>
+          <a:prstGeom prst="rect">
+            <a:avLst/>
+          </a:prstGeom>
+          <a:noFill/>
+          <a:ln>
+            <a:noFill/>
+          </a:ln>
+          <a:effectLst/>
+          <a:extLst>
+            <a:ext uri="{909E8E84-426E-40DD-AFC4-6F175D3DCCD1}">
+              <a14:hiddenFill xmlns:a14="http://schemas.microsoft.com/office/drawing/2010/main">
+                <a:solidFill>
+                  <a:schemeClr val="accent1"/>
+                </a:solidFill>
+              </a14:hiddenFill>
+            </a:ext>
+            <a:ext uri="{91240B29-F687-4F45-9708-019B960494DF}">
+              <a14:hiddenLine xmlns:a14="http://schemas.microsoft.com/office/drawing/2010/main" w="9525">
+                <a:solidFill>
+                  <a:schemeClr val="tx1"/>
+                </a:solidFill>
+                <a:miter lim="800000"/>
+                <a:headEnd/>
+                <a:tailEnd/>
+              </a14:hiddenLine>
+            </a:ext>
+            <a:ext uri="{AF507438-7753-43E0-B8FC-AC1667EBCBE1}">
+              <a14:hiddenEffects xmlns:a14="http://schemas.microsoft.com/office/drawing/2010/main">
+                <a:effectLst>
+                  <a:outerShdw dist="35921" dir="2700000" algn="ctr" rotWithShape="0">
+                    <a:schemeClr val="bg2"/>
+                  </a:outerShdw>
+                </a:effectLst>
+              </a14:hiddenEffects>
+            </a:ext>
+          </a:extLst>
+        </p:spPr>
+      </p:pic>
+      <p:sp>
+        <p:nvSpPr>
+          <p:cNvPr id="6" name="타원 5"/>
+          <p:cNvSpPr/>
+          <p:nvPr/>
+        </p:nvSpPr>
+        <p:spPr>
+          <a:xfrm>
+            <a:off x="212335" y="836712"/>
+            <a:ext cx="831273" cy="831273"/>
+          </a:xfrm>
+          <a:prstGeom prst="ellipse">
+            <a:avLst/>
+          </a:prstGeom>
+          <a:solidFill>
+            <a:srgbClr val="F94545"/>
+          </a:solidFill>
+          <a:ln>
+            <a:solidFill>
+              <a:schemeClr val="tx1"/>
+            </a:solidFill>
+          </a:ln>
+        </p:spPr>
+        <p:style>
+          <a:lnRef idx="2">
+            <a:schemeClr val="accent1">
+              <a:shade val="50000"/>
+            </a:schemeClr>
+          </a:lnRef>
+          <a:fillRef idx="1">
+            <a:schemeClr val="accent1"/>
+          </a:fillRef>
+          <a:effectRef idx="0">
+            <a:schemeClr val="accent1"/>
+          </a:effectRef>
+          <a:fontRef idx="minor">
+            <a:schemeClr val="lt1"/>
+          </a:fontRef>
+        </p:style>
+        <p:txBody>
+          <a:bodyPr rtlCol="0" anchor="ctr"/>
+          <a:lstStyle/>
+          <a:p>
+            <a:pPr algn="ctr"/>
+            <a:r>
+              <a:rPr lang="en-US" altLang="ko-KR" sz="2400" b="1" dirty="0" smtClean="0">
+                <a:solidFill>
+                  <a:sysClr val="windowText" lastClr="000000"/>
+                </a:solidFill>
+              </a:rPr>
+              <a:t>58</a:t>
+            </a:r>
+            <a:endParaRPr lang="ko-KR" altLang="en-US" sz="2400" b="1" dirty="0">
+              <a:solidFill>
+                <a:sysClr val="windowText" lastClr="000000"/>
+              </a:solidFill>
+            </a:endParaRPr>
+          </a:p>
+        </p:txBody>
+      </p:sp>
+      <p:sp>
+        <p:nvSpPr>
+          <p:cNvPr id="7" name="타원 6"/>
+          <p:cNvSpPr/>
+          <p:nvPr/>
+        </p:nvSpPr>
+        <p:spPr>
+          <a:xfrm>
+            <a:off x="1198342" y="836712"/>
+            <a:ext cx="831273" cy="831273"/>
+          </a:xfrm>
+          <a:prstGeom prst="ellipse">
+            <a:avLst/>
+          </a:prstGeom>
+          <a:solidFill>
+            <a:srgbClr val="F94545"/>
+          </a:solidFill>
+          <a:ln>
+            <a:solidFill>
+              <a:schemeClr val="tx1"/>
+            </a:solidFill>
+          </a:ln>
+        </p:spPr>
+        <p:style>
+          <a:lnRef idx="2">
+            <a:schemeClr val="accent1">
+              <a:shade val="50000"/>
+            </a:schemeClr>
+          </a:lnRef>
+          <a:fillRef idx="1">
+            <a:schemeClr val="accent1"/>
+          </a:fillRef>
+          <a:effectRef idx="0">
+            <a:schemeClr val="accent1"/>
+          </a:effectRef>
+          <a:fontRef idx="minor">
+            <a:schemeClr val="lt1"/>
+          </a:fontRef>
+        </p:style>
+        <p:txBody>
+          <a:bodyPr rtlCol="0" anchor="ctr"/>
+          <a:lstStyle/>
+          <a:p>
+            <a:pPr algn="ctr"/>
+            <a:r>
+              <a:rPr lang="en-US" altLang="ko-KR" sz="2400" b="1" dirty="0" smtClean="0">
+                <a:solidFill>
+                  <a:sysClr val="windowText" lastClr="000000"/>
+                </a:solidFill>
+              </a:rPr>
+              <a:t>69</a:t>
+            </a:r>
+            <a:endParaRPr lang="ko-KR" altLang="en-US" sz="2400" b="1" dirty="0">
+              <a:solidFill>
+                <a:sysClr val="windowText" lastClr="000000"/>
+              </a:solidFill>
+            </a:endParaRPr>
+          </a:p>
+        </p:txBody>
+      </p:sp>
+      <p:sp>
+        <p:nvSpPr>
+          <p:cNvPr id="8" name="타원 7"/>
+          <p:cNvSpPr/>
+          <p:nvPr/>
+        </p:nvSpPr>
+        <p:spPr>
+          <a:xfrm>
+            <a:off x="2184349" y="836712"/>
+            <a:ext cx="831273" cy="831273"/>
+          </a:xfrm>
+          <a:prstGeom prst="ellipse">
+            <a:avLst/>
+          </a:prstGeom>
+          <a:solidFill>
+            <a:srgbClr val="F94545"/>
+          </a:solidFill>
+          <a:ln>
+            <a:solidFill>
+              <a:schemeClr val="tx1"/>
+            </a:solidFill>
+          </a:ln>
+        </p:spPr>
+        <p:style>
+          <a:lnRef idx="2">
+            <a:schemeClr val="accent1">
+              <a:shade val="50000"/>
+            </a:schemeClr>
+          </a:lnRef>
+          <a:fillRef idx="1">
+            <a:schemeClr val="accent1"/>
+          </a:fillRef>
+          <a:effectRef idx="0">
+            <a:schemeClr val="accent1"/>
+          </a:effectRef>
+          <a:fontRef idx="minor">
+            <a:schemeClr val="lt1"/>
+          </a:fontRef>
+        </p:style>
+        <p:txBody>
+          <a:bodyPr rtlCol="0" anchor="ctr"/>
+          <a:lstStyle/>
+          <a:p>
+            <a:pPr algn="ctr"/>
+            <a:r>
+              <a:rPr lang="en-US" altLang="ko-KR" sz="2400" b="1" dirty="0" smtClean="0">
+                <a:solidFill>
+                  <a:sysClr val="windowText" lastClr="000000"/>
+                </a:solidFill>
+              </a:rPr>
+              <a:t>64</a:t>
+            </a:r>
+            <a:endParaRPr lang="ko-KR" altLang="en-US" sz="2400" b="1" dirty="0">
+              <a:solidFill>
+                <a:sysClr val="windowText" lastClr="000000"/>
+              </a:solidFill>
+            </a:endParaRPr>
+          </a:p>
+        </p:txBody>
+      </p:sp>
+      <p:sp>
+        <p:nvSpPr>
+          <p:cNvPr id="9" name="타원 8"/>
+          <p:cNvSpPr/>
+          <p:nvPr/>
+        </p:nvSpPr>
+        <p:spPr>
+          <a:xfrm>
+            <a:off x="3170356" y="836712"/>
+            <a:ext cx="831273" cy="831273"/>
+          </a:xfrm>
+          <a:prstGeom prst="ellipse">
+            <a:avLst/>
+          </a:prstGeom>
+          <a:solidFill>
+            <a:srgbClr val="F94545"/>
+          </a:solidFill>
+          <a:ln>
+            <a:solidFill>
+              <a:schemeClr val="tx1"/>
+            </a:solidFill>
+          </a:ln>
+        </p:spPr>
+        <p:style>
+          <a:lnRef idx="2">
+            <a:schemeClr val="accent1">
+              <a:shade val="50000"/>
+            </a:schemeClr>
+          </a:lnRef>
+          <a:fillRef idx="1">
+            <a:schemeClr val="accent1"/>
+          </a:fillRef>
+          <a:effectRef idx="0">
+            <a:schemeClr val="accent1"/>
+          </a:effectRef>
+          <a:fontRef idx="minor">
+            <a:schemeClr val="lt1"/>
+          </a:fontRef>
+        </p:style>
+        <p:txBody>
+          <a:bodyPr rtlCol="0" anchor="ctr"/>
+          <a:lstStyle/>
+          <a:p>
+            <a:pPr algn="ctr"/>
+            <a:r>
+              <a:rPr lang="en-US" altLang="ko-KR" sz="2400" b="1" dirty="0" smtClean="0">
+                <a:solidFill>
+                  <a:sysClr val="windowText" lastClr="000000"/>
+                </a:solidFill>
+              </a:rPr>
+              <a:t>55</a:t>
+            </a:r>
+            <a:endParaRPr lang="ko-KR" altLang="en-US" sz="2400" b="1" dirty="0">
+              <a:solidFill>
+                <a:sysClr val="windowText" lastClr="000000"/>
+              </a:solidFill>
+            </a:endParaRPr>
+          </a:p>
+        </p:txBody>
+      </p:sp>
+      <p:sp>
+        <p:nvSpPr>
+          <p:cNvPr id="10" name="타원 9"/>
+          <p:cNvSpPr/>
+          <p:nvPr/>
+        </p:nvSpPr>
+        <p:spPr>
+          <a:xfrm>
+            <a:off x="4156363" y="836712"/>
+            <a:ext cx="831273" cy="831273"/>
+          </a:xfrm>
+          <a:prstGeom prst="ellipse">
+            <a:avLst/>
+          </a:prstGeom>
+          <a:solidFill>
+            <a:srgbClr val="92B1D6"/>
+          </a:solidFill>
+          <a:ln>
+            <a:solidFill>
+              <a:schemeClr val="tx1"/>
+            </a:solidFill>
+          </a:ln>
+        </p:spPr>
+        <p:style>
+          <a:lnRef idx="2">
+            <a:schemeClr val="accent1">
+              <a:shade val="50000"/>
+            </a:schemeClr>
+          </a:lnRef>
+          <a:fillRef idx="1">
+            <a:schemeClr val="accent1"/>
+          </a:fillRef>
+          <a:effectRef idx="0">
+            <a:schemeClr val="accent1"/>
+          </a:effectRef>
+          <a:fontRef idx="minor">
+            <a:schemeClr val="lt1"/>
+          </a:fontRef>
+        </p:style>
+        <p:txBody>
+          <a:bodyPr rtlCol="0" anchor="ctr"/>
+          <a:lstStyle/>
+          <a:p>
+            <a:pPr algn="ctr"/>
+            <a:r>
+              <a:rPr lang="en-US" altLang="ko-KR" sz="2400" b="1" dirty="0" smtClean="0">
+                <a:solidFill>
+                  <a:sysClr val="windowText" lastClr="000000"/>
+                </a:solidFill>
+              </a:rPr>
+              <a:t>51</a:t>
+            </a:r>
+            <a:endParaRPr lang="ko-KR" altLang="en-US" sz="2400" b="1" dirty="0">
+              <a:solidFill>
+                <a:sysClr val="windowText" lastClr="000000"/>
+              </a:solidFill>
+            </a:endParaRPr>
+          </a:p>
+        </p:txBody>
+      </p:sp>
+      <p:sp>
+        <p:nvSpPr>
+          <p:cNvPr id="11" name="타원 10"/>
+          <p:cNvSpPr/>
+          <p:nvPr/>
+        </p:nvSpPr>
+        <p:spPr>
+          <a:xfrm>
+            <a:off x="5142370" y="836712"/>
+            <a:ext cx="831273" cy="831273"/>
+          </a:xfrm>
+          <a:prstGeom prst="ellipse">
+            <a:avLst/>
+          </a:prstGeom>
+          <a:solidFill>
+            <a:srgbClr val="92B1D6"/>
+          </a:solidFill>
+          <a:ln>
+            <a:solidFill>
+              <a:schemeClr val="tx1"/>
+            </a:solidFill>
+          </a:ln>
+        </p:spPr>
+        <p:style>
+          <a:lnRef idx="2">
+            <a:schemeClr val="accent1">
+              <a:shade val="50000"/>
+            </a:schemeClr>
+          </a:lnRef>
+          <a:fillRef idx="1">
+            <a:schemeClr val="accent1"/>
+          </a:fillRef>
+          <a:effectRef idx="0">
+            <a:schemeClr val="accent1"/>
+          </a:effectRef>
+          <a:fontRef idx="minor">
+            <a:schemeClr val="lt1"/>
+          </a:fontRef>
+        </p:style>
+        <p:txBody>
+          <a:bodyPr rtlCol="0" anchor="ctr"/>
+          <a:lstStyle/>
+          <a:p>
+            <a:pPr algn="ctr"/>
+            <a:r>
+              <a:rPr lang="en-US" altLang="ko-KR" sz="2400" b="1" dirty="0" smtClean="0">
+                <a:solidFill>
+                  <a:sysClr val="windowText" lastClr="000000"/>
+                </a:solidFill>
+              </a:rPr>
+              <a:t>41</a:t>
+            </a:r>
+            <a:endParaRPr lang="ko-KR" altLang="en-US" sz="2400" b="1" dirty="0">
+              <a:solidFill>
+                <a:sysClr val="windowText" lastClr="000000"/>
+              </a:solidFill>
+            </a:endParaRPr>
+          </a:p>
+        </p:txBody>
+      </p:sp>
+      <p:sp>
+        <p:nvSpPr>
+          <p:cNvPr id="12" name="타원 11"/>
+          <p:cNvSpPr/>
+          <p:nvPr/>
+        </p:nvSpPr>
+        <p:spPr>
+          <a:xfrm>
+            <a:off x="6128377" y="836712"/>
+            <a:ext cx="831273" cy="831273"/>
+          </a:xfrm>
+          <a:prstGeom prst="ellipse">
+            <a:avLst/>
+          </a:prstGeom>
+          <a:solidFill>
+            <a:srgbClr val="92B1D6"/>
+          </a:solidFill>
+          <a:ln>
+            <a:solidFill>
+              <a:schemeClr val="tx1"/>
+            </a:solidFill>
+          </a:ln>
+        </p:spPr>
+        <p:style>
+          <a:lnRef idx="2">
+            <a:schemeClr val="accent1">
+              <a:shade val="50000"/>
+            </a:schemeClr>
+          </a:lnRef>
+          <a:fillRef idx="1">
+            <a:schemeClr val="accent1"/>
+          </a:fillRef>
+          <a:effectRef idx="0">
+            <a:schemeClr val="accent1"/>
+          </a:effectRef>
+          <a:fontRef idx="minor">
+            <a:schemeClr val="lt1"/>
+          </a:fontRef>
+        </p:style>
+        <p:txBody>
+          <a:bodyPr rtlCol="0" anchor="ctr"/>
+          <a:lstStyle/>
+          <a:p>
+            <a:pPr algn="ctr"/>
+            <a:r>
+              <a:rPr lang="en-US" altLang="ko-KR" sz="2400" b="1" dirty="0" smtClean="0">
+                <a:solidFill>
+                  <a:sysClr val="windowText" lastClr="000000"/>
+                </a:solidFill>
+              </a:rPr>
+              <a:t>51</a:t>
+            </a:r>
+            <a:endParaRPr lang="ko-KR" altLang="en-US" sz="2400" b="1" dirty="0">
+              <a:solidFill>
+                <a:sysClr val="windowText" lastClr="000000"/>
+              </a:solidFill>
+            </a:endParaRPr>
+          </a:p>
+        </p:txBody>
+      </p:sp>
+      <p:sp>
+        <p:nvSpPr>
+          <p:cNvPr id="13" name="타원 12"/>
+          <p:cNvSpPr/>
+          <p:nvPr/>
+        </p:nvSpPr>
+        <p:spPr>
+          <a:xfrm>
+            <a:off x="7114384" y="836712"/>
+            <a:ext cx="831273" cy="831273"/>
+          </a:xfrm>
+          <a:prstGeom prst="ellipse">
+            <a:avLst/>
+          </a:prstGeom>
+          <a:solidFill>
+            <a:srgbClr val="92B1D6"/>
+          </a:solidFill>
+          <a:ln>
+            <a:solidFill>
+              <a:schemeClr val="tx1"/>
+            </a:solidFill>
+          </a:ln>
+        </p:spPr>
+        <p:style>
+          <a:lnRef idx="2">
+            <a:schemeClr val="accent1">
+              <a:shade val="50000"/>
+            </a:schemeClr>
+          </a:lnRef>
+          <a:fillRef idx="1">
+            <a:schemeClr val="accent1"/>
+          </a:fillRef>
+          <a:effectRef idx="0">
+            <a:schemeClr val="accent1"/>
+          </a:effectRef>
+          <a:fontRef idx="minor">
+            <a:schemeClr val="lt1"/>
+          </a:fontRef>
+        </p:style>
+        <p:txBody>
+          <a:bodyPr rtlCol="0" anchor="ctr"/>
+          <a:lstStyle/>
+          <a:p>
+            <a:pPr algn="ctr"/>
+            <a:r>
+              <a:rPr lang="en-US" altLang="ko-KR" sz="2400" b="1" dirty="0" smtClean="0">
+                <a:solidFill>
+                  <a:sysClr val="windowText" lastClr="000000"/>
+                </a:solidFill>
+              </a:rPr>
+              <a:t>71</a:t>
+            </a:r>
+            <a:endParaRPr lang="ko-KR" altLang="en-US" sz="2400" b="1" dirty="0">
+              <a:solidFill>
+                <a:sysClr val="windowText" lastClr="000000"/>
+              </a:solidFill>
+            </a:endParaRPr>
+          </a:p>
+        </p:txBody>
+      </p:sp>
+      <p:sp>
+        <p:nvSpPr>
+          <p:cNvPr id="14" name="타원 13"/>
+          <p:cNvSpPr/>
+          <p:nvPr/>
+        </p:nvSpPr>
+        <p:spPr>
+          <a:xfrm>
+            <a:off x="8100392" y="836712"/>
+            <a:ext cx="831273" cy="831273"/>
+          </a:xfrm>
+          <a:prstGeom prst="ellipse">
+            <a:avLst/>
+          </a:prstGeom>
+          <a:solidFill>
+            <a:srgbClr val="92B1D6"/>
+          </a:solidFill>
+          <a:ln>
+            <a:solidFill>
+              <a:schemeClr val="tx1"/>
+            </a:solidFill>
+          </a:ln>
+        </p:spPr>
+        <p:style>
+          <a:lnRef idx="2">
+            <a:schemeClr val="accent1">
+              <a:shade val="50000"/>
+            </a:schemeClr>
+          </a:lnRef>
+          <a:fillRef idx="1">
+            <a:schemeClr val="accent1"/>
+          </a:fillRef>
+          <a:effectRef idx="0">
+            <a:schemeClr val="accent1"/>
+          </a:effectRef>
+          <a:fontRef idx="minor">
+            <a:schemeClr val="lt1"/>
+          </a:fontRef>
+        </p:style>
+        <p:txBody>
+          <a:bodyPr rtlCol="0" anchor="ctr"/>
+          <a:lstStyle/>
+          <a:p>
+            <a:pPr algn="ctr"/>
+            <a:r>
+              <a:rPr lang="en-US" altLang="ko-KR" sz="2400" b="1" dirty="0" smtClean="0">
+                <a:solidFill>
+                  <a:sysClr val="windowText" lastClr="000000"/>
+                </a:solidFill>
+              </a:rPr>
+              <a:t>42</a:t>
+            </a:r>
+            <a:endParaRPr lang="ko-KR" altLang="en-US" sz="2400" b="1" dirty="0">
+              <a:solidFill>
+                <a:sysClr val="windowText" lastClr="000000"/>
+              </a:solidFill>
+            </a:endParaRPr>
+          </a:p>
+        </p:txBody>
+      </p:sp>
+      <p:sp>
+        <p:nvSpPr>
+          <p:cNvPr id="2" name="직사각형 1"/>
+          <p:cNvSpPr/>
+          <p:nvPr/>
+        </p:nvSpPr>
+        <p:spPr>
+          <a:xfrm>
+            <a:off x="2764709" y="3022104"/>
+            <a:ext cx="1353188" cy="914400"/>
+          </a:xfrm>
+          <a:prstGeom prst="rect">
+            <a:avLst/>
+          </a:prstGeom>
+          <a:noFill/>
+          <a:ln>
+            <a:noFill/>
+          </a:ln>
+        </p:spPr>
+        <p:style>
+          <a:lnRef idx="2">
+            <a:schemeClr val="accent1">
+              <a:shade val="50000"/>
+            </a:schemeClr>
+          </a:lnRef>
+          <a:fillRef idx="1">
+            <a:schemeClr val="accent1"/>
+          </a:fillRef>
+          <a:effectRef idx="0">
+            <a:schemeClr val="accent1"/>
+          </a:effectRef>
+          <a:fontRef idx="minor">
+            <a:schemeClr val="lt1"/>
+          </a:fontRef>
+        </p:style>
+        <p:txBody>
+          <a:bodyPr rtlCol="0" anchor="ctr"/>
+          <a:lstStyle/>
+          <a:p>
+            <a:pPr algn="ctr"/>
+            <a:r>
+              <a:rPr lang="en-US" altLang="ko-KR" sz="2800" dirty="0" smtClean="0">
+                <a:solidFill>
+                  <a:schemeClr val="tx1"/>
+                </a:solidFill>
+              </a:rPr>
+              <a:t>51.75</a:t>
+            </a:r>
+            <a:endParaRPr lang="ko-KR" altLang="en-US" sz="2800" dirty="0">
+              <a:solidFill>
+                <a:schemeClr val="tx1"/>
+              </a:solidFill>
+            </a:endParaRPr>
+          </a:p>
+        </p:txBody>
+      </p:sp>
+      <p:sp>
+        <p:nvSpPr>
+          <p:cNvPr id="21" name="직사각형 20"/>
+          <p:cNvSpPr/>
+          <p:nvPr/>
+        </p:nvSpPr>
+        <p:spPr>
+          <a:xfrm>
+            <a:off x="4217038" y="3022104"/>
+            <a:ext cx="1131499" cy="914400"/>
+          </a:xfrm>
+          <a:prstGeom prst="rect">
+            <a:avLst/>
+          </a:prstGeom>
+          <a:noFill/>
+          <a:ln>
+            <a:noFill/>
+          </a:ln>
+        </p:spPr>
+        <p:style>
+          <a:lnRef idx="2">
+            <a:schemeClr val="accent1">
+              <a:shade val="50000"/>
+            </a:schemeClr>
+          </a:lnRef>
+          <a:fillRef idx="1">
+            <a:schemeClr val="accent1"/>
+          </a:fillRef>
+          <a:effectRef idx="0">
+            <a:schemeClr val="accent1"/>
+          </a:effectRef>
+          <a:fontRef idx="minor">
+            <a:schemeClr val="lt1"/>
+          </a:fontRef>
+        </p:style>
+        <p:txBody>
+          <a:bodyPr rtlCol="0" anchor="ctr"/>
+          <a:lstStyle/>
+          <a:p>
+            <a:pPr algn="ctr"/>
+            <a:r>
+              <a:rPr lang="en-US" altLang="ko-KR" sz="2800" dirty="0" smtClean="0">
+                <a:solidFill>
+                  <a:schemeClr val="tx1"/>
+                </a:solidFill>
+              </a:rPr>
+              <a:t>59.00</a:t>
+            </a:r>
+            <a:endParaRPr lang="ko-KR" altLang="en-US" sz="2800" dirty="0">
+              <a:solidFill>
+                <a:schemeClr val="tx1"/>
+              </a:solidFill>
+            </a:endParaRPr>
+          </a:p>
+        </p:txBody>
+      </p:sp>
+      <p:cxnSp>
+        <p:nvCxnSpPr>
+          <p:cNvPr id="4" name="직선 연결선 3"/>
+          <p:cNvCxnSpPr>
+            <a:stCxn id="8" idx="4"/>
+            <a:endCxn id="2" idx="0"/>
+          </p:cNvCxnSpPr>
+          <p:nvPr/>
+        </p:nvCxnSpPr>
+        <p:spPr>
+          <a:xfrm>
+            <a:off x="2599986" y="1667985"/>
+            <a:ext cx="841317" cy="1354119"/>
+          </a:xfrm>
+          <a:prstGeom prst="line">
+            <a:avLst/>
+          </a:prstGeom>
+          <a:ln w="28575">
+            <a:solidFill>
+              <a:schemeClr val="tx1"/>
+            </a:solidFill>
+          </a:ln>
+        </p:spPr>
+        <p:style>
+          <a:lnRef idx="1">
+            <a:schemeClr val="accent1"/>
+          </a:lnRef>
+          <a:fillRef idx="0">
+            <a:schemeClr val="accent1"/>
+          </a:fillRef>
+          <a:effectRef idx="0">
+            <a:schemeClr val="accent1"/>
+          </a:effectRef>
+          <a:fontRef idx="minor">
+            <a:schemeClr val="tx1"/>
+          </a:fontRef>
+        </p:style>
+      </p:cxnSp>
+      <p:cxnSp>
+        <p:nvCxnSpPr>
+          <p:cNvPr id="15" name="직선 연결선 14"/>
+          <p:cNvCxnSpPr>
+            <a:stCxn id="11" idx="4"/>
+            <a:endCxn id="2" idx="0"/>
+          </p:cNvCxnSpPr>
+          <p:nvPr/>
+        </p:nvCxnSpPr>
+        <p:spPr>
+          <a:xfrm flipH="1">
+            <a:off x="3441303" y="1667985"/>
+            <a:ext cx="2116704" cy="1354119"/>
+          </a:xfrm>
+          <a:prstGeom prst="line">
+            <a:avLst/>
+          </a:prstGeom>
+          <a:ln w="28575">
+            <a:solidFill>
+              <a:schemeClr val="tx1"/>
+            </a:solidFill>
+          </a:ln>
+        </p:spPr>
+        <p:style>
+          <a:lnRef idx="1">
+            <a:schemeClr val="accent1"/>
+          </a:lnRef>
+          <a:fillRef idx="0">
+            <a:schemeClr val="accent1"/>
+          </a:fillRef>
+          <a:effectRef idx="0">
+            <a:schemeClr val="accent1"/>
+          </a:effectRef>
+          <a:fontRef idx="minor">
+            <a:schemeClr val="tx1"/>
+          </a:fontRef>
+        </p:style>
+      </p:cxnSp>
+      <p:cxnSp>
+        <p:nvCxnSpPr>
+          <p:cNvPr id="23" name="직선 연결선 22"/>
+          <p:cNvCxnSpPr>
+            <a:stCxn id="10" idx="4"/>
+            <a:endCxn id="2" idx="0"/>
+          </p:cNvCxnSpPr>
+          <p:nvPr/>
+        </p:nvCxnSpPr>
+        <p:spPr>
+          <a:xfrm flipH="1">
+            <a:off x="3441303" y="1667985"/>
+            <a:ext cx="1130697" cy="1354119"/>
+          </a:xfrm>
+          <a:prstGeom prst="line">
+            <a:avLst/>
+          </a:prstGeom>
+          <a:ln w="28575">
+            <a:solidFill>
+              <a:schemeClr val="tx1"/>
+            </a:solidFill>
+          </a:ln>
+        </p:spPr>
+        <p:style>
+          <a:lnRef idx="1">
+            <a:schemeClr val="accent1"/>
+          </a:lnRef>
+          <a:fillRef idx="0">
+            <a:schemeClr val="accent1"/>
+          </a:fillRef>
+          <a:effectRef idx="0">
+            <a:schemeClr val="accent1"/>
+          </a:effectRef>
+          <a:fontRef idx="minor">
+            <a:schemeClr val="tx1"/>
+          </a:fontRef>
+        </p:style>
+      </p:cxnSp>
+      <p:cxnSp>
+        <p:nvCxnSpPr>
+          <p:cNvPr id="25" name="직선 연결선 24"/>
+          <p:cNvCxnSpPr>
+            <a:stCxn id="12" idx="4"/>
+            <a:endCxn id="2" idx="0"/>
+          </p:cNvCxnSpPr>
+          <p:nvPr/>
+        </p:nvCxnSpPr>
+        <p:spPr>
+          <a:xfrm flipH="1">
+            <a:off x="3441303" y="1667985"/>
+            <a:ext cx="3102711" cy="1354119"/>
+          </a:xfrm>
+          <a:prstGeom prst="line">
+            <a:avLst/>
+          </a:prstGeom>
+          <a:ln w="28575">
+            <a:solidFill>
+              <a:schemeClr val="tx1"/>
+            </a:solidFill>
+          </a:ln>
+        </p:spPr>
+        <p:style>
+          <a:lnRef idx="1">
+            <a:schemeClr val="accent1"/>
+          </a:lnRef>
+          <a:fillRef idx="0">
+            <a:schemeClr val="accent1"/>
+          </a:fillRef>
+          <a:effectRef idx="0">
+            <a:schemeClr val="accent1"/>
+          </a:effectRef>
+          <a:fontRef idx="minor">
+            <a:schemeClr val="tx1"/>
+          </a:fontRef>
+        </p:style>
+      </p:cxnSp>
+      <p:cxnSp>
+        <p:nvCxnSpPr>
+          <p:cNvPr id="27" name="직선 연결선 26"/>
+          <p:cNvCxnSpPr>
+            <a:stCxn id="6" idx="4"/>
+            <a:endCxn id="21" idx="0"/>
+          </p:cNvCxnSpPr>
+          <p:nvPr/>
+        </p:nvCxnSpPr>
+        <p:spPr>
+          <a:xfrm>
+            <a:off x="627972" y="1667985"/>
+            <a:ext cx="4154816" cy="1354119"/>
+          </a:xfrm>
+          <a:prstGeom prst="line">
+            <a:avLst/>
+          </a:prstGeom>
+          <a:ln w="28575">
+            <a:solidFill>
+              <a:schemeClr val="tx1"/>
+            </a:solidFill>
+            <a:prstDash val="dash"/>
+          </a:ln>
+        </p:spPr>
+        <p:style>
+          <a:lnRef idx="1">
+            <a:schemeClr val="accent1"/>
+          </a:lnRef>
+          <a:fillRef idx="0">
+            <a:schemeClr val="accent1"/>
+          </a:fillRef>
+          <a:effectRef idx="0">
+            <a:schemeClr val="accent1"/>
+          </a:effectRef>
+          <a:fontRef idx="minor">
+            <a:schemeClr val="tx1"/>
+          </a:fontRef>
+        </p:style>
+      </p:cxnSp>
+      <p:cxnSp>
+        <p:nvCxnSpPr>
+          <p:cNvPr id="29" name="직선 연결선 28"/>
+          <p:cNvCxnSpPr>
+            <a:stCxn id="7" idx="4"/>
+            <a:endCxn id="21" idx="0"/>
+          </p:cNvCxnSpPr>
+          <p:nvPr/>
+        </p:nvCxnSpPr>
+        <p:spPr>
+          <a:xfrm>
+            <a:off x="1613979" y="1667985"/>
+            <a:ext cx="3168809" cy="1354119"/>
+          </a:xfrm>
+          <a:prstGeom prst="line">
+            <a:avLst/>
+          </a:prstGeom>
+          <a:ln w="28575">
+            <a:solidFill>
+              <a:schemeClr val="tx1"/>
+            </a:solidFill>
+            <a:prstDash val="dash"/>
+          </a:ln>
+        </p:spPr>
+        <p:style>
+          <a:lnRef idx="1">
+            <a:schemeClr val="accent1"/>
+          </a:lnRef>
+          <a:fillRef idx="0">
+            <a:schemeClr val="accent1"/>
+          </a:fillRef>
+          <a:effectRef idx="0">
+            <a:schemeClr val="accent1"/>
+          </a:effectRef>
+          <a:fontRef idx="minor">
+            <a:schemeClr val="tx1"/>
+          </a:fontRef>
+        </p:style>
+      </p:cxnSp>
+      <p:cxnSp>
+        <p:nvCxnSpPr>
+          <p:cNvPr id="31" name="직선 연결선 30"/>
+          <p:cNvCxnSpPr>
+            <a:stCxn id="9" idx="4"/>
+            <a:endCxn id="21" idx="0"/>
+          </p:cNvCxnSpPr>
+          <p:nvPr/>
+        </p:nvCxnSpPr>
+        <p:spPr>
+          <a:xfrm>
+            <a:off x="3585993" y="1667985"/>
+            <a:ext cx="1196795" cy="1354119"/>
+          </a:xfrm>
+          <a:prstGeom prst="line">
+            <a:avLst/>
+          </a:prstGeom>
+          <a:ln w="28575">
+            <a:solidFill>
+              <a:schemeClr val="tx1"/>
+            </a:solidFill>
+            <a:prstDash val="dash"/>
+          </a:ln>
+        </p:spPr>
+        <p:style>
+          <a:lnRef idx="1">
+            <a:schemeClr val="accent1"/>
+          </a:lnRef>
+          <a:fillRef idx="0">
+            <a:schemeClr val="accent1"/>
+          </a:fillRef>
+          <a:effectRef idx="0">
+            <a:schemeClr val="accent1"/>
+          </a:effectRef>
+          <a:fontRef idx="minor">
+            <a:schemeClr val="tx1"/>
+          </a:fontRef>
+        </p:style>
+      </p:cxnSp>
+      <p:cxnSp>
+        <p:nvCxnSpPr>
+          <p:cNvPr id="33" name="직선 화살표 연결선 32"/>
+          <p:cNvCxnSpPr>
+            <a:stCxn id="13" idx="4"/>
+            <a:endCxn id="21" idx="0"/>
+          </p:cNvCxnSpPr>
+          <p:nvPr/>
+        </p:nvCxnSpPr>
+        <p:spPr>
+          <a:xfrm flipH="1">
+            <a:off x="4782788" y="1667985"/>
+            <a:ext cx="2747233" cy="1354119"/>
+          </a:xfrm>
+          <a:prstGeom prst="straightConnector1">
+            <a:avLst/>
+          </a:prstGeom>
+          <a:ln w="28575">
+            <a:solidFill>
+              <a:schemeClr val="tx1"/>
+            </a:solidFill>
+            <a:prstDash val="dash"/>
+            <a:headEnd type="none" w="med" len="med"/>
+            <a:tailEnd type="none" w="med" len="med"/>
+          </a:ln>
+        </p:spPr>
+        <p:style>
+          <a:lnRef idx="1">
+            <a:schemeClr val="accent1"/>
+          </a:lnRef>
+          <a:fillRef idx="0">
+            <a:schemeClr val="accent1"/>
+          </a:fillRef>
+          <a:effectRef idx="0">
+            <a:schemeClr val="accent1"/>
+          </a:effectRef>
+          <a:fontRef idx="minor">
+            <a:schemeClr val="tx1"/>
+          </a:fontRef>
+        </p:style>
+      </p:cxnSp>
+      <p:cxnSp>
+        <p:nvCxnSpPr>
+          <p:cNvPr id="35" name="직선 연결선 34"/>
+          <p:cNvCxnSpPr>
+            <a:stCxn id="14" idx="4"/>
+            <a:endCxn id="21" idx="0"/>
+          </p:cNvCxnSpPr>
+          <p:nvPr/>
+        </p:nvCxnSpPr>
+        <p:spPr>
+          <a:xfrm flipH="1">
+            <a:off x="4782788" y="1667985"/>
+            <a:ext cx="3733241" cy="1354119"/>
+          </a:xfrm>
+          <a:prstGeom prst="line">
+            <a:avLst/>
+          </a:prstGeom>
+          <a:ln w="28575">
+            <a:solidFill>
+              <a:schemeClr val="tx1"/>
+            </a:solidFill>
+            <a:prstDash val="dash"/>
+          </a:ln>
+        </p:spPr>
+        <p:style>
+          <a:lnRef idx="1">
+            <a:schemeClr val="accent1"/>
+          </a:lnRef>
+          <a:fillRef idx="0">
+            <a:schemeClr val="accent1"/>
+          </a:fillRef>
+          <a:effectRef idx="0">
+            <a:schemeClr val="accent1"/>
+          </a:effectRef>
+          <a:fontRef idx="minor">
+            <a:schemeClr val="tx1"/>
+          </a:fontRef>
+        </p:style>
+      </p:cxnSp>
+      <p:sp>
+        <p:nvSpPr>
+          <p:cNvPr id="36" name="TextBox 35"/>
+          <p:cNvSpPr txBox="1"/>
+          <p:nvPr/>
+        </p:nvSpPr>
+        <p:spPr>
+          <a:xfrm>
+            <a:off x="3951826" y="3212976"/>
+            <a:ext cx="332142" cy="523220"/>
+          </a:xfrm>
+          <a:prstGeom prst="rect">
+            <a:avLst/>
+          </a:prstGeom>
+          <a:noFill/>
+        </p:spPr>
+        <p:txBody>
+          <a:bodyPr wrap="none" rtlCol="0">
+            <a:spAutoFit/>
+          </a:bodyPr>
+          <a:lstStyle/>
+          <a:p>
+            <a:r>
+              <a:rPr lang="en-US" altLang="ko-KR" sz="2800" dirty="0" smtClean="0"/>
+              <a:t>-</a:t>
+            </a:r>
+            <a:endParaRPr lang="ko-KR" altLang="en-US" sz="2800" dirty="0"/>
+          </a:p>
+        </p:txBody>
+      </p:sp>
+      <p:sp>
+        <p:nvSpPr>
+          <p:cNvPr id="55" name="TextBox 54"/>
+          <p:cNvSpPr txBox="1"/>
+          <p:nvPr/>
+        </p:nvSpPr>
+        <p:spPr>
+          <a:xfrm>
+            <a:off x="5142370" y="3212976"/>
+            <a:ext cx="1380506" cy="523220"/>
+          </a:xfrm>
+          <a:prstGeom prst="rect">
+            <a:avLst/>
+          </a:prstGeom>
+          <a:noFill/>
+        </p:spPr>
+        <p:txBody>
+          <a:bodyPr wrap="none" rtlCol="0">
+            <a:spAutoFit/>
+          </a:bodyPr>
+          <a:lstStyle/>
+          <a:p>
+            <a:r>
+              <a:rPr lang="en-US" altLang="ko-KR" sz="2800" dirty="0" smtClean="0"/>
+              <a:t>= -7.25</a:t>
+            </a:r>
+            <a:endParaRPr lang="ko-KR" altLang="en-US" sz="2800" dirty="0"/>
+          </a:p>
+        </p:txBody>
+      </p:sp>
+      <p:sp>
+        <p:nvSpPr>
+          <p:cNvPr id="61" name="TextBox 60"/>
+          <p:cNvSpPr txBox="1"/>
+          <p:nvPr/>
+        </p:nvSpPr>
+        <p:spPr>
+          <a:xfrm>
+            <a:off x="179512" y="188640"/>
+            <a:ext cx="2212465" cy="523220"/>
+          </a:xfrm>
+          <a:prstGeom prst="rect">
+            <a:avLst/>
+          </a:prstGeom>
+          <a:noFill/>
+        </p:spPr>
+        <p:txBody>
+          <a:bodyPr wrap="none" rtlCol="0">
+            <a:spAutoFit/>
+          </a:bodyPr>
+          <a:lstStyle/>
+          <a:p>
+            <a:r>
+              <a:rPr lang="en-US" altLang="ko-KR" sz="2800" b="1" dirty="0" smtClean="0"/>
+              <a:t>[1</a:t>
+            </a:r>
+            <a:r>
+              <a:rPr lang="ko-KR" altLang="en-US" sz="2800" b="1" dirty="0" smtClean="0"/>
+              <a:t>회차 선택</a:t>
+            </a:r>
+            <a:r>
+              <a:rPr lang="en-US" altLang="ko-KR" sz="2800" b="1" dirty="0" smtClean="0"/>
+              <a:t>]</a:t>
+            </a:r>
+            <a:endParaRPr lang="ko-KR" altLang="en-US" sz="2800" b="1" dirty="0"/>
+          </a:p>
+        </p:txBody>
+      </p:sp>
+    </p:spTree>
+    <p:extLst>
+      <p:ext uri="{BB962C8B-B14F-4D97-AF65-F5344CB8AC3E}">
+        <p14:creationId xmlns:p14="http://schemas.microsoft.com/office/powerpoint/2010/main" val="3523486886"/>
+      </p:ext>
+    </p:extLst>
+  </p:cSld>
+  <p:clrMapOvr>
+    <a:masterClrMapping/>
+  </p:clrMapOvr>
+</p:sld>
+</file>
+
+<file path=ppt/slides/slide5.xml><?xml version="1.0" encoding="utf-8"?>
+<p:sld xmlns:a="http://schemas.openxmlformats.org/drawingml/2006/main" xmlns:r="http://schemas.openxmlformats.org/officeDocument/2006/relationships" xmlns:p="http://schemas.openxmlformats.org/presentationml/2006/main">
+  <p:cSld>
+    <p:spTree>
+      <p:nvGrpSpPr>
+        <p:cNvPr id="1" name=""/>
+        <p:cNvGrpSpPr/>
+        <p:nvPr/>
+      </p:nvGrpSpPr>
+      <p:grpSpPr>
+        <a:xfrm>
+          <a:off x="0" y="0"/>
+          <a:ext cx="0" cy="0"/>
+          <a:chOff x="0" y="0"/>
+          <a:chExt cx="0" cy="0"/>
+        </a:xfrm>
+      </p:grpSpPr>
+      <p:pic>
+        <p:nvPicPr>
+          <p:cNvPr id="39" name="Picture 3"/>
+          <p:cNvPicPr>
+            <a:picLocks noChangeAspect="1" noChangeArrowheads="1"/>
+          </p:cNvPicPr>
+          <p:nvPr/>
+        </p:nvPicPr>
+        <p:blipFill>
+          <a:blip r:embed="rId2">
+            <a:extLst>
+              <a:ext uri="{28A0092B-C50C-407E-A947-70E740481C1C}">
+                <a14:useLocalDpi xmlns:a14="http://schemas.microsoft.com/office/drawing/2010/main" val="0"/>
+              </a:ext>
+            </a:extLst>
+          </a:blip>
+          <a:srcRect/>
+          <a:stretch>
+            <a:fillRect/>
+          </a:stretch>
+        </p:blipFill>
+        <p:spPr bwMode="auto">
+          <a:xfrm>
+            <a:off x="519113" y="2833180"/>
+            <a:ext cx="8105775" cy="3990975"/>
+          </a:xfrm>
+          <a:prstGeom prst="rect">
+            <a:avLst/>
+          </a:prstGeom>
+          <a:noFill/>
+          <a:ln>
+            <a:noFill/>
+          </a:ln>
+          <a:effectLst/>
+          <a:extLst>
+            <a:ext uri="{909E8E84-426E-40DD-AFC4-6F175D3DCCD1}">
+              <a14:hiddenFill xmlns:a14="http://schemas.microsoft.com/office/drawing/2010/main">
+                <a:solidFill>
+                  <a:schemeClr val="accent1"/>
+                </a:solidFill>
+              </a14:hiddenFill>
+            </a:ext>
+            <a:ext uri="{91240B29-F687-4F45-9708-019B960494DF}">
+              <a14:hiddenLine xmlns:a14="http://schemas.microsoft.com/office/drawing/2010/main" w="9525">
+                <a:solidFill>
+                  <a:schemeClr val="tx1"/>
+                </a:solidFill>
+                <a:miter lim="800000"/>
+                <a:headEnd/>
+                <a:tailEnd/>
+              </a14:hiddenLine>
+            </a:ext>
+            <a:ext uri="{AF507438-7753-43E0-B8FC-AC1667EBCBE1}">
+              <a14:hiddenEffects xmlns:a14="http://schemas.microsoft.com/office/drawing/2010/main">
+                <a:effectLst>
+                  <a:outerShdw dist="35921" dir="2700000" algn="ctr" rotWithShape="0">
+                    <a:schemeClr val="bg2"/>
+                  </a:outerShdw>
+                </a:effectLst>
+              </a14:hiddenEffects>
+            </a:ext>
+          </a:extLst>
+        </p:spPr>
+      </p:pic>
+      <p:sp>
+        <p:nvSpPr>
+          <p:cNvPr id="6" name="타원 5"/>
+          <p:cNvSpPr/>
+          <p:nvPr/>
+        </p:nvSpPr>
+        <p:spPr>
+          <a:xfrm>
+            <a:off x="212335" y="836712"/>
+            <a:ext cx="831273" cy="831273"/>
+          </a:xfrm>
+          <a:prstGeom prst="ellipse">
+            <a:avLst/>
+          </a:prstGeom>
+          <a:solidFill>
+            <a:srgbClr val="F94545"/>
+          </a:solidFill>
+          <a:ln>
+            <a:solidFill>
+              <a:schemeClr val="tx1"/>
+            </a:solidFill>
+          </a:ln>
+        </p:spPr>
+        <p:style>
+          <a:lnRef idx="2">
+            <a:schemeClr val="accent1">
+              <a:shade val="50000"/>
+            </a:schemeClr>
+          </a:lnRef>
+          <a:fillRef idx="1">
+            <a:schemeClr val="accent1"/>
+          </a:fillRef>
+          <a:effectRef idx="0">
+            <a:schemeClr val="accent1"/>
+          </a:effectRef>
+          <a:fontRef idx="minor">
+            <a:schemeClr val="lt1"/>
+          </a:fontRef>
+        </p:style>
+        <p:txBody>
+          <a:bodyPr rtlCol="0" anchor="ctr"/>
+          <a:lstStyle/>
+          <a:p>
+            <a:pPr algn="ctr"/>
+            <a:r>
+              <a:rPr lang="en-US" altLang="ko-KR" sz="2400" b="1" dirty="0" smtClean="0">
+                <a:solidFill>
+                  <a:sysClr val="windowText" lastClr="000000"/>
+                </a:solidFill>
+              </a:rPr>
+              <a:t>58</a:t>
+            </a:r>
+            <a:endParaRPr lang="ko-KR" altLang="en-US" sz="2400" b="1" dirty="0">
+              <a:solidFill>
+                <a:sysClr val="windowText" lastClr="000000"/>
+              </a:solidFill>
+            </a:endParaRPr>
+          </a:p>
+        </p:txBody>
+      </p:sp>
+      <p:sp>
+        <p:nvSpPr>
+          <p:cNvPr id="7" name="타원 6"/>
+          <p:cNvSpPr/>
+          <p:nvPr/>
+        </p:nvSpPr>
+        <p:spPr>
+          <a:xfrm>
+            <a:off x="1198342" y="836712"/>
+            <a:ext cx="831273" cy="831273"/>
+          </a:xfrm>
+          <a:prstGeom prst="ellipse">
+            <a:avLst/>
+          </a:prstGeom>
+          <a:solidFill>
+            <a:srgbClr val="F94545"/>
+          </a:solidFill>
+          <a:ln>
+            <a:solidFill>
+              <a:schemeClr val="tx1"/>
+            </a:solidFill>
+          </a:ln>
+        </p:spPr>
+        <p:style>
+          <a:lnRef idx="2">
+            <a:schemeClr val="accent1">
+              <a:shade val="50000"/>
+            </a:schemeClr>
+          </a:lnRef>
+          <a:fillRef idx="1">
+            <a:schemeClr val="accent1"/>
+          </a:fillRef>
+          <a:effectRef idx="0">
+            <a:schemeClr val="accent1"/>
+          </a:effectRef>
+          <a:fontRef idx="minor">
+            <a:schemeClr val="lt1"/>
+          </a:fontRef>
+        </p:style>
+        <p:txBody>
+          <a:bodyPr rtlCol="0" anchor="ctr"/>
+          <a:lstStyle/>
+          <a:p>
+            <a:pPr algn="ctr"/>
+            <a:r>
+              <a:rPr lang="en-US" altLang="ko-KR" sz="2400" b="1" dirty="0" smtClean="0">
+                <a:solidFill>
+                  <a:sysClr val="windowText" lastClr="000000"/>
+                </a:solidFill>
+              </a:rPr>
+              <a:t>69</a:t>
+            </a:r>
+            <a:endParaRPr lang="ko-KR" altLang="en-US" sz="2400" b="1" dirty="0">
+              <a:solidFill>
+                <a:sysClr val="windowText" lastClr="000000"/>
+              </a:solidFill>
+            </a:endParaRPr>
+          </a:p>
+        </p:txBody>
+      </p:sp>
+      <p:sp>
+        <p:nvSpPr>
+          <p:cNvPr id="8" name="타원 7"/>
+          <p:cNvSpPr/>
+          <p:nvPr/>
+        </p:nvSpPr>
+        <p:spPr>
+          <a:xfrm>
+            <a:off x="2184349" y="836712"/>
+            <a:ext cx="831273" cy="831273"/>
+          </a:xfrm>
+          <a:prstGeom prst="ellipse">
+            <a:avLst/>
+          </a:prstGeom>
+          <a:solidFill>
+            <a:srgbClr val="F94545"/>
+          </a:solidFill>
+          <a:ln>
+            <a:solidFill>
+              <a:schemeClr val="tx1"/>
+            </a:solidFill>
+          </a:ln>
+        </p:spPr>
+        <p:style>
+          <a:lnRef idx="2">
+            <a:schemeClr val="accent1">
+              <a:shade val="50000"/>
+            </a:schemeClr>
+          </a:lnRef>
+          <a:fillRef idx="1">
+            <a:schemeClr val="accent1"/>
+          </a:fillRef>
+          <a:effectRef idx="0">
+            <a:schemeClr val="accent1"/>
+          </a:effectRef>
+          <a:fontRef idx="minor">
+            <a:schemeClr val="lt1"/>
+          </a:fontRef>
+        </p:style>
+        <p:txBody>
+          <a:bodyPr rtlCol="0" anchor="ctr"/>
+          <a:lstStyle/>
+          <a:p>
+            <a:pPr algn="ctr"/>
+            <a:r>
+              <a:rPr lang="en-US" altLang="ko-KR" sz="2400" b="1" dirty="0" smtClean="0">
+                <a:solidFill>
+                  <a:sysClr val="windowText" lastClr="000000"/>
+                </a:solidFill>
+              </a:rPr>
+              <a:t>64</a:t>
+            </a:r>
+            <a:endParaRPr lang="ko-KR" altLang="en-US" sz="2400" b="1" dirty="0">
+              <a:solidFill>
+                <a:sysClr val="windowText" lastClr="000000"/>
+              </a:solidFill>
+            </a:endParaRPr>
+          </a:p>
+        </p:txBody>
+      </p:sp>
+      <p:sp>
+        <p:nvSpPr>
+          <p:cNvPr id="9" name="타원 8"/>
+          <p:cNvSpPr/>
+          <p:nvPr/>
+        </p:nvSpPr>
+        <p:spPr>
+          <a:xfrm>
+            <a:off x="3170356" y="836712"/>
+            <a:ext cx="831273" cy="831273"/>
+          </a:xfrm>
+          <a:prstGeom prst="ellipse">
+            <a:avLst/>
+          </a:prstGeom>
+          <a:solidFill>
+            <a:srgbClr val="F94545"/>
+          </a:solidFill>
+          <a:ln>
+            <a:solidFill>
+              <a:schemeClr val="tx1"/>
+            </a:solidFill>
+          </a:ln>
+        </p:spPr>
+        <p:style>
+          <a:lnRef idx="2">
+            <a:schemeClr val="accent1">
+              <a:shade val="50000"/>
+            </a:schemeClr>
+          </a:lnRef>
+          <a:fillRef idx="1">
+            <a:schemeClr val="accent1"/>
+          </a:fillRef>
+          <a:effectRef idx="0">
+            <a:schemeClr val="accent1"/>
+          </a:effectRef>
+          <a:fontRef idx="minor">
+            <a:schemeClr val="lt1"/>
+          </a:fontRef>
+        </p:style>
+        <p:txBody>
+          <a:bodyPr rtlCol="0" anchor="ctr"/>
+          <a:lstStyle/>
+          <a:p>
+            <a:pPr algn="ctr"/>
+            <a:r>
+              <a:rPr lang="en-US" altLang="ko-KR" sz="2400" b="1" dirty="0" smtClean="0">
+                <a:solidFill>
+                  <a:sysClr val="windowText" lastClr="000000"/>
+                </a:solidFill>
+              </a:rPr>
+              <a:t>55</a:t>
+            </a:r>
+            <a:endParaRPr lang="ko-KR" altLang="en-US" sz="2400" b="1" dirty="0">
+              <a:solidFill>
+                <a:sysClr val="windowText" lastClr="000000"/>
+              </a:solidFill>
+            </a:endParaRPr>
+          </a:p>
+        </p:txBody>
+      </p:sp>
+      <p:sp>
+        <p:nvSpPr>
+          <p:cNvPr id="10" name="타원 9"/>
+          <p:cNvSpPr/>
+          <p:nvPr/>
+        </p:nvSpPr>
+        <p:spPr>
+          <a:xfrm>
+            <a:off x="4156363" y="836712"/>
+            <a:ext cx="831273" cy="831273"/>
+          </a:xfrm>
+          <a:prstGeom prst="ellipse">
+            <a:avLst/>
+          </a:prstGeom>
+          <a:solidFill>
+            <a:srgbClr val="92B1D6"/>
+          </a:solidFill>
+          <a:ln>
+            <a:solidFill>
+              <a:schemeClr val="tx1"/>
+            </a:solidFill>
+          </a:ln>
+        </p:spPr>
+        <p:style>
+          <a:lnRef idx="2">
+            <a:schemeClr val="accent1">
+              <a:shade val="50000"/>
+            </a:schemeClr>
+          </a:lnRef>
+          <a:fillRef idx="1">
+            <a:schemeClr val="accent1"/>
+          </a:fillRef>
+          <a:effectRef idx="0">
+            <a:schemeClr val="accent1"/>
+          </a:effectRef>
+          <a:fontRef idx="minor">
+            <a:schemeClr val="lt1"/>
+          </a:fontRef>
+        </p:style>
+        <p:txBody>
+          <a:bodyPr rtlCol="0" anchor="ctr"/>
+          <a:lstStyle/>
+          <a:p>
+            <a:pPr algn="ctr"/>
+            <a:r>
+              <a:rPr lang="en-US" altLang="ko-KR" sz="2400" b="1" dirty="0" smtClean="0">
+                <a:solidFill>
+                  <a:sysClr val="windowText" lastClr="000000"/>
+                </a:solidFill>
+              </a:rPr>
+              <a:t>51</a:t>
+            </a:r>
+            <a:endParaRPr lang="ko-KR" altLang="en-US" sz="2400" b="1" dirty="0">
+              <a:solidFill>
+                <a:sysClr val="windowText" lastClr="000000"/>
+              </a:solidFill>
+            </a:endParaRPr>
+          </a:p>
+        </p:txBody>
+      </p:sp>
+      <p:sp>
+        <p:nvSpPr>
+          <p:cNvPr id="11" name="타원 10"/>
+          <p:cNvSpPr/>
+          <p:nvPr/>
+        </p:nvSpPr>
+        <p:spPr>
+          <a:xfrm>
+            <a:off x="5142370" y="836712"/>
+            <a:ext cx="831273" cy="831273"/>
+          </a:xfrm>
+          <a:prstGeom prst="ellipse">
+            <a:avLst/>
+          </a:prstGeom>
+          <a:solidFill>
+            <a:srgbClr val="92B1D6"/>
+          </a:solidFill>
+          <a:ln>
+            <a:solidFill>
+              <a:schemeClr val="tx1"/>
+            </a:solidFill>
+          </a:ln>
+        </p:spPr>
+        <p:style>
+          <a:lnRef idx="2">
+            <a:schemeClr val="accent1">
+              <a:shade val="50000"/>
+            </a:schemeClr>
+          </a:lnRef>
+          <a:fillRef idx="1">
+            <a:schemeClr val="accent1"/>
+          </a:fillRef>
+          <a:effectRef idx="0">
+            <a:schemeClr val="accent1"/>
+          </a:effectRef>
+          <a:fontRef idx="minor">
+            <a:schemeClr val="lt1"/>
+          </a:fontRef>
+        </p:style>
+        <p:txBody>
+          <a:bodyPr rtlCol="0" anchor="ctr"/>
+          <a:lstStyle/>
+          <a:p>
+            <a:pPr algn="ctr"/>
+            <a:r>
+              <a:rPr lang="en-US" altLang="ko-KR" sz="2400" b="1" dirty="0" smtClean="0">
+                <a:solidFill>
+                  <a:sysClr val="windowText" lastClr="000000"/>
+                </a:solidFill>
+              </a:rPr>
+              <a:t>41</a:t>
+            </a:r>
+            <a:endParaRPr lang="ko-KR" altLang="en-US" sz="2400" b="1" dirty="0">
+              <a:solidFill>
+                <a:sysClr val="windowText" lastClr="000000"/>
+              </a:solidFill>
+            </a:endParaRPr>
+          </a:p>
+        </p:txBody>
+      </p:sp>
+      <p:sp>
+        <p:nvSpPr>
+          <p:cNvPr id="12" name="타원 11"/>
+          <p:cNvSpPr/>
+          <p:nvPr/>
+        </p:nvSpPr>
+        <p:spPr>
+          <a:xfrm>
+            <a:off x="6128377" y="836712"/>
+            <a:ext cx="831273" cy="831273"/>
+          </a:xfrm>
+          <a:prstGeom prst="ellipse">
+            <a:avLst/>
+          </a:prstGeom>
+          <a:solidFill>
+            <a:srgbClr val="92B1D6"/>
+          </a:solidFill>
+          <a:ln>
+            <a:solidFill>
+              <a:schemeClr val="tx1"/>
+            </a:solidFill>
+          </a:ln>
+        </p:spPr>
+        <p:style>
+          <a:lnRef idx="2">
+            <a:schemeClr val="accent1">
+              <a:shade val="50000"/>
+            </a:schemeClr>
+          </a:lnRef>
+          <a:fillRef idx="1">
+            <a:schemeClr val="accent1"/>
+          </a:fillRef>
+          <a:effectRef idx="0">
+            <a:schemeClr val="accent1"/>
+          </a:effectRef>
+          <a:fontRef idx="minor">
+            <a:schemeClr val="lt1"/>
+          </a:fontRef>
+        </p:style>
+        <p:txBody>
+          <a:bodyPr rtlCol="0" anchor="ctr"/>
+          <a:lstStyle/>
+          <a:p>
+            <a:pPr algn="ctr"/>
+            <a:r>
+              <a:rPr lang="en-US" altLang="ko-KR" sz="2400" b="1" dirty="0" smtClean="0">
+                <a:solidFill>
+                  <a:sysClr val="windowText" lastClr="000000"/>
+                </a:solidFill>
+              </a:rPr>
+              <a:t>51</a:t>
+            </a:r>
+            <a:endParaRPr lang="ko-KR" altLang="en-US" sz="2400" b="1" dirty="0">
+              <a:solidFill>
+                <a:sysClr val="windowText" lastClr="000000"/>
+              </a:solidFill>
+            </a:endParaRPr>
+          </a:p>
+        </p:txBody>
+      </p:sp>
+      <p:sp>
+        <p:nvSpPr>
+          <p:cNvPr id="13" name="타원 12"/>
+          <p:cNvSpPr/>
+          <p:nvPr/>
+        </p:nvSpPr>
+        <p:spPr>
+          <a:xfrm>
+            <a:off x="7114384" y="836712"/>
+            <a:ext cx="831273" cy="831273"/>
+          </a:xfrm>
+          <a:prstGeom prst="ellipse">
+            <a:avLst/>
+          </a:prstGeom>
+          <a:solidFill>
+            <a:srgbClr val="92B1D6"/>
+          </a:solidFill>
+          <a:ln>
+            <a:solidFill>
+              <a:schemeClr val="tx1"/>
+            </a:solidFill>
+          </a:ln>
+        </p:spPr>
+        <p:style>
+          <a:lnRef idx="2">
+            <a:schemeClr val="accent1">
+              <a:shade val="50000"/>
+            </a:schemeClr>
+          </a:lnRef>
+          <a:fillRef idx="1">
+            <a:schemeClr val="accent1"/>
+          </a:fillRef>
+          <a:effectRef idx="0">
+            <a:schemeClr val="accent1"/>
+          </a:effectRef>
+          <a:fontRef idx="minor">
+            <a:schemeClr val="lt1"/>
+          </a:fontRef>
+        </p:style>
+        <p:txBody>
+          <a:bodyPr rtlCol="0" anchor="ctr"/>
+          <a:lstStyle/>
+          <a:p>
+            <a:pPr algn="ctr"/>
+            <a:r>
+              <a:rPr lang="en-US" altLang="ko-KR" sz="2400" b="1" dirty="0" smtClean="0">
+                <a:solidFill>
+                  <a:sysClr val="windowText" lastClr="000000"/>
+                </a:solidFill>
+              </a:rPr>
+              <a:t>71</a:t>
+            </a:r>
+            <a:endParaRPr lang="ko-KR" altLang="en-US" sz="2400" b="1" dirty="0">
+              <a:solidFill>
+                <a:sysClr val="windowText" lastClr="000000"/>
+              </a:solidFill>
+            </a:endParaRPr>
+          </a:p>
+        </p:txBody>
+      </p:sp>
+      <p:sp>
+        <p:nvSpPr>
+          <p:cNvPr id="14" name="타원 13"/>
+          <p:cNvSpPr/>
+          <p:nvPr/>
+        </p:nvSpPr>
+        <p:spPr>
+          <a:xfrm>
+            <a:off x="8100392" y="836712"/>
+            <a:ext cx="831273" cy="831273"/>
+          </a:xfrm>
+          <a:prstGeom prst="ellipse">
+            <a:avLst/>
+          </a:prstGeom>
+          <a:solidFill>
+            <a:srgbClr val="92B1D6"/>
+          </a:solidFill>
+          <a:ln>
+            <a:solidFill>
+              <a:schemeClr val="tx1"/>
+            </a:solidFill>
+          </a:ln>
+        </p:spPr>
+        <p:style>
+          <a:lnRef idx="2">
+            <a:schemeClr val="accent1">
+              <a:shade val="50000"/>
+            </a:schemeClr>
+          </a:lnRef>
+          <a:fillRef idx="1">
+            <a:schemeClr val="accent1"/>
+          </a:fillRef>
+          <a:effectRef idx="0">
+            <a:schemeClr val="accent1"/>
+          </a:effectRef>
+          <a:fontRef idx="minor">
+            <a:schemeClr val="lt1"/>
+          </a:fontRef>
+        </p:style>
+        <p:txBody>
+          <a:bodyPr rtlCol="0" anchor="ctr"/>
+          <a:lstStyle/>
+          <a:p>
+            <a:pPr algn="ctr"/>
+            <a:r>
+              <a:rPr lang="en-US" altLang="ko-KR" sz="2400" b="1" dirty="0" smtClean="0">
+                <a:solidFill>
+                  <a:sysClr val="windowText" lastClr="000000"/>
+                </a:solidFill>
+              </a:rPr>
+              <a:t>42</a:t>
+            </a:r>
+            <a:endParaRPr lang="ko-KR" altLang="en-US" sz="2400" b="1" dirty="0">
+              <a:solidFill>
+                <a:sysClr val="windowText" lastClr="000000"/>
+              </a:solidFill>
+            </a:endParaRPr>
+          </a:p>
+        </p:txBody>
+      </p:sp>
+      <p:sp>
+        <p:nvSpPr>
+          <p:cNvPr id="2" name="직사각형 1"/>
+          <p:cNvSpPr/>
+          <p:nvPr/>
+        </p:nvSpPr>
+        <p:spPr>
+          <a:xfrm>
+            <a:off x="2764709" y="3022104"/>
+            <a:ext cx="1353188" cy="914400"/>
+          </a:xfrm>
+          <a:prstGeom prst="rect">
+            <a:avLst/>
+          </a:prstGeom>
+          <a:noFill/>
+          <a:ln>
+            <a:noFill/>
+          </a:ln>
+        </p:spPr>
+        <p:style>
+          <a:lnRef idx="2">
+            <a:schemeClr val="accent1">
+              <a:shade val="50000"/>
+            </a:schemeClr>
+          </a:lnRef>
+          <a:fillRef idx="1">
+            <a:schemeClr val="accent1"/>
+          </a:fillRef>
+          <a:effectRef idx="0">
+            <a:schemeClr val="accent1"/>
+          </a:effectRef>
+          <a:fontRef idx="minor">
+            <a:schemeClr val="lt1"/>
+          </a:fontRef>
+        </p:style>
+        <p:txBody>
+          <a:bodyPr rtlCol="0" anchor="ctr"/>
+          <a:lstStyle/>
+          <a:p>
+            <a:pPr algn="ctr"/>
+            <a:r>
+              <a:rPr lang="en-US" altLang="ko-KR" sz="2800" dirty="0" smtClean="0">
+                <a:solidFill>
+                  <a:schemeClr val="tx1"/>
+                </a:solidFill>
+              </a:rPr>
+              <a:t>50.75</a:t>
+            </a:r>
+            <a:endParaRPr lang="ko-KR" altLang="en-US" sz="2800" dirty="0">
+              <a:solidFill>
+                <a:schemeClr val="tx1"/>
+              </a:solidFill>
+            </a:endParaRPr>
+          </a:p>
+        </p:txBody>
+      </p:sp>
+      <p:sp>
+        <p:nvSpPr>
+          <p:cNvPr id="21" name="직사각형 20"/>
+          <p:cNvSpPr/>
+          <p:nvPr/>
+        </p:nvSpPr>
+        <p:spPr>
+          <a:xfrm>
+            <a:off x="4217038" y="3022104"/>
+            <a:ext cx="1131499" cy="914400"/>
+          </a:xfrm>
+          <a:prstGeom prst="rect">
+            <a:avLst/>
+          </a:prstGeom>
+          <a:noFill/>
+          <a:ln>
+            <a:noFill/>
+          </a:ln>
+        </p:spPr>
+        <p:style>
+          <a:lnRef idx="2">
+            <a:schemeClr val="accent1">
+              <a:shade val="50000"/>
+            </a:schemeClr>
+          </a:lnRef>
+          <a:fillRef idx="1">
+            <a:schemeClr val="accent1"/>
+          </a:fillRef>
+          <a:effectRef idx="0">
+            <a:schemeClr val="accent1"/>
+          </a:effectRef>
+          <a:fontRef idx="minor">
+            <a:schemeClr val="lt1"/>
+          </a:fontRef>
+        </p:style>
+        <p:txBody>
+          <a:bodyPr rtlCol="0" anchor="ctr"/>
+          <a:lstStyle/>
+          <a:p>
+            <a:pPr algn="ctr"/>
+            <a:r>
+              <a:rPr lang="en-US" altLang="ko-KR" sz="2800" dirty="0" smtClean="0">
+                <a:solidFill>
+                  <a:schemeClr val="tx1"/>
+                </a:solidFill>
+              </a:rPr>
+              <a:t>59.80</a:t>
+            </a:r>
+            <a:endParaRPr lang="ko-KR" altLang="en-US" sz="2800" dirty="0">
+              <a:solidFill>
+                <a:schemeClr val="tx1"/>
+              </a:solidFill>
+            </a:endParaRPr>
+          </a:p>
+        </p:txBody>
+      </p:sp>
+      <p:cxnSp>
+        <p:nvCxnSpPr>
+          <p:cNvPr id="4" name="직선 연결선 3"/>
+          <p:cNvCxnSpPr>
+            <a:stCxn id="7" idx="4"/>
+            <a:endCxn id="2" idx="0"/>
+          </p:cNvCxnSpPr>
+          <p:nvPr/>
+        </p:nvCxnSpPr>
+        <p:spPr>
+          <a:xfrm>
+            <a:off x="1613979" y="1667985"/>
+            <a:ext cx="1827324" cy="1354119"/>
+          </a:xfrm>
+          <a:prstGeom prst="line">
+            <a:avLst/>
+          </a:prstGeom>
+          <a:ln w="28575">
+            <a:solidFill>
+              <a:schemeClr val="tx1"/>
+            </a:solidFill>
+          </a:ln>
+        </p:spPr>
+        <p:style>
+          <a:lnRef idx="1">
+            <a:schemeClr val="accent1"/>
+          </a:lnRef>
+          <a:fillRef idx="0">
+            <a:schemeClr val="accent1"/>
+          </a:fillRef>
+          <a:effectRef idx="0">
+            <a:schemeClr val="accent1"/>
+          </a:effectRef>
+          <a:fontRef idx="minor">
+            <a:schemeClr val="tx1"/>
+          </a:fontRef>
+        </p:style>
+      </p:cxnSp>
+      <p:cxnSp>
+        <p:nvCxnSpPr>
+          <p:cNvPr id="15" name="직선 연결선 14"/>
+          <p:cNvCxnSpPr>
+            <a:stCxn id="14" idx="4"/>
+            <a:endCxn id="2" idx="0"/>
+          </p:cNvCxnSpPr>
+          <p:nvPr/>
+        </p:nvCxnSpPr>
+        <p:spPr>
+          <a:xfrm flipH="1">
+            <a:off x="3441303" y="1667985"/>
+            <a:ext cx="5074726" cy="1354119"/>
+          </a:xfrm>
+          <a:prstGeom prst="line">
+            <a:avLst/>
+          </a:prstGeom>
+          <a:ln w="28575">
+            <a:solidFill>
+              <a:schemeClr val="tx1"/>
+            </a:solidFill>
+          </a:ln>
+        </p:spPr>
+        <p:style>
+          <a:lnRef idx="1">
+            <a:schemeClr val="accent1"/>
+          </a:lnRef>
+          <a:fillRef idx="0">
+            <a:schemeClr val="accent1"/>
+          </a:fillRef>
+          <a:effectRef idx="0">
+            <a:schemeClr val="accent1"/>
+          </a:effectRef>
+          <a:fontRef idx="minor">
+            <a:schemeClr val="tx1"/>
+          </a:fontRef>
+        </p:style>
+      </p:cxnSp>
+      <p:cxnSp>
+        <p:nvCxnSpPr>
+          <p:cNvPr id="23" name="직선 연결선 22"/>
+          <p:cNvCxnSpPr>
+            <a:stCxn id="11" idx="4"/>
+            <a:endCxn id="2" idx="0"/>
+          </p:cNvCxnSpPr>
+          <p:nvPr/>
+        </p:nvCxnSpPr>
+        <p:spPr>
+          <a:xfrm flipH="1">
+            <a:off x="3441303" y="1667985"/>
+            <a:ext cx="2116704" cy="1354119"/>
+          </a:xfrm>
+          <a:prstGeom prst="line">
+            <a:avLst/>
+          </a:prstGeom>
+          <a:ln w="28575">
+            <a:solidFill>
+              <a:schemeClr val="tx1"/>
+            </a:solidFill>
+          </a:ln>
+        </p:spPr>
+        <p:style>
+          <a:lnRef idx="1">
+            <a:schemeClr val="accent1"/>
+          </a:lnRef>
+          <a:fillRef idx="0">
+            <a:schemeClr val="accent1"/>
+          </a:fillRef>
+          <a:effectRef idx="0">
+            <a:schemeClr val="accent1"/>
+          </a:effectRef>
+          <a:fontRef idx="minor">
+            <a:schemeClr val="tx1"/>
+          </a:fontRef>
+        </p:style>
+      </p:cxnSp>
+      <p:cxnSp>
+        <p:nvCxnSpPr>
+          <p:cNvPr id="25" name="직선 연결선 24"/>
+          <p:cNvCxnSpPr>
+            <a:stCxn id="12" idx="4"/>
+            <a:endCxn id="2" idx="0"/>
+          </p:cNvCxnSpPr>
+          <p:nvPr/>
+        </p:nvCxnSpPr>
+        <p:spPr>
+          <a:xfrm flipH="1">
+            <a:off x="3441303" y="1667985"/>
+            <a:ext cx="3102711" cy="1354119"/>
+          </a:xfrm>
+          <a:prstGeom prst="line">
+            <a:avLst/>
+          </a:prstGeom>
+          <a:ln w="28575">
+            <a:solidFill>
+              <a:schemeClr val="tx1"/>
+            </a:solidFill>
+          </a:ln>
+        </p:spPr>
+        <p:style>
+          <a:lnRef idx="1">
+            <a:schemeClr val="accent1"/>
+          </a:lnRef>
+          <a:fillRef idx="0">
+            <a:schemeClr val="accent1"/>
+          </a:fillRef>
+          <a:effectRef idx="0">
+            <a:schemeClr val="accent1"/>
+          </a:effectRef>
+          <a:fontRef idx="minor">
+            <a:schemeClr val="tx1"/>
+          </a:fontRef>
+        </p:style>
+      </p:cxnSp>
+      <p:cxnSp>
+        <p:nvCxnSpPr>
+          <p:cNvPr id="27" name="직선 연결선 26"/>
+          <p:cNvCxnSpPr>
+            <a:stCxn id="6" idx="4"/>
+            <a:endCxn id="21" idx="0"/>
+          </p:cNvCxnSpPr>
+          <p:nvPr/>
+        </p:nvCxnSpPr>
+        <p:spPr>
+          <a:xfrm>
+            <a:off x="627972" y="1667985"/>
+            <a:ext cx="4154816" cy="1354119"/>
+          </a:xfrm>
+          <a:prstGeom prst="line">
+            <a:avLst/>
+          </a:prstGeom>
+          <a:ln w="28575">
+            <a:solidFill>
+              <a:schemeClr val="tx1"/>
+            </a:solidFill>
+            <a:prstDash val="dash"/>
+          </a:ln>
+        </p:spPr>
+        <p:style>
+          <a:lnRef idx="1">
+            <a:schemeClr val="accent1"/>
+          </a:lnRef>
+          <a:fillRef idx="0">
+            <a:schemeClr val="accent1"/>
+          </a:fillRef>
+          <a:effectRef idx="0">
+            <a:schemeClr val="accent1"/>
+          </a:effectRef>
+          <a:fontRef idx="minor">
+            <a:schemeClr val="tx1"/>
+          </a:fontRef>
+        </p:style>
+      </p:cxnSp>
+      <p:cxnSp>
+        <p:nvCxnSpPr>
+          <p:cNvPr id="29" name="직선 연결선 28"/>
+          <p:cNvCxnSpPr>
+            <a:stCxn id="8" idx="4"/>
+            <a:endCxn id="21" idx="0"/>
+          </p:cNvCxnSpPr>
+          <p:nvPr/>
+        </p:nvCxnSpPr>
+        <p:spPr>
+          <a:xfrm>
+            <a:off x="2599986" y="1667985"/>
+            <a:ext cx="2182802" cy="1354119"/>
+          </a:xfrm>
+          <a:prstGeom prst="line">
+            <a:avLst/>
+          </a:prstGeom>
+          <a:ln w="28575">
+            <a:solidFill>
+              <a:schemeClr val="tx1"/>
+            </a:solidFill>
+            <a:prstDash val="dash"/>
+          </a:ln>
+        </p:spPr>
+        <p:style>
+          <a:lnRef idx="1">
+            <a:schemeClr val="accent1"/>
+          </a:lnRef>
+          <a:fillRef idx="0">
+            <a:schemeClr val="accent1"/>
+          </a:fillRef>
+          <a:effectRef idx="0">
+            <a:schemeClr val="accent1"/>
+          </a:effectRef>
+          <a:fontRef idx="minor">
+            <a:schemeClr val="tx1"/>
+          </a:fontRef>
+        </p:style>
+      </p:cxnSp>
+      <p:cxnSp>
+        <p:nvCxnSpPr>
+          <p:cNvPr id="31" name="직선 연결선 30"/>
+          <p:cNvCxnSpPr>
+            <a:stCxn id="9" idx="4"/>
+            <a:endCxn id="21" idx="0"/>
+          </p:cNvCxnSpPr>
+          <p:nvPr/>
+        </p:nvCxnSpPr>
+        <p:spPr>
+          <a:xfrm>
+            <a:off x="3585993" y="1667985"/>
+            <a:ext cx="1196795" cy="1354119"/>
+          </a:xfrm>
+          <a:prstGeom prst="line">
+            <a:avLst/>
+          </a:prstGeom>
+          <a:ln w="28575">
+            <a:solidFill>
+              <a:schemeClr val="tx1"/>
+            </a:solidFill>
+            <a:prstDash val="dash"/>
+          </a:ln>
+        </p:spPr>
+        <p:style>
+          <a:lnRef idx="1">
+            <a:schemeClr val="accent1"/>
+          </a:lnRef>
+          <a:fillRef idx="0">
+            <a:schemeClr val="accent1"/>
+          </a:fillRef>
+          <a:effectRef idx="0">
+            <a:schemeClr val="accent1"/>
+          </a:effectRef>
+          <a:fontRef idx="minor">
+            <a:schemeClr val="tx1"/>
+          </a:fontRef>
+        </p:style>
+      </p:cxnSp>
+      <p:cxnSp>
+        <p:nvCxnSpPr>
+          <p:cNvPr id="33" name="직선 화살표 연결선 32"/>
+          <p:cNvCxnSpPr>
+            <a:stCxn id="13" idx="4"/>
+            <a:endCxn id="21" idx="0"/>
+          </p:cNvCxnSpPr>
+          <p:nvPr/>
+        </p:nvCxnSpPr>
+        <p:spPr>
+          <a:xfrm flipH="1">
+            <a:off x="4782788" y="1667985"/>
+            <a:ext cx="2747233" cy="1354119"/>
+          </a:xfrm>
+          <a:prstGeom prst="straightConnector1">
+            <a:avLst/>
+          </a:prstGeom>
+          <a:ln w="28575">
+            <a:solidFill>
+              <a:schemeClr val="tx1"/>
+            </a:solidFill>
+            <a:prstDash val="dash"/>
+            <a:headEnd type="none" w="med" len="med"/>
+            <a:tailEnd type="none" w="med" len="med"/>
+          </a:ln>
+        </p:spPr>
+        <p:style>
+          <a:lnRef idx="1">
+            <a:schemeClr val="accent1"/>
+          </a:lnRef>
+          <a:fillRef idx="0">
+            <a:schemeClr val="accent1"/>
+          </a:fillRef>
+          <a:effectRef idx="0">
+            <a:schemeClr val="accent1"/>
+          </a:effectRef>
+          <a:fontRef idx="minor">
+            <a:schemeClr val="tx1"/>
+          </a:fontRef>
+        </p:style>
+      </p:cxnSp>
+      <p:cxnSp>
+        <p:nvCxnSpPr>
+          <p:cNvPr id="35" name="직선 연결선 34"/>
+          <p:cNvCxnSpPr>
+            <a:stCxn id="10" idx="4"/>
+            <a:endCxn id="21" idx="0"/>
+          </p:cNvCxnSpPr>
+          <p:nvPr/>
+        </p:nvCxnSpPr>
+        <p:spPr>
+          <a:xfrm>
+            <a:off x="4572000" y="1667985"/>
+            <a:ext cx="210788" cy="1354119"/>
+          </a:xfrm>
+          <a:prstGeom prst="line">
+            <a:avLst/>
+          </a:prstGeom>
+          <a:ln w="28575">
+            <a:solidFill>
+              <a:schemeClr val="tx1"/>
+            </a:solidFill>
+            <a:prstDash val="dash"/>
+          </a:ln>
+        </p:spPr>
+        <p:style>
+          <a:lnRef idx="1">
+            <a:schemeClr val="accent1"/>
+          </a:lnRef>
+          <a:fillRef idx="0">
+            <a:schemeClr val="accent1"/>
+          </a:fillRef>
+          <a:effectRef idx="0">
+            <a:schemeClr val="accent1"/>
+          </a:effectRef>
+          <a:fontRef idx="minor">
+            <a:schemeClr val="tx1"/>
+          </a:fontRef>
+        </p:style>
+      </p:cxnSp>
+      <p:sp>
+        <p:nvSpPr>
+          <p:cNvPr id="36" name="TextBox 35"/>
+          <p:cNvSpPr txBox="1"/>
+          <p:nvPr/>
+        </p:nvSpPr>
+        <p:spPr>
+          <a:xfrm>
+            <a:off x="3951826" y="3212976"/>
+            <a:ext cx="332142" cy="523220"/>
+          </a:xfrm>
+          <a:prstGeom prst="rect">
+            <a:avLst/>
+          </a:prstGeom>
+          <a:noFill/>
+        </p:spPr>
+        <p:txBody>
+          <a:bodyPr wrap="none" rtlCol="0">
+            <a:spAutoFit/>
+          </a:bodyPr>
+          <a:lstStyle/>
+          <a:p>
+            <a:r>
+              <a:rPr lang="en-US" altLang="ko-KR" sz="2800" dirty="0" smtClean="0"/>
+              <a:t>-</a:t>
+            </a:r>
+            <a:endParaRPr lang="ko-KR" altLang="en-US" sz="2800" dirty="0"/>
+          </a:p>
+        </p:txBody>
+      </p:sp>
+      <p:sp>
+        <p:nvSpPr>
+          <p:cNvPr id="55" name="TextBox 54"/>
+          <p:cNvSpPr txBox="1"/>
+          <p:nvPr/>
+        </p:nvSpPr>
+        <p:spPr>
+          <a:xfrm>
+            <a:off x="5142370" y="3212976"/>
+            <a:ext cx="1380506" cy="523220"/>
+          </a:xfrm>
+          <a:prstGeom prst="rect">
+            <a:avLst/>
+          </a:prstGeom>
+          <a:noFill/>
+        </p:spPr>
+        <p:txBody>
+          <a:bodyPr wrap="none" rtlCol="0">
+            <a:spAutoFit/>
+          </a:bodyPr>
+          <a:lstStyle/>
+          <a:p>
+            <a:r>
+              <a:rPr lang="en-US" altLang="ko-KR" sz="2800" dirty="0" smtClean="0"/>
+              <a:t>= -9.05</a:t>
+            </a:r>
+            <a:endParaRPr lang="ko-KR" altLang="en-US" sz="2800" dirty="0"/>
+          </a:p>
+        </p:txBody>
+      </p:sp>
+      <p:sp>
+        <p:nvSpPr>
+          <p:cNvPr id="61" name="TextBox 60"/>
+          <p:cNvSpPr txBox="1"/>
+          <p:nvPr/>
+        </p:nvSpPr>
+        <p:spPr>
+          <a:xfrm>
+            <a:off x="179512" y="188640"/>
+            <a:ext cx="2212465" cy="523220"/>
+          </a:xfrm>
+          <a:prstGeom prst="rect">
+            <a:avLst/>
+          </a:prstGeom>
+          <a:noFill/>
+        </p:spPr>
+        <p:txBody>
+          <a:bodyPr wrap="none" rtlCol="0">
+            <a:spAutoFit/>
+          </a:bodyPr>
+          <a:lstStyle/>
+          <a:p>
+            <a:r>
+              <a:rPr lang="en-US" altLang="ko-KR" sz="2800" b="1" dirty="0" smtClean="0"/>
+              <a:t>[2</a:t>
+            </a:r>
+            <a:r>
+              <a:rPr lang="ko-KR" altLang="en-US" sz="2800" b="1" dirty="0" smtClean="0"/>
+              <a:t>회차 선택</a:t>
+            </a:r>
+            <a:r>
+              <a:rPr lang="en-US" altLang="ko-KR" sz="2800" b="1" dirty="0" smtClean="0"/>
+              <a:t>]</a:t>
+            </a:r>
+            <a:endParaRPr lang="ko-KR" altLang="en-US" sz="2800" b="1" dirty="0"/>
+          </a:p>
+        </p:txBody>
+      </p:sp>
+    </p:spTree>
+    <p:extLst>
+      <p:ext uri="{BB962C8B-B14F-4D97-AF65-F5344CB8AC3E}">
+        <p14:creationId xmlns:p14="http://schemas.microsoft.com/office/powerpoint/2010/main" val="1743622771"/>
+      </p:ext>
+    </p:extLst>
+  </p:cSld>
+  <p:clrMapOvr>
+    <a:masterClrMapping/>
+  </p:clrMapOvr>
+</p:sld>
+</file>
+
+<file path=ppt/slides/slide6.xml><?xml version="1.0" encoding="utf-8"?>
+<p:sld xmlns:a="http://schemas.openxmlformats.org/drawingml/2006/main" xmlns:r="http://schemas.openxmlformats.org/officeDocument/2006/relationships" xmlns:p="http://schemas.openxmlformats.org/presentationml/2006/main">
+  <p:cSld>
+    <p:spTree>
+      <p:nvGrpSpPr>
+        <p:cNvPr id="1" name=""/>
+        <p:cNvGrpSpPr/>
+        <p:nvPr/>
+      </p:nvGrpSpPr>
+      <p:grpSpPr>
+        <a:xfrm>
+          <a:off x="0" y="0"/>
+          <a:ext cx="0" cy="0"/>
+          <a:chOff x="0" y="0"/>
+          <a:chExt cx="0" cy="0"/>
+        </a:xfrm>
+      </p:grpSpPr>
+      <p:pic>
+        <p:nvPicPr>
+          <p:cNvPr id="39" name="Picture 3"/>
+          <p:cNvPicPr>
+            <a:picLocks noChangeAspect="1" noChangeArrowheads="1"/>
+          </p:cNvPicPr>
+          <p:nvPr/>
+        </p:nvPicPr>
+        <p:blipFill>
+          <a:blip r:embed="rId2">
+            <a:extLst>
+              <a:ext uri="{28A0092B-C50C-407E-A947-70E740481C1C}">
+                <a14:useLocalDpi xmlns:a14="http://schemas.microsoft.com/office/drawing/2010/main" val="0"/>
+              </a:ext>
+            </a:extLst>
+          </a:blip>
+          <a:srcRect/>
+          <a:stretch>
+            <a:fillRect/>
+          </a:stretch>
+        </p:blipFill>
+        <p:spPr bwMode="auto">
+          <a:xfrm>
+            <a:off x="519113" y="2833179"/>
+            <a:ext cx="8105775" cy="3990975"/>
+          </a:xfrm>
+          <a:prstGeom prst="rect">
+            <a:avLst/>
+          </a:prstGeom>
+          <a:noFill/>
+          <a:ln>
+            <a:noFill/>
+          </a:ln>
+          <a:effectLst/>
+          <a:extLst>
+            <a:ext uri="{909E8E84-426E-40DD-AFC4-6F175D3DCCD1}">
+              <a14:hiddenFill xmlns:a14="http://schemas.microsoft.com/office/drawing/2010/main">
+                <a:solidFill>
+                  <a:schemeClr val="accent1"/>
+                </a:solidFill>
+              </a14:hiddenFill>
+            </a:ext>
+            <a:ext uri="{91240B29-F687-4F45-9708-019B960494DF}">
+              <a14:hiddenLine xmlns:a14="http://schemas.microsoft.com/office/drawing/2010/main" w="9525">
+                <a:solidFill>
+                  <a:schemeClr val="tx1"/>
+                </a:solidFill>
+                <a:miter lim="800000"/>
+                <a:headEnd/>
+                <a:tailEnd/>
+              </a14:hiddenLine>
+            </a:ext>
+            <a:ext uri="{AF507438-7753-43E0-B8FC-AC1667EBCBE1}">
+              <a14:hiddenEffects xmlns:a14="http://schemas.microsoft.com/office/drawing/2010/main">
+                <a:effectLst>
+                  <a:outerShdw dist="35921" dir="2700000" algn="ctr" rotWithShape="0">
+                    <a:schemeClr val="bg2"/>
+                  </a:outerShdw>
+                </a:effectLst>
+              </a14:hiddenEffects>
+            </a:ext>
+          </a:extLst>
+        </p:spPr>
+      </p:pic>
+      <p:sp>
+        <p:nvSpPr>
+          <p:cNvPr id="6" name="타원 5"/>
+          <p:cNvSpPr/>
+          <p:nvPr/>
+        </p:nvSpPr>
+        <p:spPr>
+          <a:xfrm>
+            <a:off x="212335" y="836712"/>
+            <a:ext cx="831273" cy="831273"/>
+          </a:xfrm>
+          <a:prstGeom prst="ellipse">
+            <a:avLst/>
+          </a:prstGeom>
+          <a:solidFill>
+            <a:srgbClr val="F94545"/>
+          </a:solidFill>
+          <a:ln>
+            <a:solidFill>
+              <a:schemeClr val="tx1"/>
+            </a:solidFill>
+          </a:ln>
+        </p:spPr>
+        <p:style>
+          <a:lnRef idx="2">
+            <a:schemeClr val="accent1">
+              <a:shade val="50000"/>
+            </a:schemeClr>
+          </a:lnRef>
+          <a:fillRef idx="1">
+            <a:schemeClr val="accent1"/>
+          </a:fillRef>
+          <a:effectRef idx="0">
+            <a:schemeClr val="accent1"/>
+          </a:effectRef>
+          <a:fontRef idx="minor">
+            <a:schemeClr val="lt1"/>
+          </a:fontRef>
+        </p:style>
+        <p:txBody>
+          <a:bodyPr rtlCol="0" anchor="ctr"/>
+          <a:lstStyle/>
+          <a:p>
+            <a:pPr algn="ctr"/>
+            <a:r>
+              <a:rPr lang="en-US" altLang="ko-KR" sz="2400" b="1" dirty="0" smtClean="0">
+                <a:solidFill>
+                  <a:sysClr val="windowText" lastClr="000000"/>
+                </a:solidFill>
+              </a:rPr>
+              <a:t>58</a:t>
+            </a:r>
+            <a:endParaRPr lang="ko-KR" altLang="en-US" sz="2400" b="1" dirty="0">
+              <a:solidFill>
+                <a:sysClr val="windowText" lastClr="000000"/>
+              </a:solidFill>
+            </a:endParaRPr>
+          </a:p>
+        </p:txBody>
+      </p:sp>
+      <p:sp>
+        <p:nvSpPr>
+          <p:cNvPr id="7" name="타원 6"/>
+          <p:cNvSpPr/>
+          <p:nvPr/>
+        </p:nvSpPr>
+        <p:spPr>
+          <a:xfrm>
+            <a:off x="1198342" y="836712"/>
+            <a:ext cx="831273" cy="831273"/>
+          </a:xfrm>
+          <a:prstGeom prst="ellipse">
+            <a:avLst/>
+          </a:prstGeom>
+          <a:solidFill>
+            <a:srgbClr val="F94545"/>
+          </a:solidFill>
+          <a:ln>
+            <a:solidFill>
+              <a:schemeClr val="tx1"/>
+            </a:solidFill>
+          </a:ln>
+        </p:spPr>
+        <p:style>
+          <a:lnRef idx="2">
+            <a:schemeClr val="accent1">
+              <a:shade val="50000"/>
+            </a:schemeClr>
+          </a:lnRef>
+          <a:fillRef idx="1">
+            <a:schemeClr val="accent1"/>
+          </a:fillRef>
+          <a:effectRef idx="0">
+            <a:schemeClr val="accent1"/>
+          </a:effectRef>
+          <a:fontRef idx="minor">
+            <a:schemeClr val="lt1"/>
+          </a:fontRef>
+        </p:style>
+        <p:txBody>
+          <a:bodyPr rtlCol="0" anchor="ctr"/>
+          <a:lstStyle/>
+          <a:p>
+            <a:pPr algn="ctr"/>
+            <a:r>
+              <a:rPr lang="en-US" altLang="ko-KR" sz="2400" b="1" dirty="0" smtClean="0">
+                <a:solidFill>
+                  <a:sysClr val="windowText" lastClr="000000"/>
+                </a:solidFill>
+              </a:rPr>
+              <a:t>69</a:t>
+            </a:r>
+            <a:endParaRPr lang="ko-KR" altLang="en-US" sz="2400" b="1" dirty="0">
+              <a:solidFill>
+                <a:sysClr val="windowText" lastClr="000000"/>
+              </a:solidFill>
+            </a:endParaRPr>
+          </a:p>
+        </p:txBody>
+      </p:sp>
+      <p:sp>
+        <p:nvSpPr>
+          <p:cNvPr id="8" name="타원 7"/>
+          <p:cNvSpPr/>
+          <p:nvPr/>
+        </p:nvSpPr>
+        <p:spPr>
+          <a:xfrm>
+            <a:off x="2184349" y="836712"/>
+            <a:ext cx="831273" cy="831273"/>
+          </a:xfrm>
+          <a:prstGeom prst="ellipse">
+            <a:avLst/>
+          </a:prstGeom>
+          <a:solidFill>
+            <a:srgbClr val="F94545"/>
+          </a:solidFill>
+          <a:ln>
+            <a:solidFill>
+              <a:schemeClr val="tx1"/>
+            </a:solidFill>
+          </a:ln>
+        </p:spPr>
+        <p:style>
+          <a:lnRef idx="2">
+            <a:schemeClr val="accent1">
+              <a:shade val="50000"/>
+            </a:schemeClr>
+          </a:lnRef>
+          <a:fillRef idx="1">
+            <a:schemeClr val="accent1"/>
+          </a:fillRef>
+          <a:effectRef idx="0">
+            <a:schemeClr val="accent1"/>
+          </a:effectRef>
+          <a:fontRef idx="minor">
+            <a:schemeClr val="lt1"/>
+          </a:fontRef>
+        </p:style>
+        <p:txBody>
+          <a:bodyPr rtlCol="0" anchor="ctr"/>
+          <a:lstStyle/>
+          <a:p>
+            <a:pPr algn="ctr"/>
+            <a:r>
+              <a:rPr lang="en-US" altLang="ko-KR" sz="2400" b="1" dirty="0" smtClean="0">
+                <a:solidFill>
+                  <a:sysClr val="windowText" lastClr="000000"/>
+                </a:solidFill>
+              </a:rPr>
+              <a:t>64</a:t>
+            </a:r>
+            <a:endParaRPr lang="ko-KR" altLang="en-US" sz="2400" b="1" dirty="0">
+              <a:solidFill>
+                <a:sysClr val="windowText" lastClr="000000"/>
+              </a:solidFill>
+            </a:endParaRPr>
+          </a:p>
+        </p:txBody>
+      </p:sp>
+      <p:sp>
+        <p:nvSpPr>
+          <p:cNvPr id="9" name="타원 8"/>
+          <p:cNvSpPr/>
+          <p:nvPr/>
+        </p:nvSpPr>
+        <p:spPr>
+          <a:xfrm>
+            <a:off x="3170356" y="836712"/>
+            <a:ext cx="831273" cy="831273"/>
+          </a:xfrm>
+          <a:prstGeom prst="ellipse">
+            <a:avLst/>
+          </a:prstGeom>
+          <a:solidFill>
+            <a:srgbClr val="F94545"/>
+          </a:solidFill>
+          <a:ln>
+            <a:solidFill>
+              <a:schemeClr val="tx1"/>
+            </a:solidFill>
+          </a:ln>
+        </p:spPr>
+        <p:style>
+          <a:lnRef idx="2">
+            <a:schemeClr val="accent1">
+              <a:shade val="50000"/>
+            </a:schemeClr>
+          </a:lnRef>
+          <a:fillRef idx="1">
+            <a:schemeClr val="accent1"/>
+          </a:fillRef>
+          <a:effectRef idx="0">
+            <a:schemeClr val="accent1"/>
+          </a:effectRef>
+          <a:fontRef idx="minor">
+            <a:schemeClr val="lt1"/>
+          </a:fontRef>
+        </p:style>
+        <p:txBody>
+          <a:bodyPr rtlCol="0" anchor="ctr"/>
+          <a:lstStyle/>
+          <a:p>
+            <a:pPr algn="ctr"/>
+            <a:r>
+              <a:rPr lang="en-US" altLang="ko-KR" sz="2400" b="1" dirty="0" smtClean="0">
+                <a:solidFill>
+                  <a:sysClr val="windowText" lastClr="000000"/>
+                </a:solidFill>
+              </a:rPr>
+              <a:t>55</a:t>
+            </a:r>
+            <a:endParaRPr lang="ko-KR" altLang="en-US" sz="2400" b="1" dirty="0">
+              <a:solidFill>
+                <a:sysClr val="windowText" lastClr="000000"/>
+              </a:solidFill>
+            </a:endParaRPr>
+          </a:p>
+        </p:txBody>
+      </p:sp>
+      <p:sp>
+        <p:nvSpPr>
+          <p:cNvPr id="10" name="타원 9"/>
+          <p:cNvSpPr/>
+          <p:nvPr/>
+        </p:nvSpPr>
+        <p:spPr>
+          <a:xfrm>
+            <a:off x="4156363" y="836712"/>
+            <a:ext cx="831273" cy="831273"/>
+          </a:xfrm>
+          <a:prstGeom prst="ellipse">
+            <a:avLst/>
+          </a:prstGeom>
+          <a:solidFill>
+            <a:srgbClr val="92B1D6"/>
+          </a:solidFill>
+          <a:ln>
+            <a:solidFill>
+              <a:schemeClr val="tx1"/>
+            </a:solidFill>
+          </a:ln>
+        </p:spPr>
+        <p:style>
+          <a:lnRef idx="2">
+            <a:schemeClr val="accent1">
+              <a:shade val="50000"/>
+            </a:schemeClr>
+          </a:lnRef>
+          <a:fillRef idx="1">
+            <a:schemeClr val="accent1"/>
+          </a:fillRef>
+          <a:effectRef idx="0">
+            <a:schemeClr val="accent1"/>
+          </a:effectRef>
+          <a:fontRef idx="minor">
+            <a:schemeClr val="lt1"/>
+          </a:fontRef>
+        </p:style>
+        <p:txBody>
+          <a:bodyPr rtlCol="0" anchor="ctr"/>
+          <a:lstStyle/>
+          <a:p>
+            <a:pPr algn="ctr"/>
+            <a:r>
+              <a:rPr lang="en-US" altLang="ko-KR" sz="2400" b="1" dirty="0" smtClean="0">
+                <a:solidFill>
+                  <a:sysClr val="windowText" lastClr="000000"/>
+                </a:solidFill>
+              </a:rPr>
+              <a:t>51</a:t>
+            </a:r>
+            <a:endParaRPr lang="ko-KR" altLang="en-US" sz="2400" b="1" dirty="0">
+              <a:solidFill>
+                <a:sysClr val="windowText" lastClr="000000"/>
+              </a:solidFill>
+            </a:endParaRPr>
+          </a:p>
+        </p:txBody>
+      </p:sp>
+      <p:sp>
+        <p:nvSpPr>
+          <p:cNvPr id="11" name="타원 10"/>
+          <p:cNvSpPr/>
+          <p:nvPr/>
+        </p:nvSpPr>
+        <p:spPr>
+          <a:xfrm>
+            <a:off x="5142370" y="836712"/>
+            <a:ext cx="831273" cy="831273"/>
+          </a:xfrm>
+          <a:prstGeom prst="ellipse">
+            <a:avLst/>
+          </a:prstGeom>
+          <a:solidFill>
+            <a:srgbClr val="92B1D6"/>
+          </a:solidFill>
+          <a:ln>
+            <a:solidFill>
+              <a:schemeClr val="tx1"/>
+            </a:solidFill>
+          </a:ln>
+        </p:spPr>
+        <p:style>
+          <a:lnRef idx="2">
+            <a:schemeClr val="accent1">
+              <a:shade val="50000"/>
+            </a:schemeClr>
+          </a:lnRef>
+          <a:fillRef idx="1">
+            <a:schemeClr val="accent1"/>
+          </a:fillRef>
+          <a:effectRef idx="0">
+            <a:schemeClr val="accent1"/>
+          </a:effectRef>
+          <a:fontRef idx="minor">
+            <a:schemeClr val="lt1"/>
+          </a:fontRef>
+        </p:style>
+        <p:txBody>
+          <a:bodyPr rtlCol="0" anchor="ctr"/>
+          <a:lstStyle/>
+          <a:p>
+            <a:pPr algn="ctr"/>
+            <a:r>
+              <a:rPr lang="en-US" altLang="ko-KR" sz="2400" b="1" dirty="0" smtClean="0">
+                <a:solidFill>
+                  <a:sysClr val="windowText" lastClr="000000"/>
+                </a:solidFill>
+              </a:rPr>
+              <a:t>41</a:t>
+            </a:r>
+            <a:endParaRPr lang="ko-KR" altLang="en-US" sz="2400" b="1" dirty="0">
+              <a:solidFill>
+                <a:sysClr val="windowText" lastClr="000000"/>
+              </a:solidFill>
+            </a:endParaRPr>
+          </a:p>
+        </p:txBody>
+      </p:sp>
+      <p:sp>
+        <p:nvSpPr>
+          <p:cNvPr id="12" name="타원 11"/>
+          <p:cNvSpPr/>
+          <p:nvPr/>
+        </p:nvSpPr>
+        <p:spPr>
+          <a:xfrm>
+            <a:off x="6128377" y="836712"/>
+            <a:ext cx="831273" cy="831273"/>
+          </a:xfrm>
+          <a:prstGeom prst="ellipse">
+            <a:avLst/>
+          </a:prstGeom>
+          <a:solidFill>
+            <a:srgbClr val="92B1D6"/>
+          </a:solidFill>
+          <a:ln>
+            <a:solidFill>
+              <a:schemeClr val="tx1"/>
+            </a:solidFill>
+          </a:ln>
+        </p:spPr>
+        <p:style>
+          <a:lnRef idx="2">
+            <a:schemeClr val="accent1">
+              <a:shade val="50000"/>
+            </a:schemeClr>
+          </a:lnRef>
+          <a:fillRef idx="1">
+            <a:schemeClr val="accent1"/>
+          </a:fillRef>
+          <a:effectRef idx="0">
+            <a:schemeClr val="accent1"/>
+          </a:effectRef>
+          <a:fontRef idx="minor">
+            <a:schemeClr val="lt1"/>
+          </a:fontRef>
+        </p:style>
+        <p:txBody>
+          <a:bodyPr rtlCol="0" anchor="ctr"/>
+          <a:lstStyle/>
+          <a:p>
+            <a:pPr algn="ctr"/>
+            <a:r>
+              <a:rPr lang="en-US" altLang="ko-KR" sz="2400" b="1" dirty="0" smtClean="0">
+                <a:solidFill>
+                  <a:sysClr val="windowText" lastClr="000000"/>
+                </a:solidFill>
+              </a:rPr>
+              <a:t>51</a:t>
+            </a:r>
+            <a:endParaRPr lang="ko-KR" altLang="en-US" sz="2400" b="1" dirty="0">
+              <a:solidFill>
+                <a:sysClr val="windowText" lastClr="000000"/>
+              </a:solidFill>
+            </a:endParaRPr>
+          </a:p>
+        </p:txBody>
+      </p:sp>
+      <p:sp>
+        <p:nvSpPr>
+          <p:cNvPr id="13" name="타원 12"/>
+          <p:cNvSpPr/>
+          <p:nvPr/>
+        </p:nvSpPr>
+        <p:spPr>
+          <a:xfrm>
+            <a:off x="7114384" y="836712"/>
+            <a:ext cx="831273" cy="831273"/>
+          </a:xfrm>
+          <a:prstGeom prst="ellipse">
+            <a:avLst/>
+          </a:prstGeom>
+          <a:solidFill>
+            <a:srgbClr val="92B1D6"/>
+          </a:solidFill>
+          <a:ln>
+            <a:solidFill>
+              <a:schemeClr val="tx1"/>
+            </a:solidFill>
+          </a:ln>
+        </p:spPr>
+        <p:style>
+          <a:lnRef idx="2">
+            <a:schemeClr val="accent1">
+              <a:shade val="50000"/>
+            </a:schemeClr>
+          </a:lnRef>
+          <a:fillRef idx="1">
+            <a:schemeClr val="accent1"/>
+          </a:fillRef>
+          <a:effectRef idx="0">
+            <a:schemeClr val="accent1"/>
+          </a:effectRef>
+          <a:fontRef idx="minor">
+            <a:schemeClr val="lt1"/>
+          </a:fontRef>
+        </p:style>
+        <p:txBody>
+          <a:bodyPr rtlCol="0" anchor="ctr"/>
+          <a:lstStyle/>
+          <a:p>
+            <a:pPr algn="ctr"/>
+            <a:r>
+              <a:rPr lang="en-US" altLang="ko-KR" sz="2400" b="1" dirty="0" smtClean="0">
+                <a:solidFill>
+                  <a:sysClr val="windowText" lastClr="000000"/>
+                </a:solidFill>
+              </a:rPr>
+              <a:t>71</a:t>
+            </a:r>
+            <a:endParaRPr lang="ko-KR" altLang="en-US" sz="2400" b="1" dirty="0">
+              <a:solidFill>
+                <a:sysClr val="windowText" lastClr="000000"/>
+              </a:solidFill>
+            </a:endParaRPr>
+          </a:p>
+        </p:txBody>
+      </p:sp>
+      <p:sp>
+        <p:nvSpPr>
+          <p:cNvPr id="14" name="타원 13"/>
+          <p:cNvSpPr/>
+          <p:nvPr/>
+        </p:nvSpPr>
+        <p:spPr>
+          <a:xfrm>
+            <a:off x="8100392" y="836712"/>
+            <a:ext cx="831273" cy="831273"/>
+          </a:xfrm>
+          <a:prstGeom prst="ellipse">
+            <a:avLst/>
+          </a:prstGeom>
+          <a:solidFill>
+            <a:srgbClr val="92B1D6"/>
+          </a:solidFill>
+          <a:ln>
+            <a:solidFill>
+              <a:schemeClr val="tx1"/>
+            </a:solidFill>
+          </a:ln>
+        </p:spPr>
+        <p:style>
+          <a:lnRef idx="2">
+            <a:schemeClr val="accent1">
+              <a:shade val="50000"/>
+            </a:schemeClr>
+          </a:lnRef>
+          <a:fillRef idx="1">
+            <a:schemeClr val="accent1"/>
+          </a:fillRef>
+          <a:effectRef idx="0">
+            <a:schemeClr val="accent1"/>
+          </a:effectRef>
+          <a:fontRef idx="minor">
+            <a:schemeClr val="lt1"/>
+          </a:fontRef>
+        </p:style>
+        <p:txBody>
+          <a:bodyPr rtlCol="0" anchor="ctr"/>
+          <a:lstStyle/>
+          <a:p>
+            <a:pPr algn="ctr"/>
+            <a:r>
+              <a:rPr lang="en-US" altLang="ko-KR" sz="2400" b="1" dirty="0" smtClean="0">
+                <a:solidFill>
+                  <a:sysClr val="windowText" lastClr="000000"/>
+                </a:solidFill>
+              </a:rPr>
+              <a:t>42</a:t>
+            </a:r>
+            <a:endParaRPr lang="ko-KR" altLang="en-US" sz="2400" b="1" dirty="0">
+              <a:solidFill>
+                <a:sysClr val="windowText" lastClr="000000"/>
+              </a:solidFill>
+            </a:endParaRPr>
+          </a:p>
+        </p:txBody>
+      </p:sp>
+      <p:sp>
+        <p:nvSpPr>
+          <p:cNvPr id="2" name="직사각형 1"/>
+          <p:cNvSpPr/>
+          <p:nvPr/>
+        </p:nvSpPr>
+        <p:spPr>
+          <a:xfrm>
+            <a:off x="2764709" y="3022104"/>
+            <a:ext cx="1353188" cy="914400"/>
+          </a:xfrm>
+          <a:prstGeom prst="rect">
+            <a:avLst/>
+          </a:prstGeom>
+          <a:noFill/>
+          <a:ln>
+            <a:noFill/>
+          </a:ln>
+        </p:spPr>
+        <p:style>
+          <a:lnRef idx="2">
+            <a:schemeClr val="accent1">
+              <a:shade val="50000"/>
+            </a:schemeClr>
+          </a:lnRef>
+          <a:fillRef idx="1">
+            <a:schemeClr val="accent1"/>
+          </a:fillRef>
+          <a:effectRef idx="0">
+            <a:schemeClr val="accent1"/>
+          </a:effectRef>
+          <a:fontRef idx="minor">
+            <a:schemeClr val="lt1"/>
+          </a:fontRef>
+        </p:style>
+        <p:txBody>
+          <a:bodyPr rtlCol="0" anchor="ctr"/>
+          <a:lstStyle/>
+          <a:p>
+            <a:pPr algn="ctr"/>
+            <a:r>
+              <a:rPr lang="en-US" altLang="ko-KR" sz="2800" dirty="0" smtClean="0">
+                <a:solidFill>
+                  <a:schemeClr val="tx1"/>
+                </a:solidFill>
+              </a:rPr>
+              <a:t>57.00</a:t>
+            </a:r>
+            <a:endParaRPr lang="ko-KR" altLang="en-US" sz="2800" dirty="0">
+              <a:solidFill>
+                <a:schemeClr val="tx1"/>
+              </a:solidFill>
+            </a:endParaRPr>
+          </a:p>
+        </p:txBody>
+      </p:sp>
+      <p:sp>
+        <p:nvSpPr>
+          <p:cNvPr id="21" name="직사각형 20"/>
+          <p:cNvSpPr/>
+          <p:nvPr/>
+        </p:nvSpPr>
+        <p:spPr>
+          <a:xfrm>
+            <a:off x="4217038" y="3022104"/>
+            <a:ext cx="1131499" cy="914400"/>
+          </a:xfrm>
+          <a:prstGeom prst="rect">
+            <a:avLst/>
+          </a:prstGeom>
+          <a:noFill/>
+          <a:ln>
+            <a:noFill/>
+          </a:ln>
+        </p:spPr>
+        <p:style>
+          <a:lnRef idx="2">
+            <a:schemeClr val="accent1">
+              <a:shade val="50000"/>
+            </a:schemeClr>
+          </a:lnRef>
+          <a:fillRef idx="1">
+            <a:schemeClr val="accent1"/>
+          </a:fillRef>
+          <a:effectRef idx="0">
+            <a:schemeClr val="accent1"/>
+          </a:effectRef>
+          <a:fontRef idx="minor">
+            <a:schemeClr val="lt1"/>
+          </a:fontRef>
+        </p:style>
+        <p:txBody>
+          <a:bodyPr rtlCol="0" anchor="ctr"/>
+          <a:lstStyle/>
+          <a:p>
+            <a:pPr algn="ctr"/>
+            <a:r>
+              <a:rPr lang="en-US" altLang="ko-KR" sz="2800" dirty="0" smtClean="0">
+                <a:solidFill>
+                  <a:schemeClr val="tx1"/>
+                </a:solidFill>
+              </a:rPr>
+              <a:t>54.80</a:t>
+            </a:r>
+            <a:endParaRPr lang="ko-KR" altLang="en-US" sz="2800" dirty="0">
+              <a:solidFill>
+                <a:schemeClr val="tx1"/>
+              </a:solidFill>
+            </a:endParaRPr>
+          </a:p>
+        </p:txBody>
+      </p:sp>
+      <p:cxnSp>
+        <p:nvCxnSpPr>
+          <p:cNvPr id="4" name="직선 연결선 3"/>
+          <p:cNvCxnSpPr>
+            <a:stCxn id="12" idx="4"/>
+            <a:endCxn id="2" idx="0"/>
+          </p:cNvCxnSpPr>
+          <p:nvPr/>
+        </p:nvCxnSpPr>
+        <p:spPr>
+          <a:xfrm flipH="1">
+            <a:off x="3441303" y="1667985"/>
+            <a:ext cx="3102711" cy="1354119"/>
+          </a:xfrm>
+          <a:prstGeom prst="line">
+            <a:avLst/>
+          </a:prstGeom>
+          <a:ln w="28575">
+            <a:solidFill>
+              <a:schemeClr val="tx1"/>
+            </a:solidFill>
+          </a:ln>
+        </p:spPr>
+        <p:style>
+          <a:lnRef idx="1">
+            <a:schemeClr val="accent1"/>
+          </a:lnRef>
+          <a:fillRef idx="0">
+            <a:schemeClr val="accent1"/>
+          </a:fillRef>
+          <a:effectRef idx="0">
+            <a:schemeClr val="accent1"/>
+          </a:effectRef>
+          <a:fontRef idx="minor">
+            <a:schemeClr val="tx1"/>
+          </a:fontRef>
+        </p:style>
+      </p:cxnSp>
+      <p:cxnSp>
+        <p:nvCxnSpPr>
+          <p:cNvPr id="15" name="직선 연결선 14"/>
+          <p:cNvCxnSpPr>
+            <a:stCxn id="14" idx="4"/>
+            <a:endCxn id="2" idx="0"/>
+          </p:cNvCxnSpPr>
+          <p:nvPr/>
+        </p:nvCxnSpPr>
+        <p:spPr>
+          <a:xfrm flipH="1">
+            <a:off x="3441303" y="1667985"/>
+            <a:ext cx="5074726" cy="1354119"/>
+          </a:xfrm>
+          <a:prstGeom prst="line">
+            <a:avLst/>
+          </a:prstGeom>
+          <a:ln w="28575">
+            <a:solidFill>
+              <a:schemeClr val="tx1"/>
+            </a:solidFill>
+          </a:ln>
+        </p:spPr>
+        <p:style>
+          <a:lnRef idx="1">
+            <a:schemeClr val="accent1"/>
+          </a:lnRef>
+          <a:fillRef idx="0">
+            <a:schemeClr val="accent1"/>
+          </a:fillRef>
+          <a:effectRef idx="0">
+            <a:schemeClr val="accent1"/>
+          </a:effectRef>
+          <a:fontRef idx="minor">
+            <a:schemeClr val="tx1"/>
+          </a:fontRef>
+        </p:style>
+      </p:cxnSp>
+      <p:cxnSp>
+        <p:nvCxnSpPr>
+          <p:cNvPr id="23" name="직선 연결선 22"/>
+          <p:cNvCxnSpPr>
+            <a:stCxn id="8" idx="4"/>
+            <a:endCxn id="2" idx="0"/>
+          </p:cNvCxnSpPr>
+          <p:nvPr/>
+        </p:nvCxnSpPr>
+        <p:spPr>
+          <a:xfrm>
+            <a:off x="2599986" y="1667985"/>
+            <a:ext cx="841317" cy="1354119"/>
+          </a:xfrm>
+          <a:prstGeom prst="line">
+            <a:avLst/>
+          </a:prstGeom>
+          <a:ln w="28575">
+            <a:solidFill>
+              <a:schemeClr val="tx1"/>
+            </a:solidFill>
+          </a:ln>
+        </p:spPr>
+        <p:style>
+          <a:lnRef idx="1">
+            <a:schemeClr val="accent1"/>
+          </a:lnRef>
+          <a:fillRef idx="0">
+            <a:schemeClr val="accent1"/>
+          </a:fillRef>
+          <a:effectRef idx="0">
+            <a:schemeClr val="accent1"/>
+          </a:effectRef>
+          <a:fontRef idx="minor">
+            <a:schemeClr val="tx1"/>
+          </a:fontRef>
+        </p:style>
+      </p:cxnSp>
+      <p:cxnSp>
+        <p:nvCxnSpPr>
+          <p:cNvPr id="25" name="직선 연결선 24"/>
+          <p:cNvCxnSpPr>
+            <a:stCxn id="13" idx="4"/>
+            <a:endCxn id="2" idx="0"/>
+          </p:cNvCxnSpPr>
+          <p:nvPr/>
+        </p:nvCxnSpPr>
+        <p:spPr>
+          <a:xfrm flipH="1">
+            <a:off x="3441303" y="1667985"/>
+            <a:ext cx="4088718" cy="1354119"/>
+          </a:xfrm>
+          <a:prstGeom prst="line">
+            <a:avLst/>
+          </a:prstGeom>
+          <a:ln w="28575">
+            <a:solidFill>
+              <a:schemeClr val="tx1"/>
+            </a:solidFill>
+          </a:ln>
+        </p:spPr>
+        <p:style>
+          <a:lnRef idx="1">
+            <a:schemeClr val="accent1"/>
+          </a:lnRef>
+          <a:fillRef idx="0">
+            <a:schemeClr val="accent1"/>
+          </a:fillRef>
+          <a:effectRef idx="0">
+            <a:schemeClr val="accent1"/>
+          </a:effectRef>
+          <a:fontRef idx="minor">
+            <a:schemeClr val="tx1"/>
+          </a:fontRef>
+        </p:style>
+      </p:cxnSp>
+      <p:cxnSp>
+        <p:nvCxnSpPr>
+          <p:cNvPr id="27" name="직선 연결선 26"/>
+          <p:cNvCxnSpPr>
+            <a:stCxn id="9" idx="4"/>
+            <a:endCxn id="21" idx="0"/>
+          </p:cNvCxnSpPr>
+          <p:nvPr/>
+        </p:nvCxnSpPr>
+        <p:spPr>
+          <a:xfrm>
+            <a:off x="3585993" y="1667985"/>
+            <a:ext cx="1196795" cy="1354119"/>
+          </a:xfrm>
+          <a:prstGeom prst="line">
+            <a:avLst/>
+          </a:prstGeom>
+          <a:ln w="28575">
+            <a:solidFill>
+              <a:schemeClr val="tx1"/>
+            </a:solidFill>
+            <a:prstDash val="dash"/>
+          </a:ln>
+        </p:spPr>
+        <p:style>
+          <a:lnRef idx="1">
+            <a:schemeClr val="accent1"/>
+          </a:lnRef>
+          <a:fillRef idx="0">
+            <a:schemeClr val="accent1"/>
+          </a:fillRef>
+          <a:effectRef idx="0">
+            <a:schemeClr val="accent1"/>
+          </a:effectRef>
+          <a:fontRef idx="minor">
+            <a:schemeClr val="tx1"/>
+          </a:fontRef>
+        </p:style>
+      </p:cxnSp>
+      <p:cxnSp>
+        <p:nvCxnSpPr>
+          <p:cNvPr id="29" name="직선 연결선 28"/>
+          <p:cNvCxnSpPr>
+            <a:stCxn id="7" idx="4"/>
+            <a:endCxn id="21" idx="0"/>
+          </p:cNvCxnSpPr>
+          <p:nvPr/>
+        </p:nvCxnSpPr>
+        <p:spPr>
+          <a:xfrm>
+            <a:off x="1613979" y="1667985"/>
+            <a:ext cx="3168809" cy="1354119"/>
+          </a:xfrm>
+          <a:prstGeom prst="line">
+            <a:avLst/>
+          </a:prstGeom>
+          <a:ln w="28575">
+            <a:solidFill>
+              <a:schemeClr val="tx1"/>
+            </a:solidFill>
+            <a:prstDash val="dash"/>
+          </a:ln>
+        </p:spPr>
+        <p:style>
+          <a:lnRef idx="1">
+            <a:schemeClr val="accent1"/>
+          </a:lnRef>
+          <a:fillRef idx="0">
+            <a:schemeClr val="accent1"/>
+          </a:fillRef>
+          <a:effectRef idx="0">
+            <a:schemeClr val="accent1"/>
+          </a:effectRef>
+          <a:fontRef idx="minor">
+            <a:schemeClr val="tx1"/>
+          </a:fontRef>
+        </p:style>
+      </p:cxnSp>
+      <p:cxnSp>
+        <p:nvCxnSpPr>
+          <p:cNvPr id="31" name="직선 연결선 30"/>
+          <p:cNvCxnSpPr>
+            <a:stCxn id="10" idx="4"/>
+            <a:endCxn id="21" idx="0"/>
+          </p:cNvCxnSpPr>
+          <p:nvPr/>
+        </p:nvCxnSpPr>
+        <p:spPr>
+          <a:xfrm>
+            <a:off x="4572000" y="1667985"/>
+            <a:ext cx="210788" cy="1354119"/>
+          </a:xfrm>
+          <a:prstGeom prst="line">
+            <a:avLst/>
+          </a:prstGeom>
+          <a:ln w="28575">
+            <a:solidFill>
+              <a:schemeClr val="tx1"/>
+            </a:solidFill>
+            <a:prstDash val="dash"/>
+          </a:ln>
+        </p:spPr>
+        <p:style>
+          <a:lnRef idx="1">
+            <a:schemeClr val="accent1"/>
+          </a:lnRef>
+          <a:fillRef idx="0">
+            <a:schemeClr val="accent1"/>
+          </a:fillRef>
+          <a:effectRef idx="0">
+            <a:schemeClr val="accent1"/>
+          </a:effectRef>
+          <a:fontRef idx="minor">
+            <a:schemeClr val="tx1"/>
+          </a:fontRef>
+        </p:style>
+      </p:cxnSp>
+      <p:cxnSp>
+        <p:nvCxnSpPr>
+          <p:cNvPr id="33" name="직선 화살표 연결선 32"/>
+          <p:cNvCxnSpPr>
+            <a:stCxn id="6" idx="4"/>
+            <a:endCxn id="21" idx="0"/>
+          </p:cNvCxnSpPr>
+          <p:nvPr/>
+        </p:nvCxnSpPr>
+        <p:spPr>
+          <a:xfrm>
+            <a:off x="627972" y="1667985"/>
+            <a:ext cx="4154816" cy="1354119"/>
+          </a:xfrm>
+          <a:prstGeom prst="straightConnector1">
+            <a:avLst/>
+          </a:prstGeom>
+          <a:ln w="28575">
+            <a:solidFill>
+              <a:schemeClr val="tx1"/>
+            </a:solidFill>
+            <a:prstDash val="dash"/>
+            <a:headEnd type="none" w="med" len="med"/>
+            <a:tailEnd type="none" w="med" len="med"/>
+          </a:ln>
+        </p:spPr>
+        <p:style>
+          <a:lnRef idx="1">
+            <a:schemeClr val="accent1"/>
+          </a:lnRef>
+          <a:fillRef idx="0">
+            <a:schemeClr val="accent1"/>
+          </a:fillRef>
+          <a:effectRef idx="0">
+            <a:schemeClr val="accent1"/>
+          </a:effectRef>
+          <a:fontRef idx="minor">
+            <a:schemeClr val="tx1"/>
+          </a:fontRef>
+        </p:style>
+      </p:cxnSp>
+      <p:cxnSp>
+        <p:nvCxnSpPr>
+          <p:cNvPr id="35" name="직선 연결선 34"/>
+          <p:cNvCxnSpPr>
+            <a:stCxn id="11" idx="4"/>
+            <a:endCxn id="21" idx="0"/>
+          </p:cNvCxnSpPr>
+          <p:nvPr/>
+        </p:nvCxnSpPr>
+        <p:spPr>
+          <a:xfrm flipH="1">
+            <a:off x="4782788" y="1667985"/>
+            <a:ext cx="775219" cy="1354119"/>
+          </a:xfrm>
+          <a:prstGeom prst="line">
+            <a:avLst/>
+          </a:prstGeom>
+          <a:ln w="28575">
+            <a:solidFill>
+              <a:schemeClr val="tx1"/>
+            </a:solidFill>
+            <a:prstDash val="dash"/>
+          </a:ln>
+        </p:spPr>
+        <p:style>
+          <a:lnRef idx="1">
+            <a:schemeClr val="accent1"/>
+          </a:lnRef>
+          <a:fillRef idx="0">
+            <a:schemeClr val="accent1"/>
+          </a:fillRef>
+          <a:effectRef idx="0">
+            <a:schemeClr val="accent1"/>
+          </a:effectRef>
+          <a:fontRef idx="minor">
+            <a:schemeClr val="tx1"/>
+          </a:fontRef>
+        </p:style>
+      </p:cxnSp>
+      <p:sp>
+        <p:nvSpPr>
+          <p:cNvPr id="36" name="TextBox 35"/>
+          <p:cNvSpPr txBox="1"/>
+          <p:nvPr/>
+        </p:nvSpPr>
+        <p:spPr>
+          <a:xfrm>
+            <a:off x="3951826" y="3212976"/>
+            <a:ext cx="332142" cy="523220"/>
+          </a:xfrm>
+          <a:prstGeom prst="rect">
+            <a:avLst/>
+          </a:prstGeom>
+          <a:noFill/>
+        </p:spPr>
+        <p:txBody>
+          <a:bodyPr wrap="none" rtlCol="0">
+            <a:spAutoFit/>
+          </a:bodyPr>
+          <a:lstStyle/>
+          <a:p>
+            <a:r>
+              <a:rPr lang="en-US" altLang="ko-KR" sz="2800" dirty="0" smtClean="0"/>
+              <a:t>-</a:t>
+            </a:r>
+            <a:endParaRPr lang="ko-KR" altLang="en-US" sz="2800" dirty="0"/>
+          </a:p>
+        </p:txBody>
+      </p:sp>
+      <p:sp>
+        <p:nvSpPr>
+          <p:cNvPr id="55" name="TextBox 54"/>
+          <p:cNvSpPr txBox="1"/>
+          <p:nvPr/>
+        </p:nvSpPr>
+        <p:spPr>
+          <a:xfrm>
+            <a:off x="5142370" y="3212976"/>
+            <a:ext cx="1233030" cy="523220"/>
+          </a:xfrm>
+          <a:prstGeom prst="rect">
+            <a:avLst/>
+          </a:prstGeom>
+          <a:noFill/>
+        </p:spPr>
+        <p:txBody>
+          <a:bodyPr wrap="none" rtlCol="0">
+            <a:spAutoFit/>
+          </a:bodyPr>
+          <a:lstStyle/>
+          <a:p>
+            <a:r>
+              <a:rPr lang="en-US" altLang="ko-KR" sz="2800" dirty="0" smtClean="0"/>
+              <a:t>= 2.20</a:t>
+            </a:r>
+            <a:endParaRPr lang="ko-KR" altLang="en-US" sz="2800" dirty="0"/>
+          </a:p>
+        </p:txBody>
+      </p:sp>
+      <p:sp>
+        <p:nvSpPr>
+          <p:cNvPr id="61" name="TextBox 60"/>
+          <p:cNvSpPr txBox="1"/>
+          <p:nvPr/>
+        </p:nvSpPr>
+        <p:spPr>
+          <a:xfrm>
+            <a:off x="179512" y="188640"/>
+            <a:ext cx="2212465" cy="523220"/>
+          </a:xfrm>
+          <a:prstGeom prst="rect">
+            <a:avLst/>
+          </a:prstGeom>
+          <a:noFill/>
+        </p:spPr>
+        <p:txBody>
+          <a:bodyPr wrap="none" rtlCol="0">
+            <a:spAutoFit/>
+          </a:bodyPr>
+          <a:lstStyle/>
+          <a:p>
+            <a:r>
+              <a:rPr lang="en-US" altLang="ko-KR" sz="2800" b="1" dirty="0" smtClean="0"/>
+              <a:t>[3</a:t>
+            </a:r>
+            <a:r>
+              <a:rPr lang="ko-KR" altLang="en-US" sz="2800" b="1" dirty="0" smtClean="0"/>
+              <a:t>회차 선택</a:t>
+            </a:r>
+            <a:r>
+              <a:rPr lang="en-US" altLang="ko-KR" sz="2800" b="1" dirty="0" smtClean="0"/>
+              <a:t>]</a:t>
+            </a:r>
+            <a:endParaRPr lang="ko-KR" altLang="en-US" sz="2800" b="1" dirty="0"/>
+          </a:p>
+        </p:txBody>
+      </p:sp>
+    </p:spTree>
+    <p:extLst>
+      <p:ext uri="{BB962C8B-B14F-4D97-AF65-F5344CB8AC3E}">
+        <p14:creationId xmlns:p14="http://schemas.microsoft.com/office/powerpoint/2010/main" val="3527328835"/>
       </p:ext>
     </p:extLst>
   </p:cSld>

--- a/pics/2021-10-28-permutation_test/pics.pptx
+++ b/pics/2021-10-28-permutation_test/pics.pptx
@@ -109,6 +109,22 @@
       </a:defRPr>
     </a:lvl9pPr>
   </p:defaultTextStyle>
+  <p:extLst>
+    <p:ext uri="{EFAFB233-063F-42B5-8137-9DF3F51BA10A}">
+      <p15:sldGuideLst xmlns:p15="http://schemas.microsoft.com/office/powerpoint/2012/main">
+        <p15:guide id="1" orient="horz" pos="2160">
+          <p15:clr>
+            <a:srgbClr val="A4A3A4"/>
+          </p15:clr>
+        </p15:guide>
+        <p15:guide id="2" pos="2880">
+          <p15:clr>
+            <a:srgbClr val="A4A3A4"/>
+          </p15:clr>
+        </p15:guide>
+      </p15:sldGuideLst>
+    </p:ext>
+  </p:extLst>
 </p:presentation>
 </file>
 
@@ -150,10 +166,9 @@
           <a:lstStyle/>
           <a:p>
             <a:r>
-              <a:rPr lang="ko-KR" altLang="en-US" smtClean="0"/>
+              <a:rPr lang="ko-KR" altLang="en-US"/>
               <a:t>마스터 제목 스타일 편집</a:t>
             </a:r>
-            <a:endParaRPr lang="ko-KR" altLang="en-US"/>
           </a:p>
         </p:txBody>
       </p:sp>
@@ -269,10 +284,9 @@
           </a:lstStyle>
           <a:p>
             <a:r>
-              <a:rPr lang="ko-KR" altLang="en-US" smtClean="0"/>
+              <a:rPr lang="ko-KR" altLang="en-US"/>
               <a:t>마스터 부제목 스타일 편집</a:t>
             </a:r>
-            <a:endParaRPr lang="ko-KR" altLang="en-US"/>
           </a:p>
         </p:txBody>
       </p:sp>
@@ -382,10 +396,9 @@
           <a:lstStyle/>
           <a:p>
             <a:r>
-              <a:rPr lang="ko-KR" altLang="en-US" smtClean="0"/>
+              <a:rPr lang="ko-KR" altLang="en-US"/>
               <a:t>마스터 제목 스타일 편집</a:t>
             </a:r>
-            <a:endParaRPr lang="ko-KR" altLang="en-US"/>
           </a:p>
         </p:txBody>
       </p:sp>
@@ -406,38 +419,37 @@
           <a:p>
             <a:pPr lvl="0"/>
             <a:r>
-              <a:rPr lang="ko-KR" altLang="en-US" smtClean="0"/>
+              <a:rPr lang="ko-KR" altLang="en-US"/>
               <a:t>마스터 텍스트 스타일을 편집합니다</a:t>
             </a:r>
           </a:p>
           <a:p>
             <a:pPr lvl="1"/>
             <a:r>
-              <a:rPr lang="ko-KR" altLang="en-US" smtClean="0"/>
+              <a:rPr lang="ko-KR" altLang="en-US"/>
               <a:t>둘째 수준</a:t>
             </a:r>
           </a:p>
           <a:p>
             <a:pPr lvl="2"/>
             <a:r>
-              <a:rPr lang="ko-KR" altLang="en-US" smtClean="0"/>
+              <a:rPr lang="ko-KR" altLang="en-US"/>
               <a:t>셋째 수준</a:t>
             </a:r>
           </a:p>
           <a:p>
             <a:pPr lvl="3"/>
             <a:r>
-              <a:rPr lang="ko-KR" altLang="en-US" smtClean="0"/>
+              <a:rPr lang="ko-KR" altLang="en-US"/>
               <a:t>넷째 수준</a:t>
             </a:r>
           </a:p>
           <a:p>
             <a:pPr lvl="4"/>
             <a:r>
-              <a:rPr lang="ko-KR" altLang="en-US" smtClean="0"/>
+              <a:rPr lang="ko-KR" altLang="en-US"/>
               <a:t>다섯째 수준</a:t>
             </a:r>
-            <a:endParaRPr lang="ko-KR" altLang="en-US"/>
           </a:p>
         </p:txBody>
       </p:sp>
@@ -552,10 +564,9 @@
           <a:lstStyle/>
           <a:p>
             <a:r>
-              <a:rPr lang="ko-KR" altLang="en-US" smtClean="0"/>
+              <a:rPr lang="ko-KR" altLang="en-US"/>
               <a:t>마스터 제목 스타일 편집</a:t>
             </a:r>
-            <a:endParaRPr lang="ko-KR" altLang="en-US"/>
           </a:p>
         </p:txBody>
       </p:sp>
@@ -581,38 +592,37 @@
           <a:p>
             <a:pPr lvl="0"/>
             <a:r>
-              <a:rPr lang="ko-KR" altLang="en-US" smtClean="0"/>
+              <a:rPr lang="ko-KR" altLang="en-US"/>
               <a:t>마스터 텍스트 스타일을 편집합니다</a:t>
             </a:r>
           </a:p>
           <a:p>
             <a:pPr lvl="1"/>
             <a:r>
-              <a:rPr lang="ko-KR" altLang="en-US" smtClean="0"/>
+              <a:rPr lang="ko-KR" altLang="en-US"/>
               <a:t>둘째 수준</a:t>
             </a:r>
           </a:p>
           <a:p>
             <a:pPr lvl="2"/>
             <a:r>
-              <a:rPr lang="ko-KR" altLang="en-US" smtClean="0"/>
+              <a:rPr lang="ko-KR" altLang="en-US"/>
               <a:t>셋째 수준</a:t>
             </a:r>
           </a:p>
           <a:p>
             <a:pPr lvl="3"/>
             <a:r>
-              <a:rPr lang="ko-KR" altLang="en-US" smtClean="0"/>
+              <a:rPr lang="ko-KR" altLang="en-US"/>
               <a:t>넷째 수준</a:t>
             </a:r>
           </a:p>
           <a:p>
             <a:pPr lvl="4"/>
             <a:r>
-              <a:rPr lang="ko-KR" altLang="en-US" smtClean="0"/>
+              <a:rPr lang="ko-KR" altLang="en-US"/>
               <a:t>다섯째 수준</a:t>
             </a:r>
-            <a:endParaRPr lang="ko-KR" altLang="en-US"/>
           </a:p>
         </p:txBody>
       </p:sp>
@@ -722,10 +732,9 @@
           <a:lstStyle/>
           <a:p>
             <a:r>
-              <a:rPr lang="ko-KR" altLang="en-US" smtClean="0"/>
+              <a:rPr lang="ko-KR" altLang="en-US"/>
               <a:t>마스터 제목 스타일 편집</a:t>
             </a:r>
-            <a:endParaRPr lang="ko-KR" altLang="en-US"/>
           </a:p>
         </p:txBody>
       </p:sp>
@@ -746,38 +755,37 @@
           <a:p>
             <a:pPr lvl="0"/>
             <a:r>
-              <a:rPr lang="ko-KR" altLang="en-US" smtClean="0"/>
+              <a:rPr lang="ko-KR" altLang="en-US"/>
               <a:t>마스터 텍스트 스타일을 편집합니다</a:t>
             </a:r>
           </a:p>
           <a:p>
             <a:pPr lvl="1"/>
             <a:r>
-              <a:rPr lang="ko-KR" altLang="en-US" smtClean="0"/>
+              <a:rPr lang="ko-KR" altLang="en-US"/>
               <a:t>둘째 수준</a:t>
             </a:r>
           </a:p>
           <a:p>
             <a:pPr lvl="2"/>
             <a:r>
-              <a:rPr lang="ko-KR" altLang="en-US" smtClean="0"/>
+              <a:rPr lang="ko-KR" altLang="en-US"/>
               <a:t>셋째 수준</a:t>
             </a:r>
           </a:p>
           <a:p>
             <a:pPr lvl="3"/>
             <a:r>
-              <a:rPr lang="ko-KR" altLang="en-US" smtClean="0"/>
+              <a:rPr lang="ko-KR" altLang="en-US"/>
               <a:t>넷째 수준</a:t>
             </a:r>
           </a:p>
           <a:p>
             <a:pPr lvl="4"/>
             <a:r>
-              <a:rPr lang="ko-KR" altLang="en-US" smtClean="0"/>
+              <a:rPr lang="ko-KR" altLang="en-US"/>
               <a:t>다섯째 수준</a:t>
             </a:r>
-            <a:endParaRPr lang="ko-KR" altLang="en-US"/>
           </a:p>
         </p:txBody>
       </p:sp>
@@ -896,10 +904,9 @@
           </a:lstStyle>
           <a:p>
             <a:r>
-              <a:rPr lang="ko-KR" altLang="en-US" smtClean="0"/>
+              <a:rPr lang="ko-KR" altLang="en-US"/>
               <a:t>마스터 제목 스타일 편집</a:t>
             </a:r>
-            <a:endParaRPr lang="ko-KR" altLang="en-US"/>
           </a:p>
         </p:txBody>
       </p:sp>
@@ -1016,7 +1023,7 @@
           <a:p>
             <a:pPr lvl="0"/>
             <a:r>
-              <a:rPr lang="ko-KR" altLang="en-US" smtClean="0"/>
+              <a:rPr lang="ko-KR" altLang="en-US"/>
               <a:t>마스터 텍스트 스타일을 편집합니다</a:t>
             </a:r>
           </a:p>
@@ -1128,10 +1135,9 @@
           <a:lstStyle/>
           <a:p>
             <a:r>
-              <a:rPr lang="ko-KR" altLang="en-US" smtClean="0"/>
+              <a:rPr lang="ko-KR" altLang="en-US"/>
               <a:t>마스터 제목 스타일 편집</a:t>
             </a:r>
-            <a:endParaRPr lang="ko-KR" altLang="en-US"/>
           </a:p>
         </p:txBody>
       </p:sp>
@@ -1185,38 +1191,37 @@
           <a:p>
             <a:pPr lvl="0"/>
             <a:r>
-              <a:rPr lang="ko-KR" altLang="en-US" smtClean="0"/>
+              <a:rPr lang="ko-KR" altLang="en-US"/>
               <a:t>마스터 텍스트 스타일을 편집합니다</a:t>
             </a:r>
           </a:p>
           <a:p>
             <a:pPr lvl="1"/>
             <a:r>
-              <a:rPr lang="ko-KR" altLang="en-US" smtClean="0"/>
+              <a:rPr lang="ko-KR" altLang="en-US"/>
               <a:t>둘째 수준</a:t>
             </a:r>
           </a:p>
           <a:p>
             <a:pPr lvl="2"/>
             <a:r>
-              <a:rPr lang="ko-KR" altLang="en-US" smtClean="0"/>
+              <a:rPr lang="ko-KR" altLang="en-US"/>
               <a:t>셋째 수준</a:t>
             </a:r>
           </a:p>
           <a:p>
             <a:pPr lvl="3"/>
             <a:r>
-              <a:rPr lang="ko-KR" altLang="en-US" smtClean="0"/>
+              <a:rPr lang="ko-KR" altLang="en-US"/>
               <a:t>넷째 수준</a:t>
             </a:r>
           </a:p>
           <a:p>
             <a:pPr lvl="4"/>
             <a:r>
-              <a:rPr lang="ko-KR" altLang="en-US" smtClean="0"/>
+              <a:rPr lang="ko-KR" altLang="en-US"/>
               <a:t>다섯째 수준</a:t>
             </a:r>
-            <a:endParaRPr lang="ko-KR" altLang="en-US"/>
           </a:p>
         </p:txBody>
       </p:sp>
@@ -1270,38 +1275,37 @@
           <a:p>
             <a:pPr lvl="0"/>
             <a:r>
-              <a:rPr lang="ko-KR" altLang="en-US" smtClean="0"/>
+              <a:rPr lang="ko-KR" altLang="en-US"/>
               <a:t>마스터 텍스트 스타일을 편집합니다</a:t>
             </a:r>
           </a:p>
           <a:p>
             <a:pPr lvl="1"/>
             <a:r>
-              <a:rPr lang="ko-KR" altLang="en-US" smtClean="0"/>
+              <a:rPr lang="ko-KR" altLang="en-US"/>
               <a:t>둘째 수준</a:t>
             </a:r>
           </a:p>
           <a:p>
             <a:pPr lvl="2"/>
             <a:r>
-              <a:rPr lang="ko-KR" altLang="en-US" smtClean="0"/>
+              <a:rPr lang="ko-KR" altLang="en-US"/>
               <a:t>셋째 수준</a:t>
             </a:r>
           </a:p>
           <a:p>
             <a:pPr lvl="3"/>
             <a:r>
-              <a:rPr lang="ko-KR" altLang="en-US" smtClean="0"/>
+              <a:rPr lang="ko-KR" altLang="en-US"/>
               <a:t>넷째 수준</a:t>
             </a:r>
           </a:p>
           <a:p>
             <a:pPr lvl="4"/>
             <a:r>
-              <a:rPr lang="ko-KR" altLang="en-US" smtClean="0"/>
+              <a:rPr lang="ko-KR" altLang="en-US"/>
               <a:t>다섯째 수준</a:t>
             </a:r>
-            <a:endParaRPr lang="ko-KR" altLang="en-US"/>
           </a:p>
         </p:txBody>
       </p:sp>
@@ -1415,10 +1419,9 @@
           </a:lstStyle>
           <a:p>
             <a:r>
-              <a:rPr lang="ko-KR" altLang="en-US" smtClean="0"/>
+              <a:rPr lang="ko-KR" altLang="en-US"/>
               <a:t>마스터 제목 스타일 편집</a:t>
             </a:r>
-            <a:endParaRPr lang="ko-KR" altLang="en-US"/>
           </a:p>
         </p:txBody>
       </p:sp>
@@ -1481,7 +1484,7 @@
           <a:p>
             <a:pPr lvl="0"/>
             <a:r>
-              <a:rPr lang="ko-KR" altLang="en-US" smtClean="0"/>
+              <a:rPr lang="ko-KR" altLang="en-US"/>
               <a:t>마스터 텍스트 스타일을 편집합니다</a:t>
             </a:r>
           </a:p>
@@ -1537,38 +1540,37 @@
           <a:p>
             <a:pPr lvl="0"/>
             <a:r>
-              <a:rPr lang="ko-KR" altLang="en-US" smtClean="0"/>
+              <a:rPr lang="ko-KR" altLang="en-US"/>
               <a:t>마스터 텍스트 스타일을 편집합니다</a:t>
             </a:r>
           </a:p>
           <a:p>
             <a:pPr lvl="1"/>
             <a:r>
-              <a:rPr lang="ko-KR" altLang="en-US" smtClean="0"/>
+              <a:rPr lang="ko-KR" altLang="en-US"/>
               <a:t>둘째 수준</a:t>
             </a:r>
           </a:p>
           <a:p>
             <a:pPr lvl="2"/>
             <a:r>
-              <a:rPr lang="ko-KR" altLang="en-US" smtClean="0"/>
+              <a:rPr lang="ko-KR" altLang="en-US"/>
               <a:t>셋째 수준</a:t>
             </a:r>
           </a:p>
           <a:p>
             <a:pPr lvl="3"/>
             <a:r>
-              <a:rPr lang="ko-KR" altLang="en-US" smtClean="0"/>
+              <a:rPr lang="ko-KR" altLang="en-US"/>
               <a:t>넷째 수준</a:t>
             </a:r>
           </a:p>
           <a:p>
             <a:pPr lvl="4"/>
             <a:r>
-              <a:rPr lang="ko-KR" altLang="en-US" smtClean="0"/>
+              <a:rPr lang="ko-KR" altLang="en-US"/>
               <a:t>다섯째 수준</a:t>
             </a:r>
-            <a:endParaRPr lang="ko-KR" altLang="en-US"/>
           </a:p>
         </p:txBody>
       </p:sp>
@@ -1631,7 +1633,7 @@
           <a:p>
             <a:pPr lvl="0"/>
             <a:r>
-              <a:rPr lang="ko-KR" altLang="en-US" smtClean="0"/>
+              <a:rPr lang="ko-KR" altLang="en-US"/>
               <a:t>마스터 텍스트 스타일을 편집합니다</a:t>
             </a:r>
           </a:p>
@@ -1687,38 +1689,37 @@
           <a:p>
             <a:pPr lvl="0"/>
             <a:r>
-              <a:rPr lang="ko-KR" altLang="en-US" smtClean="0"/>
+              <a:rPr lang="ko-KR" altLang="en-US"/>
               <a:t>마스터 텍스트 스타일을 편집합니다</a:t>
             </a:r>
           </a:p>
           <a:p>
             <a:pPr lvl="1"/>
             <a:r>
-              <a:rPr lang="ko-KR" altLang="en-US" smtClean="0"/>
+              <a:rPr lang="ko-KR" altLang="en-US"/>
               <a:t>둘째 수준</a:t>
             </a:r>
           </a:p>
           <a:p>
             <a:pPr lvl="2"/>
             <a:r>
-              <a:rPr lang="ko-KR" altLang="en-US" smtClean="0"/>
+              <a:rPr lang="ko-KR" altLang="en-US"/>
               <a:t>셋째 수준</a:t>
             </a:r>
           </a:p>
           <a:p>
             <a:pPr lvl="3"/>
             <a:r>
-              <a:rPr lang="ko-KR" altLang="en-US" smtClean="0"/>
+              <a:rPr lang="ko-KR" altLang="en-US"/>
               <a:t>넷째 수준</a:t>
             </a:r>
           </a:p>
           <a:p>
             <a:pPr lvl="4"/>
             <a:r>
-              <a:rPr lang="ko-KR" altLang="en-US" smtClean="0"/>
+              <a:rPr lang="ko-KR" altLang="en-US"/>
               <a:t>다섯째 수준</a:t>
             </a:r>
-            <a:endParaRPr lang="ko-KR" altLang="en-US"/>
           </a:p>
         </p:txBody>
       </p:sp>
@@ -1828,10 +1829,9 @@
           <a:lstStyle/>
           <a:p>
             <a:r>
-              <a:rPr lang="ko-KR" altLang="en-US" smtClean="0"/>
+              <a:rPr lang="ko-KR" altLang="en-US"/>
               <a:t>마스터 제목 스타일 편집</a:t>
             </a:r>
-            <a:endParaRPr lang="ko-KR" altLang="en-US"/>
           </a:p>
         </p:txBody>
       </p:sp>
@@ -2040,10 +2040,9 @@
           </a:lstStyle>
           <a:p>
             <a:r>
-              <a:rPr lang="ko-KR" altLang="en-US" smtClean="0"/>
+              <a:rPr lang="ko-KR" altLang="en-US"/>
               <a:t>마스터 제목 스타일 편집</a:t>
             </a:r>
-            <a:endParaRPr lang="ko-KR" altLang="en-US"/>
           </a:p>
         </p:txBody>
       </p:sp>
@@ -2097,38 +2096,37 @@
           <a:p>
             <a:pPr lvl="0"/>
             <a:r>
-              <a:rPr lang="ko-KR" altLang="en-US" smtClean="0"/>
+              <a:rPr lang="ko-KR" altLang="en-US"/>
               <a:t>마스터 텍스트 스타일을 편집합니다</a:t>
             </a:r>
           </a:p>
           <a:p>
             <a:pPr lvl="1"/>
             <a:r>
-              <a:rPr lang="ko-KR" altLang="en-US" smtClean="0"/>
+              <a:rPr lang="ko-KR" altLang="en-US"/>
               <a:t>둘째 수준</a:t>
             </a:r>
           </a:p>
           <a:p>
             <a:pPr lvl="2"/>
             <a:r>
-              <a:rPr lang="ko-KR" altLang="en-US" smtClean="0"/>
+              <a:rPr lang="ko-KR" altLang="en-US"/>
               <a:t>셋째 수준</a:t>
             </a:r>
           </a:p>
           <a:p>
             <a:pPr lvl="3"/>
             <a:r>
-              <a:rPr lang="ko-KR" altLang="en-US" smtClean="0"/>
+              <a:rPr lang="ko-KR" altLang="en-US"/>
               <a:t>넷째 수준</a:t>
             </a:r>
           </a:p>
           <a:p>
             <a:pPr lvl="4"/>
             <a:r>
-              <a:rPr lang="ko-KR" altLang="en-US" smtClean="0"/>
+              <a:rPr lang="ko-KR" altLang="en-US"/>
               <a:t>다섯째 수준</a:t>
             </a:r>
-            <a:endParaRPr lang="ko-KR" altLang="en-US"/>
           </a:p>
         </p:txBody>
       </p:sp>
@@ -2191,7 +2189,7 @@
           <a:p>
             <a:pPr lvl="0"/>
             <a:r>
-              <a:rPr lang="ko-KR" altLang="en-US" smtClean="0"/>
+              <a:rPr lang="ko-KR" altLang="en-US"/>
               <a:t>마스터 텍스트 스타일을 편집합니다</a:t>
             </a:r>
           </a:p>
@@ -2312,10 +2310,9 @@
           </a:lstStyle>
           <a:p>
             <a:r>
-              <a:rPr lang="ko-KR" altLang="en-US" smtClean="0"/>
+              <a:rPr lang="ko-KR" altLang="en-US"/>
               <a:t>마스터 제목 스타일 편집</a:t>
             </a:r>
-            <a:endParaRPr lang="ko-KR" altLang="en-US"/>
           </a:p>
         </p:txBody>
       </p:sp>
@@ -2439,7 +2436,7 @@
           <a:p>
             <a:pPr lvl="0"/>
             <a:r>
-              <a:rPr lang="ko-KR" altLang="en-US" smtClean="0"/>
+              <a:rPr lang="ko-KR" altLang="en-US"/>
               <a:t>마스터 텍스트 스타일을 편집합니다</a:t>
             </a:r>
           </a:p>
@@ -2566,10 +2563,9 @@
           <a:lstStyle/>
           <a:p>
             <a:r>
-              <a:rPr lang="ko-KR" altLang="en-US" smtClean="0"/>
+              <a:rPr lang="ko-KR" altLang="en-US"/>
               <a:t>마스터 제목 스타일 편집</a:t>
             </a:r>
-            <a:endParaRPr lang="ko-KR" altLang="en-US"/>
           </a:p>
         </p:txBody>
       </p:sp>
@@ -2600,38 +2596,37 @@
           <a:p>
             <a:pPr lvl="0"/>
             <a:r>
-              <a:rPr lang="ko-KR" altLang="en-US" smtClean="0"/>
+              <a:rPr lang="ko-KR" altLang="en-US"/>
               <a:t>마스터 텍스트 스타일을 편집합니다</a:t>
             </a:r>
           </a:p>
           <a:p>
             <a:pPr lvl="1"/>
             <a:r>
-              <a:rPr lang="ko-KR" altLang="en-US" smtClean="0"/>
+              <a:rPr lang="ko-KR" altLang="en-US"/>
               <a:t>둘째 수준</a:t>
             </a:r>
           </a:p>
           <a:p>
             <a:pPr lvl="2"/>
             <a:r>
-              <a:rPr lang="ko-KR" altLang="en-US" smtClean="0"/>
+              <a:rPr lang="ko-KR" altLang="en-US"/>
               <a:t>셋째 수준</a:t>
             </a:r>
           </a:p>
           <a:p>
             <a:pPr lvl="3"/>
             <a:r>
-              <a:rPr lang="ko-KR" altLang="en-US" smtClean="0"/>
+              <a:rPr lang="ko-KR" altLang="en-US"/>
               <a:t>넷째 수준</a:t>
             </a:r>
           </a:p>
           <a:p>
             <a:pPr lvl="4"/>
             <a:r>
-              <a:rPr lang="ko-KR" altLang="en-US" smtClean="0"/>
+              <a:rPr lang="ko-KR" altLang="en-US"/>
               <a:t>다섯째 수준</a:t>
             </a:r>
-            <a:endParaRPr lang="ko-KR" altLang="en-US"/>
           </a:p>
         </p:txBody>
       </p:sp>
@@ -3157,11 +3152,11 @@
           <a:p>
             <a:pPr algn="ctr"/>
             <a:r>
-              <a:rPr lang="ko-KR" altLang="en-US" sz="3200" b="1" dirty="0" smtClean="0"/>
+              <a:rPr lang="ko-KR" altLang="en-US" sz="3200" b="1" dirty="0"/>
               <a:t>그룹 </a:t>
             </a:r>
             <a:r>
-              <a:rPr lang="en-US" altLang="ko-KR" sz="3200" b="1" dirty="0" smtClean="0"/>
+              <a:rPr lang="en-US" altLang="ko-KR" sz="3200" b="1" dirty="0"/>
               <a:t>A</a:t>
             </a:r>
             <a:endParaRPr lang="ko-KR" altLang="en-US" sz="3200" b="1" dirty="0"/>
@@ -3200,11 +3195,11 @@
           <a:p>
             <a:pPr algn="ctr"/>
             <a:r>
-              <a:rPr lang="ko-KR" altLang="en-US" sz="3200" b="1" dirty="0" smtClean="0"/>
+              <a:rPr lang="ko-KR" altLang="en-US" sz="3200" b="1" dirty="0"/>
               <a:t>그룹 </a:t>
             </a:r>
             <a:r>
-              <a:rPr lang="en-US" altLang="ko-KR" sz="3200" b="1" dirty="0" smtClean="0"/>
+              <a:rPr lang="en-US" altLang="ko-KR" sz="3200" b="1" dirty="0"/>
               <a:t>B</a:t>
             </a:r>
             <a:endParaRPr lang="ko-KR" altLang="en-US" sz="3200" b="1" dirty="0"/>
@@ -3713,11 +3708,11 @@
           <a:p>
             <a:pPr algn="ctr"/>
             <a:r>
-              <a:rPr lang="ko-KR" altLang="en-US" sz="3200" b="1" dirty="0" smtClean="0"/>
+              <a:rPr lang="ko-KR" altLang="en-US" sz="3200" b="1" dirty="0"/>
               <a:t>그룹 </a:t>
             </a:r>
             <a:r>
-              <a:rPr lang="en-US" altLang="ko-KR" sz="3200" b="1" dirty="0" smtClean="0"/>
+              <a:rPr lang="en-US" altLang="ko-KR" sz="3200" b="1" dirty="0"/>
               <a:t>A</a:t>
             </a:r>
             <a:endParaRPr lang="ko-KR" altLang="en-US" sz="3200" b="1" dirty="0"/>
@@ -3756,11 +3751,11 @@
           <a:p>
             <a:pPr algn="ctr"/>
             <a:r>
-              <a:rPr lang="ko-KR" altLang="en-US" sz="3200" b="1" dirty="0" smtClean="0"/>
+              <a:rPr lang="ko-KR" altLang="en-US" sz="3200" b="1" dirty="0"/>
               <a:t>그룹 </a:t>
             </a:r>
             <a:r>
-              <a:rPr lang="en-US" altLang="ko-KR" sz="3200" b="1" dirty="0" smtClean="0"/>
+              <a:rPr lang="en-US" altLang="ko-KR" sz="3200" b="1" dirty="0"/>
               <a:t>B</a:t>
             </a:r>
             <a:endParaRPr lang="ko-KR" altLang="en-US" sz="3200" b="1" dirty="0"/>
@@ -4197,7 +4192,7 @@
           <a:p>
             <a:pPr algn="ctr"/>
             <a:r>
-              <a:rPr lang="en-US" altLang="ko-KR" sz="2400" b="1" dirty="0" smtClean="0">
+              <a:rPr lang="en-US" altLang="ko-KR" sz="2400" b="1" dirty="0">
                 <a:solidFill>
                   <a:sysClr val="windowText" lastClr="000000"/>
                 </a:solidFill>
@@ -4257,7 +4252,7 @@
           <a:p>
             <a:pPr algn="ctr"/>
             <a:r>
-              <a:rPr lang="en-US" altLang="ko-KR" sz="2400" b="1" dirty="0" smtClean="0">
+              <a:rPr lang="en-US" altLang="ko-KR" sz="2400" b="1" dirty="0">
                 <a:solidFill>
                   <a:sysClr val="windowText" lastClr="000000"/>
                 </a:solidFill>
@@ -4317,7 +4312,7 @@
           <a:p>
             <a:pPr algn="ctr"/>
             <a:r>
-              <a:rPr lang="en-US" altLang="ko-KR" sz="2400" b="1" dirty="0" smtClean="0">
+              <a:rPr lang="en-US" altLang="ko-KR" sz="2400" b="1" dirty="0">
                 <a:solidFill>
                   <a:sysClr val="windowText" lastClr="000000"/>
                 </a:solidFill>
@@ -4377,7 +4372,7 @@
           <a:p>
             <a:pPr algn="ctr"/>
             <a:r>
-              <a:rPr lang="en-US" altLang="ko-KR" sz="2400" b="1" dirty="0" smtClean="0">
+              <a:rPr lang="en-US" altLang="ko-KR" sz="2400" b="1" dirty="0">
                 <a:solidFill>
                   <a:sysClr val="windowText" lastClr="000000"/>
                 </a:solidFill>
@@ -4437,7 +4432,7 @@
           <a:p>
             <a:pPr algn="ctr"/>
             <a:r>
-              <a:rPr lang="en-US" altLang="ko-KR" sz="2400" b="1" dirty="0" smtClean="0">
+              <a:rPr lang="en-US" altLang="ko-KR" sz="2400" b="1" dirty="0">
                 <a:solidFill>
                   <a:sysClr val="windowText" lastClr="000000"/>
                 </a:solidFill>
@@ -4497,7 +4492,7 @@
           <a:p>
             <a:pPr algn="ctr"/>
             <a:r>
-              <a:rPr lang="en-US" altLang="ko-KR" sz="2400" b="1" dirty="0" smtClean="0">
+              <a:rPr lang="en-US" altLang="ko-KR" sz="2400" b="1" dirty="0">
                 <a:solidFill>
                   <a:sysClr val="windowText" lastClr="000000"/>
                 </a:solidFill>
@@ -4557,7 +4552,7 @@
           <a:p>
             <a:pPr algn="ctr"/>
             <a:r>
-              <a:rPr lang="en-US" altLang="ko-KR" sz="2400" b="1" dirty="0" smtClean="0">
+              <a:rPr lang="en-US" altLang="ko-KR" sz="2400" b="1" dirty="0">
                 <a:solidFill>
                   <a:sysClr val="windowText" lastClr="000000"/>
                 </a:solidFill>
@@ -4617,7 +4612,7 @@
           <a:p>
             <a:pPr algn="ctr"/>
             <a:r>
-              <a:rPr lang="en-US" altLang="ko-KR" sz="2400" b="1" dirty="0" smtClean="0">
+              <a:rPr lang="en-US" altLang="ko-KR" sz="2400" b="1" dirty="0">
                 <a:solidFill>
                   <a:sysClr val="windowText" lastClr="000000"/>
                 </a:solidFill>
@@ -4677,7 +4672,7 @@
           <a:p>
             <a:pPr algn="ctr"/>
             <a:r>
-              <a:rPr lang="en-US" altLang="ko-KR" sz="2400" b="1" dirty="0" smtClean="0">
+              <a:rPr lang="en-US" altLang="ko-KR" sz="2400" b="1" dirty="0">
                 <a:solidFill>
                   <a:sysClr val="windowText" lastClr="000000"/>
                 </a:solidFill>
@@ -4715,7 +4710,7 @@
           <a:lstStyle/>
           <a:p>
             <a:r>
-              <a:rPr lang="en-US" altLang="ko-KR" sz="3200" b="1" dirty="0" smtClean="0">
+              <a:rPr lang="en-US" altLang="ko-KR" sz="3200" b="1" dirty="0">
                 <a:solidFill>
                   <a:srgbClr val="F94545"/>
                 </a:solidFill>
@@ -4723,7 +4718,7 @@
               <a:t>Group</a:t>
             </a:r>
             <a:r>
-              <a:rPr lang="ko-KR" altLang="en-US" sz="3200" b="1" dirty="0" smtClean="0">
+              <a:rPr lang="ko-KR" altLang="en-US" sz="3200" b="1" dirty="0">
                 <a:solidFill>
                   <a:srgbClr val="F94545"/>
                 </a:solidFill>
@@ -4731,7 +4726,7 @@
               <a:t> </a:t>
             </a:r>
             <a:r>
-              <a:rPr lang="en-US" altLang="ko-KR" sz="3200" b="1" dirty="0" smtClean="0">
+              <a:rPr lang="en-US" altLang="ko-KR" sz="3200" b="1" dirty="0">
                 <a:solidFill>
                   <a:srgbClr val="F94545"/>
                 </a:solidFill>
@@ -4769,7 +4764,7 @@
           <a:lstStyle/>
           <a:p>
             <a:r>
-              <a:rPr lang="en-US" altLang="ko-KR" sz="3200" b="1" dirty="0" smtClean="0">
+              <a:rPr lang="en-US" altLang="ko-KR" sz="3200" b="1" dirty="0">
                 <a:solidFill>
                   <a:schemeClr val="accent1"/>
                 </a:solidFill>
@@ -4777,7 +4772,7 @@
               <a:t>Group</a:t>
             </a:r>
             <a:r>
-              <a:rPr lang="ko-KR" altLang="en-US" sz="3200" b="1" dirty="0" smtClean="0">
+              <a:rPr lang="ko-KR" altLang="en-US" sz="3200" b="1" dirty="0">
                 <a:solidFill>
                   <a:schemeClr val="accent1"/>
                 </a:solidFill>
@@ -4785,7 +4780,7 @@
               <a:t> </a:t>
             </a:r>
             <a:r>
-              <a:rPr lang="en-US" altLang="ko-KR" sz="3200" b="1" dirty="0" smtClean="0">
+              <a:rPr lang="en-US" altLang="ko-KR" sz="3200" b="1" dirty="0">
                 <a:solidFill>
                   <a:schemeClr val="accent1"/>
                 </a:solidFill>
@@ -4823,7 +4818,7 @@
           <a:lstStyle/>
           <a:p>
             <a:r>
-              <a:rPr lang="ko-KR" altLang="en-US" sz="3200" b="1" dirty="0" smtClean="0">
+              <a:rPr lang="ko-KR" altLang="en-US" sz="3200" b="1" dirty="0">
                 <a:solidFill>
                   <a:srgbClr val="F94545"/>
                 </a:solidFill>
@@ -4831,7 +4826,7 @@
               <a:t>평균</a:t>
             </a:r>
             <a:r>
-              <a:rPr lang="en-US" altLang="ko-KR" sz="3200" b="1" dirty="0" smtClean="0">
+              <a:rPr lang="en-US" altLang="ko-KR" sz="3200" b="1" dirty="0">
                 <a:solidFill>
                   <a:srgbClr val="F94545"/>
                 </a:solidFill>
@@ -4869,7 +4864,7 @@
           <a:lstStyle/>
           <a:p>
             <a:r>
-              <a:rPr lang="ko-KR" altLang="en-US" sz="3200" b="1" dirty="0" smtClean="0">
+              <a:rPr lang="ko-KR" altLang="en-US" sz="3200" b="1" dirty="0">
                 <a:solidFill>
                   <a:schemeClr val="accent1"/>
                 </a:solidFill>
@@ -4877,7 +4872,7 @@
               <a:t>평균</a:t>
             </a:r>
             <a:r>
-              <a:rPr lang="en-US" altLang="ko-KR" sz="3200" b="1" dirty="0" smtClean="0">
+              <a:rPr lang="en-US" altLang="ko-KR" sz="3200" b="1" dirty="0">
                 <a:solidFill>
                   <a:schemeClr val="accent1"/>
                 </a:solidFill>
@@ -4915,21 +4910,21 @@
           <a:lstStyle/>
           <a:p>
             <a:r>
-              <a:rPr lang="en-US" altLang="ko-KR" sz="3200" b="1" dirty="0" smtClean="0">
+              <a:rPr lang="en-US" altLang="ko-KR" sz="3200" b="1" dirty="0">
                 <a:sym typeface="Wingdings" pitchFamily="2" charset="2"/>
               </a:rPr>
               <a:t> </a:t>
             </a:r>
             <a:r>
-              <a:rPr lang="ko-KR" altLang="en-US" sz="3200" b="1" dirty="0" smtClean="0"/>
+              <a:rPr lang="ko-KR" altLang="en-US" sz="3200" b="1" dirty="0"/>
               <a:t>각 그룹의 평균 차이</a:t>
             </a:r>
             <a:r>
-              <a:rPr lang="en-US" altLang="ko-KR" sz="3200" b="1" dirty="0" smtClean="0"/>
+              <a:rPr lang="en-US" altLang="ko-KR" sz="3200" b="1" dirty="0"/>
               <a:t>: </a:t>
             </a:r>
             <a:r>
-              <a:rPr lang="en-US" altLang="ko-KR" sz="3200" b="1" dirty="0" smtClean="0">
+              <a:rPr lang="en-US" altLang="ko-KR" sz="3200" b="1" dirty="0">
                 <a:solidFill>
                   <a:srgbClr val="F94545"/>
                 </a:solidFill>
@@ -4937,11 +4932,11 @@
               <a:t>61.50</a:t>
             </a:r>
             <a:r>
-              <a:rPr lang="en-US" altLang="ko-KR" sz="3200" b="1" dirty="0" smtClean="0"/>
+              <a:rPr lang="en-US" altLang="ko-KR" sz="3200" b="1" dirty="0"/>
               <a:t>-</a:t>
             </a:r>
             <a:r>
-              <a:rPr lang="en-US" altLang="ko-KR" sz="3200" b="1" dirty="0" smtClean="0">
+              <a:rPr lang="en-US" altLang="ko-KR" sz="3200" b="1" dirty="0">
                 <a:solidFill>
                   <a:srgbClr val="92B1D6"/>
                 </a:solidFill>
@@ -4949,7 +4944,7 @@
               <a:t>51.20</a:t>
             </a:r>
             <a:r>
-              <a:rPr lang="en-US" altLang="ko-KR" sz="3200" b="1" dirty="0" smtClean="0"/>
+              <a:rPr lang="en-US" altLang="ko-KR" sz="3200" b="1" dirty="0"/>
               <a:t> = 10.30</a:t>
             </a:r>
             <a:endParaRPr lang="ko-KR" altLang="en-US" sz="3200" b="1" dirty="0"/>
@@ -5095,7 +5090,7 @@
           <a:p>
             <a:pPr algn="ctr"/>
             <a:r>
-              <a:rPr lang="en-US" altLang="ko-KR" sz="2400" b="1" dirty="0" smtClean="0">
+              <a:rPr lang="en-US" altLang="ko-KR" sz="2400" b="1" dirty="0">
                 <a:solidFill>
                   <a:sysClr val="windowText" lastClr="000000"/>
                 </a:solidFill>
@@ -5155,7 +5150,7 @@
           <a:p>
             <a:pPr algn="ctr"/>
             <a:r>
-              <a:rPr lang="en-US" altLang="ko-KR" sz="2400" b="1" dirty="0" smtClean="0">
+              <a:rPr lang="en-US" altLang="ko-KR" sz="2400" b="1" dirty="0">
                 <a:solidFill>
                   <a:sysClr val="windowText" lastClr="000000"/>
                 </a:solidFill>
@@ -5215,7 +5210,7 @@
           <a:p>
             <a:pPr algn="ctr"/>
             <a:r>
-              <a:rPr lang="en-US" altLang="ko-KR" sz="2400" b="1" dirty="0" smtClean="0">
+              <a:rPr lang="en-US" altLang="ko-KR" sz="2400" b="1" dirty="0">
                 <a:solidFill>
                   <a:sysClr val="windowText" lastClr="000000"/>
                 </a:solidFill>
@@ -5275,7 +5270,7 @@
           <a:p>
             <a:pPr algn="ctr"/>
             <a:r>
-              <a:rPr lang="en-US" altLang="ko-KR" sz="2400" b="1" dirty="0" smtClean="0">
+              <a:rPr lang="en-US" altLang="ko-KR" sz="2400" b="1" dirty="0">
                 <a:solidFill>
                   <a:sysClr val="windowText" lastClr="000000"/>
                 </a:solidFill>
@@ -5335,7 +5330,7 @@
           <a:p>
             <a:pPr algn="ctr"/>
             <a:r>
-              <a:rPr lang="en-US" altLang="ko-KR" sz="2400" b="1" dirty="0" smtClean="0">
+              <a:rPr lang="en-US" altLang="ko-KR" sz="2400" b="1" dirty="0">
                 <a:solidFill>
                   <a:sysClr val="windowText" lastClr="000000"/>
                 </a:solidFill>
@@ -5395,7 +5390,7 @@
           <a:p>
             <a:pPr algn="ctr"/>
             <a:r>
-              <a:rPr lang="en-US" altLang="ko-KR" sz="2400" b="1" dirty="0" smtClean="0">
+              <a:rPr lang="en-US" altLang="ko-KR" sz="2400" b="1" dirty="0">
                 <a:solidFill>
                   <a:sysClr val="windowText" lastClr="000000"/>
                 </a:solidFill>
@@ -5455,7 +5450,7 @@
           <a:p>
             <a:pPr algn="ctr"/>
             <a:r>
-              <a:rPr lang="en-US" altLang="ko-KR" sz="2400" b="1" dirty="0" smtClean="0">
+              <a:rPr lang="en-US" altLang="ko-KR" sz="2400" b="1" dirty="0">
                 <a:solidFill>
                   <a:sysClr val="windowText" lastClr="000000"/>
                 </a:solidFill>
@@ -5515,7 +5510,7 @@
           <a:p>
             <a:pPr algn="ctr"/>
             <a:r>
-              <a:rPr lang="en-US" altLang="ko-KR" sz="2400" b="1" dirty="0" smtClean="0">
+              <a:rPr lang="en-US" altLang="ko-KR" sz="2400" b="1" dirty="0">
                 <a:solidFill>
                   <a:sysClr val="windowText" lastClr="000000"/>
                 </a:solidFill>
@@ -5575,7 +5570,7 @@
           <a:p>
             <a:pPr algn="ctr"/>
             <a:r>
-              <a:rPr lang="en-US" altLang="ko-KR" sz="2400" b="1" dirty="0" smtClean="0">
+              <a:rPr lang="en-US" altLang="ko-KR" sz="2400" b="1" dirty="0">
                 <a:solidFill>
                   <a:sysClr val="windowText" lastClr="000000"/>
                 </a:solidFill>
@@ -5631,7 +5626,7 @@
           <a:p>
             <a:pPr algn="ctr"/>
             <a:r>
-              <a:rPr lang="en-US" altLang="ko-KR" sz="2800" dirty="0" smtClean="0">
+              <a:rPr lang="en-US" altLang="ko-KR" sz="2800" dirty="0">
                 <a:solidFill>
                   <a:schemeClr val="tx1"/>
                 </a:solidFill>
@@ -5687,7 +5682,7 @@
           <a:p>
             <a:pPr algn="ctr"/>
             <a:r>
-              <a:rPr lang="en-US" altLang="ko-KR" sz="2800" dirty="0" smtClean="0">
+              <a:rPr lang="en-US" altLang="ko-KR" sz="2800" dirty="0">
                 <a:solidFill>
                   <a:schemeClr val="tx1"/>
                 </a:solidFill>
@@ -6074,7 +6069,7 @@
           <a:lstStyle/>
           <a:p>
             <a:r>
-              <a:rPr lang="en-US" altLang="ko-KR" sz="2800" dirty="0" smtClean="0"/>
+              <a:rPr lang="en-US" altLang="ko-KR" sz="2800" dirty="0"/>
               <a:t>-</a:t>
             </a:r>
             <a:endParaRPr lang="ko-KR" altLang="en-US" sz="2800" dirty="0"/>
@@ -6104,7 +6099,7 @@
           <a:lstStyle/>
           <a:p>
             <a:r>
-              <a:rPr lang="en-US" altLang="ko-KR" sz="2800" dirty="0" smtClean="0"/>
+              <a:rPr lang="en-US" altLang="ko-KR" sz="2800" dirty="0"/>
               <a:t>= -7.25</a:t>
             </a:r>
             <a:endParaRPr lang="ko-KR" altLang="en-US" sz="2800" dirty="0"/>
@@ -6134,15 +6129,15 @@
           <a:lstStyle/>
           <a:p>
             <a:r>
-              <a:rPr lang="en-US" altLang="ko-KR" sz="2800" b="1" dirty="0" smtClean="0"/>
+              <a:rPr lang="en-US" altLang="ko-KR" sz="2800" b="1" dirty="0"/>
               <a:t>[1</a:t>
             </a:r>
             <a:r>
-              <a:rPr lang="ko-KR" altLang="en-US" sz="2800" b="1" dirty="0" smtClean="0"/>
+              <a:rPr lang="ko-KR" altLang="en-US" sz="2800" b="1" dirty="0"/>
               <a:t>회차 선택</a:t>
             </a:r>
             <a:r>
-              <a:rPr lang="en-US" altLang="ko-KR" sz="2800" b="1" dirty="0" smtClean="0"/>
+              <a:rPr lang="en-US" altLang="ko-KR" sz="2800" b="1" dirty="0"/>
               <a:t>]</a:t>
             </a:r>
             <a:endParaRPr lang="ko-KR" altLang="en-US" sz="2800" b="1" dirty="0"/>
@@ -6288,7 +6283,7 @@
           <a:p>
             <a:pPr algn="ctr"/>
             <a:r>
-              <a:rPr lang="en-US" altLang="ko-KR" sz="2400" b="1" dirty="0" smtClean="0">
+              <a:rPr lang="en-US" altLang="ko-KR" sz="2400" b="1" dirty="0">
                 <a:solidFill>
                   <a:sysClr val="windowText" lastClr="000000"/>
                 </a:solidFill>
@@ -6348,7 +6343,7 @@
           <a:p>
             <a:pPr algn="ctr"/>
             <a:r>
-              <a:rPr lang="en-US" altLang="ko-KR" sz="2400" b="1" dirty="0" smtClean="0">
+              <a:rPr lang="en-US" altLang="ko-KR" sz="2400" b="1" dirty="0">
                 <a:solidFill>
                   <a:sysClr val="windowText" lastClr="000000"/>
                 </a:solidFill>
@@ -6408,7 +6403,7 @@
           <a:p>
             <a:pPr algn="ctr"/>
             <a:r>
-              <a:rPr lang="en-US" altLang="ko-KR" sz="2400" b="1" dirty="0" smtClean="0">
+              <a:rPr lang="en-US" altLang="ko-KR" sz="2400" b="1" dirty="0">
                 <a:solidFill>
                   <a:sysClr val="windowText" lastClr="000000"/>
                 </a:solidFill>
@@ -6468,7 +6463,7 @@
           <a:p>
             <a:pPr algn="ctr"/>
             <a:r>
-              <a:rPr lang="en-US" altLang="ko-KR" sz="2400" b="1" dirty="0" smtClean="0">
+              <a:rPr lang="en-US" altLang="ko-KR" sz="2400" b="1" dirty="0">
                 <a:solidFill>
                   <a:sysClr val="windowText" lastClr="000000"/>
                 </a:solidFill>
@@ -6528,7 +6523,7 @@
           <a:p>
             <a:pPr algn="ctr"/>
             <a:r>
-              <a:rPr lang="en-US" altLang="ko-KR" sz="2400" b="1" dirty="0" smtClean="0">
+              <a:rPr lang="en-US" altLang="ko-KR" sz="2400" b="1" dirty="0">
                 <a:solidFill>
                   <a:sysClr val="windowText" lastClr="000000"/>
                 </a:solidFill>
@@ -6588,7 +6583,7 @@
           <a:p>
             <a:pPr algn="ctr"/>
             <a:r>
-              <a:rPr lang="en-US" altLang="ko-KR" sz="2400" b="1" dirty="0" smtClean="0">
+              <a:rPr lang="en-US" altLang="ko-KR" sz="2400" b="1" dirty="0">
                 <a:solidFill>
                   <a:sysClr val="windowText" lastClr="000000"/>
                 </a:solidFill>
@@ -6648,7 +6643,7 @@
           <a:p>
             <a:pPr algn="ctr"/>
             <a:r>
-              <a:rPr lang="en-US" altLang="ko-KR" sz="2400" b="1" dirty="0" smtClean="0">
+              <a:rPr lang="en-US" altLang="ko-KR" sz="2400" b="1" dirty="0">
                 <a:solidFill>
                   <a:sysClr val="windowText" lastClr="000000"/>
                 </a:solidFill>
@@ -6708,7 +6703,7 @@
           <a:p>
             <a:pPr algn="ctr"/>
             <a:r>
-              <a:rPr lang="en-US" altLang="ko-KR" sz="2400" b="1" dirty="0" smtClean="0">
+              <a:rPr lang="en-US" altLang="ko-KR" sz="2400" b="1" dirty="0">
                 <a:solidFill>
                   <a:sysClr val="windowText" lastClr="000000"/>
                 </a:solidFill>
@@ -6768,7 +6763,7 @@
           <a:p>
             <a:pPr algn="ctr"/>
             <a:r>
-              <a:rPr lang="en-US" altLang="ko-KR" sz="2400" b="1" dirty="0" smtClean="0">
+              <a:rPr lang="en-US" altLang="ko-KR" sz="2400" b="1" dirty="0">
                 <a:solidFill>
                   <a:sysClr val="windowText" lastClr="000000"/>
                 </a:solidFill>
@@ -6824,7 +6819,7 @@
           <a:p>
             <a:pPr algn="ctr"/>
             <a:r>
-              <a:rPr lang="en-US" altLang="ko-KR" sz="2800" dirty="0" smtClean="0">
+              <a:rPr lang="en-US" altLang="ko-KR" sz="2800" dirty="0">
                 <a:solidFill>
                   <a:schemeClr val="tx1"/>
                 </a:solidFill>
@@ -6880,7 +6875,7 @@
           <a:p>
             <a:pPr algn="ctr"/>
             <a:r>
-              <a:rPr lang="en-US" altLang="ko-KR" sz="2800" dirty="0" smtClean="0">
+              <a:rPr lang="en-US" altLang="ko-KR" sz="2800" dirty="0">
                 <a:solidFill>
                   <a:schemeClr val="tx1"/>
                 </a:solidFill>
@@ -7267,7 +7262,7 @@
           <a:lstStyle/>
           <a:p>
             <a:r>
-              <a:rPr lang="en-US" altLang="ko-KR" sz="2800" dirty="0" smtClean="0"/>
+              <a:rPr lang="en-US" altLang="ko-KR" sz="2800" dirty="0"/>
               <a:t>-</a:t>
             </a:r>
             <a:endParaRPr lang="ko-KR" altLang="en-US" sz="2800" dirty="0"/>
@@ -7297,7 +7292,7 @@
           <a:lstStyle/>
           <a:p>
             <a:r>
-              <a:rPr lang="en-US" altLang="ko-KR" sz="2800" dirty="0" smtClean="0"/>
+              <a:rPr lang="en-US" altLang="ko-KR" sz="2800" dirty="0"/>
               <a:t>= -9.05</a:t>
             </a:r>
             <a:endParaRPr lang="ko-KR" altLang="en-US" sz="2800" dirty="0"/>
@@ -7327,15 +7322,15 @@
           <a:lstStyle/>
           <a:p>
             <a:r>
-              <a:rPr lang="en-US" altLang="ko-KR" sz="2800" b="1" dirty="0" smtClean="0"/>
+              <a:rPr lang="en-US" altLang="ko-KR" sz="2800" b="1" dirty="0"/>
               <a:t>[2</a:t>
             </a:r>
             <a:r>
-              <a:rPr lang="ko-KR" altLang="en-US" sz="2800" b="1" dirty="0" smtClean="0"/>
+              <a:rPr lang="ko-KR" altLang="en-US" sz="2800" b="1" dirty="0"/>
               <a:t>회차 선택</a:t>
             </a:r>
             <a:r>
-              <a:rPr lang="en-US" altLang="ko-KR" sz="2800" b="1" dirty="0" smtClean="0"/>
+              <a:rPr lang="en-US" altLang="ko-KR" sz="2800" b="1" dirty="0"/>
               <a:t>]</a:t>
             </a:r>
             <a:endParaRPr lang="ko-KR" altLang="en-US" sz="2800" b="1" dirty="0"/>
@@ -7481,7 +7476,7 @@
           <a:p>
             <a:pPr algn="ctr"/>
             <a:r>
-              <a:rPr lang="en-US" altLang="ko-KR" sz="2400" b="1" dirty="0" smtClean="0">
+              <a:rPr lang="en-US" altLang="ko-KR" sz="2400" b="1" dirty="0">
                 <a:solidFill>
                   <a:sysClr val="windowText" lastClr="000000"/>
                 </a:solidFill>
@@ -7541,7 +7536,7 @@
           <a:p>
             <a:pPr algn="ctr"/>
             <a:r>
-              <a:rPr lang="en-US" altLang="ko-KR" sz="2400" b="1" dirty="0" smtClean="0">
+              <a:rPr lang="en-US" altLang="ko-KR" sz="2400" b="1" dirty="0">
                 <a:solidFill>
                   <a:sysClr val="windowText" lastClr="000000"/>
                 </a:solidFill>
@@ -7601,7 +7596,7 @@
           <a:p>
             <a:pPr algn="ctr"/>
             <a:r>
-              <a:rPr lang="en-US" altLang="ko-KR" sz="2400" b="1" dirty="0" smtClean="0">
+              <a:rPr lang="en-US" altLang="ko-KR" sz="2400" b="1" dirty="0">
                 <a:solidFill>
                   <a:sysClr val="windowText" lastClr="000000"/>
                 </a:solidFill>
@@ -7661,7 +7656,7 @@
           <a:p>
             <a:pPr algn="ctr"/>
             <a:r>
-              <a:rPr lang="en-US" altLang="ko-KR" sz="2400" b="1" dirty="0" smtClean="0">
+              <a:rPr lang="en-US" altLang="ko-KR" sz="2400" b="1" dirty="0">
                 <a:solidFill>
                   <a:sysClr val="windowText" lastClr="000000"/>
                 </a:solidFill>
@@ -7721,7 +7716,7 @@
           <a:p>
             <a:pPr algn="ctr"/>
             <a:r>
-              <a:rPr lang="en-US" altLang="ko-KR" sz="2400" b="1" dirty="0" smtClean="0">
+              <a:rPr lang="en-US" altLang="ko-KR" sz="2400" b="1" dirty="0">
                 <a:solidFill>
                   <a:sysClr val="windowText" lastClr="000000"/>
                 </a:solidFill>
@@ -7781,7 +7776,7 @@
           <a:p>
             <a:pPr algn="ctr"/>
             <a:r>
-              <a:rPr lang="en-US" altLang="ko-KR" sz="2400" b="1" dirty="0" smtClean="0">
+              <a:rPr lang="en-US" altLang="ko-KR" sz="2400" b="1" dirty="0">
                 <a:solidFill>
                   <a:sysClr val="windowText" lastClr="000000"/>
                 </a:solidFill>
@@ -7841,7 +7836,7 @@
           <a:p>
             <a:pPr algn="ctr"/>
             <a:r>
-              <a:rPr lang="en-US" altLang="ko-KR" sz="2400" b="1" dirty="0" smtClean="0">
+              <a:rPr lang="en-US" altLang="ko-KR" sz="2400" b="1" dirty="0">
                 <a:solidFill>
                   <a:sysClr val="windowText" lastClr="000000"/>
                 </a:solidFill>
@@ -7901,7 +7896,7 @@
           <a:p>
             <a:pPr algn="ctr"/>
             <a:r>
-              <a:rPr lang="en-US" altLang="ko-KR" sz="2400" b="1" dirty="0" smtClean="0">
+              <a:rPr lang="en-US" altLang="ko-KR" sz="2400" b="1" dirty="0">
                 <a:solidFill>
                   <a:sysClr val="windowText" lastClr="000000"/>
                 </a:solidFill>
@@ -7961,7 +7956,7 @@
           <a:p>
             <a:pPr algn="ctr"/>
             <a:r>
-              <a:rPr lang="en-US" altLang="ko-KR" sz="2400" b="1" dirty="0" smtClean="0">
+              <a:rPr lang="en-US" altLang="ko-KR" sz="2400" b="1" dirty="0">
                 <a:solidFill>
                   <a:sysClr val="windowText" lastClr="000000"/>
                 </a:solidFill>
@@ -8017,7 +8012,7 @@
           <a:p>
             <a:pPr algn="ctr"/>
             <a:r>
-              <a:rPr lang="en-US" altLang="ko-KR" sz="2800" dirty="0" smtClean="0">
+              <a:rPr lang="en-US" altLang="ko-KR" sz="2800" dirty="0">
                 <a:solidFill>
                   <a:schemeClr val="tx1"/>
                 </a:solidFill>
@@ -8073,7 +8068,7 @@
           <a:p>
             <a:pPr algn="ctr"/>
             <a:r>
-              <a:rPr lang="en-US" altLang="ko-KR" sz="2800" dirty="0" smtClean="0">
+              <a:rPr lang="en-US" altLang="ko-KR" sz="2800" dirty="0">
                 <a:solidFill>
                   <a:schemeClr val="tx1"/>
                 </a:solidFill>
@@ -8460,7 +8455,7 @@
           <a:lstStyle/>
           <a:p>
             <a:r>
-              <a:rPr lang="en-US" altLang="ko-KR" sz="2800" dirty="0" smtClean="0"/>
+              <a:rPr lang="en-US" altLang="ko-KR" sz="2800" dirty="0"/>
               <a:t>-</a:t>
             </a:r>
             <a:endParaRPr lang="ko-KR" altLang="en-US" sz="2800" dirty="0"/>
@@ -8490,7 +8485,7 @@
           <a:lstStyle/>
           <a:p>
             <a:r>
-              <a:rPr lang="en-US" altLang="ko-KR" sz="2800" dirty="0" smtClean="0"/>
+              <a:rPr lang="en-US" altLang="ko-KR" sz="2800" dirty="0"/>
               <a:t>= 2.20</a:t>
             </a:r>
             <a:endParaRPr lang="ko-KR" altLang="en-US" sz="2800" dirty="0"/>
@@ -8520,15 +8515,15 @@
           <a:lstStyle/>
           <a:p>
             <a:r>
-              <a:rPr lang="en-US" altLang="ko-KR" sz="2800" b="1" dirty="0" smtClean="0"/>
+              <a:rPr lang="en-US" altLang="ko-KR" sz="2800" b="1" dirty="0"/>
               <a:t>[3</a:t>
             </a:r>
             <a:r>
-              <a:rPr lang="ko-KR" altLang="en-US" sz="2800" b="1" dirty="0" smtClean="0"/>
+              <a:rPr lang="ko-KR" altLang="en-US" sz="2800" b="1" dirty="0"/>
               <a:t>회차 선택</a:t>
             </a:r>
             <a:r>
-              <a:rPr lang="en-US" altLang="ko-KR" sz="2800" b="1" dirty="0" smtClean="0"/>
+              <a:rPr lang="en-US" altLang="ko-KR" sz="2800" b="1" dirty="0"/>
               <a:t>]</a:t>
             </a:r>
             <a:endParaRPr lang="ko-KR" altLang="en-US" sz="2800" b="1" dirty="0"/>

--- a/pics/2021-10-28-permutation_test/pics.pptx
+++ b/pics/2021-10-28-permutation_test/pics.pptx
@@ -6,11 +6,17 @@
   </p:sldMasterIdLst>
   <p:sldIdLst>
     <p:sldId id="256" r:id="rId2"/>
-    <p:sldId id="257" r:id="rId3"/>
-    <p:sldId id="258" r:id="rId4"/>
-    <p:sldId id="259" r:id="rId5"/>
-    <p:sldId id="260" r:id="rId6"/>
-    <p:sldId id="261" r:id="rId7"/>
+    <p:sldId id="262" r:id="rId3"/>
+    <p:sldId id="257" r:id="rId4"/>
+    <p:sldId id="263" r:id="rId5"/>
+    <p:sldId id="258" r:id="rId6"/>
+    <p:sldId id="264" r:id="rId7"/>
+    <p:sldId id="259" r:id="rId8"/>
+    <p:sldId id="265" r:id="rId9"/>
+    <p:sldId id="260" r:id="rId10"/>
+    <p:sldId id="266" r:id="rId11"/>
+    <p:sldId id="267" r:id="rId12"/>
+    <p:sldId id="261" r:id="rId13"/>
   </p:sldIdLst>
   <p:sldSz cx="9144000" cy="6858000" type="screen4x3"/>
   <p:notesSz cx="6858000" cy="9144000"/>
@@ -307,7 +313,7 @@
           <a:p>
             <a:fld id="{FB30EDBD-1C2D-4C1E-B459-B60219FAB484}" type="datetimeFigureOut">
               <a:rPr lang="ko-KR" altLang="en-US" smtClean="0"/>
-              <a:t>2021-10-29</a:t>
+              <a:t>2023-05-12</a:t>
             </a:fld>
             <a:endParaRPr lang="ko-KR" altLang="en-US"/>
           </a:p>
@@ -470,7 +476,7 @@
           <a:p>
             <a:fld id="{FB30EDBD-1C2D-4C1E-B459-B60219FAB484}" type="datetimeFigureOut">
               <a:rPr lang="ko-KR" altLang="en-US" smtClean="0"/>
-              <a:t>2021-10-29</a:t>
+              <a:t>2023-05-12</a:t>
             </a:fld>
             <a:endParaRPr lang="ko-KR" altLang="en-US"/>
           </a:p>
@@ -643,7 +649,7 @@
           <a:p>
             <a:fld id="{FB30EDBD-1C2D-4C1E-B459-B60219FAB484}" type="datetimeFigureOut">
               <a:rPr lang="ko-KR" altLang="en-US" smtClean="0"/>
-              <a:t>2021-10-29</a:t>
+              <a:t>2023-05-12</a:t>
             </a:fld>
             <a:endParaRPr lang="ko-KR" altLang="en-US"/>
           </a:p>
@@ -806,7 +812,7 @@
           <a:p>
             <a:fld id="{FB30EDBD-1C2D-4C1E-B459-B60219FAB484}" type="datetimeFigureOut">
               <a:rPr lang="ko-KR" altLang="en-US" smtClean="0"/>
-              <a:t>2021-10-29</a:t>
+              <a:t>2023-05-12</a:t>
             </a:fld>
             <a:endParaRPr lang="ko-KR" altLang="en-US"/>
           </a:p>
@@ -1046,7 +1052,7 @@
           <a:p>
             <a:fld id="{FB30EDBD-1C2D-4C1E-B459-B60219FAB484}" type="datetimeFigureOut">
               <a:rPr lang="ko-KR" altLang="en-US" smtClean="0"/>
-              <a:t>2021-10-29</a:t>
+              <a:t>2023-05-12</a:t>
             </a:fld>
             <a:endParaRPr lang="ko-KR" altLang="en-US"/>
           </a:p>
@@ -1326,7 +1332,7 @@
           <a:p>
             <a:fld id="{FB30EDBD-1C2D-4C1E-B459-B60219FAB484}" type="datetimeFigureOut">
               <a:rPr lang="ko-KR" altLang="en-US" smtClean="0"/>
-              <a:t>2021-10-29</a:t>
+              <a:t>2023-05-12</a:t>
             </a:fld>
             <a:endParaRPr lang="ko-KR" altLang="en-US"/>
           </a:p>
@@ -1740,7 +1746,7 @@
           <a:p>
             <a:fld id="{FB30EDBD-1C2D-4C1E-B459-B60219FAB484}" type="datetimeFigureOut">
               <a:rPr lang="ko-KR" altLang="en-US" smtClean="0"/>
-              <a:t>2021-10-29</a:t>
+              <a:t>2023-05-12</a:t>
             </a:fld>
             <a:endParaRPr lang="ko-KR" altLang="en-US"/>
           </a:p>
@@ -1852,7 +1858,7 @@
           <a:p>
             <a:fld id="{FB30EDBD-1C2D-4C1E-B459-B60219FAB484}" type="datetimeFigureOut">
               <a:rPr lang="ko-KR" altLang="en-US" smtClean="0"/>
-              <a:t>2021-10-29</a:t>
+              <a:t>2023-05-12</a:t>
             </a:fld>
             <a:endParaRPr lang="ko-KR" altLang="en-US"/>
           </a:p>
@@ -1942,7 +1948,7 @@
           <a:p>
             <a:fld id="{FB30EDBD-1C2D-4C1E-B459-B60219FAB484}" type="datetimeFigureOut">
               <a:rPr lang="ko-KR" altLang="en-US" smtClean="0"/>
-              <a:t>2021-10-29</a:t>
+              <a:t>2023-05-12</a:t>
             </a:fld>
             <a:endParaRPr lang="ko-KR" altLang="en-US"/>
           </a:p>
@@ -2212,7 +2218,7 @@
           <a:p>
             <a:fld id="{FB30EDBD-1C2D-4C1E-B459-B60219FAB484}" type="datetimeFigureOut">
               <a:rPr lang="ko-KR" altLang="en-US" smtClean="0"/>
-              <a:t>2021-10-29</a:t>
+              <a:t>2023-05-12</a:t>
             </a:fld>
             <a:endParaRPr lang="ko-KR" altLang="en-US"/>
           </a:p>
@@ -2459,7 +2465,7 @@
           <a:p>
             <a:fld id="{FB30EDBD-1C2D-4C1E-B459-B60219FAB484}" type="datetimeFigureOut">
               <a:rPr lang="ko-KR" altLang="en-US" smtClean="0"/>
-              <a:t>2021-10-29</a:t>
+              <a:t>2023-05-12</a:t>
             </a:fld>
             <a:endParaRPr lang="ko-KR" altLang="en-US"/>
           </a:p>
@@ -2665,7 +2671,7 @@
           <a:p>
             <a:fld id="{FB30EDBD-1C2D-4C1E-B459-B60219FAB484}" type="datetimeFigureOut">
               <a:rPr lang="ko-KR" altLang="en-US" smtClean="0"/>
-              <a:t>2021-10-29</a:t>
+              <a:t>2023-05-12</a:t>
             </a:fld>
             <a:endParaRPr lang="ko-KR" altLang="en-US"/>
           </a:p>
@@ -3574,1397 +3580,7 @@
 </p:sld>
 </file>
 
-<file path=ppt/slides/slide2.xml><?xml version="1.0" encoding="utf-8"?>
-<p:sld xmlns:a="http://schemas.openxmlformats.org/drawingml/2006/main" xmlns:r="http://schemas.openxmlformats.org/officeDocument/2006/relationships" xmlns:p="http://schemas.openxmlformats.org/presentationml/2006/main">
-  <p:cSld>
-    <p:spTree>
-      <p:nvGrpSpPr>
-        <p:cNvPr id="1" name=""/>
-        <p:cNvGrpSpPr/>
-        <p:nvPr/>
-      </p:nvGrpSpPr>
-      <p:grpSpPr>
-        <a:xfrm>
-          <a:off x="0" y="0"/>
-          <a:ext cx="0" cy="0"/>
-          <a:chOff x="0" y="0"/>
-          <a:chExt cx="0" cy="0"/>
-        </a:xfrm>
-      </p:grpSpPr>
-      <p:sp>
-        <p:nvSpPr>
-          <p:cNvPr id="4" name="타원 3"/>
-          <p:cNvSpPr/>
-          <p:nvPr/>
-        </p:nvSpPr>
-        <p:spPr>
-          <a:xfrm>
-            <a:off x="1057908" y="1772816"/>
-            <a:ext cx="3262064" cy="3262064"/>
-          </a:xfrm>
-          <a:prstGeom prst="ellipse">
-            <a:avLst/>
-          </a:prstGeom>
-          <a:noFill/>
-          <a:ln w="76200">
-            <a:solidFill>
-              <a:schemeClr val="accent6"/>
-            </a:solidFill>
-          </a:ln>
-        </p:spPr>
-        <p:style>
-          <a:lnRef idx="2">
-            <a:schemeClr val="accent1">
-              <a:shade val="50000"/>
-            </a:schemeClr>
-          </a:lnRef>
-          <a:fillRef idx="1">
-            <a:schemeClr val="accent1"/>
-          </a:fillRef>
-          <a:effectRef idx="0">
-            <a:schemeClr val="accent1"/>
-          </a:effectRef>
-          <a:fontRef idx="minor">
-            <a:schemeClr val="lt1"/>
-          </a:fontRef>
-        </p:style>
-        <p:txBody>
-          <a:bodyPr rtlCol="0" anchor="ctr"/>
-          <a:lstStyle/>
-          <a:p>
-            <a:pPr algn="ctr"/>
-            <a:endParaRPr lang="ko-KR" altLang="en-US"/>
-          </a:p>
-        </p:txBody>
-      </p:sp>
-      <p:sp>
-        <p:nvSpPr>
-          <p:cNvPr id="5" name="타원 4"/>
-          <p:cNvSpPr/>
-          <p:nvPr/>
-        </p:nvSpPr>
-        <p:spPr>
-          <a:xfrm>
-            <a:off x="4824028" y="1772816"/>
-            <a:ext cx="3262064" cy="3262064"/>
-          </a:xfrm>
-          <a:prstGeom prst="ellipse">
-            <a:avLst/>
-          </a:prstGeom>
-          <a:noFill/>
-          <a:ln w="76200"/>
-        </p:spPr>
-        <p:style>
-          <a:lnRef idx="2">
-            <a:schemeClr val="accent1">
-              <a:shade val="50000"/>
-            </a:schemeClr>
-          </a:lnRef>
-          <a:fillRef idx="1">
-            <a:schemeClr val="accent1"/>
-          </a:fillRef>
-          <a:effectRef idx="0">
-            <a:schemeClr val="accent1"/>
-          </a:effectRef>
-          <a:fontRef idx="minor">
-            <a:schemeClr val="lt1"/>
-          </a:fontRef>
-        </p:style>
-        <p:txBody>
-          <a:bodyPr rtlCol="0" anchor="ctr"/>
-          <a:lstStyle/>
-          <a:p>
-            <a:pPr algn="ctr"/>
-            <a:endParaRPr lang="ko-KR" altLang="en-US"/>
-          </a:p>
-        </p:txBody>
-      </p:sp>
-      <p:sp>
-        <p:nvSpPr>
-          <p:cNvPr id="6" name="TextBox 5"/>
-          <p:cNvSpPr txBox="1"/>
-          <p:nvPr/>
-        </p:nvSpPr>
-        <p:spPr>
-          <a:xfrm>
-            <a:off x="1935235" y="1528715"/>
-            <a:ext cx="1493852" cy="646986"/>
-          </a:xfrm>
-          <a:prstGeom prst="roundRect">
-            <a:avLst/>
-          </a:prstGeom>
-          <a:solidFill>
-            <a:schemeClr val="accent6"/>
-          </a:solidFill>
-          <a:ln w="57150">
-            <a:noFill/>
-          </a:ln>
-        </p:spPr>
-        <p:txBody>
-          <a:bodyPr wrap="none" rtlCol="0">
-            <a:spAutoFit/>
-          </a:bodyPr>
-          <a:lstStyle/>
-          <a:p>
-            <a:pPr algn="ctr"/>
-            <a:r>
-              <a:rPr lang="ko-KR" altLang="en-US" sz="3200" b="1" dirty="0"/>
-              <a:t>그룹 </a:t>
-            </a:r>
-            <a:r>
-              <a:rPr lang="en-US" altLang="ko-KR" sz="3200" b="1" dirty="0"/>
-              <a:t>A</a:t>
-            </a:r>
-            <a:endParaRPr lang="ko-KR" altLang="en-US" sz="3200" b="1" dirty="0"/>
-          </a:p>
-        </p:txBody>
-      </p:sp>
-      <p:sp>
-        <p:nvSpPr>
-          <p:cNvPr id="7" name="TextBox 6"/>
-          <p:cNvSpPr txBox="1"/>
-          <p:nvPr/>
-        </p:nvSpPr>
-        <p:spPr>
-          <a:xfrm>
-            <a:off x="5722287" y="1528715"/>
-            <a:ext cx="1465546" cy="646986"/>
-          </a:xfrm>
-          <a:prstGeom prst="roundRect">
-            <a:avLst/>
-          </a:prstGeom>
-          <a:solidFill>
-            <a:schemeClr val="accent1">
-              <a:lumMod val="60000"/>
-              <a:lumOff val="40000"/>
-            </a:schemeClr>
-          </a:solidFill>
-          <a:ln w="57150">
-            <a:noFill/>
-          </a:ln>
-        </p:spPr>
-        <p:txBody>
-          <a:bodyPr wrap="none" rtlCol="0">
-            <a:spAutoFit/>
-          </a:bodyPr>
-          <a:lstStyle/>
-          <a:p>
-            <a:pPr algn="ctr"/>
-            <a:r>
-              <a:rPr lang="ko-KR" altLang="en-US" sz="3200" b="1" dirty="0"/>
-              <a:t>그룹 </a:t>
-            </a:r>
-            <a:r>
-              <a:rPr lang="en-US" altLang="ko-KR" sz="3200" b="1" dirty="0"/>
-              <a:t>B</a:t>
-            </a:r>
-            <a:endParaRPr lang="ko-KR" altLang="en-US" sz="3200" b="1" dirty="0"/>
-          </a:p>
-        </p:txBody>
-      </p:sp>
-      <p:sp>
-        <p:nvSpPr>
-          <p:cNvPr id="8" name="타원 7"/>
-          <p:cNvSpPr/>
-          <p:nvPr/>
-        </p:nvSpPr>
-        <p:spPr>
-          <a:xfrm>
-            <a:off x="1715108" y="2566628"/>
-            <a:ext cx="478904" cy="478904"/>
-          </a:xfrm>
-          <a:prstGeom prst="ellipse">
-            <a:avLst/>
-          </a:prstGeom>
-          <a:solidFill>
-            <a:schemeClr val="accent1">
-              <a:lumMod val="40000"/>
-              <a:lumOff val="60000"/>
-            </a:schemeClr>
-          </a:solidFill>
-          <a:ln w="12700">
-            <a:solidFill>
-              <a:schemeClr val="tx1"/>
-            </a:solidFill>
-          </a:ln>
-        </p:spPr>
-        <p:style>
-          <a:lnRef idx="2">
-            <a:schemeClr val="accent1">
-              <a:shade val="50000"/>
-            </a:schemeClr>
-          </a:lnRef>
-          <a:fillRef idx="1">
-            <a:schemeClr val="accent1"/>
-          </a:fillRef>
-          <a:effectRef idx="0">
-            <a:schemeClr val="accent1"/>
-          </a:effectRef>
-          <a:fontRef idx="minor">
-            <a:schemeClr val="lt1"/>
-          </a:fontRef>
-        </p:style>
-        <p:txBody>
-          <a:bodyPr rtlCol="0" anchor="ctr"/>
-          <a:lstStyle/>
-          <a:p>
-            <a:pPr algn="ctr"/>
-            <a:endParaRPr lang="ko-KR" altLang="en-US"/>
-          </a:p>
-        </p:txBody>
-      </p:sp>
-      <p:sp>
-        <p:nvSpPr>
-          <p:cNvPr id="9" name="타원 8"/>
-          <p:cNvSpPr/>
-          <p:nvPr/>
-        </p:nvSpPr>
-        <p:spPr>
-          <a:xfrm>
-            <a:off x="3275856" y="3284984"/>
-            <a:ext cx="478904" cy="478904"/>
-          </a:xfrm>
-          <a:prstGeom prst="ellipse">
-            <a:avLst/>
-          </a:prstGeom>
-          <a:solidFill>
-            <a:schemeClr val="accent1">
-              <a:lumMod val="40000"/>
-              <a:lumOff val="60000"/>
-            </a:schemeClr>
-          </a:solidFill>
-          <a:ln w="12700">
-            <a:solidFill>
-              <a:schemeClr val="tx1"/>
-            </a:solidFill>
-          </a:ln>
-        </p:spPr>
-        <p:style>
-          <a:lnRef idx="2">
-            <a:schemeClr val="accent1">
-              <a:shade val="50000"/>
-            </a:schemeClr>
-          </a:lnRef>
-          <a:fillRef idx="1">
-            <a:schemeClr val="accent1"/>
-          </a:fillRef>
-          <a:effectRef idx="0">
-            <a:schemeClr val="accent1"/>
-          </a:effectRef>
-          <a:fontRef idx="minor">
-            <a:schemeClr val="lt1"/>
-          </a:fontRef>
-        </p:style>
-        <p:txBody>
-          <a:bodyPr rtlCol="0" anchor="ctr"/>
-          <a:lstStyle/>
-          <a:p>
-            <a:pPr algn="ctr"/>
-            <a:endParaRPr lang="ko-KR" altLang="en-US"/>
-          </a:p>
-        </p:txBody>
-      </p:sp>
-      <p:sp>
-        <p:nvSpPr>
-          <p:cNvPr id="10" name="타원 9"/>
-          <p:cNvSpPr/>
-          <p:nvPr/>
-        </p:nvSpPr>
-        <p:spPr>
-          <a:xfrm>
-            <a:off x="2339752" y="3958208"/>
-            <a:ext cx="478904" cy="478904"/>
-          </a:xfrm>
-          <a:prstGeom prst="ellipse">
-            <a:avLst/>
-          </a:prstGeom>
-          <a:solidFill>
-            <a:schemeClr val="accent1">
-              <a:lumMod val="40000"/>
-              <a:lumOff val="60000"/>
-            </a:schemeClr>
-          </a:solidFill>
-          <a:ln w="12700">
-            <a:solidFill>
-              <a:schemeClr val="tx1"/>
-            </a:solidFill>
-          </a:ln>
-        </p:spPr>
-        <p:style>
-          <a:lnRef idx="2">
-            <a:schemeClr val="accent1">
-              <a:shade val="50000"/>
-            </a:schemeClr>
-          </a:lnRef>
-          <a:fillRef idx="1">
-            <a:schemeClr val="accent1"/>
-          </a:fillRef>
-          <a:effectRef idx="0">
-            <a:schemeClr val="accent1"/>
-          </a:effectRef>
-          <a:fontRef idx="minor">
-            <a:schemeClr val="lt1"/>
-          </a:fontRef>
-        </p:style>
-        <p:txBody>
-          <a:bodyPr rtlCol="0" anchor="ctr"/>
-          <a:lstStyle/>
-          <a:p>
-            <a:pPr algn="ctr"/>
-            <a:endParaRPr lang="ko-KR" altLang="en-US"/>
-          </a:p>
-        </p:txBody>
-      </p:sp>
-      <p:sp>
-        <p:nvSpPr>
-          <p:cNvPr id="11" name="직사각형 10"/>
-          <p:cNvSpPr/>
-          <p:nvPr/>
-        </p:nvSpPr>
-        <p:spPr>
-          <a:xfrm>
-            <a:off x="6804248" y="2420888"/>
-            <a:ext cx="478904" cy="478904"/>
-          </a:xfrm>
-          <a:prstGeom prst="rect">
-            <a:avLst/>
-          </a:prstGeom>
-          <a:solidFill>
-            <a:schemeClr val="accent1">
-              <a:lumMod val="40000"/>
-              <a:lumOff val="60000"/>
-            </a:schemeClr>
-          </a:solidFill>
-          <a:ln w="12700">
-            <a:solidFill>
-              <a:schemeClr val="tx1"/>
-            </a:solidFill>
-          </a:ln>
-        </p:spPr>
-        <p:style>
-          <a:lnRef idx="2">
-            <a:schemeClr val="accent1">
-              <a:shade val="50000"/>
-            </a:schemeClr>
-          </a:lnRef>
-          <a:fillRef idx="1">
-            <a:schemeClr val="accent1"/>
-          </a:fillRef>
-          <a:effectRef idx="0">
-            <a:schemeClr val="accent1"/>
-          </a:effectRef>
-          <a:fontRef idx="minor">
-            <a:schemeClr val="lt1"/>
-          </a:fontRef>
-        </p:style>
-        <p:txBody>
-          <a:bodyPr rtlCol="0" anchor="ctr"/>
-          <a:lstStyle/>
-          <a:p>
-            <a:pPr algn="ctr"/>
-            <a:endParaRPr lang="ko-KR" altLang="en-US"/>
-          </a:p>
-        </p:txBody>
-      </p:sp>
-      <p:sp>
-        <p:nvSpPr>
-          <p:cNvPr id="12" name="직사각형 11"/>
-          <p:cNvSpPr/>
-          <p:nvPr/>
-        </p:nvSpPr>
-        <p:spPr>
-          <a:xfrm>
-            <a:off x="5482835" y="2961945"/>
-            <a:ext cx="478904" cy="478904"/>
-          </a:xfrm>
-          <a:prstGeom prst="rect">
-            <a:avLst/>
-          </a:prstGeom>
-          <a:solidFill>
-            <a:schemeClr val="accent1">
-              <a:lumMod val="40000"/>
-              <a:lumOff val="60000"/>
-            </a:schemeClr>
-          </a:solidFill>
-          <a:ln w="12700">
-            <a:solidFill>
-              <a:schemeClr val="tx1"/>
-            </a:solidFill>
-          </a:ln>
-        </p:spPr>
-        <p:style>
-          <a:lnRef idx="2">
-            <a:schemeClr val="accent1">
-              <a:shade val="50000"/>
-            </a:schemeClr>
-          </a:lnRef>
-          <a:fillRef idx="1">
-            <a:schemeClr val="accent1"/>
-          </a:fillRef>
-          <a:effectRef idx="0">
-            <a:schemeClr val="accent1"/>
-          </a:effectRef>
-          <a:fontRef idx="minor">
-            <a:schemeClr val="lt1"/>
-          </a:fontRef>
-        </p:style>
-        <p:txBody>
-          <a:bodyPr rtlCol="0" anchor="ctr"/>
-          <a:lstStyle/>
-          <a:p>
-            <a:pPr algn="ctr"/>
-            <a:endParaRPr lang="ko-KR" altLang="en-US"/>
-          </a:p>
-        </p:txBody>
-      </p:sp>
-      <p:sp>
-        <p:nvSpPr>
-          <p:cNvPr id="13" name="직사각형 12"/>
-          <p:cNvSpPr/>
-          <p:nvPr/>
-        </p:nvSpPr>
-        <p:spPr>
-          <a:xfrm>
-            <a:off x="6324704" y="3718756"/>
-            <a:ext cx="478904" cy="478904"/>
-          </a:xfrm>
-          <a:prstGeom prst="rect">
-            <a:avLst/>
-          </a:prstGeom>
-          <a:solidFill>
-            <a:schemeClr val="accent1">
-              <a:lumMod val="40000"/>
-              <a:lumOff val="60000"/>
-            </a:schemeClr>
-          </a:solidFill>
-          <a:ln w="12700">
-            <a:solidFill>
-              <a:schemeClr val="tx1"/>
-            </a:solidFill>
-          </a:ln>
-        </p:spPr>
-        <p:style>
-          <a:lnRef idx="2">
-            <a:schemeClr val="accent1">
-              <a:shade val="50000"/>
-            </a:schemeClr>
-          </a:lnRef>
-          <a:fillRef idx="1">
-            <a:schemeClr val="accent1"/>
-          </a:fillRef>
-          <a:effectRef idx="0">
-            <a:schemeClr val="accent1"/>
-          </a:effectRef>
-          <a:fontRef idx="minor">
-            <a:schemeClr val="lt1"/>
-          </a:fontRef>
-        </p:style>
-        <p:txBody>
-          <a:bodyPr rtlCol="0" anchor="ctr"/>
-          <a:lstStyle/>
-          <a:p>
-            <a:pPr algn="ctr"/>
-            <a:endParaRPr lang="ko-KR" altLang="en-US"/>
-          </a:p>
-        </p:txBody>
-      </p:sp>
-      <p:sp>
-        <p:nvSpPr>
-          <p:cNvPr id="14" name="원호 13"/>
-          <p:cNvSpPr/>
-          <p:nvPr/>
-        </p:nvSpPr>
-        <p:spPr>
-          <a:xfrm>
-            <a:off x="3469200" y="2313873"/>
-            <a:ext cx="2280828" cy="2721007"/>
-          </a:xfrm>
-          <a:prstGeom prst="arc">
-            <a:avLst>
-              <a:gd name="adj1" fmla="val 12298316"/>
-              <a:gd name="adj2" fmla="val 19216455"/>
-            </a:avLst>
-          </a:prstGeom>
-          <a:ln w="38100">
-            <a:solidFill>
-              <a:schemeClr val="tx1"/>
-            </a:solidFill>
-            <a:prstDash val="sysDot"/>
-            <a:headEnd type="arrow" w="med" len="med"/>
-            <a:tailEnd type="arrow" w="med" len="med"/>
-          </a:ln>
-        </p:spPr>
-        <p:style>
-          <a:lnRef idx="1">
-            <a:schemeClr val="accent1"/>
-          </a:lnRef>
-          <a:fillRef idx="0">
-            <a:schemeClr val="accent1"/>
-          </a:fillRef>
-          <a:effectRef idx="0">
-            <a:schemeClr val="accent1"/>
-          </a:effectRef>
-          <a:fontRef idx="minor">
-            <a:schemeClr val="tx1"/>
-          </a:fontRef>
-        </p:style>
-        <p:txBody>
-          <a:bodyPr rtlCol="0" anchor="ctr"/>
-          <a:lstStyle/>
-          <a:p>
-            <a:pPr algn="ctr"/>
-            <a:endParaRPr lang="ko-KR" altLang="en-US"/>
-          </a:p>
-        </p:txBody>
-      </p:sp>
-    </p:spTree>
-    <p:extLst>
-      <p:ext uri="{BB962C8B-B14F-4D97-AF65-F5344CB8AC3E}">
-        <p14:creationId xmlns:p14="http://schemas.microsoft.com/office/powerpoint/2010/main" val="4285912065"/>
-      </p:ext>
-    </p:extLst>
-  </p:cSld>
-  <p:clrMapOvr>
-    <a:masterClrMapping/>
-  </p:clrMapOvr>
-</p:sld>
-</file>
-
-<file path=ppt/slides/slide3.xml><?xml version="1.0" encoding="utf-8"?>
-<p:sld xmlns:a="http://schemas.openxmlformats.org/drawingml/2006/main" xmlns:r="http://schemas.openxmlformats.org/officeDocument/2006/relationships" xmlns:p="http://schemas.openxmlformats.org/presentationml/2006/main">
-  <p:cSld>
-    <p:spTree>
-      <p:nvGrpSpPr>
-        <p:cNvPr id="1" name=""/>
-        <p:cNvGrpSpPr/>
-        <p:nvPr/>
-      </p:nvGrpSpPr>
-      <p:grpSpPr>
-        <a:xfrm>
-          <a:off x="0" y="0"/>
-          <a:ext cx="0" cy="0"/>
-          <a:chOff x="0" y="0"/>
-          <a:chExt cx="0" cy="0"/>
-        </a:xfrm>
-      </p:grpSpPr>
-      <p:sp>
-        <p:nvSpPr>
-          <p:cNvPr id="6" name="타원 5"/>
-          <p:cNvSpPr/>
-          <p:nvPr/>
-        </p:nvSpPr>
-        <p:spPr>
-          <a:xfrm>
-            <a:off x="212335" y="2102382"/>
-            <a:ext cx="831273" cy="831273"/>
-          </a:xfrm>
-          <a:prstGeom prst="ellipse">
-            <a:avLst/>
-          </a:prstGeom>
-          <a:solidFill>
-            <a:srgbClr val="F94545"/>
-          </a:solidFill>
-          <a:ln>
-            <a:solidFill>
-              <a:schemeClr val="tx1"/>
-            </a:solidFill>
-          </a:ln>
-        </p:spPr>
-        <p:style>
-          <a:lnRef idx="2">
-            <a:schemeClr val="accent1">
-              <a:shade val="50000"/>
-            </a:schemeClr>
-          </a:lnRef>
-          <a:fillRef idx="1">
-            <a:schemeClr val="accent1"/>
-          </a:fillRef>
-          <a:effectRef idx="0">
-            <a:schemeClr val="accent1"/>
-          </a:effectRef>
-          <a:fontRef idx="minor">
-            <a:schemeClr val="lt1"/>
-          </a:fontRef>
-        </p:style>
-        <p:txBody>
-          <a:bodyPr rtlCol="0" anchor="ctr"/>
-          <a:lstStyle/>
-          <a:p>
-            <a:pPr algn="ctr"/>
-            <a:r>
-              <a:rPr lang="en-US" altLang="ko-KR" sz="2400" b="1" dirty="0">
-                <a:solidFill>
-                  <a:sysClr val="windowText" lastClr="000000"/>
-                </a:solidFill>
-              </a:rPr>
-              <a:t>58</a:t>
-            </a:r>
-            <a:endParaRPr lang="ko-KR" altLang="en-US" sz="2400" b="1" dirty="0">
-              <a:solidFill>
-                <a:sysClr val="windowText" lastClr="000000"/>
-              </a:solidFill>
-            </a:endParaRPr>
-          </a:p>
-        </p:txBody>
-      </p:sp>
-      <p:sp>
-        <p:nvSpPr>
-          <p:cNvPr id="7" name="타원 6"/>
-          <p:cNvSpPr/>
-          <p:nvPr/>
-        </p:nvSpPr>
-        <p:spPr>
-          <a:xfrm>
-            <a:off x="1198342" y="2102382"/>
-            <a:ext cx="831273" cy="831273"/>
-          </a:xfrm>
-          <a:prstGeom prst="ellipse">
-            <a:avLst/>
-          </a:prstGeom>
-          <a:solidFill>
-            <a:srgbClr val="F94545"/>
-          </a:solidFill>
-          <a:ln>
-            <a:solidFill>
-              <a:schemeClr val="tx1"/>
-            </a:solidFill>
-          </a:ln>
-        </p:spPr>
-        <p:style>
-          <a:lnRef idx="2">
-            <a:schemeClr val="accent1">
-              <a:shade val="50000"/>
-            </a:schemeClr>
-          </a:lnRef>
-          <a:fillRef idx="1">
-            <a:schemeClr val="accent1"/>
-          </a:fillRef>
-          <a:effectRef idx="0">
-            <a:schemeClr val="accent1"/>
-          </a:effectRef>
-          <a:fontRef idx="minor">
-            <a:schemeClr val="lt1"/>
-          </a:fontRef>
-        </p:style>
-        <p:txBody>
-          <a:bodyPr rtlCol="0" anchor="ctr"/>
-          <a:lstStyle/>
-          <a:p>
-            <a:pPr algn="ctr"/>
-            <a:r>
-              <a:rPr lang="en-US" altLang="ko-KR" sz="2400" b="1" dirty="0">
-                <a:solidFill>
-                  <a:sysClr val="windowText" lastClr="000000"/>
-                </a:solidFill>
-              </a:rPr>
-              <a:t>69</a:t>
-            </a:r>
-            <a:endParaRPr lang="ko-KR" altLang="en-US" sz="2400" b="1" dirty="0">
-              <a:solidFill>
-                <a:sysClr val="windowText" lastClr="000000"/>
-              </a:solidFill>
-            </a:endParaRPr>
-          </a:p>
-        </p:txBody>
-      </p:sp>
-      <p:sp>
-        <p:nvSpPr>
-          <p:cNvPr id="8" name="타원 7"/>
-          <p:cNvSpPr/>
-          <p:nvPr/>
-        </p:nvSpPr>
-        <p:spPr>
-          <a:xfrm>
-            <a:off x="2184349" y="2102382"/>
-            <a:ext cx="831273" cy="831273"/>
-          </a:xfrm>
-          <a:prstGeom prst="ellipse">
-            <a:avLst/>
-          </a:prstGeom>
-          <a:solidFill>
-            <a:srgbClr val="F94545"/>
-          </a:solidFill>
-          <a:ln>
-            <a:solidFill>
-              <a:schemeClr val="tx1"/>
-            </a:solidFill>
-          </a:ln>
-        </p:spPr>
-        <p:style>
-          <a:lnRef idx="2">
-            <a:schemeClr val="accent1">
-              <a:shade val="50000"/>
-            </a:schemeClr>
-          </a:lnRef>
-          <a:fillRef idx="1">
-            <a:schemeClr val="accent1"/>
-          </a:fillRef>
-          <a:effectRef idx="0">
-            <a:schemeClr val="accent1"/>
-          </a:effectRef>
-          <a:fontRef idx="minor">
-            <a:schemeClr val="lt1"/>
-          </a:fontRef>
-        </p:style>
-        <p:txBody>
-          <a:bodyPr rtlCol="0" anchor="ctr"/>
-          <a:lstStyle/>
-          <a:p>
-            <a:pPr algn="ctr"/>
-            <a:r>
-              <a:rPr lang="en-US" altLang="ko-KR" sz="2400" b="1" dirty="0">
-                <a:solidFill>
-                  <a:sysClr val="windowText" lastClr="000000"/>
-                </a:solidFill>
-              </a:rPr>
-              <a:t>64</a:t>
-            </a:r>
-            <a:endParaRPr lang="ko-KR" altLang="en-US" sz="2400" b="1" dirty="0">
-              <a:solidFill>
-                <a:sysClr val="windowText" lastClr="000000"/>
-              </a:solidFill>
-            </a:endParaRPr>
-          </a:p>
-        </p:txBody>
-      </p:sp>
-      <p:sp>
-        <p:nvSpPr>
-          <p:cNvPr id="9" name="타원 8"/>
-          <p:cNvSpPr/>
-          <p:nvPr/>
-        </p:nvSpPr>
-        <p:spPr>
-          <a:xfrm>
-            <a:off x="3170356" y="2102382"/>
-            <a:ext cx="831273" cy="831273"/>
-          </a:xfrm>
-          <a:prstGeom prst="ellipse">
-            <a:avLst/>
-          </a:prstGeom>
-          <a:solidFill>
-            <a:srgbClr val="F94545"/>
-          </a:solidFill>
-          <a:ln>
-            <a:solidFill>
-              <a:schemeClr val="tx1"/>
-            </a:solidFill>
-          </a:ln>
-        </p:spPr>
-        <p:style>
-          <a:lnRef idx="2">
-            <a:schemeClr val="accent1">
-              <a:shade val="50000"/>
-            </a:schemeClr>
-          </a:lnRef>
-          <a:fillRef idx="1">
-            <a:schemeClr val="accent1"/>
-          </a:fillRef>
-          <a:effectRef idx="0">
-            <a:schemeClr val="accent1"/>
-          </a:effectRef>
-          <a:fontRef idx="minor">
-            <a:schemeClr val="lt1"/>
-          </a:fontRef>
-        </p:style>
-        <p:txBody>
-          <a:bodyPr rtlCol="0" anchor="ctr"/>
-          <a:lstStyle/>
-          <a:p>
-            <a:pPr algn="ctr"/>
-            <a:r>
-              <a:rPr lang="en-US" altLang="ko-KR" sz="2400" b="1" dirty="0">
-                <a:solidFill>
-                  <a:sysClr val="windowText" lastClr="000000"/>
-                </a:solidFill>
-              </a:rPr>
-              <a:t>55</a:t>
-            </a:r>
-            <a:endParaRPr lang="ko-KR" altLang="en-US" sz="2400" b="1" dirty="0">
-              <a:solidFill>
-                <a:sysClr val="windowText" lastClr="000000"/>
-              </a:solidFill>
-            </a:endParaRPr>
-          </a:p>
-        </p:txBody>
-      </p:sp>
-      <p:sp>
-        <p:nvSpPr>
-          <p:cNvPr id="10" name="타원 9"/>
-          <p:cNvSpPr/>
-          <p:nvPr/>
-        </p:nvSpPr>
-        <p:spPr>
-          <a:xfrm>
-            <a:off x="4156363" y="2102382"/>
-            <a:ext cx="831273" cy="831273"/>
-          </a:xfrm>
-          <a:prstGeom prst="ellipse">
-            <a:avLst/>
-          </a:prstGeom>
-          <a:solidFill>
-            <a:srgbClr val="92B1D6"/>
-          </a:solidFill>
-          <a:ln>
-            <a:solidFill>
-              <a:schemeClr val="tx1"/>
-            </a:solidFill>
-          </a:ln>
-        </p:spPr>
-        <p:style>
-          <a:lnRef idx="2">
-            <a:schemeClr val="accent1">
-              <a:shade val="50000"/>
-            </a:schemeClr>
-          </a:lnRef>
-          <a:fillRef idx="1">
-            <a:schemeClr val="accent1"/>
-          </a:fillRef>
-          <a:effectRef idx="0">
-            <a:schemeClr val="accent1"/>
-          </a:effectRef>
-          <a:fontRef idx="minor">
-            <a:schemeClr val="lt1"/>
-          </a:fontRef>
-        </p:style>
-        <p:txBody>
-          <a:bodyPr rtlCol="0" anchor="ctr"/>
-          <a:lstStyle/>
-          <a:p>
-            <a:pPr algn="ctr"/>
-            <a:r>
-              <a:rPr lang="en-US" altLang="ko-KR" sz="2400" b="1" dirty="0">
-                <a:solidFill>
-                  <a:sysClr val="windowText" lastClr="000000"/>
-                </a:solidFill>
-              </a:rPr>
-              <a:t>51</a:t>
-            </a:r>
-            <a:endParaRPr lang="ko-KR" altLang="en-US" sz="2400" b="1" dirty="0">
-              <a:solidFill>
-                <a:sysClr val="windowText" lastClr="000000"/>
-              </a:solidFill>
-            </a:endParaRPr>
-          </a:p>
-        </p:txBody>
-      </p:sp>
-      <p:sp>
-        <p:nvSpPr>
-          <p:cNvPr id="11" name="타원 10"/>
-          <p:cNvSpPr/>
-          <p:nvPr/>
-        </p:nvSpPr>
-        <p:spPr>
-          <a:xfrm>
-            <a:off x="5142370" y="2102382"/>
-            <a:ext cx="831273" cy="831273"/>
-          </a:xfrm>
-          <a:prstGeom prst="ellipse">
-            <a:avLst/>
-          </a:prstGeom>
-          <a:solidFill>
-            <a:srgbClr val="92B1D6"/>
-          </a:solidFill>
-          <a:ln>
-            <a:solidFill>
-              <a:schemeClr val="tx1"/>
-            </a:solidFill>
-          </a:ln>
-        </p:spPr>
-        <p:style>
-          <a:lnRef idx="2">
-            <a:schemeClr val="accent1">
-              <a:shade val="50000"/>
-            </a:schemeClr>
-          </a:lnRef>
-          <a:fillRef idx="1">
-            <a:schemeClr val="accent1"/>
-          </a:fillRef>
-          <a:effectRef idx="0">
-            <a:schemeClr val="accent1"/>
-          </a:effectRef>
-          <a:fontRef idx="minor">
-            <a:schemeClr val="lt1"/>
-          </a:fontRef>
-        </p:style>
-        <p:txBody>
-          <a:bodyPr rtlCol="0" anchor="ctr"/>
-          <a:lstStyle/>
-          <a:p>
-            <a:pPr algn="ctr"/>
-            <a:r>
-              <a:rPr lang="en-US" altLang="ko-KR" sz="2400" b="1" dirty="0">
-                <a:solidFill>
-                  <a:sysClr val="windowText" lastClr="000000"/>
-                </a:solidFill>
-              </a:rPr>
-              <a:t>41</a:t>
-            </a:r>
-            <a:endParaRPr lang="ko-KR" altLang="en-US" sz="2400" b="1" dirty="0">
-              <a:solidFill>
-                <a:sysClr val="windowText" lastClr="000000"/>
-              </a:solidFill>
-            </a:endParaRPr>
-          </a:p>
-        </p:txBody>
-      </p:sp>
-      <p:sp>
-        <p:nvSpPr>
-          <p:cNvPr id="12" name="타원 11"/>
-          <p:cNvSpPr/>
-          <p:nvPr/>
-        </p:nvSpPr>
-        <p:spPr>
-          <a:xfrm>
-            <a:off x="6128377" y="2102382"/>
-            <a:ext cx="831273" cy="831273"/>
-          </a:xfrm>
-          <a:prstGeom prst="ellipse">
-            <a:avLst/>
-          </a:prstGeom>
-          <a:solidFill>
-            <a:srgbClr val="92B1D6"/>
-          </a:solidFill>
-          <a:ln>
-            <a:solidFill>
-              <a:schemeClr val="tx1"/>
-            </a:solidFill>
-          </a:ln>
-        </p:spPr>
-        <p:style>
-          <a:lnRef idx="2">
-            <a:schemeClr val="accent1">
-              <a:shade val="50000"/>
-            </a:schemeClr>
-          </a:lnRef>
-          <a:fillRef idx="1">
-            <a:schemeClr val="accent1"/>
-          </a:fillRef>
-          <a:effectRef idx="0">
-            <a:schemeClr val="accent1"/>
-          </a:effectRef>
-          <a:fontRef idx="minor">
-            <a:schemeClr val="lt1"/>
-          </a:fontRef>
-        </p:style>
-        <p:txBody>
-          <a:bodyPr rtlCol="0" anchor="ctr"/>
-          <a:lstStyle/>
-          <a:p>
-            <a:pPr algn="ctr"/>
-            <a:r>
-              <a:rPr lang="en-US" altLang="ko-KR" sz="2400" b="1" dirty="0">
-                <a:solidFill>
-                  <a:sysClr val="windowText" lastClr="000000"/>
-                </a:solidFill>
-              </a:rPr>
-              <a:t>51</a:t>
-            </a:r>
-            <a:endParaRPr lang="ko-KR" altLang="en-US" sz="2400" b="1" dirty="0">
-              <a:solidFill>
-                <a:sysClr val="windowText" lastClr="000000"/>
-              </a:solidFill>
-            </a:endParaRPr>
-          </a:p>
-        </p:txBody>
-      </p:sp>
-      <p:sp>
-        <p:nvSpPr>
-          <p:cNvPr id="13" name="타원 12"/>
-          <p:cNvSpPr/>
-          <p:nvPr/>
-        </p:nvSpPr>
-        <p:spPr>
-          <a:xfrm>
-            <a:off x="7114384" y="2102382"/>
-            <a:ext cx="831273" cy="831273"/>
-          </a:xfrm>
-          <a:prstGeom prst="ellipse">
-            <a:avLst/>
-          </a:prstGeom>
-          <a:solidFill>
-            <a:srgbClr val="92B1D6"/>
-          </a:solidFill>
-          <a:ln>
-            <a:solidFill>
-              <a:schemeClr val="tx1"/>
-            </a:solidFill>
-          </a:ln>
-        </p:spPr>
-        <p:style>
-          <a:lnRef idx="2">
-            <a:schemeClr val="accent1">
-              <a:shade val="50000"/>
-            </a:schemeClr>
-          </a:lnRef>
-          <a:fillRef idx="1">
-            <a:schemeClr val="accent1"/>
-          </a:fillRef>
-          <a:effectRef idx="0">
-            <a:schemeClr val="accent1"/>
-          </a:effectRef>
-          <a:fontRef idx="minor">
-            <a:schemeClr val="lt1"/>
-          </a:fontRef>
-        </p:style>
-        <p:txBody>
-          <a:bodyPr rtlCol="0" anchor="ctr"/>
-          <a:lstStyle/>
-          <a:p>
-            <a:pPr algn="ctr"/>
-            <a:r>
-              <a:rPr lang="en-US" altLang="ko-KR" sz="2400" b="1" dirty="0">
-                <a:solidFill>
-                  <a:sysClr val="windowText" lastClr="000000"/>
-                </a:solidFill>
-              </a:rPr>
-              <a:t>71</a:t>
-            </a:r>
-            <a:endParaRPr lang="ko-KR" altLang="en-US" sz="2400" b="1" dirty="0">
-              <a:solidFill>
-                <a:sysClr val="windowText" lastClr="000000"/>
-              </a:solidFill>
-            </a:endParaRPr>
-          </a:p>
-        </p:txBody>
-      </p:sp>
-      <p:sp>
-        <p:nvSpPr>
-          <p:cNvPr id="14" name="타원 13"/>
-          <p:cNvSpPr/>
-          <p:nvPr/>
-        </p:nvSpPr>
-        <p:spPr>
-          <a:xfrm>
-            <a:off x="8100392" y="2102382"/>
-            <a:ext cx="831273" cy="831273"/>
-          </a:xfrm>
-          <a:prstGeom prst="ellipse">
-            <a:avLst/>
-          </a:prstGeom>
-          <a:solidFill>
-            <a:srgbClr val="92B1D6"/>
-          </a:solidFill>
-          <a:ln>
-            <a:solidFill>
-              <a:schemeClr val="tx1"/>
-            </a:solidFill>
-          </a:ln>
-        </p:spPr>
-        <p:style>
-          <a:lnRef idx="2">
-            <a:schemeClr val="accent1">
-              <a:shade val="50000"/>
-            </a:schemeClr>
-          </a:lnRef>
-          <a:fillRef idx="1">
-            <a:schemeClr val="accent1"/>
-          </a:fillRef>
-          <a:effectRef idx="0">
-            <a:schemeClr val="accent1"/>
-          </a:effectRef>
-          <a:fontRef idx="minor">
-            <a:schemeClr val="lt1"/>
-          </a:fontRef>
-        </p:style>
-        <p:txBody>
-          <a:bodyPr rtlCol="0" anchor="ctr"/>
-          <a:lstStyle/>
-          <a:p>
-            <a:pPr algn="ctr"/>
-            <a:r>
-              <a:rPr lang="en-US" altLang="ko-KR" sz="2400" b="1" dirty="0">
-                <a:solidFill>
-                  <a:sysClr val="windowText" lastClr="000000"/>
-                </a:solidFill>
-              </a:rPr>
-              <a:t>42</a:t>
-            </a:r>
-            <a:endParaRPr lang="ko-KR" altLang="en-US" sz="2400" b="1" dirty="0">
-              <a:solidFill>
-                <a:sysClr val="windowText" lastClr="000000"/>
-              </a:solidFill>
-            </a:endParaRPr>
-          </a:p>
-        </p:txBody>
-      </p:sp>
-      <p:sp>
-        <p:nvSpPr>
-          <p:cNvPr id="16" name="TextBox 15"/>
-          <p:cNvSpPr txBox="1"/>
-          <p:nvPr/>
-        </p:nvSpPr>
-        <p:spPr>
-          <a:xfrm>
-            <a:off x="1187624" y="1437898"/>
-            <a:ext cx="1835374" cy="584775"/>
-          </a:xfrm>
-          <a:prstGeom prst="rect">
-            <a:avLst/>
-          </a:prstGeom>
-          <a:noFill/>
-        </p:spPr>
-        <p:txBody>
-          <a:bodyPr wrap="none" rtlCol="0">
-            <a:spAutoFit/>
-          </a:bodyPr>
-          <a:lstStyle/>
-          <a:p>
-            <a:r>
-              <a:rPr lang="en-US" altLang="ko-KR" sz="3200" b="1" dirty="0">
-                <a:solidFill>
-                  <a:srgbClr val="F94545"/>
-                </a:solidFill>
-              </a:rPr>
-              <a:t>Group</a:t>
-            </a:r>
-            <a:r>
-              <a:rPr lang="ko-KR" altLang="en-US" sz="3200" b="1" dirty="0">
-                <a:solidFill>
-                  <a:srgbClr val="F94545"/>
-                </a:solidFill>
-              </a:rPr>
-              <a:t> </a:t>
-            </a:r>
-            <a:r>
-              <a:rPr lang="en-US" altLang="ko-KR" sz="3200" b="1" dirty="0">
-                <a:solidFill>
-                  <a:srgbClr val="F94545"/>
-                </a:solidFill>
-              </a:rPr>
-              <a:t>A</a:t>
-            </a:r>
-            <a:endParaRPr lang="ko-KR" altLang="en-US" sz="3200" b="1" dirty="0">
-              <a:solidFill>
-                <a:srgbClr val="F94545"/>
-              </a:solidFill>
-            </a:endParaRPr>
-          </a:p>
-        </p:txBody>
-      </p:sp>
-      <p:sp>
-        <p:nvSpPr>
-          <p:cNvPr id="17" name="TextBox 16"/>
-          <p:cNvSpPr txBox="1"/>
-          <p:nvPr/>
-        </p:nvSpPr>
-        <p:spPr>
-          <a:xfrm>
-            <a:off x="5644196" y="1437898"/>
-            <a:ext cx="1808124" cy="584775"/>
-          </a:xfrm>
-          <a:prstGeom prst="rect">
-            <a:avLst/>
-          </a:prstGeom>
-          <a:noFill/>
-        </p:spPr>
-        <p:txBody>
-          <a:bodyPr wrap="none" rtlCol="0">
-            <a:spAutoFit/>
-          </a:bodyPr>
-          <a:lstStyle/>
-          <a:p>
-            <a:r>
-              <a:rPr lang="en-US" altLang="ko-KR" sz="3200" b="1" dirty="0">
-                <a:solidFill>
-                  <a:schemeClr val="accent1"/>
-                </a:solidFill>
-              </a:rPr>
-              <a:t>Group</a:t>
-            </a:r>
-            <a:r>
-              <a:rPr lang="ko-KR" altLang="en-US" sz="3200" b="1" dirty="0">
-                <a:solidFill>
-                  <a:schemeClr val="accent1"/>
-                </a:solidFill>
-              </a:rPr>
-              <a:t> </a:t>
-            </a:r>
-            <a:r>
-              <a:rPr lang="en-US" altLang="ko-KR" sz="3200" b="1" dirty="0">
-                <a:solidFill>
-                  <a:schemeClr val="accent1"/>
-                </a:solidFill>
-              </a:rPr>
-              <a:t>B</a:t>
-            </a:r>
-            <a:endParaRPr lang="ko-KR" altLang="en-US" sz="3200" b="1" dirty="0">
-              <a:solidFill>
-                <a:schemeClr val="accent1"/>
-              </a:solidFill>
-            </a:endParaRPr>
-          </a:p>
-        </p:txBody>
-      </p:sp>
-      <p:sp>
-        <p:nvSpPr>
-          <p:cNvPr id="18" name="TextBox 17"/>
-          <p:cNvSpPr txBox="1"/>
-          <p:nvPr/>
-        </p:nvSpPr>
-        <p:spPr>
-          <a:xfrm>
-            <a:off x="971600" y="3094082"/>
-            <a:ext cx="2313454" cy="584775"/>
-          </a:xfrm>
-          <a:prstGeom prst="rect">
-            <a:avLst/>
-          </a:prstGeom>
-          <a:noFill/>
-        </p:spPr>
-        <p:txBody>
-          <a:bodyPr wrap="none" rtlCol="0">
-            <a:spAutoFit/>
-          </a:bodyPr>
-          <a:lstStyle/>
-          <a:p>
-            <a:r>
-              <a:rPr lang="ko-KR" altLang="en-US" sz="3200" b="1" dirty="0">
-                <a:solidFill>
-                  <a:srgbClr val="F94545"/>
-                </a:solidFill>
-              </a:rPr>
-              <a:t>평균</a:t>
-            </a:r>
-            <a:r>
-              <a:rPr lang="en-US" altLang="ko-KR" sz="3200" b="1" dirty="0">
-                <a:solidFill>
-                  <a:srgbClr val="F94545"/>
-                </a:solidFill>
-              </a:rPr>
-              <a:t>: 61.50</a:t>
-            </a:r>
-            <a:endParaRPr lang="ko-KR" altLang="en-US" sz="3200" b="1" dirty="0">
-              <a:solidFill>
-                <a:srgbClr val="F94545"/>
-              </a:solidFill>
-            </a:endParaRPr>
-          </a:p>
-        </p:txBody>
-      </p:sp>
-      <p:sp>
-        <p:nvSpPr>
-          <p:cNvPr id="19" name="TextBox 18"/>
-          <p:cNvSpPr txBox="1"/>
-          <p:nvPr/>
-        </p:nvSpPr>
-        <p:spPr>
-          <a:xfrm>
-            <a:off x="5426898" y="3094081"/>
-            <a:ext cx="2313454" cy="584775"/>
-          </a:xfrm>
-          <a:prstGeom prst="rect">
-            <a:avLst/>
-          </a:prstGeom>
-          <a:noFill/>
-        </p:spPr>
-        <p:txBody>
-          <a:bodyPr wrap="none" rtlCol="0">
-            <a:spAutoFit/>
-          </a:bodyPr>
-          <a:lstStyle/>
-          <a:p>
-            <a:r>
-              <a:rPr lang="ko-KR" altLang="en-US" sz="3200" b="1" dirty="0">
-                <a:solidFill>
-                  <a:schemeClr val="accent1"/>
-                </a:solidFill>
-              </a:rPr>
-              <a:t>평균</a:t>
-            </a:r>
-            <a:r>
-              <a:rPr lang="en-US" altLang="ko-KR" sz="3200" b="1" dirty="0">
-                <a:solidFill>
-                  <a:schemeClr val="accent1"/>
-                </a:solidFill>
-              </a:rPr>
-              <a:t>: 51.20</a:t>
-            </a:r>
-            <a:endParaRPr lang="ko-KR" altLang="en-US" sz="3200" b="1" dirty="0">
-              <a:solidFill>
-                <a:schemeClr val="accent1"/>
-              </a:solidFill>
-            </a:endParaRPr>
-          </a:p>
-        </p:txBody>
-      </p:sp>
-      <p:sp>
-        <p:nvSpPr>
-          <p:cNvPr id="20" name="TextBox 19"/>
-          <p:cNvSpPr txBox="1"/>
-          <p:nvPr/>
-        </p:nvSpPr>
-        <p:spPr>
-          <a:xfrm>
-            <a:off x="243732" y="3958178"/>
-            <a:ext cx="8656537" cy="584775"/>
-          </a:xfrm>
-          <a:prstGeom prst="rect">
-            <a:avLst/>
-          </a:prstGeom>
-          <a:noFill/>
-        </p:spPr>
-        <p:txBody>
-          <a:bodyPr wrap="none" rtlCol="0">
-            <a:spAutoFit/>
-          </a:bodyPr>
-          <a:lstStyle/>
-          <a:p>
-            <a:r>
-              <a:rPr lang="en-US" altLang="ko-KR" sz="3200" b="1" dirty="0">
-                <a:sym typeface="Wingdings" pitchFamily="2" charset="2"/>
-              </a:rPr>
-              <a:t> </a:t>
-            </a:r>
-            <a:r>
-              <a:rPr lang="ko-KR" altLang="en-US" sz="3200" b="1" dirty="0"/>
-              <a:t>각 그룹의 평균 차이</a:t>
-            </a:r>
-            <a:r>
-              <a:rPr lang="en-US" altLang="ko-KR" sz="3200" b="1" dirty="0"/>
-              <a:t>: </a:t>
-            </a:r>
-            <a:r>
-              <a:rPr lang="en-US" altLang="ko-KR" sz="3200" b="1" dirty="0">
-                <a:solidFill>
-                  <a:srgbClr val="F94545"/>
-                </a:solidFill>
-              </a:rPr>
-              <a:t>61.50</a:t>
-            </a:r>
-            <a:r>
-              <a:rPr lang="en-US" altLang="ko-KR" sz="3200" b="1" dirty="0"/>
-              <a:t>-</a:t>
-            </a:r>
-            <a:r>
-              <a:rPr lang="en-US" altLang="ko-KR" sz="3200" b="1" dirty="0">
-                <a:solidFill>
-                  <a:srgbClr val="92B1D6"/>
-                </a:solidFill>
-              </a:rPr>
-              <a:t>51.20</a:t>
-            </a:r>
-            <a:r>
-              <a:rPr lang="en-US" altLang="ko-KR" sz="3200" b="1" dirty="0"/>
-              <a:t> = 10.30</a:t>
-            </a:r>
-            <a:endParaRPr lang="ko-KR" altLang="en-US" sz="3200" b="1" dirty="0"/>
-          </a:p>
-        </p:txBody>
-      </p:sp>
-    </p:spTree>
-    <p:extLst>
-      <p:ext uri="{BB962C8B-B14F-4D97-AF65-F5344CB8AC3E}">
-        <p14:creationId xmlns:p14="http://schemas.microsoft.com/office/powerpoint/2010/main" val="3650947820"/>
-      </p:ext>
-    </p:extLst>
-  </p:cSld>
-  <p:clrMapOvr>
-    <a:masterClrMapping/>
-  </p:clrMapOvr>
-</p:sld>
-</file>
-
-<file path=ppt/slides/slide4.xml><?xml version="1.0" encoding="utf-8"?>
+<file path=ppt/slides/slide10.xml><?xml version="1.0" encoding="utf-8"?>
 <p:sld xmlns:a="http://schemas.openxmlformats.org/drawingml/2006/main" xmlns:r="http://schemas.openxmlformats.org/officeDocument/2006/relationships" xmlns:p="http://schemas.openxmlformats.org/presentationml/2006/main">
   <p:cSld>
     <p:spTree>
@@ -4983,7 +3599,7 @@
       </p:grpSpPr>
       <p:pic>
         <p:nvPicPr>
-          <p:cNvPr id="1031" name="Picture 7"/>
+          <p:cNvPr id="39" name="Picture 3"/>
           <p:cNvPicPr>
             <a:picLocks noChangeAspect="1" noChangeArrowheads="1"/>
           </p:cNvPicPr>
@@ -5004,7 +3620,7 @@
         </p:blipFill>
         <p:spPr bwMode="auto">
           <a:xfrm>
-            <a:off x="519113" y="2828055"/>
+            <a:off x="519113" y="2833180"/>
             <a:ext cx="8105775" cy="3990975"/>
           </a:xfrm>
           <a:prstGeom prst="rect">
@@ -5631,7 +4247,7 @@
                   <a:schemeClr val="tx1"/>
                 </a:solidFill>
               </a:rPr>
-              <a:t>51.75</a:t>
+              <a:t>50.75</a:t>
             </a:r>
             <a:endParaRPr lang="ko-KR" altLang="en-US" sz="2800" dirty="0">
               <a:solidFill>
@@ -5687,7 +4303,7 @@
                   <a:schemeClr val="tx1"/>
                 </a:solidFill>
               </a:rPr>
-              <a:t>59.00</a:t>
+              <a:t>59.80</a:t>
             </a:r>
             <a:endParaRPr lang="ko-KR" altLang="en-US" sz="2800" dirty="0">
               <a:solidFill>
@@ -5701,15 +4317,15 @@
         <p:nvCxnSpPr>
           <p:cNvPr id="4" name="직선 연결선 3"/>
           <p:cNvCxnSpPr>
-            <a:stCxn id="8" idx="4"/>
+            <a:stCxn id="7" idx="4"/>
             <a:endCxn id="2" idx="0"/>
           </p:cNvCxnSpPr>
           <p:nvPr/>
         </p:nvCxnSpPr>
         <p:spPr>
           <a:xfrm>
-            <a:off x="2599986" y="1667985"/>
-            <a:ext cx="841317" cy="1354119"/>
+            <a:off x="1613979" y="1667985"/>
+            <a:ext cx="1827324" cy="1354119"/>
           </a:xfrm>
           <a:prstGeom prst="line">
             <a:avLst/>
@@ -5739,7 +4355,7 @@
         <p:nvCxnSpPr>
           <p:cNvPr id="15" name="직선 연결선 14"/>
           <p:cNvCxnSpPr>
-            <a:stCxn id="11" idx="4"/>
+            <a:stCxn id="14" idx="4"/>
             <a:endCxn id="2" idx="0"/>
           </p:cNvCxnSpPr>
           <p:nvPr/>
@@ -5747,7 +4363,7 @@
         <p:spPr>
           <a:xfrm flipH="1">
             <a:off x="3441303" y="1667985"/>
-            <a:ext cx="2116704" cy="1354119"/>
+            <a:ext cx="5074726" cy="1354119"/>
           </a:xfrm>
           <a:prstGeom prst="line">
             <a:avLst/>
@@ -5777,7 +4393,7 @@
         <p:nvCxnSpPr>
           <p:cNvPr id="23" name="직선 연결선 22"/>
           <p:cNvCxnSpPr>
-            <a:stCxn id="10" idx="4"/>
+            <a:stCxn id="11" idx="4"/>
             <a:endCxn id="2" idx="0"/>
           </p:cNvCxnSpPr>
           <p:nvPr/>
@@ -5785,7 +4401,7 @@
         <p:spPr>
           <a:xfrm flipH="1">
             <a:off x="3441303" y="1667985"/>
-            <a:ext cx="1130697" cy="1354119"/>
+            <a:ext cx="2116704" cy="1354119"/>
           </a:xfrm>
           <a:prstGeom prst="line">
             <a:avLst/>
@@ -5892,15 +4508,15 @@
         <p:nvCxnSpPr>
           <p:cNvPr id="29" name="직선 연결선 28"/>
           <p:cNvCxnSpPr>
-            <a:stCxn id="7" idx="4"/>
+            <a:stCxn id="8" idx="4"/>
             <a:endCxn id="21" idx="0"/>
           </p:cNvCxnSpPr>
           <p:nvPr/>
         </p:nvCxnSpPr>
         <p:spPr>
           <a:xfrm>
-            <a:off x="1613979" y="1667985"/>
-            <a:ext cx="3168809" cy="1354119"/>
+            <a:off x="2599986" y="1667985"/>
+            <a:ext cx="2182802" cy="1354119"/>
           </a:xfrm>
           <a:prstGeom prst="line">
             <a:avLst/>
@@ -6011,15 +4627,15 @@
         <p:nvCxnSpPr>
           <p:cNvPr id="35" name="직선 연결선 34"/>
           <p:cNvCxnSpPr>
-            <a:stCxn id="14" idx="4"/>
+            <a:stCxn id="10" idx="4"/>
             <a:endCxn id="21" idx="0"/>
           </p:cNvCxnSpPr>
           <p:nvPr/>
         </p:nvCxnSpPr>
         <p:spPr>
-          <a:xfrm flipH="1">
-            <a:off x="4782788" y="1667985"/>
-            <a:ext cx="3733241" cy="1354119"/>
+          <a:xfrm>
+            <a:off x="4572000" y="1667985"/>
+            <a:ext cx="210788" cy="1354119"/>
           </a:xfrm>
           <a:prstGeom prst="line">
             <a:avLst/>
@@ -6100,7 +4716,7 @@
           <a:p>
             <a:r>
               <a:rPr lang="en-US" altLang="ko-KR" sz="2800" dirty="0"/>
-              <a:t>= -7.25</a:t>
+              <a:t>= -9.05</a:t>
             </a:r>
             <a:endParaRPr lang="ko-KR" altLang="en-US" sz="2800" dirty="0"/>
           </a:p>
@@ -6115,7 +4731,7 @@
         <p:spPr>
           <a:xfrm>
             <a:off x="179512" y="188640"/>
-            <a:ext cx="2212465" cy="523220"/>
+            <a:ext cx="4351191" cy="523220"/>
           </a:xfrm>
           <a:prstGeom prst="rect">
             <a:avLst/>
@@ -6130,24 +4746,104 @@
           <a:p>
             <a:r>
               <a:rPr lang="en-US" altLang="ko-KR" sz="2800" b="1" dirty="0"/>
-              <a:t>[1</a:t>
-            </a:r>
-            <a:r>
-              <a:rPr lang="ko-KR" altLang="en-US" sz="2800" b="1" dirty="0"/>
-              <a:t>회차 선택</a:t>
-            </a:r>
-            <a:r>
-              <a:rPr lang="en-US" altLang="ko-KR" sz="2800" b="1" dirty="0"/>
-              <a:t>]</a:t>
+              <a:t>[2nd round of shuffling]</a:t>
             </a:r>
             <a:endParaRPr lang="ko-KR" altLang="en-US" sz="2800" b="1" dirty="0"/>
+          </a:p>
+        </p:txBody>
+      </p:sp>
+      <p:sp>
+        <p:nvSpPr>
+          <p:cNvPr id="3" name="Rectangle 2">
+            <a:extLst>
+              <a:ext uri="{FF2B5EF4-FFF2-40B4-BE49-F238E27FC236}">
+                <a16:creationId xmlns:a16="http://schemas.microsoft.com/office/drawing/2014/main" id="{B75327CD-EDD2-B31D-53CC-307BDF32E4F7}"/>
+              </a:ext>
+            </a:extLst>
+          </p:cNvPr>
+          <p:cNvSpPr/>
+          <p:nvPr/>
+        </p:nvSpPr>
+        <p:spPr>
+          <a:xfrm>
+            <a:off x="4061335" y="6590091"/>
+            <a:ext cx="1287201" cy="243515"/>
+          </a:xfrm>
+          <a:prstGeom prst="rect">
+            <a:avLst/>
+          </a:prstGeom>
+          <a:solidFill>
+            <a:schemeClr val="bg1"/>
+          </a:solidFill>
+          <a:ln>
+            <a:noFill/>
+          </a:ln>
+        </p:spPr>
+        <p:style>
+          <a:lnRef idx="2">
+            <a:schemeClr val="accent1">
+              <a:shade val="50000"/>
+            </a:schemeClr>
+          </a:lnRef>
+          <a:fillRef idx="1">
+            <a:schemeClr val="accent1"/>
+          </a:fillRef>
+          <a:effectRef idx="0">
+            <a:schemeClr val="accent1"/>
+          </a:effectRef>
+          <a:fontRef idx="minor">
+            <a:schemeClr val="lt1"/>
+          </a:fontRef>
+        </p:style>
+        <p:txBody>
+          <a:bodyPr rtlCol="0" anchor="ctr"/>
+          <a:lstStyle/>
+          <a:p>
+            <a:pPr algn="ctr"/>
+            <a:endParaRPr lang="en-US"/>
+          </a:p>
+        </p:txBody>
+      </p:sp>
+      <p:sp>
+        <p:nvSpPr>
+          <p:cNvPr id="5" name="TextBox 4">
+            <a:extLst>
+              <a:ext uri="{FF2B5EF4-FFF2-40B4-BE49-F238E27FC236}">
+                <a16:creationId xmlns:a16="http://schemas.microsoft.com/office/drawing/2014/main" id="{58C547C8-FBFA-635B-383D-75F82FCC1CDA}"/>
+              </a:ext>
+            </a:extLst>
+          </p:cNvPr>
+          <p:cNvSpPr txBox="1"/>
+          <p:nvPr/>
+        </p:nvSpPr>
+        <p:spPr>
+          <a:xfrm>
+            <a:off x="3680936" y="6527182"/>
+            <a:ext cx="2047997" cy="276999"/>
+          </a:xfrm>
+          <a:prstGeom prst="rect">
+            <a:avLst/>
+          </a:prstGeom>
+          <a:noFill/>
+        </p:spPr>
+        <p:txBody>
+          <a:bodyPr wrap="none" rtlCol="0">
+            <a:spAutoFit/>
+          </a:bodyPr>
+          <a:lstStyle/>
+          <a:p>
+            <a:pPr algn="ctr"/>
+            <a:r>
+              <a:rPr lang="en-US" sz="1200" dirty="0"/>
+              <a:t>difference of group means</a:t>
+            </a:r>
           </a:p>
         </p:txBody>
       </p:sp>
     </p:spTree>
     <p:extLst>
       <p:ext uri="{BB962C8B-B14F-4D97-AF65-F5344CB8AC3E}">
-        <p14:creationId xmlns:p14="http://schemas.microsoft.com/office/powerpoint/2010/main" val="3523486886"/>
+        <p14:creationId xmlns:p14="http://schemas.microsoft.com/office/powerpoint/2010/main" val="1281971776"/>
       </p:ext>
     </p:extLst>
   </p:cSld>
@@ -6157,7 +4853,7 @@
 </p:sld>
 </file>
 
-<file path=ppt/slides/slide5.xml><?xml version="1.0" encoding="utf-8"?>
+<file path=ppt/slides/slide11.xml><?xml version="1.0" encoding="utf-8"?>
 <p:sld xmlns:a="http://schemas.openxmlformats.org/drawingml/2006/main" xmlns:r="http://schemas.openxmlformats.org/officeDocument/2006/relationships" xmlns:p="http://schemas.openxmlformats.org/presentationml/2006/main">
   <p:cSld>
     <p:spTree>
@@ -6197,7 +4893,7 @@
         </p:blipFill>
         <p:spPr bwMode="auto">
           <a:xfrm>
-            <a:off x="519113" y="2833180"/>
+            <a:off x="519113" y="2833179"/>
             <a:ext cx="8105775" cy="3990975"/>
           </a:xfrm>
           <a:prstGeom prst="rect">
@@ -6824,7 +5520,7 @@
                   <a:schemeClr val="tx1"/>
                 </a:solidFill>
               </a:rPr>
-              <a:t>50.75</a:t>
+              <a:t>57.00</a:t>
             </a:r>
             <a:endParaRPr lang="ko-KR" altLang="en-US" sz="2800" dirty="0">
               <a:solidFill>
@@ -6880,7 +5576,7 @@
                   <a:schemeClr val="tx1"/>
                 </a:solidFill>
               </a:rPr>
-              <a:t>59.80</a:t>
+              <a:t>54.80</a:t>
             </a:r>
             <a:endParaRPr lang="ko-KR" altLang="en-US" sz="2800" dirty="0">
               <a:solidFill>
@@ -6894,15 +5590,15 @@
         <p:nvCxnSpPr>
           <p:cNvPr id="4" name="직선 연결선 3"/>
           <p:cNvCxnSpPr>
-            <a:stCxn id="7" idx="4"/>
+            <a:stCxn id="12" idx="4"/>
             <a:endCxn id="2" idx="0"/>
           </p:cNvCxnSpPr>
           <p:nvPr/>
         </p:nvCxnSpPr>
         <p:spPr>
-          <a:xfrm>
-            <a:off x="1613979" y="1667985"/>
-            <a:ext cx="1827324" cy="1354119"/>
+          <a:xfrm flipH="1">
+            <a:off x="3441303" y="1667985"/>
+            <a:ext cx="3102711" cy="1354119"/>
           </a:xfrm>
           <a:prstGeom prst="line">
             <a:avLst/>
@@ -6970,15 +5666,15 @@
         <p:nvCxnSpPr>
           <p:cNvPr id="23" name="직선 연결선 22"/>
           <p:cNvCxnSpPr>
-            <a:stCxn id="11" idx="4"/>
+            <a:stCxn id="8" idx="4"/>
             <a:endCxn id="2" idx="0"/>
           </p:cNvCxnSpPr>
           <p:nvPr/>
         </p:nvCxnSpPr>
         <p:spPr>
-          <a:xfrm flipH="1">
-            <a:off x="3441303" y="1667985"/>
-            <a:ext cx="2116704" cy="1354119"/>
+          <a:xfrm>
+            <a:off x="2599986" y="1667985"/>
+            <a:ext cx="841317" cy="1354119"/>
           </a:xfrm>
           <a:prstGeom prst="line">
             <a:avLst/>
@@ -7008,7 +5704,7 @@
         <p:nvCxnSpPr>
           <p:cNvPr id="25" name="직선 연결선 24"/>
           <p:cNvCxnSpPr>
-            <a:stCxn id="12" idx="4"/>
+            <a:stCxn id="13" idx="4"/>
             <a:endCxn id="2" idx="0"/>
           </p:cNvCxnSpPr>
           <p:nvPr/>
@@ -7016,7 +5712,7 @@
         <p:spPr>
           <a:xfrm flipH="1">
             <a:off x="3441303" y="1667985"/>
-            <a:ext cx="3102711" cy="1354119"/>
+            <a:ext cx="4088718" cy="1354119"/>
           </a:xfrm>
           <a:prstGeom prst="line">
             <a:avLst/>
@@ -7046,15 +5742,15 @@
         <p:nvCxnSpPr>
           <p:cNvPr id="27" name="직선 연결선 26"/>
           <p:cNvCxnSpPr>
-            <a:stCxn id="6" idx="4"/>
+            <a:stCxn id="9" idx="4"/>
             <a:endCxn id="21" idx="0"/>
           </p:cNvCxnSpPr>
           <p:nvPr/>
         </p:nvCxnSpPr>
         <p:spPr>
           <a:xfrm>
-            <a:off x="627972" y="1667985"/>
-            <a:ext cx="4154816" cy="1354119"/>
+            <a:off x="3585993" y="1667985"/>
+            <a:ext cx="1196795" cy="1354119"/>
           </a:xfrm>
           <a:prstGeom prst="line">
             <a:avLst/>
@@ -7085,15 +5781,15 @@
         <p:nvCxnSpPr>
           <p:cNvPr id="29" name="직선 연결선 28"/>
           <p:cNvCxnSpPr>
-            <a:stCxn id="8" idx="4"/>
+            <a:stCxn id="7" idx="4"/>
             <a:endCxn id="21" idx="0"/>
           </p:cNvCxnSpPr>
           <p:nvPr/>
         </p:nvCxnSpPr>
         <p:spPr>
           <a:xfrm>
-            <a:off x="2599986" y="1667985"/>
-            <a:ext cx="2182802" cy="1354119"/>
+            <a:off x="1613979" y="1667985"/>
+            <a:ext cx="3168809" cy="1354119"/>
           </a:xfrm>
           <a:prstGeom prst="line">
             <a:avLst/>
@@ -7124,15 +5820,15 @@
         <p:nvCxnSpPr>
           <p:cNvPr id="31" name="직선 연결선 30"/>
           <p:cNvCxnSpPr>
-            <a:stCxn id="9" idx="4"/>
+            <a:stCxn id="10" idx="4"/>
             <a:endCxn id="21" idx="0"/>
           </p:cNvCxnSpPr>
           <p:nvPr/>
         </p:nvCxnSpPr>
         <p:spPr>
           <a:xfrm>
-            <a:off x="3585993" y="1667985"/>
-            <a:ext cx="1196795" cy="1354119"/>
+            <a:off x="4572000" y="1667985"/>
+            <a:ext cx="210788" cy="1354119"/>
           </a:xfrm>
           <a:prstGeom prst="line">
             <a:avLst/>
@@ -7163,15 +5859,15 @@
         <p:nvCxnSpPr>
           <p:cNvPr id="33" name="직선 화살표 연결선 32"/>
           <p:cNvCxnSpPr>
-            <a:stCxn id="13" idx="4"/>
+            <a:stCxn id="6" idx="4"/>
             <a:endCxn id="21" idx="0"/>
           </p:cNvCxnSpPr>
           <p:nvPr/>
         </p:nvCxnSpPr>
         <p:spPr>
-          <a:xfrm flipH="1">
-            <a:off x="4782788" y="1667985"/>
-            <a:ext cx="2747233" cy="1354119"/>
+          <a:xfrm>
+            <a:off x="627972" y="1667985"/>
+            <a:ext cx="4154816" cy="1354119"/>
           </a:xfrm>
           <a:prstGeom prst="straightConnector1">
             <a:avLst/>
@@ -7204,15 +5900,15 @@
         <p:nvCxnSpPr>
           <p:cNvPr id="35" name="직선 연결선 34"/>
           <p:cNvCxnSpPr>
-            <a:stCxn id="10" idx="4"/>
+            <a:stCxn id="11" idx="4"/>
             <a:endCxn id="21" idx="0"/>
           </p:cNvCxnSpPr>
           <p:nvPr/>
         </p:nvCxnSpPr>
         <p:spPr>
-          <a:xfrm>
-            <a:off x="4572000" y="1667985"/>
-            <a:ext cx="210788" cy="1354119"/>
+          <a:xfrm flipH="1">
+            <a:off x="4782788" y="1667985"/>
+            <a:ext cx="775219" cy="1354119"/>
           </a:xfrm>
           <a:prstGeom prst="line">
             <a:avLst/>
@@ -7278,7 +5974,7 @@
         <p:spPr>
           <a:xfrm>
             <a:off x="5142370" y="3212976"/>
-            <a:ext cx="1380506" cy="523220"/>
+            <a:ext cx="1233030" cy="523220"/>
           </a:xfrm>
           <a:prstGeom prst="rect">
             <a:avLst/>
@@ -7293,7 +5989,7 @@
           <a:p>
             <a:r>
               <a:rPr lang="en-US" altLang="ko-KR" sz="2800" dirty="0"/>
-              <a:t>= -9.05</a:t>
+              <a:t>= 2.20</a:t>
             </a:r>
             <a:endParaRPr lang="ko-KR" altLang="en-US" sz="2800" dirty="0"/>
           </a:p>
@@ -7323,7 +6019,7 @@
           <a:p>
             <a:r>
               <a:rPr lang="en-US" altLang="ko-KR" sz="2800" b="1" dirty="0"/>
-              <a:t>[2</a:t>
+              <a:t>[3</a:t>
             </a:r>
             <a:r>
               <a:rPr lang="ko-KR" altLang="en-US" sz="2800" b="1" dirty="0"/>
@@ -7340,7 +6036,7 @@
     </p:spTree>
     <p:extLst>
       <p:ext uri="{BB962C8B-B14F-4D97-AF65-F5344CB8AC3E}">
-        <p14:creationId xmlns:p14="http://schemas.microsoft.com/office/powerpoint/2010/main" val="1743622771"/>
+        <p14:creationId xmlns:p14="http://schemas.microsoft.com/office/powerpoint/2010/main" val="4037344313"/>
       </p:ext>
     </p:extLst>
   </p:cSld>
@@ -7350,7 +6046,7 @@
 </p:sld>
 </file>
 
-<file path=ppt/slides/slide6.xml><?xml version="1.0" encoding="utf-8"?>
+<file path=ppt/slides/slide12.xml><?xml version="1.0" encoding="utf-8"?>
 <p:sld xmlns:a="http://schemas.openxmlformats.org/drawingml/2006/main" xmlns:r="http://schemas.openxmlformats.org/officeDocument/2006/relationships" xmlns:p="http://schemas.openxmlformats.org/presentationml/2006/main">
   <p:cSld>
     <p:spTree>
@@ -8501,7 +7197,7 @@
         <p:spPr>
           <a:xfrm>
             <a:off x="179512" y="188640"/>
-            <a:ext cx="2212465" cy="523220"/>
+            <a:ext cx="4405565" cy="523220"/>
           </a:xfrm>
           <a:prstGeom prst="rect">
             <a:avLst/>
@@ -8516,17 +7212,97 @@
           <a:p>
             <a:r>
               <a:rPr lang="en-US" altLang="ko-KR" sz="2800" b="1" dirty="0"/>
-              <a:t>[3</a:t>
-            </a:r>
-            <a:r>
-              <a:rPr lang="ko-KR" altLang="en-US" sz="2800" b="1" dirty="0"/>
-              <a:t>회차 선택</a:t>
-            </a:r>
-            <a:r>
-              <a:rPr lang="en-US" altLang="ko-KR" sz="2800" b="1" dirty="0"/>
-              <a:t>]</a:t>
+              <a:t>[3rd round of shuffling]</a:t>
             </a:r>
             <a:endParaRPr lang="ko-KR" altLang="en-US" sz="2800" b="1" dirty="0"/>
+          </a:p>
+        </p:txBody>
+      </p:sp>
+      <p:sp>
+        <p:nvSpPr>
+          <p:cNvPr id="3" name="Rectangle 2">
+            <a:extLst>
+              <a:ext uri="{FF2B5EF4-FFF2-40B4-BE49-F238E27FC236}">
+                <a16:creationId xmlns:a16="http://schemas.microsoft.com/office/drawing/2014/main" id="{D83C789A-4DC5-3214-9DED-5D82EF8AF204}"/>
+              </a:ext>
+            </a:extLst>
+          </p:cNvPr>
+          <p:cNvSpPr/>
+          <p:nvPr/>
+        </p:nvSpPr>
+        <p:spPr>
+          <a:xfrm>
+            <a:off x="4061335" y="6590091"/>
+            <a:ext cx="1287201" cy="243515"/>
+          </a:xfrm>
+          <a:prstGeom prst="rect">
+            <a:avLst/>
+          </a:prstGeom>
+          <a:solidFill>
+            <a:schemeClr val="bg1"/>
+          </a:solidFill>
+          <a:ln>
+            <a:noFill/>
+          </a:ln>
+        </p:spPr>
+        <p:style>
+          <a:lnRef idx="2">
+            <a:schemeClr val="accent1">
+              <a:shade val="50000"/>
+            </a:schemeClr>
+          </a:lnRef>
+          <a:fillRef idx="1">
+            <a:schemeClr val="accent1"/>
+          </a:fillRef>
+          <a:effectRef idx="0">
+            <a:schemeClr val="accent1"/>
+          </a:effectRef>
+          <a:fontRef idx="minor">
+            <a:schemeClr val="lt1"/>
+          </a:fontRef>
+        </p:style>
+        <p:txBody>
+          <a:bodyPr rtlCol="0" anchor="ctr"/>
+          <a:lstStyle/>
+          <a:p>
+            <a:pPr algn="ctr"/>
+            <a:endParaRPr lang="en-US"/>
+          </a:p>
+        </p:txBody>
+      </p:sp>
+      <p:sp>
+        <p:nvSpPr>
+          <p:cNvPr id="5" name="TextBox 4">
+            <a:extLst>
+              <a:ext uri="{FF2B5EF4-FFF2-40B4-BE49-F238E27FC236}">
+                <a16:creationId xmlns:a16="http://schemas.microsoft.com/office/drawing/2014/main" id="{F8A30509-3977-7785-5CE4-2FD4B6D56C94}"/>
+              </a:ext>
+            </a:extLst>
+          </p:cNvPr>
+          <p:cNvSpPr txBox="1"/>
+          <p:nvPr/>
+        </p:nvSpPr>
+        <p:spPr>
+          <a:xfrm>
+            <a:off x="3680936" y="6527182"/>
+            <a:ext cx="2047997" cy="276999"/>
+          </a:xfrm>
+          <a:prstGeom prst="rect">
+            <a:avLst/>
+          </a:prstGeom>
+          <a:noFill/>
+        </p:spPr>
+        <p:txBody>
+          <a:bodyPr wrap="none" rtlCol="0">
+            <a:spAutoFit/>
+          </a:bodyPr>
+          <a:lstStyle/>
+          <a:p>
+            <a:pPr algn="ctr"/>
+            <a:r>
+              <a:rPr lang="en-US" sz="1200" dirty="0"/>
+              <a:t>difference of group means</a:t>
+            </a:r>
           </a:p>
         </p:txBody>
       </p:sp>
@@ -8534,6 +7310,7004 @@
     <p:extLst>
       <p:ext uri="{BB962C8B-B14F-4D97-AF65-F5344CB8AC3E}">
         <p14:creationId xmlns:p14="http://schemas.microsoft.com/office/powerpoint/2010/main" val="3527328835"/>
+      </p:ext>
+    </p:extLst>
+  </p:cSld>
+  <p:clrMapOvr>
+    <a:masterClrMapping/>
+  </p:clrMapOvr>
+</p:sld>
+</file>
+
+<file path=ppt/slides/slide2.xml><?xml version="1.0" encoding="utf-8"?>
+<p:sld xmlns:a="http://schemas.openxmlformats.org/drawingml/2006/main" xmlns:r="http://schemas.openxmlformats.org/officeDocument/2006/relationships" xmlns:p="http://schemas.openxmlformats.org/presentationml/2006/main">
+  <p:cSld>
+    <p:spTree>
+      <p:nvGrpSpPr>
+        <p:cNvPr id="1" name=""/>
+        <p:cNvGrpSpPr/>
+        <p:nvPr/>
+      </p:nvGrpSpPr>
+      <p:grpSpPr>
+        <a:xfrm>
+          <a:off x="0" y="0"/>
+          <a:ext cx="0" cy="0"/>
+          <a:chOff x="0" y="0"/>
+          <a:chExt cx="0" cy="0"/>
+        </a:xfrm>
+      </p:grpSpPr>
+      <p:sp>
+        <p:nvSpPr>
+          <p:cNvPr id="4" name="타원 3"/>
+          <p:cNvSpPr/>
+          <p:nvPr/>
+        </p:nvSpPr>
+        <p:spPr>
+          <a:xfrm>
+            <a:off x="1057908" y="1772816"/>
+            <a:ext cx="3262064" cy="3262064"/>
+          </a:xfrm>
+          <a:prstGeom prst="ellipse">
+            <a:avLst/>
+          </a:prstGeom>
+          <a:noFill/>
+          <a:ln w="76200">
+            <a:solidFill>
+              <a:schemeClr val="accent6"/>
+            </a:solidFill>
+          </a:ln>
+        </p:spPr>
+        <p:style>
+          <a:lnRef idx="2">
+            <a:schemeClr val="accent1">
+              <a:shade val="50000"/>
+            </a:schemeClr>
+          </a:lnRef>
+          <a:fillRef idx="1">
+            <a:schemeClr val="accent1"/>
+          </a:fillRef>
+          <a:effectRef idx="0">
+            <a:schemeClr val="accent1"/>
+          </a:effectRef>
+          <a:fontRef idx="minor">
+            <a:schemeClr val="lt1"/>
+          </a:fontRef>
+        </p:style>
+        <p:txBody>
+          <a:bodyPr rtlCol="0" anchor="ctr"/>
+          <a:lstStyle/>
+          <a:p>
+            <a:pPr algn="ctr"/>
+            <a:endParaRPr lang="ko-KR" altLang="en-US"/>
+          </a:p>
+        </p:txBody>
+      </p:sp>
+      <p:sp>
+        <p:nvSpPr>
+          <p:cNvPr id="5" name="타원 4"/>
+          <p:cNvSpPr/>
+          <p:nvPr/>
+        </p:nvSpPr>
+        <p:spPr>
+          <a:xfrm>
+            <a:off x="4824028" y="1772816"/>
+            <a:ext cx="3262064" cy="3262064"/>
+          </a:xfrm>
+          <a:prstGeom prst="ellipse">
+            <a:avLst/>
+          </a:prstGeom>
+          <a:noFill/>
+          <a:ln w="76200"/>
+        </p:spPr>
+        <p:style>
+          <a:lnRef idx="2">
+            <a:schemeClr val="accent1">
+              <a:shade val="50000"/>
+            </a:schemeClr>
+          </a:lnRef>
+          <a:fillRef idx="1">
+            <a:schemeClr val="accent1"/>
+          </a:fillRef>
+          <a:effectRef idx="0">
+            <a:schemeClr val="accent1"/>
+          </a:effectRef>
+          <a:fontRef idx="minor">
+            <a:schemeClr val="lt1"/>
+          </a:fontRef>
+        </p:style>
+        <p:txBody>
+          <a:bodyPr rtlCol="0" anchor="ctr"/>
+          <a:lstStyle/>
+          <a:p>
+            <a:pPr algn="ctr"/>
+            <a:endParaRPr lang="ko-KR" altLang="en-US"/>
+          </a:p>
+        </p:txBody>
+      </p:sp>
+      <p:sp>
+        <p:nvSpPr>
+          <p:cNvPr id="7" name="TextBox 6"/>
+          <p:cNvSpPr txBox="1"/>
+          <p:nvPr/>
+        </p:nvSpPr>
+        <p:spPr>
+          <a:xfrm>
+            <a:off x="1737849" y="1528715"/>
+            <a:ext cx="1888626" cy="646986"/>
+          </a:xfrm>
+          <a:prstGeom prst="roundRect">
+            <a:avLst/>
+          </a:prstGeom>
+          <a:solidFill>
+            <a:schemeClr val="accent6"/>
+          </a:solidFill>
+          <a:ln w="57150">
+            <a:noFill/>
+          </a:ln>
+        </p:spPr>
+        <p:txBody>
+          <a:bodyPr wrap="none" rtlCol="0">
+            <a:spAutoFit/>
+          </a:bodyPr>
+          <a:lstStyle/>
+          <a:p>
+            <a:pPr algn="ctr"/>
+            <a:r>
+              <a:rPr lang="en-US" altLang="ko-KR" sz="3200" b="1" dirty="0"/>
+              <a:t>Group</a:t>
+            </a:r>
+            <a:r>
+              <a:rPr lang="ko-KR" altLang="en-US" sz="3200" b="1" dirty="0"/>
+              <a:t> </a:t>
+            </a:r>
+            <a:r>
+              <a:rPr lang="en-US" altLang="ko-KR" sz="3200" b="1" dirty="0"/>
+              <a:t>A</a:t>
+            </a:r>
+            <a:endParaRPr lang="ko-KR" altLang="en-US" sz="3200" b="1" dirty="0"/>
+          </a:p>
+        </p:txBody>
+      </p:sp>
+      <p:sp>
+        <p:nvSpPr>
+          <p:cNvPr id="8" name="TextBox 7"/>
+          <p:cNvSpPr txBox="1"/>
+          <p:nvPr/>
+        </p:nvSpPr>
+        <p:spPr>
+          <a:xfrm>
+            <a:off x="5524768" y="1528715"/>
+            <a:ext cx="1860584" cy="646986"/>
+          </a:xfrm>
+          <a:prstGeom prst="roundRect">
+            <a:avLst/>
+          </a:prstGeom>
+          <a:solidFill>
+            <a:schemeClr val="accent1">
+              <a:lumMod val="60000"/>
+              <a:lumOff val="40000"/>
+            </a:schemeClr>
+          </a:solidFill>
+          <a:ln w="57150">
+            <a:noFill/>
+          </a:ln>
+        </p:spPr>
+        <p:txBody>
+          <a:bodyPr wrap="none" rtlCol="0">
+            <a:spAutoFit/>
+          </a:bodyPr>
+          <a:lstStyle/>
+          <a:p>
+            <a:pPr algn="ctr"/>
+            <a:r>
+              <a:rPr lang="en-US" altLang="ko-KR" sz="3200" b="1" dirty="0"/>
+              <a:t>Group</a:t>
+            </a:r>
+            <a:r>
+              <a:rPr lang="ko-KR" altLang="en-US" sz="3200" b="1" dirty="0"/>
+              <a:t> </a:t>
+            </a:r>
+            <a:r>
+              <a:rPr lang="en-US" altLang="ko-KR" sz="3200" b="1" dirty="0"/>
+              <a:t>B</a:t>
+            </a:r>
+            <a:endParaRPr lang="ko-KR" altLang="en-US" sz="3200" b="1" dirty="0"/>
+          </a:p>
+        </p:txBody>
+      </p:sp>
+      <p:sp>
+        <p:nvSpPr>
+          <p:cNvPr id="9" name="타원 8"/>
+          <p:cNvSpPr/>
+          <p:nvPr/>
+        </p:nvSpPr>
+        <p:spPr>
+          <a:xfrm>
+            <a:off x="1715108" y="2566628"/>
+            <a:ext cx="478904" cy="478904"/>
+          </a:xfrm>
+          <a:prstGeom prst="ellipse">
+            <a:avLst/>
+          </a:prstGeom>
+          <a:solidFill>
+            <a:schemeClr val="accent1">
+              <a:lumMod val="40000"/>
+              <a:lumOff val="60000"/>
+            </a:schemeClr>
+          </a:solidFill>
+          <a:ln w="12700">
+            <a:solidFill>
+              <a:schemeClr val="tx1"/>
+            </a:solidFill>
+          </a:ln>
+        </p:spPr>
+        <p:style>
+          <a:lnRef idx="2">
+            <a:schemeClr val="accent1">
+              <a:shade val="50000"/>
+            </a:schemeClr>
+          </a:lnRef>
+          <a:fillRef idx="1">
+            <a:schemeClr val="accent1"/>
+          </a:fillRef>
+          <a:effectRef idx="0">
+            <a:schemeClr val="accent1"/>
+          </a:effectRef>
+          <a:fontRef idx="minor">
+            <a:schemeClr val="lt1"/>
+          </a:fontRef>
+        </p:style>
+        <p:txBody>
+          <a:bodyPr rtlCol="0" anchor="ctr"/>
+          <a:lstStyle/>
+          <a:p>
+            <a:pPr algn="ctr"/>
+            <a:endParaRPr lang="ko-KR" altLang="en-US"/>
+          </a:p>
+        </p:txBody>
+      </p:sp>
+      <p:sp>
+        <p:nvSpPr>
+          <p:cNvPr id="10" name="타원 9"/>
+          <p:cNvSpPr/>
+          <p:nvPr/>
+        </p:nvSpPr>
+        <p:spPr>
+          <a:xfrm>
+            <a:off x="3275856" y="3284984"/>
+            <a:ext cx="478904" cy="478904"/>
+          </a:xfrm>
+          <a:prstGeom prst="ellipse">
+            <a:avLst/>
+          </a:prstGeom>
+          <a:solidFill>
+            <a:schemeClr val="accent1">
+              <a:lumMod val="40000"/>
+              <a:lumOff val="60000"/>
+            </a:schemeClr>
+          </a:solidFill>
+          <a:ln w="12700">
+            <a:solidFill>
+              <a:schemeClr val="tx1"/>
+            </a:solidFill>
+          </a:ln>
+        </p:spPr>
+        <p:style>
+          <a:lnRef idx="2">
+            <a:schemeClr val="accent1">
+              <a:shade val="50000"/>
+            </a:schemeClr>
+          </a:lnRef>
+          <a:fillRef idx="1">
+            <a:schemeClr val="accent1"/>
+          </a:fillRef>
+          <a:effectRef idx="0">
+            <a:schemeClr val="accent1"/>
+          </a:effectRef>
+          <a:fontRef idx="minor">
+            <a:schemeClr val="lt1"/>
+          </a:fontRef>
+        </p:style>
+        <p:txBody>
+          <a:bodyPr rtlCol="0" anchor="ctr"/>
+          <a:lstStyle/>
+          <a:p>
+            <a:pPr algn="ctr"/>
+            <a:endParaRPr lang="ko-KR" altLang="en-US"/>
+          </a:p>
+        </p:txBody>
+      </p:sp>
+      <p:sp>
+        <p:nvSpPr>
+          <p:cNvPr id="11" name="타원 10"/>
+          <p:cNvSpPr/>
+          <p:nvPr/>
+        </p:nvSpPr>
+        <p:spPr>
+          <a:xfrm>
+            <a:off x="2339752" y="3958208"/>
+            <a:ext cx="478904" cy="478904"/>
+          </a:xfrm>
+          <a:prstGeom prst="ellipse">
+            <a:avLst/>
+          </a:prstGeom>
+          <a:solidFill>
+            <a:schemeClr val="accent1">
+              <a:lumMod val="40000"/>
+              <a:lumOff val="60000"/>
+            </a:schemeClr>
+          </a:solidFill>
+          <a:ln w="12700">
+            <a:solidFill>
+              <a:schemeClr val="tx1"/>
+            </a:solidFill>
+          </a:ln>
+        </p:spPr>
+        <p:style>
+          <a:lnRef idx="2">
+            <a:schemeClr val="accent1">
+              <a:shade val="50000"/>
+            </a:schemeClr>
+          </a:lnRef>
+          <a:fillRef idx="1">
+            <a:schemeClr val="accent1"/>
+          </a:fillRef>
+          <a:effectRef idx="0">
+            <a:schemeClr val="accent1"/>
+          </a:effectRef>
+          <a:fontRef idx="minor">
+            <a:schemeClr val="lt1"/>
+          </a:fontRef>
+        </p:style>
+        <p:txBody>
+          <a:bodyPr rtlCol="0" anchor="ctr"/>
+          <a:lstStyle/>
+          <a:p>
+            <a:pPr algn="ctr"/>
+            <a:endParaRPr lang="ko-KR" altLang="en-US"/>
+          </a:p>
+        </p:txBody>
+      </p:sp>
+      <p:sp>
+        <p:nvSpPr>
+          <p:cNvPr id="12" name="타원 11"/>
+          <p:cNvSpPr/>
+          <p:nvPr/>
+        </p:nvSpPr>
+        <p:spPr>
+          <a:xfrm>
+            <a:off x="6804248" y="2420888"/>
+            <a:ext cx="478904" cy="478904"/>
+          </a:xfrm>
+          <a:prstGeom prst="ellipse">
+            <a:avLst/>
+          </a:prstGeom>
+          <a:solidFill>
+            <a:schemeClr val="accent1">
+              <a:lumMod val="40000"/>
+              <a:lumOff val="60000"/>
+            </a:schemeClr>
+          </a:solidFill>
+          <a:ln w="12700">
+            <a:solidFill>
+              <a:schemeClr val="tx1"/>
+            </a:solidFill>
+          </a:ln>
+        </p:spPr>
+        <p:style>
+          <a:lnRef idx="2">
+            <a:schemeClr val="accent1">
+              <a:shade val="50000"/>
+            </a:schemeClr>
+          </a:lnRef>
+          <a:fillRef idx="1">
+            <a:schemeClr val="accent1"/>
+          </a:fillRef>
+          <a:effectRef idx="0">
+            <a:schemeClr val="accent1"/>
+          </a:effectRef>
+          <a:fontRef idx="minor">
+            <a:schemeClr val="lt1"/>
+          </a:fontRef>
+        </p:style>
+        <p:txBody>
+          <a:bodyPr rtlCol="0" anchor="ctr"/>
+          <a:lstStyle/>
+          <a:p>
+            <a:pPr algn="ctr"/>
+            <a:endParaRPr lang="ko-KR" altLang="en-US"/>
+          </a:p>
+        </p:txBody>
+      </p:sp>
+      <p:sp>
+        <p:nvSpPr>
+          <p:cNvPr id="13" name="타원 12"/>
+          <p:cNvSpPr/>
+          <p:nvPr/>
+        </p:nvSpPr>
+        <p:spPr>
+          <a:xfrm>
+            <a:off x="5482835" y="2961945"/>
+            <a:ext cx="478904" cy="478904"/>
+          </a:xfrm>
+          <a:prstGeom prst="ellipse">
+            <a:avLst/>
+          </a:prstGeom>
+          <a:solidFill>
+            <a:schemeClr val="accent1">
+              <a:lumMod val="40000"/>
+              <a:lumOff val="60000"/>
+            </a:schemeClr>
+          </a:solidFill>
+          <a:ln w="12700">
+            <a:solidFill>
+              <a:schemeClr val="tx1"/>
+            </a:solidFill>
+          </a:ln>
+        </p:spPr>
+        <p:style>
+          <a:lnRef idx="2">
+            <a:schemeClr val="accent1">
+              <a:shade val="50000"/>
+            </a:schemeClr>
+          </a:lnRef>
+          <a:fillRef idx="1">
+            <a:schemeClr val="accent1"/>
+          </a:fillRef>
+          <a:effectRef idx="0">
+            <a:schemeClr val="accent1"/>
+          </a:effectRef>
+          <a:fontRef idx="minor">
+            <a:schemeClr val="lt1"/>
+          </a:fontRef>
+        </p:style>
+        <p:txBody>
+          <a:bodyPr rtlCol="0" anchor="ctr"/>
+          <a:lstStyle/>
+          <a:p>
+            <a:pPr algn="ctr"/>
+            <a:endParaRPr lang="ko-KR" altLang="en-US"/>
+          </a:p>
+        </p:txBody>
+      </p:sp>
+      <p:sp>
+        <p:nvSpPr>
+          <p:cNvPr id="14" name="타원 13"/>
+          <p:cNvSpPr/>
+          <p:nvPr/>
+        </p:nvSpPr>
+        <p:spPr>
+          <a:xfrm>
+            <a:off x="6324704" y="3718756"/>
+            <a:ext cx="478904" cy="478904"/>
+          </a:xfrm>
+          <a:prstGeom prst="ellipse">
+            <a:avLst/>
+          </a:prstGeom>
+          <a:solidFill>
+            <a:schemeClr val="accent1">
+              <a:lumMod val="40000"/>
+              <a:lumOff val="60000"/>
+            </a:schemeClr>
+          </a:solidFill>
+          <a:ln w="12700">
+            <a:solidFill>
+              <a:schemeClr val="tx1"/>
+            </a:solidFill>
+          </a:ln>
+        </p:spPr>
+        <p:style>
+          <a:lnRef idx="2">
+            <a:schemeClr val="accent1">
+              <a:shade val="50000"/>
+            </a:schemeClr>
+          </a:lnRef>
+          <a:fillRef idx="1">
+            <a:schemeClr val="accent1"/>
+          </a:fillRef>
+          <a:effectRef idx="0">
+            <a:schemeClr val="accent1"/>
+          </a:effectRef>
+          <a:fontRef idx="minor">
+            <a:schemeClr val="lt1"/>
+          </a:fontRef>
+        </p:style>
+        <p:txBody>
+          <a:bodyPr rtlCol="0" anchor="ctr"/>
+          <a:lstStyle/>
+          <a:p>
+            <a:pPr algn="ctr"/>
+            <a:endParaRPr lang="ko-KR" altLang="en-US"/>
+          </a:p>
+        </p:txBody>
+      </p:sp>
+      <p:sp>
+        <p:nvSpPr>
+          <p:cNvPr id="15" name="원호 14"/>
+          <p:cNvSpPr/>
+          <p:nvPr/>
+        </p:nvSpPr>
+        <p:spPr>
+          <a:xfrm>
+            <a:off x="3469200" y="2313873"/>
+            <a:ext cx="2280828" cy="2721007"/>
+          </a:xfrm>
+          <a:prstGeom prst="arc">
+            <a:avLst>
+              <a:gd name="adj1" fmla="val 12298316"/>
+              <a:gd name="adj2" fmla="val 19216455"/>
+            </a:avLst>
+          </a:prstGeom>
+          <a:ln w="38100">
+            <a:solidFill>
+              <a:schemeClr val="tx1"/>
+            </a:solidFill>
+            <a:prstDash val="sysDot"/>
+            <a:headEnd type="arrow" w="med" len="med"/>
+            <a:tailEnd type="arrow" w="med" len="med"/>
+          </a:ln>
+        </p:spPr>
+        <p:style>
+          <a:lnRef idx="1">
+            <a:schemeClr val="accent1"/>
+          </a:lnRef>
+          <a:fillRef idx="0">
+            <a:schemeClr val="accent1"/>
+          </a:fillRef>
+          <a:effectRef idx="0">
+            <a:schemeClr val="accent1"/>
+          </a:effectRef>
+          <a:fontRef idx="minor">
+            <a:schemeClr val="tx1"/>
+          </a:fontRef>
+        </p:style>
+        <p:txBody>
+          <a:bodyPr rtlCol="0" anchor="ctr"/>
+          <a:lstStyle/>
+          <a:p>
+            <a:pPr algn="ctr"/>
+            <a:endParaRPr lang="ko-KR" altLang="en-US"/>
+          </a:p>
+        </p:txBody>
+      </p:sp>
+    </p:spTree>
+    <p:extLst>
+      <p:ext uri="{BB962C8B-B14F-4D97-AF65-F5344CB8AC3E}">
+        <p14:creationId xmlns:p14="http://schemas.microsoft.com/office/powerpoint/2010/main" val="272329966"/>
+      </p:ext>
+    </p:extLst>
+  </p:cSld>
+  <p:clrMapOvr>
+    <a:masterClrMapping/>
+  </p:clrMapOvr>
+</p:sld>
+</file>
+
+<file path=ppt/slides/slide3.xml><?xml version="1.0" encoding="utf-8"?>
+<p:sld xmlns:a="http://schemas.openxmlformats.org/drawingml/2006/main" xmlns:r="http://schemas.openxmlformats.org/officeDocument/2006/relationships" xmlns:p="http://schemas.openxmlformats.org/presentationml/2006/main">
+  <p:cSld>
+    <p:spTree>
+      <p:nvGrpSpPr>
+        <p:cNvPr id="1" name=""/>
+        <p:cNvGrpSpPr/>
+        <p:nvPr/>
+      </p:nvGrpSpPr>
+      <p:grpSpPr>
+        <a:xfrm>
+          <a:off x="0" y="0"/>
+          <a:ext cx="0" cy="0"/>
+          <a:chOff x="0" y="0"/>
+          <a:chExt cx="0" cy="0"/>
+        </a:xfrm>
+      </p:grpSpPr>
+      <p:sp>
+        <p:nvSpPr>
+          <p:cNvPr id="4" name="타원 3"/>
+          <p:cNvSpPr/>
+          <p:nvPr/>
+        </p:nvSpPr>
+        <p:spPr>
+          <a:xfrm>
+            <a:off x="1057908" y="1772816"/>
+            <a:ext cx="3262064" cy="3262064"/>
+          </a:xfrm>
+          <a:prstGeom prst="ellipse">
+            <a:avLst/>
+          </a:prstGeom>
+          <a:noFill/>
+          <a:ln w="76200">
+            <a:solidFill>
+              <a:schemeClr val="accent6"/>
+            </a:solidFill>
+          </a:ln>
+        </p:spPr>
+        <p:style>
+          <a:lnRef idx="2">
+            <a:schemeClr val="accent1">
+              <a:shade val="50000"/>
+            </a:schemeClr>
+          </a:lnRef>
+          <a:fillRef idx="1">
+            <a:schemeClr val="accent1"/>
+          </a:fillRef>
+          <a:effectRef idx="0">
+            <a:schemeClr val="accent1"/>
+          </a:effectRef>
+          <a:fontRef idx="minor">
+            <a:schemeClr val="lt1"/>
+          </a:fontRef>
+        </p:style>
+        <p:txBody>
+          <a:bodyPr rtlCol="0" anchor="ctr"/>
+          <a:lstStyle/>
+          <a:p>
+            <a:pPr algn="ctr"/>
+            <a:endParaRPr lang="ko-KR" altLang="en-US"/>
+          </a:p>
+        </p:txBody>
+      </p:sp>
+      <p:sp>
+        <p:nvSpPr>
+          <p:cNvPr id="5" name="타원 4"/>
+          <p:cNvSpPr/>
+          <p:nvPr/>
+        </p:nvSpPr>
+        <p:spPr>
+          <a:xfrm>
+            <a:off x="4824028" y="1772816"/>
+            <a:ext cx="3262064" cy="3262064"/>
+          </a:xfrm>
+          <a:prstGeom prst="ellipse">
+            <a:avLst/>
+          </a:prstGeom>
+          <a:noFill/>
+          <a:ln w="76200"/>
+        </p:spPr>
+        <p:style>
+          <a:lnRef idx="2">
+            <a:schemeClr val="accent1">
+              <a:shade val="50000"/>
+            </a:schemeClr>
+          </a:lnRef>
+          <a:fillRef idx="1">
+            <a:schemeClr val="accent1"/>
+          </a:fillRef>
+          <a:effectRef idx="0">
+            <a:schemeClr val="accent1"/>
+          </a:effectRef>
+          <a:fontRef idx="minor">
+            <a:schemeClr val="lt1"/>
+          </a:fontRef>
+        </p:style>
+        <p:txBody>
+          <a:bodyPr rtlCol="0" anchor="ctr"/>
+          <a:lstStyle/>
+          <a:p>
+            <a:pPr algn="ctr"/>
+            <a:endParaRPr lang="ko-KR" altLang="en-US"/>
+          </a:p>
+        </p:txBody>
+      </p:sp>
+      <p:sp>
+        <p:nvSpPr>
+          <p:cNvPr id="6" name="TextBox 5"/>
+          <p:cNvSpPr txBox="1"/>
+          <p:nvPr/>
+        </p:nvSpPr>
+        <p:spPr>
+          <a:xfrm>
+            <a:off x="1935235" y="1528715"/>
+            <a:ext cx="1493852" cy="646986"/>
+          </a:xfrm>
+          <a:prstGeom prst="roundRect">
+            <a:avLst/>
+          </a:prstGeom>
+          <a:solidFill>
+            <a:schemeClr val="accent6"/>
+          </a:solidFill>
+          <a:ln w="57150">
+            <a:noFill/>
+          </a:ln>
+        </p:spPr>
+        <p:txBody>
+          <a:bodyPr wrap="none" rtlCol="0">
+            <a:spAutoFit/>
+          </a:bodyPr>
+          <a:lstStyle/>
+          <a:p>
+            <a:pPr algn="ctr"/>
+            <a:r>
+              <a:rPr lang="ko-KR" altLang="en-US" sz="3200" b="1" dirty="0"/>
+              <a:t>그룹 </a:t>
+            </a:r>
+            <a:r>
+              <a:rPr lang="en-US" altLang="ko-KR" sz="3200" b="1" dirty="0"/>
+              <a:t>A</a:t>
+            </a:r>
+            <a:endParaRPr lang="ko-KR" altLang="en-US" sz="3200" b="1" dirty="0"/>
+          </a:p>
+        </p:txBody>
+      </p:sp>
+      <p:sp>
+        <p:nvSpPr>
+          <p:cNvPr id="7" name="TextBox 6"/>
+          <p:cNvSpPr txBox="1"/>
+          <p:nvPr/>
+        </p:nvSpPr>
+        <p:spPr>
+          <a:xfrm>
+            <a:off x="5722287" y="1528715"/>
+            <a:ext cx="1465546" cy="646986"/>
+          </a:xfrm>
+          <a:prstGeom prst="roundRect">
+            <a:avLst/>
+          </a:prstGeom>
+          <a:solidFill>
+            <a:schemeClr val="accent1">
+              <a:lumMod val="60000"/>
+              <a:lumOff val="40000"/>
+            </a:schemeClr>
+          </a:solidFill>
+          <a:ln w="57150">
+            <a:noFill/>
+          </a:ln>
+        </p:spPr>
+        <p:txBody>
+          <a:bodyPr wrap="none" rtlCol="0">
+            <a:spAutoFit/>
+          </a:bodyPr>
+          <a:lstStyle/>
+          <a:p>
+            <a:pPr algn="ctr"/>
+            <a:r>
+              <a:rPr lang="ko-KR" altLang="en-US" sz="3200" b="1" dirty="0"/>
+              <a:t>그룹 </a:t>
+            </a:r>
+            <a:r>
+              <a:rPr lang="en-US" altLang="ko-KR" sz="3200" b="1" dirty="0"/>
+              <a:t>B</a:t>
+            </a:r>
+            <a:endParaRPr lang="ko-KR" altLang="en-US" sz="3200" b="1" dirty="0"/>
+          </a:p>
+        </p:txBody>
+      </p:sp>
+      <p:sp>
+        <p:nvSpPr>
+          <p:cNvPr id="8" name="타원 7"/>
+          <p:cNvSpPr/>
+          <p:nvPr/>
+        </p:nvSpPr>
+        <p:spPr>
+          <a:xfrm>
+            <a:off x="1715108" y="2566628"/>
+            <a:ext cx="478904" cy="478904"/>
+          </a:xfrm>
+          <a:prstGeom prst="ellipse">
+            <a:avLst/>
+          </a:prstGeom>
+          <a:solidFill>
+            <a:schemeClr val="accent1">
+              <a:lumMod val="40000"/>
+              <a:lumOff val="60000"/>
+            </a:schemeClr>
+          </a:solidFill>
+          <a:ln w="12700">
+            <a:solidFill>
+              <a:schemeClr val="tx1"/>
+            </a:solidFill>
+          </a:ln>
+        </p:spPr>
+        <p:style>
+          <a:lnRef idx="2">
+            <a:schemeClr val="accent1">
+              <a:shade val="50000"/>
+            </a:schemeClr>
+          </a:lnRef>
+          <a:fillRef idx="1">
+            <a:schemeClr val="accent1"/>
+          </a:fillRef>
+          <a:effectRef idx="0">
+            <a:schemeClr val="accent1"/>
+          </a:effectRef>
+          <a:fontRef idx="minor">
+            <a:schemeClr val="lt1"/>
+          </a:fontRef>
+        </p:style>
+        <p:txBody>
+          <a:bodyPr rtlCol="0" anchor="ctr"/>
+          <a:lstStyle/>
+          <a:p>
+            <a:pPr algn="ctr"/>
+            <a:endParaRPr lang="ko-KR" altLang="en-US"/>
+          </a:p>
+        </p:txBody>
+      </p:sp>
+      <p:sp>
+        <p:nvSpPr>
+          <p:cNvPr id="9" name="타원 8"/>
+          <p:cNvSpPr/>
+          <p:nvPr/>
+        </p:nvSpPr>
+        <p:spPr>
+          <a:xfrm>
+            <a:off x="3275856" y="3284984"/>
+            <a:ext cx="478904" cy="478904"/>
+          </a:xfrm>
+          <a:prstGeom prst="ellipse">
+            <a:avLst/>
+          </a:prstGeom>
+          <a:solidFill>
+            <a:schemeClr val="accent1">
+              <a:lumMod val="40000"/>
+              <a:lumOff val="60000"/>
+            </a:schemeClr>
+          </a:solidFill>
+          <a:ln w="12700">
+            <a:solidFill>
+              <a:schemeClr val="tx1"/>
+            </a:solidFill>
+          </a:ln>
+        </p:spPr>
+        <p:style>
+          <a:lnRef idx="2">
+            <a:schemeClr val="accent1">
+              <a:shade val="50000"/>
+            </a:schemeClr>
+          </a:lnRef>
+          <a:fillRef idx="1">
+            <a:schemeClr val="accent1"/>
+          </a:fillRef>
+          <a:effectRef idx="0">
+            <a:schemeClr val="accent1"/>
+          </a:effectRef>
+          <a:fontRef idx="minor">
+            <a:schemeClr val="lt1"/>
+          </a:fontRef>
+        </p:style>
+        <p:txBody>
+          <a:bodyPr rtlCol="0" anchor="ctr"/>
+          <a:lstStyle/>
+          <a:p>
+            <a:pPr algn="ctr"/>
+            <a:endParaRPr lang="ko-KR" altLang="en-US"/>
+          </a:p>
+        </p:txBody>
+      </p:sp>
+      <p:sp>
+        <p:nvSpPr>
+          <p:cNvPr id="10" name="타원 9"/>
+          <p:cNvSpPr/>
+          <p:nvPr/>
+        </p:nvSpPr>
+        <p:spPr>
+          <a:xfrm>
+            <a:off x="2339752" y="3958208"/>
+            <a:ext cx="478904" cy="478904"/>
+          </a:xfrm>
+          <a:prstGeom prst="ellipse">
+            <a:avLst/>
+          </a:prstGeom>
+          <a:solidFill>
+            <a:schemeClr val="accent1">
+              <a:lumMod val="40000"/>
+              <a:lumOff val="60000"/>
+            </a:schemeClr>
+          </a:solidFill>
+          <a:ln w="12700">
+            <a:solidFill>
+              <a:schemeClr val="tx1"/>
+            </a:solidFill>
+          </a:ln>
+        </p:spPr>
+        <p:style>
+          <a:lnRef idx="2">
+            <a:schemeClr val="accent1">
+              <a:shade val="50000"/>
+            </a:schemeClr>
+          </a:lnRef>
+          <a:fillRef idx="1">
+            <a:schemeClr val="accent1"/>
+          </a:fillRef>
+          <a:effectRef idx="0">
+            <a:schemeClr val="accent1"/>
+          </a:effectRef>
+          <a:fontRef idx="minor">
+            <a:schemeClr val="lt1"/>
+          </a:fontRef>
+        </p:style>
+        <p:txBody>
+          <a:bodyPr rtlCol="0" anchor="ctr"/>
+          <a:lstStyle/>
+          <a:p>
+            <a:pPr algn="ctr"/>
+            <a:endParaRPr lang="ko-KR" altLang="en-US"/>
+          </a:p>
+        </p:txBody>
+      </p:sp>
+      <p:sp>
+        <p:nvSpPr>
+          <p:cNvPr id="11" name="직사각형 10"/>
+          <p:cNvSpPr/>
+          <p:nvPr/>
+        </p:nvSpPr>
+        <p:spPr>
+          <a:xfrm>
+            <a:off x="6804248" y="2420888"/>
+            <a:ext cx="478904" cy="478904"/>
+          </a:xfrm>
+          <a:prstGeom prst="rect">
+            <a:avLst/>
+          </a:prstGeom>
+          <a:solidFill>
+            <a:schemeClr val="accent1">
+              <a:lumMod val="40000"/>
+              <a:lumOff val="60000"/>
+            </a:schemeClr>
+          </a:solidFill>
+          <a:ln w="12700">
+            <a:solidFill>
+              <a:schemeClr val="tx1"/>
+            </a:solidFill>
+          </a:ln>
+        </p:spPr>
+        <p:style>
+          <a:lnRef idx="2">
+            <a:schemeClr val="accent1">
+              <a:shade val="50000"/>
+            </a:schemeClr>
+          </a:lnRef>
+          <a:fillRef idx="1">
+            <a:schemeClr val="accent1"/>
+          </a:fillRef>
+          <a:effectRef idx="0">
+            <a:schemeClr val="accent1"/>
+          </a:effectRef>
+          <a:fontRef idx="minor">
+            <a:schemeClr val="lt1"/>
+          </a:fontRef>
+        </p:style>
+        <p:txBody>
+          <a:bodyPr rtlCol="0" anchor="ctr"/>
+          <a:lstStyle/>
+          <a:p>
+            <a:pPr algn="ctr"/>
+            <a:endParaRPr lang="ko-KR" altLang="en-US"/>
+          </a:p>
+        </p:txBody>
+      </p:sp>
+      <p:sp>
+        <p:nvSpPr>
+          <p:cNvPr id="12" name="직사각형 11"/>
+          <p:cNvSpPr/>
+          <p:nvPr/>
+        </p:nvSpPr>
+        <p:spPr>
+          <a:xfrm>
+            <a:off x="5482835" y="2961945"/>
+            <a:ext cx="478904" cy="478904"/>
+          </a:xfrm>
+          <a:prstGeom prst="rect">
+            <a:avLst/>
+          </a:prstGeom>
+          <a:solidFill>
+            <a:schemeClr val="accent1">
+              <a:lumMod val="40000"/>
+              <a:lumOff val="60000"/>
+            </a:schemeClr>
+          </a:solidFill>
+          <a:ln w="12700">
+            <a:solidFill>
+              <a:schemeClr val="tx1"/>
+            </a:solidFill>
+          </a:ln>
+        </p:spPr>
+        <p:style>
+          <a:lnRef idx="2">
+            <a:schemeClr val="accent1">
+              <a:shade val="50000"/>
+            </a:schemeClr>
+          </a:lnRef>
+          <a:fillRef idx="1">
+            <a:schemeClr val="accent1"/>
+          </a:fillRef>
+          <a:effectRef idx="0">
+            <a:schemeClr val="accent1"/>
+          </a:effectRef>
+          <a:fontRef idx="minor">
+            <a:schemeClr val="lt1"/>
+          </a:fontRef>
+        </p:style>
+        <p:txBody>
+          <a:bodyPr rtlCol="0" anchor="ctr"/>
+          <a:lstStyle/>
+          <a:p>
+            <a:pPr algn="ctr"/>
+            <a:endParaRPr lang="ko-KR" altLang="en-US"/>
+          </a:p>
+        </p:txBody>
+      </p:sp>
+      <p:sp>
+        <p:nvSpPr>
+          <p:cNvPr id="13" name="직사각형 12"/>
+          <p:cNvSpPr/>
+          <p:nvPr/>
+        </p:nvSpPr>
+        <p:spPr>
+          <a:xfrm>
+            <a:off x="6324704" y="3718756"/>
+            <a:ext cx="478904" cy="478904"/>
+          </a:xfrm>
+          <a:prstGeom prst="rect">
+            <a:avLst/>
+          </a:prstGeom>
+          <a:solidFill>
+            <a:schemeClr val="accent1">
+              <a:lumMod val="40000"/>
+              <a:lumOff val="60000"/>
+            </a:schemeClr>
+          </a:solidFill>
+          <a:ln w="12700">
+            <a:solidFill>
+              <a:schemeClr val="tx1"/>
+            </a:solidFill>
+          </a:ln>
+        </p:spPr>
+        <p:style>
+          <a:lnRef idx="2">
+            <a:schemeClr val="accent1">
+              <a:shade val="50000"/>
+            </a:schemeClr>
+          </a:lnRef>
+          <a:fillRef idx="1">
+            <a:schemeClr val="accent1"/>
+          </a:fillRef>
+          <a:effectRef idx="0">
+            <a:schemeClr val="accent1"/>
+          </a:effectRef>
+          <a:fontRef idx="minor">
+            <a:schemeClr val="lt1"/>
+          </a:fontRef>
+        </p:style>
+        <p:txBody>
+          <a:bodyPr rtlCol="0" anchor="ctr"/>
+          <a:lstStyle/>
+          <a:p>
+            <a:pPr algn="ctr"/>
+            <a:endParaRPr lang="ko-KR" altLang="en-US"/>
+          </a:p>
+        </p:txBody>
+      </p:sp>
+      <p:sp>
+        <p:nvSpPr>
+          <p:cNvPr id="14" name="원호 13"/>
+          <p:cNvSpPr/>
+          <p:nvPr/>
+        </p:nvSpPr>
+        <p:spPr>
+          <a:xfrm>
+            <a:off x="3469200" y="2313873"/>
+            <a:ext cx="2280828" cy="2721007"/>
+          </a:xfrm>
+          <a:prstGeom prst="arc">
+            <a:avLst>
+              <a:gd name="adj1" fmla="val 12298316"/>
+              <a:gd name="adj2" fmla="val 19216455"/>
+            </a:avLst>
+          </a:prstGeom>
+          <a:ln w="38100">
+            <a:solidFill>
+              <a:schemeClr val="tx1"/>
+            </a:solidFill>
+            <a:prstDash val="sysDot"/>
+            <a:headEnd type="arrow" w="med" len="med"/>
+            <a:tailEnd type="arrow" w="med" len="med"/>
+          </a:ln>
+        </p:spPr>
+        <p:style>
+          <a:lnRef idx="1">
+            <a:schemeClr val="accent1"/>
+          </a:lnRef>
+          <a:fillRef idx="0">
+            <a:schemeClr val="accent1"/>
+          </a:fillRef>
+          <a:effectRef idx="0">
+            <a:schemeClr val="accent1"/>
+          </a:effectRef>
+          <a:fontRef idx="minor">
+            <a:schemeClr val="tx1"/>
+          </a:fontRef>
+        </p:style>
+        <p:txBody>
+          <a:bodyPr rtlCol="0" anchor="ctr"/>
+          <a:lstStyle/>
+          <a:p>
+            <a:pPr algn="ctr"/>
+            <a:endParaRPr lang="ko-KR" altLang="en-US"/>
+          </a:p>
+        </p:txBody>
+      </p:sp>
+    </p:spTree>
+    <p:extLst>
+      <p:ext uri="{BB962C8B-B14F-4D97-AF65-F5344CB8AC3E}">
+        <p14:creationId xmlns:p14="http://schemas.microsoft.com/office/powerpoint/2010/main" val="4285912065"/>
+      </p:ext>
+    </p:extLst>
+  </p:cSld>
+  <p:clrMapOvr>
+    <a:masterClrMapping/>
+  </p:clrMapOvr>
+</p:sld>
+</file>
+
+<file path=ppt/slides/slide4.xml><?xml version="1.0" encoding="utf-8"?>
+<p:sld xmlns:a="http://schemas.openxmlformats.org/drawingml/2006/main" xmlns:r="http://schemas.openxmlformats.org/officeDocument/2006/relationships" xmlns:p="http://schemas.openxmlformats.org/presentationml/2006/main">
+  <p:cSld>
+    <p:spTree>
+      <p:nvGrpSpPr>
+        <p:cNvPr id="1" name=""/>
+        <p:cNvGrpSpPr/>
+        <p:nvPr/>
+      </p:nvGrpSpPr>
+      <p:grpSpPr>
+        <a:xfrm>
+          <a:off x="0" y="0"/>
+          <a:ext cx="0" cy="0"/>
+          <a:chOff x="0" y="0"/>
+          <a:chExt cx="0" cy="0"/>
+        </a:xfrm>
+      </p:grpSpPr>
+      <p:sp>
+        <p:nvSpPr>
+          <p:cNvPr id="4" name="타원 3"/>
+          <p:cNvSpPr/>
+          <p:nvPr/>
+        </p:nvSpPr>
+        <p:spPr>
+          <a:xfrm>
+            <a:off x="1057908" y="1772816"/>
+            <a:ext cx="3262064" cy="3262064"/>
+          </a:xfrm>
+          <a:prstGeom prst="ellipse">
+            <a:avLst/>
+          </a:prstGeom>
+          <a:noFill/>
+          <a:ln w="76200">
+            <a:solidFill>
+              <a:schemeClr val="accent6"/>
+            </a:solidFill>
+          </a:ln>
+        </p:spPr>
+        <p:style>
+          <a:lnRef idx="2">
+            <a:schemeClr val="accent1">
+              <a:shade val="50000"/>
+            </a:schemeClr>
+          </a:lnRef>
+          <a:fillRef idx="1">
+            <a:schemeClr val="accent1"/>
+          </a:fillRef>
+          <a:effectRef idx="0">
+            <a:schemeClr val="accent1"/>
+          </a:effectRef>
+          <a:fontRef idx="minor">
+            <a:schemeClr val="lt1"/>
+          </a:fontRef>
+        </p:style>
+        <p:txBody>
+          <a:bodyPr rtlCol="0" anchor="ctr"/>
+          <a:lstStyle/>
+          <a:p>
+            <a:pPr algn="ctr"/>
+            <a:endParaRPr lang="ko-KR" altLang="en-US"/>
+          </a:p>
+        </p:txBody>
+      </p:sp>
+      <p:sp>
+        <p:nvSpPr>
+          <p:cNvPr id="5" name="타원 4"/>
+          <p:cNvSpPr/>
+          <p:nvPr/>
+        </p:nvSpPr>
+        <p:spPr>
+          <a:xfrm>
+            <a:off x="4824028" y="1772816"/>
+            <a:ext cx="3262064" cy="3262064"/>
+          </a:xfrm>
+          <a:prstGeom prst="ellipse">
+            <a:avLst/>
+          </a:prstGeom>
+          <a:noFill/>
+          <a:ln w="76200"/>
+        </p:spPr>
+        <p:style>
+          <a:lnRef idx="2">
+            <a:schemeClr val="accent1">
+              <a:shade val="50000"/>
+            </a:schemeClr>
+          </a:lnRef>
+          <a:fillRef idx="1">
+            <a:schemeClr val="accent1"/>
+          </a:fillRef>
+          <a:effectRef idx="0">
+            <a:schemeClr val="accent1"/>
+          </a:effectRef>
+          <a:fontRef idx="minor">
+            <a:schemeClr val="lt1"/>
+          </a:fontRef>
+        </p:style>
+        <p:txBody>
+          <a:bodyPr rtlCol="0" anchor="ctr"/>
+          <a:lstStyle/>
+          <a:p>
+            <a:pPr algn="ctr"/>
+            <a:endParaRPr lang="ko-KR" altLang="en-US"/>
+          </a:p>
+        </p:txBody>
+      </p:sp>
+      <p:sp>
+        <p:nvSpPr>
+          <p:cNvPr id="6" name="TextBox 5"/>
+          <p:cNvSpPr txBox="1"/>
+          <p:nvPr/>
+        </p:nvSpPr>
+        <p:spPr>
+          <a:xfrm>
+            <a:off x="1737848" y="1528715"/>
+            <a:ext cx="1888626" cy="646986"/>
+          </a:xfrm>
+          <a:prstGeom prst="roundRect">
+            <a:avLst/>
+          </a:prstGeom>
+          <a:solidFill>
+            <a:schemeClr val="accent6"/>
+          </a:solidFill>
+          <a:ln w="57150">
+            <a:noFill/>
+          </a:ln>
+        </p:spPr>
+        <p:txBody>
+          <a:bodyPr wrap="none" rtlCol="0">
+            <a:spAutoFit/>
+          </a:bodyPr>
+          <a:lstStyle/>
+          <a:p>
+            <a:pPr algn="ctr"/>
+            <a:r>
+              <a:rPr lang="en-US" altLang="ko-KR" sz="3200" b="1" dirty="0"/>
+              <a:t>Group</a:t>
+            </a:r>
+            <a:r>
+              <a:rPr lang="ko-KR" altLang="en-US" sz="3200" b="1" dirty="0"/>
+              <a:t> </a:t>
+            </a:r>
+            <a:r>
+              <a:rPr lang="en-US" altLang="ko-KR" sz="3200" b="1" dirty="0"/>
+              <a:t>A</a:t>
+            </a:r>
+            <a:endParaRPr lang="ko-KR" altLang="en-US" sz="3200" b="1" dirty="0"/>
+          </a:p>
+        </p:txBody>
+      </p:sp>
+      <p:sp>
+        <p:nvSpPr>
+          <p:cNvPr id="7" name="TextBox 6"/>
+          <p:cNvSpPr txBox="1"/>
+          <p:nvPr/>
+        </p:nvSpPr>
+        <p:spPr>
+          <a:xfrm>
+            <a:off x="5524768" y="1528715"/>
+            <a:ext cx="1860584" cy="646986"/>
+          </a:xfrm>
+          <a:prstGeom prst="roundRect">
+            <a:avLst/>
+          </a:prstGeom>
+          <a:solidFill>
+            <a:schemeClr val="accent1">
+              <a:lumMod val="60000"/>
+              <a:lumOff val="40000"/>
+            </a:schemeClr>
+          </a:solidFill>
+          <a:ln w="57150">
+            <a:noFill/>
+          </a:ln>
+        </p:spPr>
+        <p:txBody>
+          <a:bodyPr wrap="none" rtlCol="0">
+            <a:spAutoFit/>
+          </a:bodyPr>
+          <a:lstStyle/>
+          <a:p>
+            <a:pPr algn="ctr"/>
+            <a:r>
+              <a:rPr lang="en-US" altLang="ko-KR" sz="3200" b="1" dirty="0"/>
+              <a:t>Group</a:t>
+            </a:r>
+            <a:r>
+              <a:rPr lang="ko-KR" altLang="en-US" sz="3200" b="1" dirty="0"/>
+              <a:t> </a:t>
+            </a:r>
+            <a:r>
+              <a:rPr lang="en-US" altLang="ko-KR" sz="3200" b="1" dirty="0"/>
+              <a:t>B</a:t>
+            </a:r>
+            <a:endParaRPr lang="ko-KR" altLang="en-US" sz="3200" b="1" dirty="0"/>
+          </a:p>
+        </p:txBody>
+      </p:sp>
+      <p:sp>
+        <p:nvSpPr>
+          <p:cNvPr id="8" name="타원 7"/>
+          <p:cNvSpPr/>
+          <p:nvPr/>
+        </p:nvSpPr>
+        <p:spPr>
+          <a:xfrm>
+            <a:off x="1715108" y="2566628"/>
+            <a:ext cx="478904" cy="478904"/>
+          </a:xfrm>
+          <a:prstGeom prst="ellipse">
+            <a:avLst/>
+          </a:prstGeom>
+          <a:solidFill>
+            <a:schemeClr val="accent1">
+              <a:lumMod val="40000"/>
+              <a:lumOff val="60000"/>
+            </a:schemeClr>
+          </a:solidFill>
+          <a:ln w="12700">
+            <a:solidFill>
+              <a:schemeClr val="tx1"/>
+            </a:solidFill>
+          </a:ln>
+        </p:spPr>
+        <p:style>
+          <a:lnRef idx="2">
+            <a:schemeClr val="accent1">
+              <a:shade val="50000"/>
+            </a:schemeClr>
+          </a:lnRef>
+          <a:fillRef idx="1">
+            <a:schemeClr val="accent1"/>
+          </a:fillRef>
+          <a:effectRef idx="0">
+            <a:schemeClr val="accent1"/>
+          </a:effectRef>
+          <a:fontRef idx="minor">
+            <a:schemeClr val="lt1"/>
+          </a:fontRef>
+        </p:style>
+        <p:txBody>
+          <a:bodyPr rtlCol="0" anchor="ctr"/>
+          <a:lstStyle/>
+          <a:p>
+            <a:pPr algn="ctr"/>
+            <a:endParaRPr lang="ko-KR" altLang="en-US"/>
+          </a:p>
+        </p:txBody>
+      </p:sp>
+      <p:sp>
+        <p:nvSpPr>
+          <p:cNvPr id="9" name="타원 8"/>
+          <p:cNvSpPr/>
+          <p:nvPr/>
+        </p:nvSpPr>
+        <p:spPr>
+          <a:xfrm>
+            <a:off x="3275856" y="3284984"/>
+            <a:ext cx="478904" cy="478904"/>
+          </a:xfrm>
+          <a:prstGeom prst="ellipse">
+            <a:avLst/>
+          </a:prstGeom>
+          <a:solidFill>
+            <a:schemeClr val="accent1">
+              <a:lumMod val="40000"/>
+              <a:lumOff val="60000"/>
+            </a:schemeClr>
+          </a:solidFill>
+          <a:ln w="12700">
+            <a:solidFill>
+              <a:schemeClr val="tx1"/>
+            </a:solidFill>
+          </a:ln>
+        </p:spPr>
+        <p:style>
+          <a:lnRef idx="2">
+            <a:schemeClr val="accent1">
+              <a:shade val="50000"/>
+            </a:schemeClr>
+          </a:lnRef>
+          <a:fillRef idx="1">
+            <a:schemeClr val="accent1"/>
+          </a:fillRef>
+          <a:effectRef idx="0">
+            <a:schemeClr val="accent1"/>
+          </a:effectRef>
+          <a:fontRef idx="minor">
+            <a:schemeClr val="lt1"/>
+          </a:fontRef>
+        </p:style>
+        <p:txBody>
+          <a:bodyPr rtlCol="0" anchor="ctr"/>
+          <a:lstStyle/>
+          <a:p>
+            <a:pPr algn="ctr"/>
+            <a:endParaRPr lang="ko-KR" altLang="en-US"/>
+          </a:p>
+        </p:txBody>
+      </p:sp>
+      <p:sp>
+        <p:nvSpPr>
+          <p:cNvPr id="10" name="타원 9"/>
+          <p:cNvSpPr/>
+          <p:nvPr/>
+        </p:nvSpPr>
+        <p:spPr>
+          <a:xfrm>
+            <a:off x="2339752" y="3958208"/>
+            <a:ext cx="478904" cy="478904"/>
+          </a:xfrm>
+          <a:prstGeom prst="ellipse">
+            <a:avLst/>
+          </a:prstGeom>
+          <a:solidFill>
+            <a:schemeClr val="accent1">
+              <a:lumMod val="40000"/>
+              <a:lumOff val="60000"/>
+            </a:schemeClr>
+          </a:solidFill>
+          <a:ln w="12700">
+            <a:solidFill>
+              <a:schemeClr val="tx1"/>
+            </a:solidFill>
+          </a:ln>
+        </p:spPr>
+        <p:style>
+          <a:lnRef idx="2">
+            <a:schemeClr val="accent1">
+              <a:shade val="50000"/>
+            </a:schemeClr>
+          </a:lnRef>
+          <a:fillRef idx="1">
+            <a:schemeClr val="accent1"/>
+          </a:fillRef>
+          <a:effectRef idx="0">
+            <a:schemeClr val="accent1"/>
+          </a:effectRef>
+          <a:fontRef idx="minor">
+            <a:schemeClr val="lt1"/>
+          </a:fontRef>
+        </p:style>
+        <p:txBody>
+          <a:bodyPr rtlCol="0" anchor="ctr"/>
+          <a:lstStyle/>
+          <a:p>
+            <a:pPr algn="ctr"/>
+            <a:endParaRPr lang="ko-KR" altLang="en-US"/>
+          </a:p>
+        </p:txBody>
+      </p:sp>
+      <p:sp>
+        <p:nvSpPr>
+          <p:cNvPr id="11" name="직사각형 10"/>
+          <p:cNvSpPr/>
+          <p:nvPr/>
+        </p:nvSpPr>
+        <p:spPr>
+          <a:xfrm>
+            <a:off x="6804248" y="2420888"/>
+            <a:ext cx="478904" cy="478904"/>
+          </a:xfrm>
+          <a:prstGeom prst="rect">
+            <a:avLst/>
+          </a:prstGeom>
+          <a:solidFill>
+            <a:schemeClr val="accent1">
+              <a:lumMod val="40000"/>
+              <a:lumOff val="60000"/>
+            </a:schemeClr>
+          </a:solidFill>
+          <a:ln w="12700">
+            <a:solidFill>
+              <a:schemeClr val="tx1"/>
+            </a:solidFill>
+          </a:ln>
+        </p:spPr>
+        <p:style>
+          <a:lnRef idx="2">
+            <a:schemeClr val="accent1">
+              <a:shade val="50000"/>
+            </a:schemeClr>
+          </a:lnRef>
+          <a:fillRef idx="1">
+            <a:schemeClr val="accent1"/>
+          </a:fillRef>
+          <a:effectRef idx="0">
+            <a:schemeClr val="accent1"/>
+          </a:effectRef>
+          <a:fontRef idx="minor">
+            <a:schemeClr val="lt1"/>
+          </a:fontRef>
+        </p:style>
+        <p:txBody>
+          <a:bodyPr rtlCol="0" anchor="ctr"/>
+          <a:lstStyle/>
+          <a:p>
+            <a:pPr algn="ctr"/>
+            <a:endParaRPr lang="ko-KR" altLang="en-US"/>
+          </a:p>
+        </p:txBody>
+      </p:sp>
+      <p:sp>
+        <p:nvSpPr>
+          <p:cNvPr id="12" name="직사각형 11"/>
+          <p:cNvSpPr/>
+          <p:nvPr/>
+        </p:nvSpPr>
+        <p:spPr>
+          <a:xfrm>
+            <a:off x="5482835" y="2961945"/>
+            <a:ext cx="478904" cy="478904"/>
+          </a:xfrm>
+          <a:prstGeom prst="rect">
+            <a:avLst/>
+          </a:prstGeom>
+          <a:solidFill>
+            <a:schemeClr val="accent1">
+              <a:lumMod val="40000"/>
+              <a:lumOff val="60000"/>
+            </a:schemeClr>
+          </a:solidFill>
+          <a:ln w="12700">
+            <a:solidFill>
+              <a:schemeClr val="tx1"/>
+            </a:solidFill>
+          </a:ln>
+        </p:spPr>
+        <p:style>
+          <a:lnRef idx="2">
+            <a:schemeClr val="accent1">
+              <a:shade val="50000"/>
+            </a:schemeClr>
+          </a:lnRef>
+          <a:fillRef idx="1">
+            <a:schemeClr val="accent1"/>
+          </a:fillRef>
+          <a:effectRef idx="0">
+            <a:schemeClr val="accent1"/>
+          </a:effectRef>
+          <a:fontRef idx="minor">
+            <a:schemeClr val="lt1"/>
+          </a:fontRef>
+        </p:style>
+        <p:txBody>
+          <a:bodyPr rtlCol="0" anchor="ctr"/>
+          <a:lstStyle/>
+          <a:p>
+            <a:pPr algn="ctr"/>
+            <a:endParaRPr lang="ko-KR" altLang="en-US"/>
+          </a:p>
+        </p:txBody>
+      </p:sp>
+      <p:sp>
+        <p:nvSpPr>
+          <p:cNvPr id="13" name="직사각형 12"/>
+          <p:cNvSpPr/>
+          <p:nvPr/>
+        </p:nvSpPr>
+        <p:spPr>
+          <a:xfrm>
+            <a:off x="6324704" y="3718756"/>
+            <a:ext cx="478904" cy="478904"/>
+          </a:xfrm>
+          <a:prstGeom prst="rect">
+            <a:avLst/>
+          </a:prstGeom>
+          <a:solidFill>
+            <a:schemeClr val="accent1">
+              <a:lumMod val="40000"/>
+              <a:lumOff val="60000"/>
+            </a:schemeClr>
+          </a:solidFill>
+          <a:ln w="12700">
+            <a:solidFill>
+              <a:schemeClr val="tx1"/>
+            </a:solidFill>
+          </a:ln>
+        </p:spPr>
+        <p:style>
+          <a:lnRef idx="2">
+            <a:schemeClr val="accent1">
+              <a:shade val="50000"/>
+            </a:schemeClr>
+          </a:lnRef>
+          <a:fillRef idx="1">
+            <a:schemeClr val="accent1"/>
+          </a:fillRef>
+          <a:effectRef idx="0">
+            <a:schemeClr val="accent1"/>
+          </a:effectRef>
+          <a:fontRef idx="minor">
+            <a:schemeClr val="lt1"/>
+          </a:fontRef>
+        </p:style>
+        <p:txBody>
+          <a:bodyPr rtlCol="0" anchor="ctr"/>
+          <a:lstStyle/>
+          <a:p>
+            <a:pPr algn="ctr"/>
+            <a:endParaRPr lang="ko-KR" altLang="en-US"/>
+          </a:p>
+        </p:txBody>
+      </p:sp>
+      <p:sp>
+        <p:nvSpPr>
+          <p:cNvPr id="14" name="원호 13"/>
+          <p:cNvSpPr/>
+          <p:nvPr/>
+        </p:nvSpPr>
+        <p:spPr>
+          <a:xfrm>
+            <a:off x="3469200" y="2313873"/>
+            <a:ext cx="2280828" cy="2721007"/>
+          </a:xfrm>
+          <a:prstGeom prst="arc">
+            <a:avLst>
+              <a:gd name="adj1" fmla="val 12298316"/>
+              <a:gd name="adj2" fmla="val 19216455"/>
+            </a:avLst>
+          </a:prstGeom>
+          <a:ln w="38100">
+            <a:solidFill>
+              <a:schemeClr val="tx1"/>
+            </a:solidFill>
+            <a:prstDash val="sysDot"/>
+            <a:headEnd type="arrow" w="med" len="med"/>
+            <a:tailEnd type="arrow" w="med" len="med"/>
+          </a:ln>
+        </p:spPr>
+        <p:style>
+          <a:lnRef idx="1">
+            <a:schemeClr val="accent1"/>
+          </a:lnRef>
+          <a:fillRef idx="0">
+            <a:schemeClr val="accent1"/>
+          </a:fillRef>
+          <a:effectRef idx="0">
+            <a:schemeClr val="accent1"/>
+          </a:effectRef>
+          <a:fontRef idx="minor">
+            <a:schemeClr val="tx1"/>
+          </a:fontRef>
+        </p:style>
+        <p:txBody>
+          <a:bodyPr rtlCol="0" anchor="ctr"/>
+          <a:lstStyle/>
+          <a:p>
+            <a:pPr algn="ctr"/>
+            <a:endParaRPr lang="ko-KR" altLang="en-US"/>
+          </a:p>
+        </p:txBody>
+      </p:sp>
+    </p:spTree>
+    <p:extLst>
+      <p:ext uri="{BB962C8B-B14F-4D97-AF65-F5344CB8AC3E}">
+        <p14:creationId xmlns:p14="http://schemas.microsoft.com/office/powerpoint/2010/main" val="552719160"/>
+      </p:ext>
+    </p:extLst>
+  </p:cSld>
+  <p:clrMapOvr>
+    <a:masterClrMapping/>
+  </p:clrMapOvr>
+</p:sld>
+</file>
+
+<file path=ppt/slides/slide5.xml><?xml version="1.0" encoding="utf-8"?>
+<p:sld xmlns:a="http://schemas.openxmlformats.org/drawingml/2006/main" xmlns:r="http://schemas.openxmlformats.org/officeDocument/2006/relationships" xmlns:p="http://schemas.openxmlformats.org/presentationml/2006/main">
+  <p:cSld>
+    <p:spTree>
+      <p:nvGrpSpPr>
+        <p:cNvPr id="1" name=""/>
+        <p:cNvGrpSpPr/>
+        <p:nvPr/>
+      </p:nvGrpSpPr>
+      <p:grpSpPr>
+        <a:xfrm>
+          <a:off x="0" y="0"/>
+          <a:ext cx="0" cy="0"/>
+          <a:chOff x="0" y="0"/>
+          <a:chExt cx="0" cy="0"/>
+        </a:xfrm>
+      </p:grpSpPr>
+      <p:sp>
+        <p:nvSpPr>
+          <p:cNvPr id="6" name="타원 5"/>
+          <p:cNvSpPr/>
+          <p:nvPr/>
+        </p:nvSpPr>
+        <p:spPr>
+          <a:xfrm>
+            <a:off x="212335" y="2102382"/>
+            <a:ext cx="831273" cy="831273"/>
+          </a:xfrm>
+          <a:prstGeom prst="ellipse">
+            <a:avLst/>
+          </a:prstGeom>
+          <a:solidFill>
+            <a:srgbClr val="F94545"/>
+          </a:solidFill>
+          <a:ln>
+            <a:solidFill>
+              <a:schemeClr val="tx1"/>
+            </a:solidFill>
+          </a:ln>
+        </p:spPr>
+        <p:style>
+          <a:lnRef idx="2">
+            <a:schemeClr val="accent1">
+              <a:shade val="50000"/>
+            </a:schemeClr>
+          </a:lnRef>
+          <a:fillRef idx="1">
+            <a:schemeClr val="accent1"/>
+          </a:fillRef>
+          <a:effectRef idx="0">
+            <a:schemeClr val="accent1"/>
+          </a:effectRef>
+          <a:fontRef idx="minor">
+            <a:schemeClr val="lt1"/>
+          </a:fontRef>
+        </p:style>
+        <p:txBody>
+          <a:bodyPr rtlCol="0" anchor="ctr"/>
+          <a:lstStyle/>
+          <a:p>
+            <a:pPr algn="ctr"/>
+            <a:r>
+              <a:rPr lang="en-US" altLang="ko-KR" sz="2400" b="1" dirty="0">
+                <a:solidFill>
+                  <a:sysClr val="windowText" lastClr="000000"/>
+                </a:solidFill>
+              </a:rPr>
+              <a:t>58</a:t>
+            </a:r>
+            <a:endParaRPr lang="ko-KR" altLang="en-US" sz="2400" b="1" dirty="0">
+              <a:solidFill>
+                <a:sysClr val="windowText" lastClr="000000"/>
+              </a:solidFill>
+            </a:endParaRPr>
+          </a:p>
+        </p:txBody>
+      </p:sp>
+      <p:sp>
+        <p:nvSpPr>
+          <p:cNvPr id="7" name="타원 6"/>
+          <p:cNvSpPr/>
+          <p:nvPr/>
+        </p:nvSpPr>
+        <p:spPr>
+          <a:xfrm>
+            <a:off x="1198342" y="2102382"/>
+            <a:ext cx="831273" cy="831273"/>
+          </a:xfrm>
+          <a:prstGeom prst="ellipse">
+            <a:avLst/>
+          </a:prstGeom>
+          <a:solidFill>
+            <a:srgbClr val="F94545"/>
+          </a:solidFill>
+          <a:ln>
+            <a:solidFill>
+              <a:schemeClr val="tx1"/>
+            </a:solidFill>
+          </a:ln>
+        </p:spPr>
+        <p:style>
+          <a:lnRef idx="2">
+            <a:schemeClr val="accent1">
+              <a:shade val="50000"/>
+            </a:schemeClr>
+          </a:lnRef>
+          <a:fillRef idx="1">
+            <a:schemeClr val="accent1"/>
+          </a:fillRef>
+          <a:effectRef idx="0">
+            <a:schemeClr val="accent1"/>
+          </a:effectRef>
+          <a:fontRef idx="minor">
+            <a:schemeClr val="lt1"/>
+          </a:fontRef>
+        </p:style>
+        <p:txBody>
+          <a:bodyPr rtlCol="0" anchor="ctr"/>
+          <a:lstStyle/>
+          <a:p>
+            <a:pPr algn="ctr"/>
+            <a:r>
+              <a:rPr lang="en-US" altLang="ko-KR" sz="2400" b="1" dirty="0">
+                <a:solidFill>
+                  <a:sysClr val="windowText" lastClr="000000"/>
+                </a:solidFill>
+              </a:rPr>
+              <a:t>69</a:t>
+            </a:r>
+            <a:endParaRPr lang="ko-KR" altLang="en-US" sz="2400" b="1" dirty="0">
+              <a:solidFill>
+                <a:sysClr val="windowText" lastClr="000000"/>
+              </a:solidFill>
+            </a:endParaRPr>
+          </a:p>
+        </p:txBody>
+      </p:sp>
+      <p:sp>
+        <p:nvSpPr>
+          <p:cNvPr id="8" name="타원 7"/>
+          <p:cNvSpPr/>
+          <p:nvPr/>
+        </p:nvSpPr>
+        <p:spPr>
+          <a:xfrm>
+            <a:off x="2184349" y="2102382"/>
+            <a:ext cx="831273" cy="831273"/>
+          </a:xfrm>
+          <a:prstGeom prst="ellipse">
+            <a:avLst/>
+          </a:prstGeom>
+          <a:solidFill>
+            <a:srgbClr val="F94545"/>
+          </a:solidFill>
+          <a:ln>
+            <a:solidFill>
+              <a:schemeClr val="tx1"/>
+            </a:solidFill>
+          </a:ln>
+        </p:spPr>
+        <p:style>
+          <a:lnRef idx="2">
+            <a:schemeClr val="accent1">
+              <a:shade val="50000"/>
+            </a:schemeClr>
+          </a:lnRef>
+          <a:fillRef idx="1">
+            <a:schemeClr val="accent1"/>
+          </a:fillRef>
+          <a:effectRef idx="0">
+            <a:schemeClr val="accent1"/>
+          </a:effectRef>
+          <a:fontRef idx="minor">
+            <a:schemeClr val="lt1"/>
+          </a:fontRef>
+        </p:style>
+        <p:txBody>
+          <a:bodyPr rtlCol="0" anchor="ctr"/>
+          <a:lstStyle/>
+          <a:p>
+            <a:pPr algn="ctr"/>
+            <a:r>
+              <a:rPr lang="en-US" altLang="ko-KR" sz="2400" b="1" dirty="0">
+                <a:solidFill>
+                  <a:sysClr val="windowText" lastClr="000000"/>
+                </a:solidFill>
+              </a:rPr>
+              <a:t>64</a:t>
+            </a:r>
+            <a:endParaRPr lang="ko-KR" altLang="en-US" sz="2400" b="1" dirty="0">
+              <a:solidFill>
+                <a:sysClr val="windowText" lastClr="000000"/>
+              </a:solidFill>
+            </a:endParaRPr>
+          </a:p>
+        </p:txBody>
+      </p:sp>
+      <p:sp>
+        <p:nvSpPr>
+          <p:cNvPr id="9" name="타원 8"/>
+          <p:cNvSpPr/>
+          <p:nvPr/>
+        </p:nvSpPr>
+        <p:spPr>
+          <a:xfrm>
+            <a:off x="3170356" y="2102382"/>
+            <a:ext cx="831273" cy="831273"/>
+          </a:xfrm>
+          <a:prstGeom prst="ellipse">
+            <a:avLst/>
+          </a:prstGeom>
+          <a:solidFill>
+            <a:srgbClr val="F94545"/>
+          </a:solidFill>
+          <a:ln>
+            <a:solidFill>
+              <a:schemeClr val="tx1"/>
+            </a:solidFill>
+          </a:ln>
+        </p:spPr>
+        <p:style>
+          <a:lnRef idx="2">
+            <a:schemeClr val="accent1">
+              <a:shade val="50000"/>
+            </a:schemeClr>
+          </a:lnRef>
+          <a:fillRef idx="1">
+            <a:schemeClr val="accent1"/>
+          </a:fillRef>
+          <a:effectRef idx="0">
+            <a:schemeClr val="accent1"/>
+          </a:effectRef>
+          <a:fontRef idx="minor">
+            <a:schemeClr val="lt1"/>
+          </a:fontRef>
+        </p:style>
+        <p:txBody>
+          <a:bodyPr rtlCol="0" anchor="ctr"/>
+          <a:lstStyle/>
+          <a:p>
+            <a:pPr algn="ctr"/>
+            <a:r>
+              <a:rPr lang="en-US" altLang="ko-KR" sz="2400" b="1" dirty="0">
+                <a:solidFill>
+                  <a:sysClr val="windowText" lastClr="000000"/>
+                </a:solidFill>
+              </a:rPr>
+              <a:t>55</a:t>
+            </a:r>
+            <a:endParaRPr lang="ko-KR" altLang="en-US" sz="2400" b="1" dirty="0">
+              <a:solidFill>
+                <a:sysClr val="windowText" lastClr="000000"/>
+              </a:solidFill>
+            </a:endParaRPr>
+          </a:p>
+        </p:txBody>
+      </p:sp>
+      <p:sp>
+        <p:nvSpPr>
+          <p:cNvPr id="10" name="타원 9"/>
+          <p:cNvSpPr/>
+          <p:nvPr/>
+        </p:nvSpPr>
+        <p:spPr>
+          <a:xfrm>
+            <a:off x="4156363" y="2102382"/>
+            <a:ext cx="831273" cy="831273"/>
+          </a:xfrm>
+          <a:prstGeom prst="ellipse">
+            <a:avLst/>
+          </a:prstGeom>
+          <a:solidFill>
+            <a:srgbClr val="92B1D6"/>
+          </a:solidFill>
+          <a:ln>
+            <a:solidFill>
+              <a:schemeClr val="tx1"/>
+            </a:solidFill>
+          </a:ln>
+        </p:spPr>
+        <p:style>
+          <a:lnRef idx="2">
+            <a:schemeClr val="accent1">
+              <a:shade val="50000"/>
+            </a:schemeClr>
+          </a:lnRef>
+          <a:fillRef idx="1">
+            <a:schemeClr val="accent1"/>
+          </a:fillRef>
+          <a:effectRef idx="0">
+            <a:schemeClr val="accent1"/>
+          </a:effectRef>
+          <a:fontRef idx="minor">
+            <a:schemeClr val="lt1"/>
+          </a:fontRef>
+        </p:style>
+        <p:txBody>
+          <a:bodyPr rtlCol="0" anchor="ctr"/>
+          <a:lstStyle/>
+          <a:p>
+            <a:pPr algn="ctr"/>
+            <a:r>
+              <a:rPr lang="en-US" altLang="ko-KR" sz="2400" b="1" dirty="0">
+                <a:solidFill>
+                  <a:sysClr val="windowText" lastClr="000000"/>
+                </a:solidFill>
+              </a:rPr>
+              <a:t>51</a:t>
+            </a:r>
+            <a:endParaRPr lang="ko-KR" altLang="en-US" sz="2400" b="1" dirty="0">
+              <a:solidFill>
+                <a:sysClr val="windowText" lastClr="000000"/>
+              </a:solidFill>
+            </a:endParaRPr>
+          </a:p>
+        </p:txBody>
+      </p:sp>
+      <p:sp>
+        <p:nvSpPr>
+          <p:cNvPr id="11" name="타원 10"/>
+          <p:cNvSpPr/>
+          <p:nvPr/>
+        </p:nvSpPr>
+        <p:spPr>
+          <a:xfrm>
+            <a:off x="5142370" y="2102382"/>
+            <a:ext cx="831273" cy="831273"/>
+          </a:xfrm>
+          <a:prstGeom prst="ellipse">
+            <a:avLst/>
+          </a:prstGeom>
+          <a:solidFill>
+            <a:srgbClr val="92B1D6"/>
+          </a:solidFill>
+          <a:ln>
+            <a:solidFill>
+              <a:schemeClr val="tx1"/>
+            </a:solidFill>
+          </a:ln>
+        </p:spPr>
+        <p:style>
+          <a:lnRef idx="2">
+            <a:schemeClr val="accent1">
+              <a:shade val="50000"/>
+            </a:schemeClr>
+          </a:lnRef>
+          <a:fillRef idx="1">
+            <a:schemeClr val="accent1"/>
+          </a:fillRef>
+          <a:effectRef idx="0">
+            <a:schemeClr val="accent1"/>
+          </a:effectRef>
+          <a:fontRef idx="minor">
+            <a:schemeClr val="lt1"/>
+          </a:fontRef>
+        </p:style>
+        <p:txBody>
+          <a:bodyPr rtlCol="0" anchor="ctr"/>
+          <a:lstStyle/>
+          <a:p>
+            <a:pPr algn="ctr"/>
+            <a:r>
+              <a:rPr lang="en-US" altLang="ko-KR" sz="2400" b="1" dirty="0">
+                <a:solidFill>
+                  <a:sysClr val="windowText" lastClr="000000"/>
+                </a:solidFill>
+              </a:rPr>
+              <a:t>41</a:t>
+            </a:r>
+            <a:endParaRPr lang="ko-KR" altLang="en-US" sz="2400" b="1" dirty="0">
+              <a:solidFill>
+                <a:sysClr val="windowText" lastClr="000000"/>
+              </a:solidFill>
+            </a:endParaRPr>
+          </a:p>
+        </p:txBody>
+      </p:sp>
+      <p:sp>
+        <p:nvSpPr>
+          <p:cNvPr id="12" name="타원 11"/>
+          <p:cNvSpPr/>
+          <p:nvPr/>
+        </p:nvSpPr>
+        <p:spPr>
+          <a:xfrm>
+            <a:off x="6128377" y="2102382"/>
+            <a:ext cx="831273" cy="831273"/>
+          </a:xfrm>
+          <a:prstGeom prst="ellipse">
+            <a:avLst/>
+          </a:prstGeom>
+          <a:solidFill>
+            <a:srgbClr val="92B1D6"/>
+          </a:solidFill>
+          <a:ln>
+            <a:solidFill>
+              <a:schemeClr val="tx1"/>
+            </a:solidFill>
+          </a:ln>
+        </p:spPr>
+        <p:style>
+          <a:lnRef idx="2">
+            <a:schemeClr val="accent1">
+              <a:shade val="50000"/>
+            </a:schemeClr>
+          </a:lnRef>
+          <a:fillRef idx="1">
+            <a:schemeClr val="accent1"/>
+          </a:fillRef>
+          <a:effectRef idx="0">
+            <a:schemeClr val="accent1"/>
+          </a:effectRef>
+          <a:fontRef idx="minor">
+            <a:schemeClr val="lt1"/>
+          </a:fontRef>
+        </p:style>
+        <p:txBody>
+          <a:bodyPr rtlCol="0" anchor="ctr"/>
+          <a:lstStyle/>
+          <a:p>
+            <a:pPr algn="ctr"/>
+            <a:r>
+              <a:rPr lang="en-US" altLang="ko-KR" sz="2400" b="1" dirty="0">
+                <a:solidFill>
+                  <a:sysClr val="windowText" lastClr="000000"/>
+                </a:solidFill>
+              </a:rPr>
+              <a:t>51</a:t>
+            </a:r>
+            <a:endParaRPr lang="ko-KR" altLang="en-US" sz="2400" b="1" dirty="0">
+              <a:solidFill>
+                <a:sysClr val="windowText" lastClr="000000"/>
+              </a:solidFill>
+            </a:endParaRPr>
+          </a:p>
+        </p:txBody>
+      </p:sp>
+      <p:sp>
+        <p:nvSpPr>
+          <p:cNvPr id="13" name="타원 12"/>
+          <p:cNvSpPr/>
+          <p:nvPr/>
+        </p:nvSpPr>
+        <p:spPr>
+          <a:xfrm>
+            <a:off x="7114384" y="2102382"/>
+            <a:ext cx="831273" cy="831273"/>
+          </a:xfrm>
+          <a:prstGeom prst="ellipse">
+            <a:avLst/>
+          </a:prstGeom>
+          <a:solidFill>
+            <a:srgbClr val="92B1D6"/>
+          </a:solidFill>
+          <a:ln>
+            <a:solidFill>
+              <a:schemeClr val="tx1"/>
+            </a:solidFill>
+          </a:ln>
+        </p:spPr>
+        <p:style>
+          <a:lnRef idx="2">
+            <a:schemeClr val="accent1">
+              <a:shade val="50000"/>
+            </a:schemeClr>
+          </a:lnRef>
+          <a:fillRef idx="1">
+            <a:schemeClr val="accent1"/>
+          </a:fillRef>
+          <a:effectRef idx="0">
+            <a:schemeClr val="accent1"/>
+          </a:effectRef>
+          <a:fontRef idx="minor">
+            <a:schemeClr val="lt1"/>
+          </a:fontRef>
+        </p:style>
+        <p:txBody>
+          <a:bodyPr rtlCol="0" anchor="ctr"/>
+          <a:lstStyle/>
+          <a:p>
+            <a:pPr algn="ctr"/>
+            <a:r>
+              <a:rPr lang="en-US" altLang="ko-KR" sz="2400" b="1" dirty="0">
+                <a:solidFill>
+                  <a:sysClr val="windowText" lastClr="000000"/>
+                </a:solidFill>
+              </a:rPr>
+              <a:t>71</a:t>
+            </a:r>
+            <a:endParaRPr lang="ko-KR" altLang="en-US" sz="2400" b="1" dirty="0">
+              <a:solidFill>
+                <a:sysClr val="windowText" lastClr="000000"/>
+              </a:solidFill>
+            </a:endParaRPr>
+          </a:p>
+        </p:txBody>
+      </p:sp>
+      <p:sp>
+        <p:nvSpPr>
+          <p:cNvPr id="14" name="타원 13"/>
+          <p:cNvSpPr/>
+          <p:nvPr/>
+        </p:nvSpPr>
+        <p:spPr>
+          <a:xfrm>
+            <a:off x="8100392" y="2102382"/>
+            <a:ext cx="831273" cy="831273"/>
+          </a:xfrm>
+          <a:prstGeom prst="ellipse">
+            <a:avLst/>
+          </a:prstGeom>
+          <a:solidFill>
+            <a:srgbClr val="92B1D6"/>
+          </a:solidFill>
+          <a:ln>
+            <a:solidFill>
+              <a:schemeClr val="tx1"/>
+            </a:solidFill>
+          </a:ln>
+        </p:spPr>
+        <p:style>
+          <a:lnRef idx="2">
+            <a:schemeClr val="accent1">
+              <a:shade val="50000"/>
+            </a:schemeClr>
+          </a:lnRef>
+          <a:fillRef idx="1">
+            <a:schemeClr val="accent1"/>
+          </a:fillRef>
+          <a:effectRef idx="0">
+            <a:schemeClr val="accent1"/>
+          </a:effectRef>
+          <a:fontRef idx="minor">
+            <a:schemeClr val="lt1"/>
+          </a:fontRef>
+        </p:style>
+        <p:txBody>
+          <a:bodyPr rtlCol="0" anchor="ctr"/>
+          <a:lstStyle/>
+          <a:p>
+            <a:pPr algn="ctr"/>
+            <a:r>
+              <a:rPr lang="en-US" altLang="ko-KR" sz="2400" b="1" dirty="0">
+                <a:solidFill>
+                  <a:sysClr val="windowText" lastClr="000000"/>
+                </a:solidFill>
+              </a:rPr>
+              <a:t>42</a:t>
+            </a:r>
+            <a:endParaRPr lang="ko-KR" altLang="en-US" sz="2400" b="1" dirty="0">
+              <a:solidFill>
+                <a:sysClr val="windowText" lastClr="000000"/>
+              </a:solidFill>
+            </a:endParaRPr>
+          </a:p>
+        </p:txBody>
+      </p:sp>
+      <p:sp>
+        <p:nvSpPr>
+          <p:cNvPr id="16" name="TextBox 15"/>
+          <p:cNvSpPr txBox="1"/>
+          <p:nvPr/>
+        </p:nvSpPr>
+        <p:spPr>
+          <a:xfrm>
+            <a:off x="1187624" y="1437898"/>
+            <a:ext cx="1835374" cy="584775"/>
+          </a:xfrm>
+          <a:prstGeom prst="rect">
+            <a:avLst/>
+          </a:prstGeom>
+          <a:noFill/>
+        </p:spPr>
+        <p:txBody>
+          <a:bodyPr wrap="none" rtlCol="0">
+            <a:spAutoFit/>
+          </a:bodyPr>
+          <a:lstStyle/>
+          <a:p>
+            <a:r>
+              <a:rPr lang="en-US" altLang="ko-KR" sz="3200" b="1" dirty="0">
+                <a:solidFill>
+                  <a:srgbClr val="F94545"/>
+                </a:solidFill>
+              </a:rPr>
+              <a:t>Group</a:t>
+            </a:r>
+            <a:r>
+              <a:rPr lang="ko-KR" altLang="en-US" sz="3200" b="1" dirty="0">
+                <a:solidFill>
+                  <a:srgbClr val="F94545"/>
+                </a:solidFill>
+              </a:rPr>
+              <a:t> </a:t>
+            </a:r>
+            <a:r>
+              <a:rPr lang="en-US" altLang="ko-KR" sz="3200" b="1" dirty="0">
+                <a:solidFill>
+                  <a:srgbClr val="F94545"/>
+                </a:solidFill>
+              </a:rPr>
+              <a:t>A</a:t>
+            </a:r>
+            <a:endParaRPr lang="ko-KR" altLang="en-US" sz="3200" b="1" dirty="0">
+              <a:solidFill>
+                <a:srgbClr val="F94545"/>
+              </a:solidFill>
+            </a:endParaRPr>
+          </a:p>
+        </p:txBody>
+      </p:sp>
+      <p:sp>
+        <p:nvSpPr>
+          <p:cNvPr id="17" name="TextBox 16"/>
+          <p:cNvSpPr txBox="1"/>
+          <p:nvPr/>
+        </p:nvSpPr>
+        <p:spPr>
+          <a:xfrm>
+            <a:off x="5644196" y="1437898"/>
+            <a:ext cx="1808124" cy="584775"/>
+          </a:xfrm>
+          <a:prstGeom prst="rect">
+            <a:avLst/>
+          </a:prstGeom>
+          <a:noFill/>
+        </p:spPr>
+        <p:txBody>
+          <a:bodyPr wrap="none" rtlCol="0">
+            <a:spAutoFit/>
+          </a:bodyPr>
+          <a:lstStyle/>
+          <a:p>
+            <a:r>
+              <a:rPr lang="en-US" altLang="ko-KR" sz="3200" b="1" dirty="0">
+                <a:solidFill>
+                  <a:schemeClr val="accent1"/>
+                </a:solidFill>
+              </a:rPr>
+              <a:t>Group</a:t>
+            </a:r>
+            <a:r>
+              <a:rPr lang="ko-KR" altLang="en-US" sz="3200" b="1" dirty="0">
+                <a:solidFill>
+                  <a:schemeClr val="accent1"/>
+                </a:solidFill>
+              </a:rPr>
+              <a:t> </a:t>
+            </a:r>
+            <a:r>
+              <a:rPr lang="en-US" altLang="ko-KR" sz="3200" b="1" dirty="0">
+                <a:solidFill>
+                  <a:schemeClr val="accent1"/>
+                </a:solidFill>
+              </a:rPr>
+              <a:t>B</a:t>
+            </a:r>
+            <a:endParaRPr lang="ko-KR" altLang="en-US" sz="3200" b="1" dirty="0">
+              <a:solidFill>
+                <a:schemeClr val="accent1"/>
+              </a:solidFill>
+            </a:endParaRPr>
+          </a:p>
+        </p:txBody>
+      </p:sp>
+      <p:sp>
+        <p:nvSpPr>
+          <p:cNvPr id="18" name="TextBox 17"/>
+          <p:cNvSpPr txBox="1"/>
+          <p:nvPr/>
+        </p:nvSpPr>
+        <p:spPr>
+          <a:xfrm>
+            <a:off x="971600" y="3094082"/>
+            <a:ext cx="2313454" cy="584775"/>
+          </a:xfrm>
+          <a:prstGeom prst="rect">
+            <a:avLst/>
+          </a:prstGeom>
+          <a:noFill/>
+        </p:spPr>
+        <p:txBody>
+          <a:bodyPr wrap="none" rtlCol="0">
+            <a:spAutoFit/>
+          </a:bodyPr>
+          <a:lstStyle/>
+          <a:p>
+            <a:r>
+              <a:rPr lang="ko-KR" altLang="en-US" sz="3200" b="1" dirty="0">
+                <a:solidFill>
+                  <a:srgbClr val="F94545"/>
+                </a:solidFill>
+              </a:rPr>
+              <a:t>평균</a:t>
+            </a:r>
+            <a:r>
+              <a:rPr lang="en-US" altLang="ko-KR" sz="3200" b="1" dirty="0">
+                <a:solidFill>
+                  <a:srgbClr val="F94545"/>
+                </a:solidFill>
+              </a:rPr>
+              <a:t>: 61.50</a:t>
+            </a:r>
+            <a:endParaRPr lang="ko-KR" altLang="en-US" sz="3200" b="1" dirty="0">
+              <a:solidFill>
+                <a:srgbClr val="F94545"/>
+              </a:solidFill>
+            </a:endParaRPr>
+          </a:p>
+        </p:txBody>
+      </p:sp>
+      <p:sp>
+        <p:nvSpPr>
+          <p:cNvPr id="19" name="TextBox 18"/>
+          <p:cNvSpPr txBox="1"/>
+          <p:nvPr/>
+        </p:nvSpPr>
+        <p:spPr>
+          <a:xfrm>
+            <a:off x="5426898" y="3094081"/>
+            <a:ext cx="2313454" cy="584775"/>
+          </a:xfrm>
+          <a:prstGeom prst="rect">
+            <a:avLst/>
+          </a:prstGeom>
+          <a:noFill/>
+        </p:spPr>
+        <p:txBody>
+          <a:bodyPr wrap="none" rtlCol="0">
+            <a:spAutoFit/>
+          </a:bodyPr>
+          <a:lstStyle/>
+          <a:p>
+            <a:r>
+              <a:rPr lang="ko-KR" altLang="en-US" sz="3200" b="1" dirty="0">
+                <a:solidFill>
+                  <a:schemeClr val="accent1"/>
+                </a:solidFill>
+              </a:rPr>
+              <a:t>평균</a:t>
+            </a:r>
+            <a:r>
+              <a:rPr lang="en-US" altLang="ko-KR" sz="3200" b="1" dirty="0">
+                <a:solidFill>
+                  <a:schemeClr val="accent1"/>
+                </a:solidFill>
+              </a:rPr>
+              <a:t>: 51.20</a:t>
+            </a:r>
+            <a:endParaRPr lang="ko-KR" altLang="en-US" sz="3200" b="1" dirty="0">
+              <a:solidFill>
+                <a:schemeClr val="accent1"/>
+              </a:solidFill>
+            </a:endParaRPr>
+          </a:p>
+        </p:txBody>
+      </p:sp>
+      <p:sp>
+        <p:nvSpPr>
+          <p:cNvPr id="20" name="TextBox 19"/>
+          <p:cNvSpPr txBox="1"/>
+          <p:nvPr/>
+        </p:nvSpPr>
+        <p:spPr>
+          <a:xfrm>
+            <a:off x="243732" y="3958178"/>
+            <a:ext cx="8656537" cy="584775"/>
+          </a:xfrm>
+          <a:prstGeom prst="rect">
+            <a:avLst/>
+          </a:prstGeom>
+          <a:noFill/>
+        </p:spPr>
+        <p:txBody>
+          <a:bodyPr wrap="none" rtlCol="0">
+            <a:spAutoFit/>
+          </a:bodyPr>
+          <a:lstStyle/>
+          <a:p>
+            <a:r>
+              <a:rPr lang="en-US" altLang="ko-KR" sz="3200" b="1" dirty="0">
+                <a:sym typeface="Wingdings" pitchFamily="2" charset="2"/>
+              </a:rPr>
+              <a:t> </a:t>
+            </a:r>
+            <a:r>
+              <a:rPr lang="ko-KR" altLang="en-US" sz="3200" b="1" dirty="0"/>
+              <a:t>각 그룹의 평균 차이</a:t>
+            </a:r>
+            <a:r>
+              <a:rPr lang="en-US" altLang="ko-KR" sz="3200" b="1" dirty="0"/>
+              <a:t>: </a:t>
+            </a:r>
+            <a:r>
+              <a:rPr lang="en-US" altLang="ko-KR" sz="3200" b="1" dirty="0">
+                <a:solidFill>
+                  <a:srgbClr val="F94545"/>
+                </a:solidFill>
+              </a:rPr>
+              <a:t>61.50</a:t>
+            </a:r>
+            <a:r>
+              <a:rPr lang="en-US" altLang="ko-KR" sz="3200" b="1" dirty="0"/>
+              <a:t>-</a:t>
+            </a:r>
+            <a:r>
+              <a:rPr lang="en-US" altLang="ko-KR" sz="3200" b="1" dirty="0">
+                <a:solidFill>
+                  <a:srgbClr val="92B1D6"/>
+                </a:solidFill>
+              </a:rPr>
+              <a:t>51.20</a:t>
+            </a:r>
+            <a:r>
+              <a:rPr lang="en-US" altLang="ko-KR" sz="3200" b="1" dirty="0"/>
+              <a:t> = 10.30</a:t>
+            </a:r>
+            <a:endParaRPr lang="ko-KR" altLang="en-US" sz="3200" b="1" dirty="0"/>
+          </a:p>
+        </p:txBody>
+      </p:sp>
+    </p:spTree>
+    <p:extLst>
+      <p:ext uri="{BB962C8B-B14F-4D97-AF65-F5344CB8AC3E}">
+        <p14:creationId xmlns:p14="http://schemas.microsoft.com/office/powerpoint/2010/main" val="3650947820"/>
+      </p:ext>
+    </p:extLst>
+  </p:cSld>
+  <p:clrMapOvr>
+    <a:masterClrMapping/>
+  </p:clrMapOvr>
+</p:sld>
+</file>
+
+<file path=ppt/slides/slide6.xml><?xml version="1.0" encoding="utf-8"?>
+<p:sld xmlns:a="http://schemas.openxmlformats.org/drawingml/2006/main" xmlns:r="http://schemas.openxmlformats.org/officeDocument/2006/relationships" xmlns:p="http://schemas.openxmlformats.org/presentationml/2006/main">
+  <p:cSld>
+    <p:spTree>
+      <p:nvGrpSpPr>
+        <p:cNvPr id="1" name=""/>
+        <p:cNvGrpSpPr/>
+        <p:nvPr/>
+      </p:nvGrpSpPr>
+      <p:grpSpPr>
+        <a:xfrm>
+          <a:off x="0" y="0"/>
+          <a:ext cx="0" cy="0"/>
+          <a:chOff x="0" y="0"/>
+          <a:chExt cx="0" cy="0"/>
+        </a:xfrm>
+      </p:grpSpPr>
+      <p:sp>
+        <p:nvSpPr>
+          <p:cNvPr id="6" name="타원 5"/>
+          <p:cNvSpPr/>
+          <p:nvPr/>
+        </p:nvSpPr>
+        <p:spPr>
+          <a:xfrm>
+            <a:off x="212335" y="2102382"/>
+            <a:ext cx="831273" cy="831273"/>
+          </a:xfrm>
+          <a:prstGeom prst="ellipse">
+            <a:avLst/>
+          </a:prstGeom>
+          <a:solidFill>
+            <a:srgbClr val="F94545"/>
+          </a:solidFill>
+          <a:ln>
+            <a:solidFill>
+              <a:schemeClr val="tx1"/>
+            </a:solidFill>
+          </a:ln>
+        </p:spPr>
+        <p:style>
+          <a:lnRef idx="2">
+            <a:schemeClr val="accent1">
+              <a:shade val="50000"/>
+            </a:schemeClr>
+          </a:lnRef>
+          <a:fillRef idx="1">
+            <a:schemeClr val="accent1"/>
+          </a:fillRef>
+          <a:effectRef idx="0">
+            <a:schemeClr val="accent1"/>
+          </a:effectRef>
+          <a:fontRef idx="minor">
+            <a:schemeClr val="lt1"/>
+          </a:fontRef>
+        </p:style>
+        <p:txBody>
+          <a:bodyPr rtlCol="0" anchor="ctr"/>
+          <a:lstStyle/>
+          <a:p>
+            <a:pPr algn="ctr"/>
+            <a:r>
+              <a:rPr lang="en-US" altLang="ko-KR" sz="2400" b="1" dirty="0">
+                <a:solidFill>
+                  <a:sysClr val="windowText" lastClr="000000"/>
+                </a:solidFill>
+              </a:rPr>
+              <a:t>58</a:t>
+            </a:r>
+            <a:endParaRPr lang="ko-KR" altLang="en-US" sz="2400" b="1" dirty="0">
+              <a:solidFill>
+                <a:sysClr val="windowText" lastClr="000000"/>
+              </a:solidFill>
+            </a:endParaRPr>
+          </a:p>
+        </p:txBody>
+      </p:sp>
+      <p:sp>
+        <p:nvSpPr>
+          <p:cNvPr id="7" name="타원 6"/>
+          <p:cNvSpPr/>
+          <p:nvPr/>
+        </p:nvSpPr>
+        <p:spPr>
+          <a:xfrm>
+            <a:off x="1198342" y="2102382"/>
+            <a:ext cx="831273" cy="831273"/>
+          </a:xfrm>
+          <a:prstGeom prst="ellipse">
+            <a:avLst/>
+          </a:prstGeom>
+          <a:solidFill>
+            <a:srgbClr val="F94545"/>
+          </a:solidFill>
+          <a:ln>
+            <a:solidFill>
+              <a:schemeClr val="tx1"/>
+            </a:solidFill>
+          </a:ln>
+        </p:spPr>
+        <p:style>
+          <a:lnRef idx="2">
+            <a:schemeClr val="accent1">
+              <a:shade val="50000"/>
+            </a:schemeClr>
+          </a:lnRef>
+          <a:fillRef idx="1">
+            <a:schemeClr val="accent1"/>
+          </a:fillRef>
+          <a:effectRef idx="0">
+            <a:schemeClr val="accent1"/>
+          </a:effectRef>
+          <a:fontRef idx="minor">
+            <a:schemeClr val="lt1"/>
+          </a:fontRef>
+        </p:style>
+        <p:txBody>
+          <a:bodyPr rtlCol="0" anchor="ctr"/>
+          <a:lstStyle/>
+          <a:p>
+            <a:pPr algn="ctr"/>
+            <a:r>
+              <a:rPr lang="en-US" altLang="ko-KR" sz="2400" b="1" dirty="0">
+                <a:solidFill>
+                  <a:sysClr val="windowText" lastClr="000000"/>
+                </a:solidFill>
+              </a:rPr>
+              <a:t>69</a:t>
+            </a:r>
+            <a:endParaRPr lang="ko-KR" altLang="en-US" sz="2400" b="1" dirty="0">
+              <a:solidFill>
+                <a:sysClr val="windowText" lastClr="000000"/>
+              </a:solidFill>
+            </a:endParaRPr>
+          </a:p>
+        </p:txBody>
+      </p:sp>
+      <p:sp>
+        <p:nvSpPr>
+          <p:cNvPr id="8" name="타원 7"/>
+          <p:cNvSpPr/>
+          <p:nvPr/>
+        </p:nvSpPr>
+        <p:spPr>
+          <a:xfrm>
+            <a:off x="2184349" y="2102382"/>
+            <a:ext cx="831273" cy="831273"/>
+          </a:xfrm>
+          <a:prstGeom prst="ellipse">
+            <a:avLst/>
+          </a:prstGeom>
+          <a:solidFill>
+            <a:srgbClr val="F94545"/>
+          </a:solidFill>
+          <a:ln>
+            <a:solidFill>
+              <a:schemeClr val="tx1"/>
+            </a:solidFill>
+          </a:ln>
+        </p:spPr>
+        <p:style>
+          <a:lnRef idx="2">
+            <a:schemeClr val="accent1">
+              <a:shade val="50000"/>
+            </a:schemeClr>
+          </a:lnRef>
+          <a:fillRef idx="1">
+            <a:schemeClr val="accent1"/>
+          </a:fillRef>
+          <a:effectRef idx="0">
+            <a:schemeClr val="accent1"/>
+          </a:effectRef>
+          <a:fontRef idx="minor">
+            <a:schemeClr val="lt1"/>
+          </a:fontRef>
+        </p:style>
+        <p:txBody>
+          <a:bodyPr rtlCol="0" anchor="ctr"/>
+          <a:lstStyle/>
+          <a:p>
+            <a:pPr algn="ctr"/>
+            <a:r>
+              <a:rPr lang="en-US" altLang="ko-KR" sz="2400" b="1" dirty="0">
+                <a:solidFill>
+                  <a:sysClr val="windowText" lastClr="000000"/>
+                </a:solidFill>
+              </a:rPr>
+              <a:t>64</a:t>
+            </a:r>
+            <a:endParaRPr lang="ko-KR" altLang="en-US" sz="2400" b="1" dirty="0">
+              <a:solidFill>
+                <a:sysClr val="windowText" lastClr="000000"/>
+              </a:solidFill>
+            </a:endParaRPr>
+          </a:p>
+        </p:txBody>
+      </p:sp>
+      <p:sp>
+        <p:nvSpPr>
+          <p:cNvPr id="9" name="타원 8"/>
+          <p:cNvSpPr/>
+          <p:nvPr/>
+        </p:nvSpPr>
+        <p:spPr>
+          <a:xfrm>
+            <a:off x="3170356" y="2102382"/>
+            <a:ext cx="831273" cy="831273"/>
+          </a:xfrm>
+          <a:prstGeom prst="ellipse">
+            <a:avLst/>
+          </a:prstGeom>
+          <a:solidFill>
+            <a:srgbClr val="F94545"/>
+          </a:solidFill>
+          <a:ln>
+            <a:solidFill>
+              <a:schemeClr val="tx1"/>
+            </a:solidFill>
+          </a:ln>
+        </p:spPr>
+        <p:style>
+          <a:lnRef idx="2">
+            <a:schemeClr val="accent1">
+              <a:shade val="50000"/>
+            </a:schemeClr>
+          </a:lnRef>
+          <a:fillRef idx="1">
+            <a:schemeClr val="accent1"/>
+          </a:fillRef>
+          <a:effectRef idx="0">
+            <a:schemeClr val="accent1"/>
+          </a:effectRef>
+          <a:fontRef idx="minor">
+            <a:schemeClr val="lt1"/>
+          </a:fontRef>
+        </p:style>
+        <p:txBody>
+          <a:bodyPr rtlCol="0" anchor="ctr"/>
+          <a:lstStyle/>
+          <a:p>
+            <a:pPr algn="ctr"/>
+            <a:r>
+              <a:rPr lang="en-US" altLang="ko-KR" sz="2400" b="1" dirty="0">
+                <a:solidFill>
+                  <a:sysClr val="windowText" lastClr="000000"/>
+                </a:solidFill>
+              </a:rPr>
+              <a:t>55</a:t>
+            </a:r>
+            <a:endParaRPr lang="ko-KR" altLang="en-US" sz="2400" b="1" dirty="0">
+              <a:solidFill>
+                <a:sysClr val="windowText" lastClr="000000"/>
+              </a:solidFill>
+            </a:endParaRPr>
+          </a:p>
+        </p:txBody>
+      </p:sp>
+      <p:sp>
+        <p:nvSpPr>
+          <p:cNvPr id="10" name="타원 9"/>
+          <p:cNvSpPr/>
+          <p:nvPr/>
+        </p:nvSpPr>
+        <p:spPr>
+          <a:xfrm>
+            <a:off x="4156363" y="2102382"/>
+            <a:ext cx="831273" cy="831273"/>
+          </a:xfrm>
+          <a:prstGeom prst="ellipse">
+            <a:avLst/>
+          </a:prstGeom>
+          <a:solidFill>
+            <a:srgbClr val="92B1D6"/>
+          </a:solidFill>
+          <a:ln>
+            <a:solidFill>
+              <a:schemeClr val="tx1"/>
+            </a:solidFill>
+          </a:ln>
+        </p:spPr>
+        <p:style>
+          <a:lnRef idx="2">
+            <a:schemeClr val="accent1">
+              <a:shade val="50000"/>
+            </a:schemeClr>
+          </a:lnRef>
+          <a:fillRef idx="1">
+            <a:schemeClr val="accent1"/>
+          </a:fillRef>
+          <a:effectRef idx="0">
+            <a:schemeClr val="accent1"/>
+          </a:effectRef>
+          <a:fontRef idx="minor">
+            <a:schemeClr val="lt1"/>
+          </a:fontRef>
+        </p:style>
+        <p:txBody>
+          <a:bodyPr rtlCol="0" anchor="ctr"/>
+          <a:lstStyle/>
+          <a:p>
+            <a:pPr algn="ctr"/>
+            <a:r>
+              <a:rPr lang="en-US" altLang="ko-KR" sz="2400" b="1" dirty="0">
+                <a:solidFill>
+                  <a:sysClr val="windowText" lastClr="000000"/>
+                </a:solidFill>
+              </a:rPr>
+              <a:t>51</a:t>
+            </a:r>
+            <a:endParaRPr lang="ko-KR" altLang="en-US" sz="2400" b="1" dirty="0">
+              <a:solidFill>
+                <a:sysClr val="windowText" lastClr="000000"/>
+              </a:solidFill>
+            </a:endParaRPr>
+          </a:p>
+        </p:txBody>
+      </p:sp>
+      <p:sp>
+        <p:nvSpPr>
+          <p:cNvPr id="11" name="타원 10"/>
+          <p:cNvSpPr/>
+          <p:nvPr/>
+        </p:nvSpPr>
+        <p:spPr>
+          <a:xfrm>
+            <a:off x="5142370" y="2102382"/>
+            <a:ext cx="831273" cy="831273"/>
+          </a:xfrm>
+          <a:prstGeom prst="ellipse">
+            <a:avLst/>
+          </a:prstGeom>
+          <a:solidFill>
+            <a:srgbClr val="92B1D6"/>
+          </a:solidFill>
+          <a:ln>
+            <a:solidFill>
+              <a:schemeClr val="tx1"/>
+            </a:solidFill>
+          </a:ln>
+        </p:spPr>
+        <p:style>
+          <a:lnRef idx="2">
+            <a:schemeClr val="accent1">
+              <a:shade val="50000"/>
+            </a:schemeClr>
+          </a:lnRef>
+          <a:fillRef idx="1">
+            <a:schemeClr val="accent1"/>
+          </a:fillRef>
+          <a:effectRef idx="0">
+            <a:schemeClr val="accent1"/>
+          </a:effectRef>
+          <a:fontRef idx="minor">
+            <a:schemeClr val="lt1"/>
+          </a:fontRef>
+        </p:style>
+        <p:txBody>
+          <a:bodyPr rtlCol="0" anchor="ctr"/>
+          <a:lstStyle/>
+          <a:p>
+            <a:pPr algn="ctr"/>
+            <a:r>
+              <a:rPr lang="en-US" altLang="ko-KR" sz="2400" b="1" dirty="0">
+                <a:solidFill>
+                  <a:sysClr val="windowText" lastClr="000000"/>
+                </a:solidFill>
+              </a:rPr>
+              <a:t>41</a:t>
+            </a:r>
+            <a:endParaRPr lang="ko-KR" altLang="en-US" sz="2400" b="1" dirty="0">
+              <a:solidFill>
+                <a:sysClr val="windowText" lastClr="000000"/>
+              </a:solidFill>
+            </a:endParaRPr>
+          </a:p>
+        </p:txBody>
+      </p:sp>
+      <p:sp>
+        <p:nvSpPr>
+          <p:cNvPr id="12" name="타원 11"/>
+          <p:cNvSpPr/>
+          <p:nvPr/>
+        </p:nvSpPr>
+        <p:spPr>
+          <a:xfrm>
+            <a:off x="6128377" y="2102382"/>
+            <a:ext cx="831273" cy="831273"/>
+          </a:xfrm>
+          <a:prstGeom prst="ellipse">
+            <a:avLst/>
+          </a:prstGeom>
+          <a:solidFill>
+            <a:srgbClr val="92B1D6"/>
+          </a:solidFill>
+          <a:ln>
+            <a:solidFill>
+              <a:schemeClr val="tx1"/>
+            </a:solidFill>
+          </a:ln>
+        </p:spPr>
+        <p:style>
+          <a:lnRef idx="2">
+            <a:schemeClr val="accent1">
+              <a:shade val="50000"/>
+            </a:schemeClr>
+          </a:lnRef>
+          <a:fillRef idx="1">
+            <a:schemeClr val="accent1"/>
+          </a:fillRef>
+          <a:effectRef idx="0">
+            <a:schemeClr val="accent1"/>
+          </a:effectRef>
+          <a:fontRef idx="minor">
+            <a:schemeClr val="lt1"/>
+          </a:fontRef>
+        </p:style>
+        <p:txBody>
+          <a:bodyPr rtlCol="0" anchor="ctr"/>
+          <a:lstStyle/>
+          <a:p>
+            <a:pPr algn="ctr"/>
+            <a:r>
+              <a:rPr lang="en-US" altLang="ko-KR" sz="2400" b="1" dirty="0">
+                <a:solidFill>
+                  <a:sysClr val="windowText" lastClr="000000"/>
+                </a:solidFill>
+              </a:rPr>
+              <a:t>51</a:t>
+            </a:r>
+            <a:endParaRPr lang="ko-KR" altLang="en-US" sz="2400" b="1" dirty="0">
+              <a:solidFill>
+                <a:sysClr val="windowText" lastClr="000000"/>
+              </a:solidFill>
+            </a:endParaRPr>
+          </a:p>
+        </p:txBody>
+      </p:sp>
+      <p:sp>
+        <p:nvSpPr>
+          <p:cNvPr id="13" name="타원 12"/>
+          <p:cNvSpPr/>
+          <p:nvPr/>
+        </p:nvSpPr>
+        <p:spPr>
+          <a:xfrm>
+            <a:off x="7114384" y="2102382"/>
+            <a:ext cx="831273" cy="831273"/>
+          </a:xfrm>
+          <a:prstGeom prst="ellipse">
+            <a:avLst/>
+          </a:prstGeom>
+          <a:solidFill>
+            <a:srgbClr val="92B1D6"/>
+          </a:solidFill>
+          <a:ln>
+            <a:solidFill>
+              <a:schemeClr val="tx1"/>
+            </a:solidFill>
+          </a:ln>
+        </p:spPr>
+        <p:style>
+          <a:lnRef idx="2">
+            <a:schemeClr val="accent1">
+              <a:shade val="50000"/>
+            </a:schemeClr>
+          </a:lnRef>
+          <a:fillRef idx="1">
+            <a:schemeClr val="accent1"/>
+          </a:fillRef>
+          <a:effectRef idx="0">
+            <a:schemeClr val="accent1"/>
+          </a:effectRef>
+          <a:fontRef idx="minor">
+            <a:schemeClr val="lt1"/>
+          </a:fontRef>
+        </p:style>
+        <p:txBody>
+          <a:bodyPr rtlCol="0" anchor="ctr"/>
+          <a:lstStyle/>
+          <a:p>
+            <a:pPr algn="ctr"/>
+            <a:r>
+              <a:rPr lang="en-US" altLang="ko-KR" sz="2400" b="1" dirty="0">
+                <a:solidFill>
+                  <a:sysClr val="windowText" lastClr="000000"/>
+                </a:solidFill>
+              </a:rPr>
+              <a:t>71</a:t>
+            </a:r>
+            <a:endParaRPr lang="ko-KR" altLang="en-US" sz="2400" b="1" dirty="0">
+              <a:solidFill>
+                <a:sysClr val="windowText" lastClr="000000"/>
+              </a:solidFill>
+            </a:endParaRPr>
+          </a:p>
+        </p:txBody>
+      </p:sp>
+      <p:sp>
+        <p:nvSpPr>
+          <p:cNvPr id="14" name="타원 13"/>
+          <p:cNvSpPr/>
+          <p:nvPr/>
+        </p:nvSpPr>
+        <p:spPr>
+          <a:xfrm>
+            <a:off x="8100392" y="2102382"/>
+            <a:ext cx="831273" cy="831273"/>
+          </a:xfrm>
+          <a:prstGeom prst="ellipse">
+            <a:avLst/>
+          </a:prstGeom>
+          <a:solidFill>
+            <a:srgbClr val="92B1D6"/>
+          </a:solidFill>
+          <a:ln>
+            <a:solidFill>
+              <a:schemeClr val="tx1"/>
+            </a:solidFill>
+          </a:ln>
+        </p:spPr>
+        <p:style>
+          <a:lnRef idx="2">
+            <a:schemeClr val="accent1">
+              <a:shade val="50000"/>
+            </a:schemeClr>
+          </a:lnRef>
+          <a:fillRef idx="1">
+            <a:schemeClr val="accent1"/>
+          </a:fillRef>
+          <a:effectRef idx="0">
+            <a:schemeClr val="accent1"/>
+          </a:effectRef>
+          <a:fontRef idx="minor">
+            <a:schemeClr val="lt1"/>
+          </a:fontRef>
+        </p:style>
+        <p:txBody>
+          <a:bodyPr rtlCol="0" anchor="ctr"/>
+          <a:lstStyle/>
+          <a:p>
+            <a:pPr algn="ctr"/>
+            <a:r>
+              <a:rPr lang="en-US" altLang="ko-KR" sz="2400" b="1" dirty="0">
+                <a:solidFill>
+                  <a:sysClr val="windowText" lastClr="000000"/>
+                </a:solidFill>
+              </a:rPr>
+              <a:t>42</a:t>
+            </a:r>
+            <a:endParaRPr lang="ko-KR" altLang="en-US" sz="2400" b="1" dirty="0">
+              <a:solidFill>
+                <a:sysClr val="windowText" lastClr="000000"/>
+              </a:solidFill>
+            </a:endParaRPr>
+          </a:p>
+        </p:txBody>
+      </p:sp>
+      <p:sp>
+        <p:nvSpPr>
+          <p:cNvPr id="16" name="TextBox 15"/>
+          <p:cNvSpPr txBox="1"/>
+          <p:nvPr/>
+        </p:nvSpPr>
+        <p:spPr>
+          <a:xfrm>
+            <a:off x="1187624" y="1437898"/>
+            <a:ext cx="1835374" cy="584775"/>
+          </a:xfrm>
+          <a:prstGeom prst="rect">
+            <a:avLst/>
+          </a:prstGeom>
+          <a:noFill/>
+        </p:spPr>
+        <p:txBody>
+          <a:bodyPr wrap="none" rtlCol="0">
+            <a:spAutoFit/>
+          </a:bodyPr>
+          <a:lstStyle/>
+          <a:p>
+            <a:r>
+              <a:rPr lang="en-US" altLang="ko-KR" sz="3200" b="1" dirty="0">
+                <a:solidFill>
+                  <a:srgbClr val="F94545"/>
+                </a:solidFill>
+              </a:rPr>
+              <a:t>Group</a:t>
+            </a:r>
+            <a:r>
+              <a:rPr lang="ko-KR" altLang="en-US" sz="3200" b="1" dirty="0">
+                <a:solidFill>
+                  <a:srgbClr val="F94545"/>
+                </a:solidFill>
+              </a:rPr>
+              <a:t> </a:t>
+            </a:r>
+            <a:r>
+              <a:rPr lang="en-US" altLang="ko-KR" sz="3200" b="1" dirty="0">
+                <a:solidFill>
+                  <a:srgbClr val="F94545"/>
+                </a:solidFill>
+              </a:rPr>
+              <a:t>A</a:t>
+            </a:r>
+            <a:endParaRPr lang="ko-KR" altLang="en-US" sz="3200" b="1" dirty="0">
+              <a:solidFill>
+                <a:srgbClr val="F94545"/>
+              </a:solidFill>
+            </a:endParaRPr>
+          </a:p>
+        </p:txBody>
+      </p:sp>
+      <p:sp>
+        <p:nvSpPr>
+          <p:cNvPr id="17" name="TextBox 16"/>
+          <p:cNvSpPr txBox="1"/>
+          <p:nvPr/>
+        </p:nvSpPr>
+        <p:spPr>
+          <a:xfrm>
+            <a:off x="5644196" y="1437898"/>
+            <a:ext cx="1808124" cy="584775"/>
+          </a:xfrm>
+          <a:prstGeom prst="rect">
+            <a:avLst/>
+          </a:prstGeom>
+          <a:noFill/>
+        </p:spPr>
+        <p:txBody>
+          <a:bodyPr wrap="none" rtlCol="0">
+            <a:spAutoFit/>
+          </a:bodyPr>
+          <a:lstStyle/>
+          <a:p>
+            <a:r>
+              <a:rPr lang="en-US" altLang="ko-KR" sz="3200" b="1" dirty="0">
+                <a:solidFill>
+                  <a:schemeClr val="accent1"/>
+                </a:solidFill>
+              </a:rPr>
+              <a:t>Group</a:t>
+            </a:r>
+            <a:r>
+              <a:rPr lang="ko-KR" altLang="en-US" sz="3200" b="1" dirty="0">
+                <a:solidFill>
+                  <a:schemeClr val="accent1"/>
+                </a:solidFill>
+              </a:rPr>
+              <a:t> </a:t>
+            </a:r>
+            <a:r>
+              <a:rPr lang="en-US" altLang="ko-KR" sz="3200" b="1" dirty="0">
+                <a:solidFill>
+                  <a:schemeClr val="accent1"/>
+                </a:solidFill>
+              </a:rPr>
+              <a:t>B</a:t>
+            </a:r>
+            <a:endParaRPr lang="ko-KR" altLang="en-US" sz="3200" b="1" dirty="0">
+              <a:solidFill>
+                <a:schemeClr val="accent1"/>
+              </a:solidFill>
+            </a:endParaRPr>
+          </a:p>
+        </p:txBody>
+      </p:sp>
+      <p:sp>
+        <p:nvSpPr>
+          <p:cNvPr id="18" name="TextBox 17"/>
+          <p:cNvSpPr txBox="1"/>
+          <p:nvPr/>
+        </p:nvSpPr>
+        <p:spPr>
+          <a:xfrm>
+            <a:off x="971600" y="3094082"/>
+            <a:ext cx="2569934" cy="584775"/>
+          </a:xfrm>
+          <a:prstGeom prst="rect">
+            <a:avLst/>
+          </a:prstGeom>
+          <a:noFill/>
+        </p:spPr>
+        <p:txBody>
+          <a:bodyPr wrap="none" rtlCol="0">
+            <a:spAutoFit/>
+          </a:bodyPr>
+          <a:lstStyle/>
+          <a:p>
+            <a:r>
+              <a:rPr lang="en-US" altLang="ko-KR" sz="3200" b="1" dirty="0">
+                <a:solidFill>
+                  <a:srgbClr val="F94545"/>
+                </a:solidFill>
+              </a:rPr>
+              <a:t>mean: 61.50</a:t>
+            </a:r>
+            <a:endParaRPr lang="ko-KR" altLang="en-US" sz="3200" b="1" dirty="0">
+              <a:solidFill>
+                <a:srgbClr val="F94545"/>
+              </a:solidFill>
+            </a:endParaRPr>
+          </a:p>
+        </p:txBody>
+      </p:sp>
+      <p:sp>
+        <p:nvSpPr>
+          <p:cNvPr id="19" name="TextBox 18"/>
+          <p:cNvSpPr txBox="1"/>
+          <p:nvPr/>
+        </p:nvSpPr>
+        <p:spPr>
+          <a:xfrm>
+            <a:off x="5426898" y="3094081"/>
+            <a:ext cx="2569934" cy="584775"/>
+          </a:xfrm>
+          <a:prstGeom prst="rect">
+            <a:avLst/>
+          </a:prstGeom>
+          <a:noFill/>
+        </p:spPr>
+        <p:txBody>
+          <a:bodyPr wrap="none" rtlCol="0">
+            <a:spAutoFit/>
+          </a:bodyPr>
+          <a:lstStyle/>
+          <a:p>
+            <a:r>
+              <a:rPr lang="en-US" altLang="ko-KR" sz="3200" b="1" dirty="0">
+                <a:solidFill>
+                  <a:schemeClr val="accent1"/>
+                </a:solidFill>
+              </a:rPr>
+              <a:t>mean: 51.20</a:t>
+            </a:r>
+            <a:endParaRPr lang="ko-KR" altLang="en-US" sz="3200" b="1" dirty="0">
+              <a:solidFill>
+                <a:schemeClr val="accent1"/>
+              </a:solidFill>
+            </a:endParaRPr>
+          </a:p>
+        </p:txBody>
+      </p:sp>
+      <p:sp>
+        <p:nvSpPr>
+          <p:cNvPr id="20" name="TextBox 19"/>
+          <p:cNvSpPr txBox="1"/>
+          <p:nvPr/>
+        </p:nvSpPr>
+        <p:spPr>
+          <a:xfrm>
+            <a:off x="864062" y="3958178"/>
+            <a:ext cx="7415876" cy="1077218"/>
+          </a:xfrm>
+          <a:prstGeom prst="rect">
+            <a:avLst/>
+          </a:prstGeom>
+          <a:noFill/>
+        </p:spPr>
+        <p:txBody>
+          <a:bodyPr wrap="none" rtlCol="0">
+            <a:spAutoFit/>
+          </a:bodyPr>
+          <a:lstStyle/>
+          <a:p>
+            <a:pPr marL="457200" indent="-457200">
+              <a:buFont typeface="Wingdings" panose="05000000000000000000" pitchFamily="2" charset="2"/>
+              <a:buChar char="è"/>
+            </a:pPr>
+            <a:r>
+              <a:rPr lang="en-US" altLang="ko-KR" sz="3200" b="1" dirty="0">
+                <a:sym typeface="Wingdings" pitchFamily="2" charset="2"/>
+              </a:rPr>
+              <a:t>Difference of mean of each group</a:t>
+            </a:r>
+            <a:r>
+              <a:rPr lang="en-US" altLang="ko-KR" sz="3200" b="1" dirty="0"/>
+              <a:t>:</a:t>
+            </a:r>
+          </a:p>
+          <a:p>
+            <a:pPr algn="ctr"/>
+            <a:r>
+              <a:rPr lang="en-US" altLang="ko-KR" sz="3200" b="1" dirty="0">
+                <a:solidFill>
+                  <a:srgbClr val="F94545"/>
+                </a:solidFill>
+              </a:rPr>
+              <a:t>61.50</a:t>
+            </a:r>
+            <a:r>
+              <a:rPr lang="en-US" altLang="ko-KR" sz="3200" b="1" dirty="0"/>
+              <a:t>-</a:t>
+            </a:r>
+            <a:r>
+              <a:rPr lang="en-US" altLang="ko-KR" sz="3200" b="1" dirty="0">
+                <a:solidFill>
+                  <a:srgbClr val="92B1D6"/>
+                </a:solidFill>
+              </a:rPr>
+              <a:t>51.20</a:t>
+            </a:r>
+            <a:r>
+              <a:rPr lang="en-US" altLang="ko-KR" sz="3200" b="1" dirty="0"/>
+              <a:t> = 10.30</a:t>
+            </a:r>
+            <a:endParaRPr lang="ko-KR" altLang="en-US" sz="3200" b="1" dirty="0"/>
+          </a:p>
+        </p:txBody>
+      </p:sp>
+    </p:spTree>
+    <p:extLst>
+      <p:ext uri="{BB962C8B-B14F-4D97-AF65-F5344CB8AC3E}">
+        <p14:creationId xmlns:p14="http://schemas.microsoft.com/office/powerpoint/2010/main" val="1471241058"/>
+      </p:ext>
+    </p:extLst>
+  </p:cSld>
+  <p:clrMapOvr>
+    <a:masterClrMapping/>
+  </p:clrMapOvr>
+</p:sld>
+</file>
+
+<file path=ppt/slides/slide7.xml><?xml version="1.0" encoding="utf-8"?>
+<p:sld xmlns:a="http://schemas.openxmlformats.org/drawingml/2006/main" xmlns:r="http://schemas.openxmlformats.org/officeDocument/2006/relationships" xmlns:p="http://schemas.openxmlformats.org/presentationml/2006/main">
+  <p:cSld>
+    <p:spTree>
+      <p:nvGrpSpPr>
+        <p:cNvPr id="1" name=""/>
+        <p:cNvGrpSpPr/>
+        <p:nvPr/>
+      </p:nvGrpSpPr>
+      <p:grpSpPr>
+        <a:xfrm>
+          <a:off x="0" y="0"/>
+          <a:ext cx="0" cy="0"/>
+          <a:chOff x="0" y="0"/>
+          <a:chExt cx="0" cy="0"/>
+        </a:xfrm>
+      </p:grpSpPr>
+      <p:pic>
+        <p:nvPicPr>
+          <p:cNvPr id="1031" name="Picture 7"/>
+          <p:cNvPicPr>
+            <a:picLocks noChangeAspect="1" noChangeArrowheads="1"/>
+          </p:cNvPicPr>
+          <p:nvPr/>
+        </p:nvPicPr>
+        <p:blipFill>
+          <a:blip r:embed="rId2">
+            <a:extLst>
+              <a:ext uri="{28A0092B-C50C-407E-A947-70E740481C1C}">
+                <a14:useLocalDpi xmlns:a14="http://schemas.microsoft.com/office/drawing/2010/main" val="0"/>
+              </a:ext>
+            </a:extLst>
+          </a:blip>
+          <a:srcRect/>
+          <a:stretch>
+            <a:fillRect/>
+          </a:stretch>
+        </p:blipFill>
+        <p:spPr bwMode="auto">
+          <a:xfrm>
+            <a:off x="519113" y="2828055"/>
+            <a:ext cx="8105775" cy="3990975"/>
+          </a:xfrm>
+          <a:prstGeom prst="rect">
+            <a:avLst/>
+          </a:prstGeom>
+          <a:noFill/>
+          <a:ln>
+            <a:noFill/>
+          </a:ln>
+          <a:effectLst/>
+          <a:extLst>
+            <a:ext uri="{909E8E84-426E-40DD-AFC4-6F175D3DCCD1}">
+              <a14:hiddenFill xmlns:a14="http://schemas.microsoft.com/office/drawing/2010/main">
+                <a:solidFill>
+                  <a:schemeClr val="accent1"/>
+                </a:solidFill>
+              </a14:hiddenFill>
+            </a:ext>
+            <a:ext uri="{91240B29-F687-4F45-9708-019B960494DF}">
+              <a14:hiddenLine xmlns:a14="http://schemas.microsoft.com/office/drawing/2010/main" w="9525">
+                <a:solidFill>
+                  <a:schemeClr val="tx1"/>
+                </a:solidFill>
+                <a:miter lim="800000"/>
+                <a:headEnd/>
+                <a:tailEnd/>
+              </a14:hiddenLine>
+            </a:ext>
+            <a:ext uri="{AF507438-7753-43E0-B8FC-AC1667EBCBE1}">
+              <a14:hiddenEffects xmlns:a14="http://schemas.microsoft.com/office/drawing/2010/main">
+                <a:effectLst>
+                  <a:outerShdw dist="35921" dir="2700000" algn="ctr" rotWithShape="0">
+                    <a:schemeClr val="bg2"/>
+                  </a:outerShdw>
+                </a:effectLst>
+              </a14:hiddenEffects>
+            </a:ext>
+          </a:extLst>
+        </p:spPr>
+      </p:pic>
+      <p:sp>
+        <p:nvSpPr>
+          <p:cNvPr id="6" name="타원 5"/>
+          <p:cNvSpPr/>
+          <p:nvPr/>
+        </p:nvSpPr>
+        <p:spPr>
+          <a:xfrm>
+            <a:off x="212335" y="836712"/>
+            <a:ext cx="831273" cy="831273"/>
+          </a:xfrm>
+          <a:prstGeom prst="ellipse">
+            <a:avLst/>
+          </a:prstGeom>
+          <a:solidFill>
+            <a:srgbClr val="F94545"/>
+          </a:solidFill>
+          <a:ln>
+            <a:solidFill>
+              <a:schemeClr val="tx1"/>
+            </a:solidFill>
+          </a:ln>
+        </p:spPr>
+        <p:style>
+          <a:lnRef idx="2">
+            <a:schemeClr val="accent1">
+              <a:shade val="50000"/>
+            </a:schemeClr>
+          </a:lnRef>
+          <a:fillRef idx="1">
+            <a:schemeClr val="accent1"/>
+          </a:fillRef>
+          <a:effectRef idx="0">
+            <a:schemeClr val="accent1"/>
+          </a:effectRef>
+          <a:fontRef idx="minor">
+            <a:schemeClr val="lt1"/>
+          </a:fontRef>
+        </p:style>
+        <p:txBody>
+          <a:bodyPr rtlCol="0" anchor="ctr"/>
+          <a:lstStyle/>
+          <a:p>
+            <a:pPr algn="ctr"/>
+            <a:r>
+              <a:rPr lang="en-US" altLang="ko-KR" sz="2400" b="1" dirty="0">
+                <a:solidFill>
+                  <a:sysClr val="windowText" lastClr="000000"/>
+                </a:solidFill>
+              </a:rPr>
+              <a:t>58</a:t>
+            </a:r>
+            <a:endParaRPr lang="ko-KR" altLang="en-US" sz="2400" b="1" dirty="0">
+              <a:solidFill>
+                <a:sysClr val="windowText" lastClr="000000"/>
+              </a:solidFill>
+            </a:endParaRPr>
+          </a:p>
+        </p:txBody>
+      </p:sp>
+      <p:sp>
+        <p:nvSpPr>
+          <p:cNvPr id="7" name="타원 6"/>
+          <p:cNvSpPr/>
+          <p:nvPr/>
+        </p:nvSpPr>
+        <p:spPr>
+          <a:xfrm>
+            <a:off x="1198342" y="836712"/>
+            <a:ext cx="831273" cy="831273"/>
+          </a:xfrm>
+          <a:prstGeom prst="ellipse">
+            <a:avLst/>
+          </a:prstGeom>
+          <a:solidFill>
+            <a:srgbClr val="F94545"/>
+          </a:solidFill>
+          <a:ln>
+            <a:solidFill>
+              <a:schemeClr val="tx1"/>
+            </a:solidFill>
+          </a:ln>
+        </p:spPr>
+        <p:style>
+          <a:lnRef idx="2">
+            <a:schemeClr val="accent1">
+              <a:shade val="50000"/>
+            </a:schemeClr>
+          </a:lnRef>
+          <a:fillRef idx="1">
+            <a:schemeClr val="accent1"/>
+          </a:fillRef>
+          <a:effectRef idx="0">
+            <a:schemeClr val="accent1"/>
+          </a:effectRef>
+          <a:fontRef idx="minor">
+            <a:schemeClr val="lt1"/>
+          </a:fontRef>
+        </p:style>
+        <p:txBody>
+          <a:bodyPr rtlCol="0" anchor="ctr"/>
+          <a:lstStyle/>
+          <a:p>
+            <a:pPr algn="ctr"/>
+            <a:r>
+              <a:rPr lang="en-US" altLang="ko-KR" sz="2400" b="1" dirty="0">
+                <a:solidFill>
+                  <a:sysClr val="windowText" lastClr="000000"/>
+                </a:solidFill>
+              </a:rPr>
+              <a:t>69</a:t>
+            </a:r>
+            <a:endParaRPr lang="ko-KR" altLang="en-US" sz="2400" b="1" dirty="0">
+              <a:solidFill>
+                <a:sysClr val="windowText" lastClr="000000"/>
+              </a:solidFill>
+            </a:endParaRPr>
+          </a:p>
+        </p:txBody>
+      </p:sp>
+      <p:sp>
+        <p:nvSpPr>
+          <p:cNvPr id="8" name="타원 7"/>
+          <p:cNvSpPr/>
+          <p:nvPr/>
+        </p:nvSpPr>
+        <p:spPr>
+          <a:xfrm>
+            <a:off x="2184349" y="836712"/>
+            <a:ext cx="831273" cy="831273"/>
+          </a:xfrm>
+          <a:prstGeom prst="ellipse">
+            <a:avLst/>
+          </a:prstGeom>
+          <a:solidFill>
+            <a:srgbClr val="F94545"/>
+          </a:solidFill>
+          <a:ln>
+            <a:solidFill>
+              <a:schemeClr val="tx1"/>
+            </a:solidFill>
+          </a:ln>
+        </p:spPr>
+        <p:style>
+          <a:lnRef idx="2">
+            <a:schemeClr val="accent1">
+              <a:shade val="50000"/>
+            </a:schemeClr>
+          </a:lnRef>
+          <a:fillRef idx="1">
+            <a:schemeClr val="accent1"/>
+          </a:fillRef>
+          <a:effectRef idx="0">
+            <a:schemeClr val="accent1"/>
+          </a:effectRef>
+          <a:fontRef idx="minor">
+            <a:schemeClr val="lt1"/>
+          </a:fontRef>
+        </p:style>
+        <p:txBody>
+          <a:bodyPr rtlCol="0" anchor="ctr"/>
+          <a:lstStyle/>
+          <a:p>
+            <a:pPr algn="ctr"/>
+            <a:r>
+              <a:rPr lang="en-US" altLang="ko-KR" sz="2400" b="1" dirty="0">
+                <a:solidFill>
+                  <a:sysClr val="windowText" lastClr="000000"/>
+                </a:solidFill>
+              </a:rPr>
+              <a:t>64</a:t>
+            </a:r>
+            <a:endParaRPr lang="ko-KR" altLang="en-US" sz="2400" b="1" dirty="0">
+              <a:solidFill>
+                <a:sysClr val="windowText" lastClr="000000"/>
+              </a:solidFill>
+            </a:endParaRPr>
+          </a:p>
+        </p:txBody>
+      </p:sp>
+      <p:sp>
+        <p:nvSpPr>
+          <p:cNvPr id="9" name="타원 8"/>
+          <p:cNvSpPr/>
+          <p:nvPr/>
+        </p:nvSpPr>
+        <p:spPr>
+          <a:xfrm>
+            <a:off x="3170356" y="836712"/>
+            <a:ext cx="831273" cy="831273"/>
+          </a:xfrm>
+          <a:prstGeom prst="ellipse">
+            <a:avLst/>
+          </a:prstGeom>
+          <a:solidFill>
+            <a:srgbClr val="F94545"/>
+          </a:solidFill>
+          <a:ln>
+            <a:solidFill>
+              <a:schemeClr val="tx1"/>
+            </a:solidFill>
+          </a:ln>
+        </p:spPr>
+        <p:style>
+          <a:lnRef idx="2">
+            <a:schemeClr val="accent1">
+              <a:shade val="50000"/>
+            </a:schemeClr>
+          </a:lnRef>
+          <a:fillRef idx="1">
+            <a:schemeClr val="accent1"/>
+          </a:fillRef>
+          <a:effectRef idx="0">
+            <a:schemeClr val="accent1"/>
+          </a:effectRef>
+          <a:fontRef idx="minor">
+            <a:schemeClr val="lt1"/>
+          </a:fontRef>
+        </p:style>
+        <p:txBody>
+          <a:bodyPr rtlCol="0" anchor="ctr"/>
+          <a:lstStyle/>
+          <a:p>
+            <a:pPr algn="ctr"/>
+            <a:r>
+              <a:rPr lang="en-US" altLang="ko-KR" sz="2400" b="1" dirty="0">
+                <a:solidFill>
+                  <a:sysClr val="windowText" lastClr="000000"/>
+                </a:solidFill>
+              </a:rPr>
+              <a:t>55</a:t>
+            </a:r>
+            <a:endParaRPr lang="ko-KR" altLang="en-US" sz="2400" b="1" dirty="0">
+              <a:solidFill>
+                <a:sysClr val="windowText" lastClr="000000"/>
+              </a:solidFill>
+            </a:endParaRPr>
+          </a:p>
+        </p:txBody>
+      </p:sp>
+      <p:sp>
+        <p:nvSpPr>
+          <p:cNvPr id="10" name="타원 9"/>
+          <p:cNvSpPr/>
+          <p:nvPr/>
+        </p:nvSpPr>
+        <p:spPr>
+          <a:xfrm>
+            <a:off x="4156363" y="836712"/>
+            <a:ext cx="831273" cy="831273"/>
+          </a:xfrm>
+          <a:prstGeom prst="ellipse">
+            <a:avLst/>
+          </a:prstGeom>
+          <a:solidFill>
+            <a:srgbClr val="92B1D6"/>
+          </a:solidFill>
+          <a:ln>
+            <a:solidFill>
+              <a:schemeClr val="tx1"/>
+            </a:solidFill>
+          </a:ln>
+        </p:spPr>
+        <p:style>
+          <a:lnRef idx="2">
+            <a:schemeClr val="accent1">
+              <a:shade val="50000"/>
+            </a:schemeClr>
+          </a:lnRef>
+          <a:fillRef idx="1">
+            <a:schemeClr val="accent1"/>
+          </a:fillRef>
+          <a:effectRef idx="0">
+            <a:schemeClr val="accent1"/>
+          </a:effectRef>
+          <a:fontRef idx="minor">
+            <a:schemeClr val="lt1"/>
+          </a:fontRef>
+        </p:style>
+        <p:txBody>
+          <a:bodyPr rtlCol="0" anchor="ctr"/>
+          <a:lstStyle/>
+          <a:p>
+            <a:pPr algn="ctr"/>
+            <a:r>
+              <a:rPr lang="en-US" altLang="ko-KR" sz="2400" b="1" dirty="0">
+                <a:solidFill>
+                  <a:sysClr val="windowText" lastClr="000000"/>
+                </a:solidFill>
+              </a:rPr>
+              <a:t>51</a:t>
+            </a:r>
+            <a:endParaRPr lang="ko-KR" altLang="en-US" sz="2400" b="1" dirty="0">
+              <a:solidFill>
+                <a:sysClr val="windowText" lastClr="000000"/>
+              </a:solidFill>
+            </a:endParaRPr>
+          </a:p>
+        </p:txBody>
+      </p:sp>
+      <p:sp>
+        <p:nvSpPr>
+          <p:cNvPr id="11" name="타원 10"/>
+          <p:cNvSpPr/>
+          <p:nvPr/>
+        </p:nvSpPr>
+        <p:spPr>
+          <a:xfrm>
+            <a:off x="5142370" y="836712"/>
+            <a:ext cx="831273" cy="831273"/>
+          </a:xfrm>
+          <a:prstGeom prst="ellipse">
+            <a:avLst/>
+          </a:prstGeom>
+          <a:solidFill>
+            <a:srgbClr val="92B1D6"/>
+          </a:solidFill>
+          <a:ln>
+            <a:solidFill>
+              <a:schemeClr val="tx1"/>
+            </a:solidFill>
+          </a:ln>
+        </p:spPr>
+        <p:style>
+          <a:lnRef idx="2">
+            <a:schemeClr val="accent1">
+              <a:shade val="50000"/>
+            </a:schemeClr>
+          </a:lnRef>
+          <a:fillRef idx="1">
+            <a:schemeClr val="accent1"/>
+          </a:fillRef>
+          <a:effectRef idx="0">
+            <a:schemeClr val="accent1"/>
+          </a:effectRef>
+          <a:fontRef idx="minor">
+            <a:schemeClr val="lt1"/>
+          </a:fontRef>
+        </p:style>
+        <p:txBody>
+          <a:bodyPr rtlCol="0" anchor="ctr"/>
+          <a:lstStyle/>
+          <a:p>
+            <a:pPr algn="ctr"/>
+            <a:r>
+              <a:rPr lang="en-US" altLang="ko-KR" sz="2400" b="1" dirty="0">
+                <a:solidFill>
+                  <a:sysClr val="windowText" lastClr="000000"/>
+                </a:solidFill>
+              </a:rPr>
+              <a:t>41</a:t>
+            </a:r>
+            <a:endParaRPr lang="ko-KR" altLang="en-US" sz="2400" b="1" dirty="0">
+              <a:solidFill>
+                <a:sysClr val="windowText" lastClr="000000"/>
+              </a:solidFill>
+            </a:endParaRPr>
+          </a:p>
+        </p:txBody>
+      </p:sp>
+      <p:sp>
+        <p:nvSpPr>
+          <p:cNvPr id="12" name="타원 11"/>
+          <p:cNvSpPr/>
+          <p:nvPr/>
+        </p:nvSpPr>
+        <p:spPr>
+          <a:xfrm>
+            <a:off x="6128377" y="836712"/>
+            <a:ext cx="831273" cy="831273"/>
+          </a:xfrm>
+          <a:prstGeom prst="ellipse">
+            <a:avLst/>
+          </a:prstGeom>
+          <a:solidFill>
+            <a:srgbClr val="92B1D6"/>
+          </a:solidFill>
+          <a:ln>
+            <a:solidFill>
+              <a:schemeClr val="tx1"/>
+            </a:solidFill>
+          </a:ln>
+        </p:spPr>
+        <p:style>
+          <a:lnRef idx="2">
+            <a:schemeClr val="accent1">
+              <a:shade val="50000"/>
+            </a:schemeClr>
+          </a:lnRef>
+          <a:fillRef idx="1">
+            <a:schemeClr val="accent1"/>
+          </a:fillRef>
+          <a:effectRef idx="0">
+            <a:schemeClr val="accent1"/>
+          </a:effectRef>
+          <a:fontRef idx="minor">
+            <a:schemeClr val="lt1"/>
+          </a:fontRef>
+        </p:style>
+        <p:txBody>
+          <a:bodyPr rtlCol="0" anchor="ctr"/>
+          <a:lstStyle/>
+          <a:p>
+            <a:pPr algn="ctr"/>
+            <a:r>
+              <a:rPr lang="en-US" altLang="ko-KR" sz="2400" b="1" dirty="0">
+                <a:solidFill>
+                  <a:sysClr val="windowText" lastClr="000000"/>
+                </a:solidFill>
+              </a:rPr>
+              <a:t>51</a:t>
+            </a:r>
+            <a:endParaRPr lang="ko-KR" altLang="en-US" sz="2400" b="1" dirty="0">
+              <a:solidFill>
+                <a:sysClr val="windowText" lastClr="000000"/>
+              </a:solidFill>
+            </a:endParaRPr>
+          </a:p>
+        </p:txBody>
+      </p:sp>
+      <p:sp>
+        <p:nvSpPr>
+          <p:cNvPr id="13" name="타원 12"/>
+          <p:cNvSpPr/>
+          <p:nvPr/>
+        </p:nvSpPr>
+        <p:spPr>
+          <a:xfrm>
+            <a:off x="7114384" y="836712"/>
+            <a:ext cx="831273" cy="831273"/>
+          </a:xfrm>
+          <a:prstGeom prst="ellipse">
+            <a:avLst/>
+          </a:prstGeom>
+          <a:solidFill>
+            <a:srgbClr val="92B1D6"/>
+          </a:solidFill>
+          <a:ln>
+            <a:solidFill>
+              <a:schemeClr val="tx1"/>
+            </a:solidFill>
+          </a:ln>
+        </p:spPr>
+        <p:style>
+          <a:lnRef idx="2">
+            <a:schemeClr val="accent1">
+              <a:shade val="50000"/>
+            </a:schemeClr>
+          </a:lnRef>
+          <a:fillRef idx="1">
+            <a:schemeClr val="accent1"/>
+          </a:fillRef>
+          <a:effectRef idx="0">
+            <a:schemeClr val="accent1"/>
+          </a:effectRef>
+          <a:fontRef idx="minor">
+            <a:schemeClr val="lt1"/>
+          </a:fontRef>
+        </p:style>
+        <p:txBody>
+          <a:bodyPr rtlCol="0" anchor="ctr"/>
+          <a:lstStyle/>
+          <a:p>
+            <a:pPr algn="ctr"/>
+            <a:r>
+              <a:rPr lang="en-US" altLang="ko-KR" sz="2400" b="1" dirty="0">
+                <a:solidFill>
+                  <a:sysClr val="windowText" lastClr="000000"/>
+                </a:solidFill>
+              </a:rPr>
+              <a:t>71</a:t>
+            </a:r>
+            <a:endParaRPr lang="ko-KR" altLang="en-US" sz="2400" b="1" dirty="0">
+              <a:solidFill>
+                <a:sysClr val="windowText" lastClr="000000"/>
+              </a:solidFill>
+            </a:endParaRPr>
+          </a:p>
+        </p:txBody>
+      </p:sp>
+      <p:sp>
+        <p:nvSpPr>
+          <p:cNvPr id="14" name="타원 13"/>
+          <p:cNvSpPr/>
+          <p:nvPr/>
+        </p:nvSpPr>
+        <p:spPr>
+          <a:xfrm>
+            <a:off x="8100392" y="836712"/>
+            <a:ext cx="831273" cy="831273"/>
+          </a:xfrm>
+          <a:prstGeom prst="ellipse">
+            <a:avLst/>
+          </a:prstGeom>
+          <a:solidFill>
+            <a:srgbClr val="92B1D6"/>
+          </a:solidFill>
+          <a:ln>
+            <a:solidFill>
+              <a:schemeClr val="tx1"/>
+            </a:solidFill>
+          </a:ln>
+        </p:spPr>
+        <p:style>
+          <a:lnRef idx="2">
+            <a:schemeClr val="accent1">
+              <a:shade val="50000"/>
+            </a:schemeClr>
+          </a:lnRef>
+          <a:fillRef idx="1">
+            <a:schemeClr val="accent1"/>
+          </a:fillRef>
+          <a:effectRef idx="0">
+            <a:schemeClr val="accent1"/>
+          </a:effectRef>
+          <a:fontRef idx="minor">
+            <a:schemeClr val="lt1"/>
+          </a:fontRef>
+        </p:style>
+        <p:txBody>
+          <a:bodyPr rtlCol="0" anchor="ctr"/>
+          <a:lstStyle/>
+          <a:p>
+            <a:pPr algn="ctr"/>
+            <a:r>
+              <a:rPr lang="en-US" altLang="ko-KR" sz="2400" b="1" dirty="0">
+                <a:solidFill>
+                  <a:sysClr val="windowText" lastClr="000000"/>
+                </a:solidFill>
+              </a:rPr>
+              <a:t>42</a:t>
+            </a:r>
+            <a:endParaRPr lang="ko-KR" altLang="en-US" sz="2400" b="1" dirty="0">
+              <a:solidFill>
+                <a:sysClr val="windowText" lastClr="000000"/>
+              </a:solidFill>
+            </a:endParaRPr>
+          </a:p>
+        </p:txBody>
+      </p:sp>
+      <p:sp>
+        <p:nvSpPr>
+          <p:cNvPr id="2" name="직사각형 1"/>
+          <p:cNvSpPr/>
+          <p:nvPr/>
+        </p:nvSpPr>
+        <p:spPr>
+          <a:xfrm>
+            <a:off x="2764709" y="3022104"/>
+            <a:ext cx="1353188" cy="914400"/>
+          </a:xfrm>
+          <a:prstGeom prst="rect">
+            <a:avLst/>
+          </a:prstGeom>
+          <a:noFill/>
+          <a:ln>
+            <a:noFill/>
+          </a:ln>
+        </p:spPr>
+        <p:style>
+          <a:lnRef idx="2">
+            <a:schemeClr val="accent1">
+              <a:shade val="50000"/>
+            </a:schemeClr>
+          </a:lnRef>
+          <a:fillRef idx="1">
+            <a:schemeClr val="accent1"/>
+          </a:fillRef>
+          <a:effectRef idx="0">
+            <a:schemeClr val="accent1"/>
+          </a:effectRef>
+          <a:fontRef idx="minor">
+            <a:schemeClr val="lt1"/>
+          </a:fontRef>
+        </p:style>
+        <p:txBody>
+          <a:bodyPr rtlCol="0" anchor="ctr"/>
+          <a:lstStyle/>
+          <a:p>
+            <a:pPr algn="ctr"/>
+            <a:r>
+              <a:rPr lang="en-US" altLang="ko-KR" sz="2800" dirty="0">
+                <a:solidFill>
+                  <a:schemeClr val="tx1"/>
+                </a:solidFill>
+              </a:rPr>
+              <a:t>51.75</a:t>
+            </a:r>
+            <a:endParaRPr lang="ko-KR" altLang="en-US" sz="2800" dirty="0">
+              <a:solidFill>
+                <a:schemeClr val="tx1"/>
+              </a:solidFill>
+            </a:endParaRPr>
+          </a:p>
+        </p:txBody>
+      </p:sp>
+      <p:sp>
+        <p:nvSpPr>
+          <p:cNvPr id="21" name="직사각형 20"/>
+          <p:cNvSpPr/>
+          <p:nvPr/>
+        </p:nvSpPr>
+        <p:spPr>
+          <a:xfrm>
+            <a:off x="4217038" y="3022104"/>
+            <a:ext cx="1131499" cy="914400"/>
+          </a:xfrm>
+          <a:prstGeom prst="rect">
+            <a:avLst/>
+          </a:prstGeom>
+          <a:noFill/>
+          <a:ln>
+            <a:noFill/>
+          </a:ln>
+        </p:spPr>
+        <p:style>
+          <a:lnRef idx="2">
+            <a:schemeClr val="accent1">
+              <a:shade val="50000"/>
+            </a:schemeClr>
+          </a:lnRef>
+          <a:fillRef idx="1">
+            <a:schemeClr val="accent1"/>
+          </a:fillRef>
+          <a:effectRef idx="0">
+            <a:schemeClr val="accent1"/>
+          </a:effectRef>
+          <a:fontRef idx="minor">
+            <a:schemeClr val="lt1"/>
+          </a:fontRef>
+        </p:style>
+        <p:txBody>
+          <a:bodyPr rtlCol="0" anchor="ctr"/>
+          <a:lstStyle/>
+          <a:p>
+            <a:pPr algn="ctr"/>
+            <a:r>
+              <a:rPr lang="en-US" altLang="ko-KR" sz="2800" dirty="0">
+                <a:solidFill>
+                  <a:schemeClr val="tx1"/>
+                </a:solidFill>
+              </a:rPr>
+              <a:t>59.00</a:t>
+            </a:r>
+            <a:endParaRPr lang="ko-KR" altLang="en-US" sz="2800" dirty="0">
+              <a:solidFill>
+                <a:schemeClr val="tx1"/>
+              </a:solidFill>
+            </a:endParaRPr>
+          </a:p>
+        </p:txBody>
+      </p:sp>
+      <p:cxnSp>
+        <p:nvCxnSpPr>
+          <p:cNvPr id="4" name="직선 연결선 3"/>
+          <p:cNvCxnSpPr>
+            <a:stCxn id="8" idx="4"/>
+            <a:endCxn id="2" idx="0"/>
+          </p:cNvCxnSpPr>
+          <p:nvPr/>
+        </p:nvCxnSpPr>
+        <p:spPr>
+          <a:xfrm>
+            <a:off x="2599986" y="1667985"/>
+            <a:ext cx="841317" cy="1354119"/>
+          </a:xfrm>
+          <a:prstGeom prst="line">
+            <a:avLst/>
+          </a:prstGeom>
+          <a:ln w="28575">
+            <a:solidFill>
+              <a:schemeClr val="tx1"/>
+            </a:solidFill>
+          </a:ln>
+        </p:spPr>
+        <p:style>
+          <a:lnRef idx="1">
+            <a:schemeClr val="accent1"/>
+          </a:lnRef>
+          <a:fillRef idx="0">
+            <a:schemeClr val="accent1"/>
+          </a:fillRef>
+          <a:effectRef idx="0">
+            <a:schemeClr val="accent1"/>
+          </a:effectRef>
+          <a:fontRef idx="minor">
+            <a:schemeClr val="tx1"/>
+          </a:fontRef>
+        </p:style>
+      </p:cxnSp>
+      <p:cxnSp>
+        <p:nvCxnSpPr>
+          <p:cNvPr id="15" name="직선 연결선 14"/>
+          <p:cNvCxnSpPr>
+            <a:stCxn id="11" idx="4"/>
+            <a:endCxn id="2" idx="0"/>
+          </p:cNvCxnSpPr>
+          <p:nvPr/>
+        </p:nvCxnSpPr>
+        <p:spPr>
+          <a:xfrm flipH="1">
+            <a:off x="3441303" y="1667985"/>
+            <a:ext cx="2116704" cy="1354119"/>
+          </a:xfrm>
+          <a:prstGeom prst="line">
+            <a:avLst/>
+          </a:prstGeom>
+          <a:ln w="28575">
+            <a:solidFill>
+              <a:schemeClr val="tx1"/>
+            </a:solidFill>
+          </a:ln>
+        </p:spPr>
+        <p:style>
+          <a:lnRef idx="1">
+            <a:schemeClr val="accent1"/>
+          </a:lnRef>
+          <a:fillRef idx="0">
+            <a:schemeClr val="accent1"/>
+          </a:fillRef>
+          <a:effectRef idx="0">
+            <a:schemeClr val="accent1"/>
+          </a:effectRef>
+          <a:fontRef idx="minor">
+            <a:schemeClr val="tx1"/>
+          </a:fontRef>
+        </p:style>
+      </p:cxnSp>
+      <p:cxnSp>
+        <p:nvCxnSpPr>
+          <p:cNvPr id="23" name="직선 연결선 22"/>
+          <p:cNvCxnSpPr>
+            <a:stCxn id="10" idx="4"/>
+            <a:endCxn id="2" idx="0"/>
+          </p:cNvCxnSpPr>
+          <p:nvPr/>
+        </p:nvCxnSpPr>
+        <p:spPr>
+          <a:xfrm flipH="1">
+            <a:off x="3441303" y="1667985"/>
+            <a:ext cx="1130697" cy="1354119"/>
+          </a:xfrm>
+          <a:prstGeom prst="line">
+            <a:avLst/>
+          </a:prstGeom>
+          <a:ln w="28575">
+            <a:solidFill>
+              <a:schemeClr val="tx1"/>
+            </a:solidFill>
+          </a:ln>
+        </p:spPr>
+        <p:style>
+          <a:lnRef idx="1">
+            <a:schemeClr val="accent1"/>
+          </a:lnRef>
+          <a:fillRef idx="0">
+            <a:schemeClr val="accent1"/>
+          </a:fillRef>
+          <a:effectRef idx="0">
+            <a:schemeClr val="accent1"/>
+          </a:effectRef>
+          <a:fontRef idx="minor">
+            <a:schemeClr val="tx1"/>
+          </a:fontRef>
+        </p:style>
+      </p:cxnSp>
+      <p:cxnSp>
+        <p:nvCxnSpPr>
+          <p:cNvPr id="25" name="직선 연결선 24"/>
+          <p:cNvCxnSpPr>
+            <a:stCxn id="12" idx="4"/>
+            <a:endCxn id="2" idx="0"/>
+          </p:cNvCxnSpPr>
+          <p:nvPr/>
+        </p:nvCxnSpPr>
+        <p:spPr>
+          <a:xfrm flipH="1">
+            <a:off x="3441303" y="1667985"/>
+            <a:ext cx="3102711" cy="1354119"/>
+          </a:xfrm>
+          <a:prstGeom prst="line">
+            <a:avLst/>
+          </a:prstGeom>
+          <a:ln w="28575">
+            <a:solidFill>
+              <a:schemeClr val="tx1"/>
+            </a:solidFill>
+          </a:ln>
+        </p:spPr>
+        <p:style>
+          <a:lnRef idx="1">
+            <a:schemeClr val="accent1"/>
+          </a:lnRef>
+          <a:fillRef idx="0">
+            <a:schemeClr val="accent1"/>
+          </a:fillRef>
+          <a:effectRef idx="0">
+            <a:schemeClr val="accent1"/>
+          </a:effectRef>
+          <a:fontRef idx="minor">
+            <a:schemeClr val="tx1"/>
+          </a:fontRef>
+        </p:style>
+      </p:cxnSp>
+      <p:cxnSp>
+        <p:nvCxnSpPr>
+          <p:cNvPr id="27" name="직선 연결선 26"/>
+          <p:cNvCxnSpPr>
+            <a:stCxn id="6" idx="4"/>
+            <a:endCxn id="21" idx="0"/>
+          </p:cNvCxnSpPr>
+          <p:nvPr/>
+        </p:nvCxnSpPr>
+        <p:spPr>
+          <a:xfrm>
+            <a:off x="627972" y="1667985"/>
+            <a:ext cx="4154816" cy="1354119"/>
+          </a:xfrm>
+          <a:prstGeom prst="line">
+            <a:avLst/>
+          </a:prstGeom>
+          <a:ln w="28575">
+            <a:solidFill>
+              <a:schemeClr val="tx1"/>
+            </a:solidFill>
+            <a:prstDash val="dash"/>
+          </a:ln>
+        </p:spPr>
+        <p:style>
+          <a:lnRef idx="1">
+            <a:schemeClr val="accent1"/>
+          </a:lnRef>
+          <a:fillRef idx="0">
+            <a:schemeClr val="accent1"/>
+          </a:fillRef>
+          <a:effectRef idx="0">
+            <a:schemeClr val="accent1"/>
+          </a:effectRef>
+          <a:fontRef idx="minor">
+            <a:schemeClr val="tx1"/>
+          </a:fontRef>
+        </p:style>
+      </p:cxnSp>
+      <p:cxnSp>
+        <p:nvCxnSpPr>
+          <p:cNvPr id="29" name="직선 연결선 28"/>
+          <p:cNvCxnSpPr>
+            <a:stCxn id="7" idx="4"/>
+            <a:endCxn id="21" idx="0"/>
+          </p:cNvCxnSpPr>
+          <p:nvPr/>
+        </p:nvCxnSpPr>
+        <p:spPr>
+          <a:xfrm>
+            <a:off x="1613979" y="1667985"/>
+            <a:ext cx="3168809" cy="1354119"/>
+          </a:xfrm>
+          <a:prstGeom prst="line">
+            <a:avLst/>
+          </a:prstGeom>
+          <a:ln w="28575">
+            <a:solidFill>
+              <a:schemeClr val="tx1"/>
+            </a:solidFill>
+            <a:prstDash val="dash"/>
+          </a:ln>
+        </p:spPr>
+        <p:style>
+          <a:lnRef idx="1">
+            <a:schemeClr val="accent1"/>
+          </a:lnRef>
+          <a:fillRef idx="0">
+            <a:schemeClr val="accent1"/>
+          </a:fillRef>
+          <a:effectRef idx="0">
+            <a:schemeClr val="accent1"/>
+          </a:effectRef>
+          <a:fontRef idx="minor">
+            <a:schemeClr val="tx1"/>
+          </a:fontRef>
+        </p:style>
+      </p:cxnSp>
+      <p:cxnSp>
+        <p:nvCxnSpPr>
+          <p:cNvPr id="31" name="직선 연결선 30"/>
+          <p:cNvCxnSpPr>
+            <a:stCxn id="9" idx="4"/>
+            <a:endCxn id="21" idx="0"/>
+          </p:cNvCxnSpPr>
+          <p:nvPr/>
+        </p:nvCxnSpPr>
+        <p:spPr>
+          <a:xfrm>
+            <a:off x="3585993" y="1667985"/>
+            <a:ext cx="1196795" cy="1354119"/>
+          </a:xfrm>
+          <a:prstGeom prst="line">
+            <a:avLst/>
+          </a:prstGeom>
+          <a:ln w="28575">
+            <a:solidFill>
+              <a:schemeClr val="tx1"/>
+            </a:solidFill>
+            <a:prstDash val="dash"/>
+          </a:ln>
+        </p:spPr>
+        <p:style>
+          <a:lnRef idx="1">
+            <a:schemeClr val="accent1"/>
+          </a:lnRef>
+          <a:fillRef idx="0">
+            <a:schemeClr val="accent1"/>
+          </a:fillRef>
+          <a:effectRef idx="0">
+            <a:schemeClr val="accent1"/>
+          </a:effectRef>
+          <a:fontRef idx="minor">
+            <a:schemeClr val="tx1"/>
+          </a:fontRef>
+        </p:style>
+      </p:cxnSp>
+      <p:cxnSp>
+        <p:nvCxnSpPr>
+          <p:cNvPr id="33" name="직선 화살표 연결선 32"/>
+          <p:cNvCxnSpPr>
+            <a:stCxn id="13" idx="4"/>
+            <a:endCxn id="21" idx="0"/>
+          </p:cNvCxnSpPr>
+          <p:nvPr/>
+        </p:nvCxnSpPr>
+        <p:spPr>
+          <a:xfrm flipH="1">
+            <a:off x="4782788" y="1667985"/>
+            <a:ext cx="2747233" cy="1354119"/>
+          </a:xfrm>
+          <a:prstGeom prst="straightConnector1">
+            <a:avLst/>
+          </a:prstGeom>
+          <a:ln w="28575">
+            <a:solidFill>
+              <a:schemeClr val="tx1"/>
+            </a:solidFill>
+            <a:prstDash val="dash"/>
+            <a:headEnd type="none" w="med" len="med"/>
+            <a:tailEnd type="none" w="med" len="med"/>
+          </a:ln>
+        </p:spPr>
+        <p:style>
+          <a:lnRef idx="1">
+            <a:schemeClr val="accent1"/>
+          </a:lnRef>
+          <a:fillRef idx="0">
+            <a:schemeClr val="accent1"/>
+          </a:fillRef>
+          <a:effectRef idx="0">
+            <a:schemeClr val="accent1"/>
+          </a:effectRef>
+          <a:fontRef idx="minor">
+            <a:schemeClr val="tx1"/>
+          </a:fontRef>
+        </p:style>
+      </p:cxnSp>
+      <p:cxnSp>
+        <p:nvCxnSpPr>
+          <p:cNvPr id="35" name="직선 연결선 34"/>
+          <p:cNvCxnSpPr>
+            <a:stCxn id="14" idx="4"/>
+            <a:endCxn id="21" idx="0"/>
+          </p:cNvCxnSpPr>
+          <p:nvPr/>
+        </p:nvCxnSpPr>
+        <p:spPr>
+          <a:xfrm flipH="1">
+            <a:off x="4782788" y="1667985"/>
+            <a:ext cx="3733241" cy="1354119"/>
+          </a:xfrm>
+          <a:prstGeom prst="line">
+            <a:avLst/>
+          </a:prstGeom>
+          <a:ln w="28575">
+            <a:solidFill>
+              <a:schemeClr val="tx1"/>
+            </a:solidFill>
+            <a:prstDash val="dash"/>
+          </a:ln>
+        </p:spPr>
+        <p:style>
+          <a:lnRef idx="1">
+            <a:schemeClr val="accent1"/>
+          </a:lnRef>
+          <a:fillRef idx="0">
+            <a:schemeClr val="accent1"/>
+          </a:fillRef>
+          <a:effectRef idx="0">
+            <a:schemeClr val="accent1"/>
+          </a:effectRef>
+          <a:fontRef idx="minor">
+            <a:schemeClr val="tx1"/>
+          </a:fontRef>
+        </p:style>
+      </p:cxnSp>
+      <p:sp>
+        <p:nvSpPr>
+          <p:cNvPr id="36" name="TextBox 35"/>
+          <p:cNvSpPr txBox="1"/>
+          <p:nvPr/>
+        </p:nvSpPr>
+        <p:spPr>
+          <a:xfrm>
+            <a:off x="3951826" y="3212976"/>
+            <a:ext cx="332142" cy="523220"/>
+          </a:xfrm>
+          <a:prstGeom prst="rect">
+            <a:avLst/>
+          </a:prstGeom>
+          <a:noFill/>
+        </p:spPr>
+        <p:txBody>
+          <a:bodyPr wrap="none" rtlCol="0">
+            <a:spAutoFit/>
+          </a:bodyPr>
+          <a:lstStyle/>
+          <a:p>
+            <a:r>
+              <a:rPr lang="en-US" altLang="ko-KR" sz="2800" dirty="0"/>
+              <a:t>-</a:t>
+            </a:r>
+            <a:endParaRPr lang="ko-KR" altLang="en-US" sz="2800" dirty="0"/>
+          </a:p>
+        </p:txBody>
+      </p:sp>
+      <p:sp>
+        <p:nvSpPr>
+          <p:cNvPr id="55" name="TextBox 54"/>
+          <p:cNvSpPr txBox="1"/>
+          <p:nvPr/>
+        </p:nvSpPr>
+        <p:spPr>
+          <a:xfrm>
+            <a:off x="5142370" y="3212976"/>
+            <a:ext cx="1380506" cy="523220"/>
+          </a:xfrm>
+          <a:prstGeom prst="rect">
+            <a:avLst/>
+          </a:prstGeom>
+          <a:noFill/>
+        </p:spPr>
+        <p:txBody>
+          <a:bodyPr wrap="none" rtlCol="0">
+            <a:spAutoFit/>
+          </a:bodyPr>
+          <a:lstStyle/>
+          <a:p>
+            <a:r>
+              <a:rPr lang="en-US" altLang="ko-KR" sz="2800" dirty="0"/>
+              <a:t>= -7.25</a:t>
+            </a:r>
+            <a:endParaRPr lang="ko-KR" altLang="en-US" sz="2800" dirty="0"/>
+          </a:p>
+        </p:txBody>
+      </p:sp>
+      <p:sp>
+        <p:nvSpPr>
+          <p:cNvPr id="61" name="TextBox 60"/>
+          <p:cNvSpPr txBox="1"/>
+          <p:nvPr/>
+        </p:nvSpPr>
+        <p:spPr>
+          <a:xfrm>
+            <a:off x="179512" y="188640"/>
+            <a:ext cx="2212465" cy="523220"/>
+          </a:xfrm>
+          <a:prstGeom prst="rect">
+            <a:avLst/>
+          </a:prstGeom>
+          <a:noFill/>
+        </p:spPr>
+        <p:txBody>
+          <a:bodyPr wrap="none" rtlCol="0">
+            <a:spAutoFit/>
+          </a:bodyPr>
+          <a:lstStyle/>
+          <a:p>
+            <a:r>
+              <a:rPr lang="en-US" altLang="ko-KR" sz="2800" b="1" dirty="0"/>
+              <a:t>[1</a:t>
+            </a:r>
+            <a:r>
+              <a:rPr lang="ko-KR" altLang="en-US" sz="2800" b="1" dirty="0"/>
+              <a:t>회차 선택</a:t>
+            </a:r>
+            <a:r>
+              <a:rPr lang="en-US" altLang="ko-KR" sz="2800" b="1" dirty="0"/>
+              <a:t>]</a:t>
+            </a:r>
+            <a:endParaRPr lang="ko-KR" altLang="en-US" sz="2800" b="1" dirty="0"/>
+          </a:p>
+        </p:txBody>
+      </p:sp>
+    </p:spTree>
+    <p:extLst>
+      <p:ext uri="{BB962C8B-B14F-4D97-AF65-F5344CB8AC3E}">
+        <p14:creationId xmlns:p14="http://schemas.microsoft.com/office/powerpoint/2010/main" val="3523486886"/>
+      </p:ext>
+    </p:extLst>
+  </p:cSld>
+  <p:clrMapOvr>
+    <a:masterClrMapping/>
+  </p:clrMapOvr>
+</p:sld>
+</file>
+
+<file path=ppt/slides/slide8.xml><?xml version="1.0" encoding="utf-8"?>
+<p:sld xmlns:a="http://schemas.openxmlformats.org/drawingml/2006/main" xmlns:r="http://schemas.openxmlformats.org/officeDocument/2006/relationships" xmlns:p="http://schemas.openxmlformats.org/presentationml/2006/main">
+  <p:cSld>
+    <p:spTree>
+      <p:nvGrpSpPr>
+        <p:cNvPr id="1" name=""/>
+        <p:cNvGrpSpPr/>
+        <p:nvPr/>
+      </p:nvGrpSpPr>
+      <p:grpSpPr>
+        <a:xfrm>
+          <a:off x="0" y="0"/>
+          <a:ext cx="0" cy="0"/>
+          <a:chOff x="0" y="0"/>
+          <a:chExt cx="0" cy="0"/>
+        </a:xfrm>
+      </p:grpSpPr>
+      <p:pic>
+        <p:nvPicPr>
+          <p:cNvPr id="1031" name="Picture 7"/>
+          <p:cNvPicPr>
+            <a:picLocks noChangeAspect="1" noChangeArrowheads="1"/>
+          </p:cNvPicPr>
+          <p:nvPr/>
+        </p:nvPicPr>
+        <p:blipFill>
+          <a:blip r:embed="rId2">
+            <a:extLst>
+              <a:ext uri="{28A0092B-C50C-407E-A947-70E740481C1C}">
+                <a14:useLocalDpi xmlns:a14="http://schemas.microsoft.com/office/drawing/2010/main" val="0"/>
+              </a:ext>
+            </a:extLst>
+          </a:blip>
+          <a:srcRect/>
+          <a:stretch>
+            <a:fillRect/>
+          </a:stretch>
+        </p:blipFill>
+        <p:spPr bwMode="auto">
+          <a:xfrm>
+            <a:off x="519113" y="2828055"/>
+            <a:ext cx="8105775" cy="3990975"/>
+          </a:xfrm>
+          <a:prstGeom prst="rect">
+            <a:avLst/>
+          </a:prstGeom>
+          <a:noFill/>
+          <a:ln>
+            <a:noFill/>
+          </a:ln>
+          <a:effectLst/>
+          <a:extLst>
+            <a:ext uri="{909E8E84-426E-40DD-AFC4-6F175D3DCCD1}">
+              <a14:hiddenFill xmlns:a14="http://schemas.microsoft.com/office/drawing/2010/main">
+                <a:solidFill>
+                  <a:schemeClr val="accent1"/>
+                </a:solidFill>
+              </a14:hiddenFill>
+            </a:ext>
+            <a:ext uri="{91240B29-F687-4F45-9708-019B960494DF}">
+              <a14:hiddenLine xmlns:a14="http://schemas.microsoft.com/office/drawing/2010/main" w="9525">
+                <a:solidFill>
+                  <a:schemeClr val="tx1"/>
+                </a:solidFill>
+                <a:miter lim="800000"/>
+                <a:headEnd/>
+                <a:tailEnd/>
+              </a14:hiddenLine>
+            </a:ext>
+            <a:ext uri="{AF507438-7753-43E0-B8FC-AC1667EBCBE1}">
+              <a14:hiddenEffects xmlns:a14="http://schemas.microsoft.com/office/drawing/2010/main">
+                <a:effectLst>
+                  <a:outerShdw dist="35921" dir="2700000" algn="ctr" rotWithShape="0">
+                    <a:schemeClr val="bg2"/>
+                  </a:outerShdw>
+                </a:effectLst>
+              </a14:hiddenEffects>
+            </a:ext>
+          </a:extLst>
+        </p:spPr>
+      </p:pic>
+      <p:sp>
+        <p:nvSpPr>
+          <p:cNvPr id="6" name="타원 5"/>
+          <p:cNvSpPr/>
+          <p:nvPr/>
+        </p:nvSpPr>
+        <p:spPr>
+          <a:xfrm>
+            <a:off x="212335" y="836712"/>
+            <a:ext cx="831273" cy="831273"/>
+          </a:xfrm>
+          <a:prstGeom prst="ellipse">
+            <a:avLst/>
+          </a:prstGeom>
+          <a:solidFill>
+            <a:srgbClr val="F94545"/>
+          </a:solidFill>
+          <a:ln>
+            <a:solidFill>
+              <a:schemeClr val="tx1"/>
+            </a:solidFill>
+          </a:ln>
+        </p:spPr>
+        <p:style>
+          <a:lnRef idx="2">
+            <a:schemeClr val="accent1">
+              <a:shade val="50000"/>
+            </a:schemeClr>
+          </a:lnRef>
+          <a:fillRef idx="1">
+            <a:schemeClr val="accent1"/>
+          </a:fillRef>
+          <a:effectRef idx="0">
+            <a:schemeClr val="accent1"/>
+          </a:effectRef>
+          <a:fontRef idx="minor">
+            <a:schemeClr val="lt1"/>
+          </a:fontRef>
+        </p:style>
+        <p:txBody>
+          <a:bodyPr rtlCol="0" anchor="ctr"/>
+          <a:lstStyle/>
+          <a:p>
+            <a:pPr algn="ctr"/>
+            <a:r>
+              <a:rPr lang="en-US" altLang="ko-KR" sz="2400" b="1" dirty="0">
+                <a:solidFill>
+                  <a:sysClr val="windowText" lastClr="000000"/>
+                </a:solidFill>
+              </a:rPr>
+              <a:t>58</a:t>
+            </a:r>
+            <a:endParaRPr lang="ko-KR" altLang="en-US" sz="2400" b="1" dirty="0">
+              <a:solidFill>
+                <a:sysClr val="windowText" lastClr="000000"/>
+              </a:solidFill>
+            </a:endParaRPr>
+          </a:p>
+        </p:txBody>
+      </p:sp>
+      <p:sp>
+        <p:nvSpPr>
+          <p:cNvPr id="7" name="타원 6"/>
+          <p:cNvSpPr/>
+          <p:nvPr/>
+        </p:nvSpPr>
+        <p:spPr>
+          <a:xfrm>
+            <a:off x="1198342" y="836712"/>
+            <a:ext cx="831273" cy="831273"/>
+          </a:xfrm>
+          <a:prstGeom prst="ellipse">
+            <a:avLst/>
+          </a:prstGeom>
+          <a:solidFill>
+            <a:srgbClr val="F94545"/>
+          </a:solidFill>
+          <a:ln>
+            <a:solidFill>
+              <a:schemeClr val="tx1"/>
+            </a:solidFill>
+          </a:ln>
+        </p:spPr>
+        <p:style>
+          <a:lnRef idx="2">
+            <a:schemeClr val="accent1">
+              <a:shade val="50000"/>
+            </a:schemeClr>
+          </a:lnRef>
+          <a:fillRef idx="1">
+            <a:schemeClr val="accent1"/>
+          </a:fillRef>
+          <a:effectRef idx="0">
+            <a:schemeClr val="accent1"/>
+          </a:effectRef>
+          <a:fontRef idx="minor">
+            <a:schemeClr val="lt1"/>
+          </a:fontRef>
+        </p:style>
+        <p:txBody>
+          <a:bodyPr rtlCol="0" anchor="ctr"/>
+          <a:lstStyle/>
+          <a:p>
+            <a:pPr algn="ctr"/>
+            <a:r>
+              <a:rPr lang="en-US" altLang="ko-KR" sz="2400" b="1" dirty="0">
+                <a:solidFill>
+                  <a:sysClr val="windowText" lastClr="000000"/>
+                </a:solidFill>
+              </a:rPr>
+              <a:t>69</a:t>
+            </a:r>
+            <a:endParaRPr lang="ko-KR" altLang="en-US" sz="2400" b="1" dirty="0">
+              <a:solidFill>
+                <a:sysClr val="windowText" lastClr="000000"/>
+              </a:solidFill>
+            </a:endParaRPr>
+          </a:p>
+        </p:txBody>
+      </p:sp>
+      <p:sp>
+        <p:nvSpPr>
+          <p:cNvPr id="8" name="타원 7"/>
+          <p:cNvSpPr/>
+          <p:nvPr/>
+        </p:nvSpPr>
+        <p:spPr>
+          <a:xfrm>
+            <a:off x="2184349" y="836712"/>
+            <a:ext cx="831273" cy="831273"/>
+          </a:xfrm>
+          <a:prstGeom prst="ellipse">
+            <a:avLst/>
+          </a:prstGeom>
+          <a:solidFill>
+            <a:srgbClr val="F94545"/>
+          </a:solidFill>
+          <a:ln>
+            <a:solidFill>
+              <a:schemeClr val="tx1"/>
+            </a:solidFill>
+          </a:ln>
+        </p:spPr>
+        <p:style>
+          <a:lnRef idx="2">
+            <a:schemeClr val="accent1">
+              <a:shade val="50000"/>
+            </a:schemeClr>
+          </a:lnRef>
+          <a:fillRef idx="1">
+            <a:schemeClr val="accent1"/>
+          </a:fillRef>
+          <a:effectRef idx="0">
+            <a:schemeClr val="accent1"/>
+          </a:effectRef>
+          <a:fontRef idx="minor">
+            <a:schemeClr val="lt1"/>
+          </a:fontRef>
+        </p:style>
+        <p:txBody>
+          <a:bodyPr rtlCol="0" anchor="ctr"/>
+          <a:lstStyle/>
+          <a:p>
+            <a:pPr algn="ctr"/>
+            <a:r>
+              <a:rPr lang="en-US" altLang="ko-KR" sz="2400" b="1" dirty="0">
+                <a:solidFill>
+                  <a:sysClr val="windowText" lastClr="000000"/>
+                </a:solidFill>
+              </a:rPr>
+              <a:t>64</a:t>
+            </a:r>
+            <a:endParaRPr lang="ko-KR" altLang="en-US" sz="2400" b="1" dirty="0">
+              <a:solidFill>
+                <a:sysClr val="windowText" lastClr="000000"/>
+              </a:solidFill>
+            </a:endParaRPr>
+          </a:p>
+        </p:txBody>
+      </p:sp>
+      <p:sp>
+        <p:nvSpPr>
+          <p:cNvPr id="9" name="타원 8"/>
+          <p:cNvSpPr/>
+          <p:nvPr/>
+        </p:nvSpPr>
+        <p:spPr>
+          <a:xfrm>
+            <a:off x="3170356" y="836712"/>
+            <a:ext cx="831273" cy="831273"/>
+          </a:xfrm>
+          <a:prstGeom prst="ellipse">
+            <a:avLst/>
+          </a:prstGeom>
+          <a:solidFill>
+            <a:srgbClr val="F94545"/>
+          </a:solidFill>
+          <a:ln>
+            <a:solidFill>
+              <a:schemeClr val="tx1"/>
+            </a:solidFill>
+          </a:ln>
+        </p:spPr>
+        <p:style>
+          <a:lnRef idx="2">
+            <a:schemeClr val="accent1">
+              <a:shade val="50000"/>
+            </a:schemeClr>
+          </a:lnRef>
+          <a:fillRef idx="1">
+            <a:schemeClr val="accent1"/>
+          </a:fillRef>
+          <a:effectRef idx="0">
+            <a:schemeClr val="accent1"/>
+          </a:effectRef>
+          <a:fontRef idx="minor">
+            <a:schemeClr val="lt1"/>
+          </a:fontRef>
+        </p:style>
+        <p:txBody>
+          <a:bodyPr rtlCol="0" anchor="ctr"/>
+          <a:lstStyle/>
+          <a:p>
+            <a:pPr algn="ctr"/>
+            <a:r>
+              <a:rPr lang="en-US" altLang="ko-KR" sz="2400" b="1" dirty="0">
+                <a:solidFill>
+                  <a:sysClr val="windowText" lastClr="000000"/>
+                </a:solidFill>
+              </a:rPr>
+              <a:t>55</a:t>
+            </a:r>
+            <a:endParaRPr lang="ko-KR" altLang="en-US" sz="2400" b="1" dirty="0">
+              <a:solidFill>
+                <a:sysClr val="windowText" lastClr="000000"/>
+              </a:solidFill>
+            </a:endParaRPr>
+          </a:p>
+        </p:txBody>
+      </p:sp>
+      <p:sp>
+        <p:nvSpPr>
+          <p:cNvPr id="10" name="타원 9"/>
+          <p:cNvSpPr/>
+          <p:nvPr/>
+        </p:nvSpPr>
+        <p:spPr>
+          <a:xfrm>
+            <a:off x="4156363" y="836712"/>
+            <a:ext cx="831273" cy="831273"/>
+          </a:xfrm>
+          <a:prstGeom prst="ellipse">
+            <a:avLst/>
+          </a:prstGeom>
+          <a:solidFill>
+            <a:srgbClr val="92B1D6"/>
+          </a:solidFill>
+          <a:ln>
+            <a:solidFill>
+              <a:schemeClr val="tx1"/>
+            </a:solidFill>
+          </a:ln>
+        </p:spPr>
+        <p:style>
+          <a:lnRef idx="2">
+            <a:schemeClr val="accent1">
+              <a:shade val="50000"/>
+            </a:schemeClr>
+          </a:lnRef>
+          <a:fillRef idx="1">
+            <a:schemeClr val="accent1"/>
+          </a:fillRef>
+          <a:effectRef idx="0">
+            <a:schemeClr val="accent1"/>
+          </a:effectRef>
+          <a:fontRef idx="minor">
+            <a:schemeClr val="lt1"/>
+          </a:fontRef>
+        </p:style>
+        <p:txBody>
+          <a:bodyPr rtlCol="0" anchor="ctr"/>
+          <a:lstStyle/>
+          <a:p>
+            <a:pPr algn="ctr"/>
+            <a:r>
+              <a:rPr lang="en-US" altLang="ko-KR" sz="2400" b="1" dirty="0">
+                <a:solidFill>
+                  <a:sysClr val="windowText" lastClr="000000"/>
+                </a:solidFill>
+              </a:rPr>
+              <a:t>51</a:t>
+            </a:r>
+            <a:endParaRPr lang="ko-KR" altLang="en-US" sz="2400" b="1" dirty="0">
+              <a:solidFill>
+                <a:sysClr val="windowText" lastClr="000000"/>
+              </a:solidFill>
+            </a:endParaRPr>
+          </a:p>
+        </p:txBody>
+      </p:sp>
+      <p:sp>
+        <p:nvSpPr>
+          <p:cNvPr id="11" name="타원 10"/>
+          <p:cNvSpPr/>
+          <p:nvPr/>
+        </p:nvSpPr>
+        <p:spPr>
+          <a:xfrm>
+            <a:off x="5142370" y="836712"/>
+            <a:ext cx="831273" cy="831273"/>
+          </a:xfrm>
+          <a:prstGeom prst="ellipse">
+            <a:avLst/>
+          </a:prstGeom>
+          <a:solidFill>
+            <a:srgbClr val="92B1D6"/>
+          </a:solidFill>
+          <a:ln>
+            <a:solidFill>
+              <a:schemeClr val="tx1"/>
+            </a:solidFill>
+          </a:ln>
+        </p:spPr>
+        <p:style>
+          <a:lnRef idx="2">
+            <a:schemeClr val="accent1">
+              <a:shade val="50000"/>
+            </a:schemeClr>
+          </a:lnRef>
+          <a:fillRef idx="1">
+            <a:schemeClr val="accent1"/>
+          </a:fillRef>
+          <a:effectRef idx="0">
+            <a:schemeClr val="accent1"/>
+          </a:effectRef>
+          <a:fontRef idx="minor">
+            <a:schemeClr val="lt1"/>
+          </a:fontRef>
+        </p:style>
+        <p:txBody>
+          <a:bodyPr rtlCol="0" anchor="ctr"/>
+          <a:lstStyle/>
+          <a:p>
+            <a:pPr algn="ctr"/>
+            <a:r>
+              <a:rPr lang="en-US" altLang="ko-KR" sz="2400" b="1" dirty="0">
+                <a:solidFill>
+                  <a:sysClr val="windowText" lastClr="000000"/>
+                </a:solidFill>
+              </a:rPr>
+              <a:t>41</a:t>
+            </a:r>
+            <a:endParaRPr lang="ko-KR" altLang="en-US" sz="2400" b="1" dirty="0">
+              <a:solidFill>
+                <a:sysClr val="windowText" lastClr="000000"/>
+              </a:solidFill>
+            </a:endParaRPr>
+          </a:p>
+        </p:txBody>
+      </p:sp>
+      <p:sp>
+        <p:nvSpPr>
+          <p:cNvPr id="12" name="타원 11"/>
+          <p:cNvSpPr/>
+          <p:nvPr/>
+        </p:nvSpPr>
+        <p:spPr>
+          <a:xfrm>
+            <a:off x="6128377" y="836712"/>
+            <a:ext cx="831273" cy="831273"/>
+          </a:xfrm>
+          <a:prstGeom prst="ellipse">
+            <a:avLst/>
+          </a:prstGeom>
+          <a:solidFill>
+            <a:srgbClr val="92B1D6"/>
+          </a:solidFill>
+          <a:ln>
+            <a:solidFill>
+              <a:schemeClr val="tx1"/>
+            </a:solidFill>
+          </a:ln>
+        </p:spPr>
+        <p:style>
+          <a:lnRef idx="2">
+            <a:schemeClr val="accent1">
+              <a:shade val="50000"/>
+            </a:schemeClr>
+          </a:lnRef>
+          <a:fillRef idx="1">
+            <a:schemeClr val="accent1"/>
+          </a:fillRef>
+          <a:effectRef idx="0">
+            <a:schemeClr val="accent1"/>
+          </a:effectRef>
+          <a:fontRef idx="minor">
+            <a:schemeClr val="lt1"/>
+          </a:fontRef>
+        </p:style>
+        <p:txBody>
+          <a:bodyPr rtlCol="0" anchor="ctr"/>
+          <a:lstStyle/>
+          <a:p>
+            <a:pPr algn="ctr"/>
+            <a:r>
+              <a:rPr lang="en-US" altLang="ko-KR" sz="2400" b="1" dirty="0">
+                <a:solidFill>
+                  <a:sysClr val="windowText" lastClr="000000"/>
+                </a:solidFill>
+              </a:rPr>
+              <a:t>51</a:t>
+            </a:r>
+            <a:endParaRPr lang="ko-KR" altLang="en-US" sz="2400" b="1" dirty="0">
+              <a:solidFill>
+                <a:sysClr val="windowText" lastClr="000000"/>
+              </a:solidFill>
+            </a:endParaRPr>
+          </a:p>
+        </p:txBody>
+      </p:sp>
+      <p:sp>
+        <p:nvSpPr>
+          <p:cNvPr id="13" name="타원 12"/>
+          <p:cNvSpPr/>
+          <p:nvPr/>
+        </p:nvSpPr>
+        <p:spPr>
+          <a:xfrm>
+            <a:off x="7114384" y="836712"/>
+            <a:ext cx="831273" cy="831273"/>
+          </a:xfrm>
+          <a:prstGeom prst="ellipse">
+            <a:avLst/>
+          </a:prstGeom>
+          <a:solidFill>
+            <a:srgbClr val="92B1D6"/>
+          </a:solidFill>
+          <a:ln>
+            <a:solidFill>
+              <a:schemeClr val="tx1"/>
+            </a:solidFill>
+          </a:ln>
+        </p:spPr>
+        <p:style>
+          <a:lnRef idx="2">
+            <a:schemeClr val="accent1">
+              <a:shade val="50000"/>
+            </a:schemeClr>
+          </a:lnRef>
+          <a:fillRef idx="1">
+            <a:schemeClr val="accent1"/>
+          </a:fillRef>
+          <a:effectRef idx="0">
+            <a:schemeClr val="accent1"/>
+          </a:effectRef>
+          <a:fontRef idx="minor">
+            <a:schemeClr val="lt1"/>
+          </a:fontRef>
+        </p:style>
+        <p:txBody>
+          <a:bodyPr rtlCol="0" anchor="ctr"/>
+          <a:lstStyle/>
+          <a:p>
+            <a:pPr algn="ctr"/>
+            <a:r>
+              <a:rPr lang="en-US" altLang="ko-KR" sz="2400" b="1" dirty="0">
+                <a:solidFill>
+                  <a:sysClr val="windowText" lastClr="000000"/>
+                </a:solidFill>
+              </a:rPr>
+              <a:t>71</a:t>
+            </a:r>
+            <a:endParaRPr lang="ko-KR" altLang="en-US" sz="2400" b="1" dirty="0">
+              <a:solidFill>
+                <a:sysClr val="windowText" lastClr="000000"/>
+              </a:solidFill>
+            </a:endParaRPr>
+          </a:p>
+        </p:txBody>
+      </p:sp>
+      <p:sp>
+        <p:nvSpPr>
+          <p:cNvPr id="14" name="타원 13"/>
+          <p:cNvSpPr/>
+          <p:nvPr/>
+        </p:nvSpPr>
+        <p:spPr>
+          <a:xfrm>
+            <a:off x="8100392" y="836712"/>
+            <a:ext cx="831273" cy="831273"/>
+          </a:xfrm>
+          <a:prstGeom prst="ellipse">
+            <a:avLst/>
+          </a:prstGeom>
+          <a:solidFill>
+            <a:srgbClr val="92B1D6"/>
+          </a:solidFill>
+          <a:ln>
+            <a:solidFill>
+              <a:schemeClr val="tx1"/>
+            </a:solidFill>
+          </a:ln>
+        </p:spPr>
+        <p:style>
+          <a:lnRef idx="2">
+            <a:schemeClr val="accent1">
+              <a:shade val="50000"/>
+            </a:schemeClr>
+          </a:lnRef>
+          <a:fillRef idx="1">
+            <a:schemeClr val="accent1"/>
+          </a:fillRef>
+          <a:effectRef idx="0">
+            <a:schemeClr val="accent1"/>
+          </a:effectRef>
+          <a:fontRef idx="minor">
+            <a:schemeClr val="lt1"/>
+          </a:fontRef>
+        </p:style>
+        <p:txBody>
+          <a:bodyPr rtlCol="0" anchor="ctr"/>
+          <a:lstStyle/>
+          <a:p>
+            <a:pPr algn="ctr"/>
+            <a:r>
+              <a:rPr lang="en-US" altLang="ko-KR" sz="2400" b="1" dirty="0">
+                <a:solidFill>
+                  <a:sysClr val="windowText" lastClr="000000"/>
+                </a:solidFill>
+              </a:rPr>
+              <a:t>42</a:t>
+            </a:r>
+            <a:endParaRPr lang="ko-KR" altLang="en-US" sz="2400" b="1" dirty="0">
+              <a:solidFill>
+                <a:sysClr val="windowText" lastClr="000000"/>
+              </a:solidFill>
+            </a:endParaRPr>
+          </a:p>
+        </p:txBody>
+      </p:sp>
+      <p:sp>
+        <p:nvSpPr>
+          <p:cNvPr id="2" name="직사각형 1"/>
+          <p:cNvSpPr/>
+          <p:nvPr/>
+        </p:nvSpPr>
+        <p:spPr>
+          <a:xfrm>
+            <a:off x="2764709" y="3022104"/>
+            <a:ext cx="1353188" cy="914400"/>
+          </a:xfrm>
+          <a:prstGeom prst="rect">
+            <a:avLst/>
+          </a:prstGeom>
+          <a:noFill/>
+          <a:ln>
+            <a:noFill/>
+          </a:ln>
+        </p:spPr>
+        <p:style>
+          <a:lnRef idx="2">
+            <a:schemeClr val="accent1">
+              <a:shade val="50000"/>
+            </a:schemeClr>
+          </a:lnRef>
+          <a:fillRef idx="1">
+            <a:schemeClr val="accent1"/>
+          </a:fillRef>
+          <a:effectRef idx="0">
+            <a:schemeClr val="accent1"/>
+          </a:effectRef>
+          <a:fontRef idx="minor">
+            <a:schemeClr val="lt1"/>
+          </a:fontRef>
+        </p:style>
+        <p:txBody>
+          <a:bodyPr rtlCol="0" anchor="ctr"/>
+          <a:lstStyle/>
+          <a:p>
+            <a:pPr algn="ctr"/>
+            <a:r>
+              <a:rPr lang="en-US" altLang="ko-KR" sz="2800" dirty="0">
+                <a:solidFill>
+                  <a:schemeClr val="tx1"/>
+                </a:solidFill>
+              </a:rPr>
+              <a:t>51.75</a:t>
+            </a:r>
+            <a:endParaRPr lang="ko-KR" altLang="en-US" sz="2800" dirty="0">
+              <a:solidFill>
+                <a:schemeClr val="tx1"/>
+              </a:solidFill>
+            </a:endParaRPr>
+          </a:p>
+        </p:txBody>
+      </p:sp>
+      <p:sp>
+        <p:nvSpPr>
+          <p:cNvPr id="21" name="직사각형 20"/>
+          <p:cNvSpPr/>
+          <p:nvPr/>
+        </p:nvSpPr>
+        <p:spPr>
+          <a:xfrm>
+            <a:off x="4217038" y="3022104"/>
+            <a:ext cx="1131499" cy="914400"/>
+          </a:xfrm>
+          <a:prstGeom prst="rect">
+            <a:avLst/>
+          </a:prstGeom>
+          <a:noFill/>
+          <a:ln>
+            <a:noFill/>
+          </a:ln>
+        </p:spPr>
+        <p:style>
+          <a:lnRef idx="2">
+            <a:schemeClr val="accent1">
+              <a:shade val="50000"/>
+            </a:schemeClr>
+          </a:lnRef>
+          <a:fillRef idx="1">
+            <a:schemeClr val="accent1"/>
+          </a:fillRef>
+          <a:effectRef idx="0">
+            <a:schemeClr val="accent1"/>
+          </a:effectRef>
+          <a:fontRef idx="minor">
+            <a:schemeClr val="lt1"/>
+          </a:fontRef>
+        </p:style>
+        <p:txBody>
+          <a:bodyPr rtlCol="0" anchor="ctr"/>
+          <a:lstStyle/>
+          <a:p>
+            <a:pPr algn="ctr"/>
+            <a:r>
+              <a:rPr lang="en-US" altLang="ko-KR" sz="2800" dirty="0">
+                <a:solidFill>
+                  <a:schemeClr val="tx1"/>
+                </a:solidFill>
+              </a:rPr>
+              <a:t>59.00</a:t>
+            </a:r>
+            <a:endParaRPr lang="ko-KR" altLang="en-US" sz="2800" dirty="0">
+              <a:solidFill>
+                <a:schemeClr val="tx1"/>
+              </a:solidFill>
+            </a:endParaRPr>
+          </a:p>
+        </p:txBody>
+      </p:sp>
+      <p:cxnSp>
+        <p:nvCxnSpPr>
+          <p:cNvPr id="4" name="직선 연결선 3"/>
+          <p:cNvCxnSpPr>
+            <a:stCxn id="8" idx="4"/>
+            <a:endCxn id="2" idx="0"/>
+          </p:cNvCxnSpPr>
+          <p:nvPr/>
+        </p:nvCxnSpPr>
+        <p:spPr>
+          <a:xfrm>
+            <a:off x="2599986" y="1667985"/>
+            <a:ext cx="841317" cy="1354119"/>
+          </a:xfrm>
+          <a:prstGeom prst="line">
+            <a:avLst/>
+          </a:prstGeom>
+          <a:ln w="28575">
+            <a:solidFill>
+              <a:schemeClr val="tx1"/>
+            </a:solidFill>
+          </a:ln>
+        </p:spPr>
+        <p:style>
+          <a:lnRef idx="1">
+            <a:schemeClr val="accent1"/>
+          </a:lnRef>
+          <a:fillRef idx="0">
+            <a:schemeClr val="accent1"/>
+          </a:fillRef>
+          <a:effectRef idx="0">
+            <a:schemeClr val="accent1"/>
+          </a:effectRef>
+          <a:fontRef idx="minor">
+            <a:schemeClr val="tx1"/>
+          </a:fontRef>
+        </p:style>
+      </p:cxnSp>
+      <p:cxnSp>
+        <p:nvCxnSpPr>
+          <p:cNvPr id="15" name="직선 연결선 14"/>
+          <p:cNvCxnSpPr>
+            <a:stCxn id="11" idx="4"/>
+            <a:endCxn id="2" idx="0"/>
+          </p:cNvCxnSpPr>
+          <p:nvPr/>
+        </p:nvCxnSpPr>
+        <p:spPr>
+          <a:xfrm flipH="1">
+            <a:off x="3441303" y="1667985"/>
+            <a:ext cx="2116704" cy="1354119"/>
+          </a:xfrm>
+          <a:prstGeom prst="line">
+            <a:avLst/>
+          </a:prstGeom>
+          <a:ln w="28575">
+            <a:solidFill>
+              <a:schemeClr val="tx1"/>
+            </a:solidFill>
+          </a:ln>
+        </p:spPr>
+        <p:style>
+          <a:lnRef idx="1">
+            <a:schemeClr val="accent1"/>
+          </a:lnRef>
+          <a:fillRef idx="0">
+            <a:schemeClr val="accent1"/>
+          </a:fillRef>
+          <a:effectRef idx="0">
+            <a:schemeClr val="accent1"/>
+          </a:effectRef>
+          <a:fontRef idx="minor">
+            <a:schemeClr val="tx1"/>
+          </a:fontRef>
+        </p:style>
+      </p:cxnSp>
+      <p:cxnSp>
+        <p:nvCxnSpPr>
+          <p:cNvPr id="23" name="직선 연결선 22"/>
+          <p:cNvCxnSpPr>
+            <a:stCxn id="10" idx="4"/>
+            <a:endCxn id="2" idx="0"/>
+          </p:cNvCxnSpPr>
+          <p:nvPr/>
+        </p:nvCxnSpPr>
+        <p:spPr>
+          <a:xfrm flipH="1">
+            <a:off x="3441303" y="1667985"/>
+            <a:ext cx="1130697" cy="1354119"/>
+          </a:xfrm>
+          <a:prstGeom prst="line">
+            <a:avLst/>
+          </a:prstGeom>
+          <a:ln w="28575">
+            <a:solidFill>
+              <a:schemeClr val="tx1"/>
+            </a:solidFill>
+          </a:ln>
+        </p:spPr>
+        <p:style>
+          <a:lnRef idx="1">
+            <a:schemeClr val="accent1"/>
+          </a:lnRef>
+          <a:fillRef idx="0">
+            <a:schemeClr val="accent1"/>
+          </a:fillRef>
+          <a:effectRef idx="0">
+            <a:schemeClr val="accent1"/>
+          </a:effectRef>
+          <a:fontRef idx="minor">
+            <a:schemeClr val="tx1"/>
+          </a:fontRef>
+        </p:style>
+      </p:cxnSp>
+      <p:cxnSp>
+        <p:nvCxnSpPr>
+          <p:cNvPr id="25" name="직선 연결선 24"/>
+          <p:cNvCxnSpPr>
+            <a:stCxn id="12" idx="4"/>
+            <a:endCxn id="2" idx="0"/>
+          </p:cNvCxnSpPr>
+          <p:nvPr/>
+        </p:nvCxnSpPr>
+        <p:spPr>
+          <a:xfrm flipH="1">
+            <a:off x="3441303" y="1667985"/>
+            <a:ext cx="3102711" cy="1354119"/>
+          </a:xfrm>
+          <a:prstGeom prst="line">
+            <a:avLst/>
+          </a:prstGeom>
+          <a:ln w="28575">
+            <a:solidFill>
+              <a:schemeClr val="tx1"/>
+            </a:solidFill>
+          </a:ln>
+        </p:spPr>
+        <p:style>
+          <a:lnRef idx="1">
+            <a:schemeClr val="accent1"/>
+          </a:lnRef>
+          <a:fillRef idx="0">
+            <a:schemeClr val="accent1"/>
+          </a:fillRef>
+          <a:effectRef idx="0">
+            <a:schemeClr val="accent1"/>
+          </a:effectRef>
+          <a:fontRef idx="minor">
+            <a:schemeClr val="tx1"/>
+          </a:fontRef>
+        </p:style>
+      </p:cxnSp>
+      <p:cxnSp>
+        <p:nvCxnSpPr>
+          <p:cNvPr id="27" name="직선 연결선 26"/>
+          <p:cNvCxnSpPr>
+            <a:stCxn id="6" idx="4"/>
+            <a:endCxn id="21" idx="0"/>
+          </p:cNvCxnSpPr>
+          <p:nvPr/>
+        </p:nvCxnSpPr>
+        <p:spPr>
+          <a:xfrm>
+            <a:off x="627972" y="1667985"/>
+            <a:ext cx="4154816" cy="1354119"/>
+          </a:xfrm>
+          <a:prstGeom prst="line">
+            <a:avLst/>
+          </a:prstGeom>
+          <a:ln w="28575">
+            <a:solidFill>
+              <a:schemeClr val="tx1"/>
+            </a:solidFill>
+            <a:prstDash val="dash"/>
+          </a:ln>
+        </p:spPr>
+        <p:style>
+          <a:lnRef idx="1">
+            <a:schemeClr val="accent1"/>
+          </a:lnRef>
+          <a:fillRef idx="0">
+            <a:schemeClr val="accent1"/>
+          </a:fillRef>
+          <a:effectRef idx="0">
+            <a:schemeClr val="accent1"/>
+          </a:effectRef>
+          <a:fontRef idx="minor">
+            <a:schemeClr val="tx1"/>
+          </a:fontRef>
+        </p:style>
+      </p:cxnSp>
+      <p:cxnSp>
+        <p:nvCxnSpPr>
+          <p:cNvPr id="29" name="직선 연결선 28"/>
+          <p:cNvCxnSpPr>
+            <a:stCxn id="7" idx="4"/>
+            <a:endCxn id="21" idx="0"/>
+          </p:cNvCxnSpPr>
+          <p:nvPr/>
+        </p:nvCxnSpPr>
+        <p:spPr>
+          <a:xfrm>
+            <a:off x="1613979" y="1667985"/>
+            <a:ext cx="3168809" cy="1354119"/>
+          </a:xfrm>
+          <a:prstGeom prst="line">
+            <a:avLst/>
+          </a:prstGeom>
+          <a:ln w="28575">
+            <a:solidFill>
+              <a:schemeClr val="tx1"/>
+            </a:solidFill>
+            <a:prstDash val="dash"/>
+          </a:ln>
+        </p:spPr>
+        <p:style>
+          <a:lnRef idx="1">
+            <a:schemeClr val="accent1"/>
+          </a:lnRef>
+          <a:fillRef idx="0">
+            <a:schemeClr val="accent1"/>
+          </a:fillRef>
+          <a:effectRef idx="0">
+            <a:schemeClr val="accent1"/>
+          </a:effectRef>
+          <a:fontRef idx="minor">
+            <a:schemeClr val="tx1"/>
+          </a:fontRef>
+        </p:style>
+      </p:cxnSp>
+      <p:cxnSp>
+        <p:nvCxnSpPr>
+          <p:cNvPr id="31" name="직선 연결선 30"/>
+          <p:cNvCxnSpPr>
+            <a:stCxn id="9" idx="4"/>
+            <a:endCxn id="21" idx="0"/>
+          </p:cNvCxnSpPr>
+          <p:nvPr/>
+        </p:nvCxnSpPr>
+        <p:spPr>
+          <a:xfrm>
+            <a:off x="3585993" y="1667985"/>
+            <a:ext cx="1196795" cy="1354119"/>
+          </a:xfrm>
+          <a:prstGeom prst="line">
+            <a:avLst/>
+          </a:prstGeom>
+          <a:ln w="28575">
+            <a:solidFill>
+              <a:schemeClr val="tx1"/>
+            </a:solidFill>
+            <a:prstDash val="dash"/>
+          </a:ln>
+        </p:spPr>
+        <p:style>
+          <a:lnRef idx="1">
+            <a:schemeClr val="accent1"/>
+          </a:lnRef>
+          <a:fillRef idx="0">
+            <a:schemeClr val="accent1"/>
+          </a:fillRef>
+          <a:effectRef idx="0">
+            <a:schemeClr val="accent1"/>
+          </a:effectRef>
+          <a:fontRef idx="minor">
+            <a:schemeClr val="tx1"/>
+          </a:fontRef>
+        </p:style>
+      </p:cxnSp>
+      <p:cxnSp>
+        <p:nvCxnSpPr>
+          <p:cNvPr id="33" name="직선 화살표 연결선 32"/>
+          <p:cNvCxnSpPr>
+            <a:stCxn id="13" idx="4"/>
+            <a:endCxn id="21" idx="0"/>
+          </p:cNvCxnSpPr>
+          <p:nvPr/>
+        </p:nvCxnSpPr>
+        <p:spPr>
+          <a:xfrm flipH="1">
+            <a:off x="4782788" y="1667985"/>
+            <a:ext cx="2747233" cy="1354119"/>
+          </a:xfrm>
+          <a:prstGeom prst="straightConnector1">
+            <a:avLst/>
+          </a:prstGeom>
+          <a:ln w="28575">
+            <a:solidFill>
+              <a:schemeClr val="tx1"/>
+            </a:solidFill>
+            <a:prstDash val="dash"/>
+            <a:headEnd type="none" w="med" len="med"/>
+            <a:tailEnd type="none" w="med" len="med"/>
+          </a:ln>
+        </p:spPr>
+        <p:style>
+          <a:lnRef idx="1">
+            <a:schemeClr val="accent1"/>
+          </a:lnRef>
+          <a:fillRef idx="0">
+            <a:schemeClr val="accent1"/>
+          </a:fillRef>
+          <a:effectRef idx="0">
+            <a:schemeClr val="accent1"/>
+          </a:effectRef>
+          <a:fontRef idx="minor">
+            <a:schemeClr val="tx1"/>
+          </a:fontRef>
+        </p:style>
+      </p:cxnSp>
+      <p:cxnSp>
+        <p:nvCxnSpPr>
+          <p:cNvPr id="35" name="직선 연결선 34"/>
+          <p:cNvCxnSpPr>
+            <a:stCxn id="14" idx="4"/>
+            <a:endCxn id="21" idx="0"/>
+          </p:cNvCxnSpPr>
+          <p:nvPr/>
+        </p:nvCxnSpPr>
+        <p:spPr>
+          <a:xfrm flipH="1">
+            <a:off x="4782788" y="1667985"/>
+            <a:ext cx="3733241" cy="1354119"/>
+          </a:xfrm>
+          <a:prstGeom prst="line">
+            <a:avLst/>
+          </a:prstGeom>
+          <a:ln w="28575">
+            <a:solidFill>
+              <a:schemeClr val="tx1"/>
+            </a:solidFill>
+            <a:prstDash val="dash"/>
+          </a:ln>
+        </p:spPr>
+        <p:style>
+          <a:lnRef idx="1">
+            <a:schemeClr val="accent1"/>
+          </a:lnRef>
+          <a:fillRef idx="0">
+            <a:schemeClr val="accent1"/>
+          </a:fillRef>
+          <a:effectRef idx="0">
+            <a:schemeClr val="accent1"/>
+          </a:effectRef>
+          <a:fontRef idx="minor">
+            <a:schemeClr val="tx1"/>
+          </a:fontRef>
+        </p:style>
+      </p:cxnSp>
+      <p:sp>
+        <p:nvSpPr>
+          <p:cNvPr id="36" name="TextBox 35"/>
+          <p:cNvSpPr txBox="1"/>
+          <p:nvPr/>
+        </p:nvSpPr>
+        <p:spPr>
+          <a:xfrm>
+            <a:off x="3951826" y="3212976"/>
+            <a:ext cx="332142" cy="523220"/>
+          </a:xfrm>
+          <a:prstGeom prst="rect">
+            <a:avLst/>
+          </a:prstGeom>
+          <a:noFill/>
+        </p:spPr>
+        <p:txBody>
+          <a:bodyPr wrap="none" rtlCol="0">
+            <a:spAutoFit/>
+          </a:bodyPr>
+          <a:lstStyle/>
+          <a:p>
+            <a:r>
+              <a:rPr lang="en-US" altLang="ko-KR" sz="2800" dirty="0"/>
+              <a:t>-</a:t>
+            </a:r>
+            <a:endParaRPr lang="ko-KR" altLang="en-US" sz="2800" dirty="0"/>
+          </a:p>
+        </p:txBody>
+      </p:sp>
+      <p:sp>
+        <p:nvSpPr>
+          <p:cNvPr id="55" name="TextBox 54"/>
+          <p:cNvSpPr txBox="1"/>
+          <p:nvPr/>
+        </p:nvSpPr>
+        <p:spPr>
+          <a:xfrm>
+            <a:off x="5142370" y="3212976"/>
+            <a:ext cx="1380506" cy="523220"/>
+          </a:xfrm>
+          <a:prstGeom prst="rect">
+            <a:avLst/>
+          </a:prstGeom>
+          <a:noFill/>
+        </p:spPr>
+        <p:txBody>
+          <a:bodyPr wrap="none" rtlCol="0">
+            <a:spAutoFit/>
+          </a:bodyPr>
+          <a:lstStyle/>
+          <a:p>
+            <a:r>
+              <a:rPr lang="en-US" altLang="ko-KR" sz="2800" dirty="0"/>
+              <a:t>= -7.25</a:t>
+            </a:r>
+            <a:endParaRPr lang="ko-KR" altLang="en-US" sz="2800" dirty="0"/>
+          </a:p>
+        </p:txBody>
+      </p:sp>
+      <p:sp>
+        <p:nvSpPr>
+          <p:cNvPr id="61" name="TextBox 60"/>
+          <p:cNvSpPr txBox="1"/>
+          <p:nvPr/>
+        </p:nvSpPr>
+        <p:spPr>
+          <a:xfrm>
+            <a:off x="179512" y="188640"/>
+            <a:ext cx="4211730" cy="523220"/>
+          </a:xfrm>
+          <a:prstGeom prst="rect">
+            <a:avLst/>
+          </a:prstGeom>
+          <a:noFill/>
+        </p:spPr>
+        <p:txBody>
+          <a:bodyPr wrap="none" rtlCol="0">
+            <a:spAutoFit/>
+          </a:bodyPr>
+          <a:lstStyle/>
+          <a:p>
+            <a:r>
+              <a:rPr lang="en-US" altLang="ko-KR" sz="2800" b="1" dirty="0"/>
+              <a:t>[1st round of shuffling]</a:t>
+            </a:r>
+            <a:endParaRPr lang="ko-KR" altLang="en-US" sz="2800" b="1" dirty="0"/>
+          </a:p>
+        </p:txBody>
+      </p:sp>
+      <p:sp>
+        <p:nvSpPr>
+          <p:cNvPr id="3" name="Rectangle 2">
+            <a:extLst>
+              <a:ext uri="{FF2B5EF4-FFF2-40B4-BE49-F238E27FC236}">
+                <a16:creationId xmlns:a16="http://schemas.microsoft.com/office/drawing/2014/main" id="{5CD0EA0A-DA07-A283-BDE7-3A9D94F60691}"/>
+              </a:ext>
+            </a:extLst>
+          </p:cNvPr>
+          <p:cNvSpPr/>
+          <p:nvPr/>
+        </p:nvSpPr>
+        <p:spPr>
+          <a:xfrm>
+            <a:off x="4061335" y="6590091"/>
+            <a:ext cx="1287201" cy="243515"/>
+          </a:xfrm>
+          <a:prstGeom prst="rect">
+            <a:avLst/>
+          </a:prstGeom>
+          <a:solidFill>
+            <a:schemeClr val="bg1"/>
+          </a:solidFill>
+          <a:ln>
+            <a:noFill/>
+          </a:ln>
+        </p:spPr>
+        <p:style>
+          <a:lnRef idx="2">
+            <a:schemeClr val="accent1">
+              <a:shade val="50000"/>
+            </a:schemeClr>
+          </a:lnRef>
+          <a:fillRef idx="1">
+            <a:schemeClr val="accent1"/>
+          </a:fillRef>
+          <a:effectRef idx="0">
+            <a:schemeClr val="accent1"/>
+          </a:effectRef>
+          <a:fontRef idx="minor">
+            <a:schemeClr val="lt1"/>
+          </a:fontRef>
+        </p:style>
+        <p:txBody>
+          <a:bodyPr rtlCol="0" anchor="ctr"/>
+          <a:lstStyle/>
+          <a:p>
+            <a:pPr algn="ctr"/>
+            <a:endParaRPr lang="en-US"/>
+          </a:p>
+        </p:txBody>
+      </p:sp>
+      <p:sp>
+        <p:nvSpPr>
+          <p:cNvPr id="5" name="TextBox 4">
+            <a:extLst>
+              <a:ext uri="{FF2B5EF4-FFF2-40B4-BE49-F238E27FC236}">
+                <a16:creationId xmlns:a16="http://schemas.microsoft.com/office/drawing/2014/main" id="{9045CC69-D3B4-F0A1-C62E-39D9DB23F108}"/>
+              </a:ext>
+            </a:extLst>
+          </p:cNvPr>
+          <p:cNvSpPr txBox="1"/>
+          <p:nvPr/>
+        </p:nvSpPr>
+        <p:spPr>
+          <a:xfrm>
+            <a:off x="3680936" y="6527182"/>
+            <a:ext cx="2047997" cy="276999"/>
+          </a:xfrm>
+          <a:prstGeom prst="rect">
+            <a:avLst/>
+          </a:prstGeom>
+          <a:noFill/>
+        </p:spPr>
+        <p:txBody>
+          <a:bodyPr wrap="none" rtlCol="0">
+            <a:spAutoFit/>
+          </a:bodyPr>
+          <a:lstStyle/>
+          <a:p>
+            <a:pPr algn="ctr"/>
+            <a:r>
+              <a:rPr lang="en-US" sz="1200" dirty="0"/>
+              <a:t>difference of group means</a:t>
+            </a:r>
+          </a:p>
+        </p:txBody>
+      </p:sp>
+    </p:spTree>
+    <p:extLst>
+      <p:ext uri="{BB962C8B-B14F-4D97-AF65-F5344CB8AC3E}">
+        <p14:creationId xmlns:p14="http://schemas.microsoft.com/office/powerpoint/2010/main" val="1548673655"/>
+      </p:ext>
+    </p:extLst>
+  </p:cSld>
+  <p:clrMapOvr>
+    <a:masterClrMapping/>
+  </p:clrMapOvr>
+</p:sld>
+</file>
+
+<file path=ppt/slides/slide9.xml><?xml version="1.0" encoding="utf-8"?>
+<p:sld xmlns:a="http://schemas.openxmlformats.org/drawingml/2006/main" xmlns:r="http://schemas.openxmlformats.org/officeDocument/2006/relationships" xmlns:p="http://schemas.openxmlformats.org/presentationml/2006/main">
+  <p:cSld>
+    <p:spTree>
+      <p:nvGrpSpPr>
+        <p:cNvPr id="1" name=""/>
+        <p:cNvGrpSpPr/>
+        <p:nvPr/>
+      </p:nvGrpSpPr>
+      <p:grpSpPr>
+        <a:xfrm>
+          <a:off x="0" y="0"/>
+          <a:ext cx="0" cy="0"/>
+          <a:chOff x="0" y="0"/>
+          <a:chExt cx="0" cy="0"/>
+        </a:xfrm>
+      </p:grpSpPr>
+      <p:pic>
+        <p:nvPicPr>
+          <p:cNvPr id="39" name="Picture 3"/>
+          <p:cNvPicPr>
+            <a:picLocks noChangeAspect="1" noChangeArrowheads="1"/>
+          </p:cNvPicPr>
+          <p:nvPr/>
+        </p:nvPicPr>
+        <p:blipFill>
+          <a:blip r:embed="rId2">
+            <a:extLst>
+              <a:ext uri="{28A0092B-C50C-407E-A947-70E740481C1C}">
+                <a14:useLocalDpi xmlns:a14="http://schemas.microsoft.com/office/drawing/2010/main" val="0"/>
+              </a:ext>
+            </a:extLst>
+          </a:blip>
+          <a:srcRect/>
+          <a:stretch>
+            <a:fillRect/>
+          </a:stretch>
+        </p:blipFill>
+        <p:spPr bwMode="auto">
+          <a:xfrm>
+            <a:off x="519113" y="2833180"/>
+            <a:ext cx="8105775" cy="3990975"/>
+          </a:xfrm>
+          <a:prstGeom prst="rect">
+            <a:avLst/>
+          </a:prstGeom>
+          <a:noFill/>
+          <a:ln>
+            <a:noFill/>
+          </a:ln>
+          <a:effectLst/>
+          <a:extLst>
+            <a:ext uri="{909E8E84-426E-40DD-AFC4-6F175D3DCCD1}">
+              <a14:hiddenFill xmlns:a14="http://schemas.microsoft.com/office/drawing/2010/main">
+                <a:solidFill>
+                  <a:schemeClr val="accent1"/>
+                </a:solidFill>
+              </a14:hiddenFill>
+            </a:ext>
+            <a:ext uri="{91240B29-F687-4F45-9708-019B960494DF}">
+              <a14:hiddenLine xmlns:a14="http://schemas.microsoft.com/office/drawing/2010/main" w="9525">
+                <a:solidFill>
+                  <a:schemeClr val="tx1"/>
+                </a:solidFill>
+                <a:miter lim="800000"/>
+                <a:headEnd/>
+                <a:tailEnd/>
+              </a14:hiddenLine>
+            </a:ext>
+            <a:ext uri="{AF507438-7753-43E0-B8FC-AC1667EBCBE1}">
+              <a14:hiddenEffects xmlns:a14="http://schemas.microsoft.com/office/drawing/2010/main">
+                <a:effectLst>
+                  <a:outerShdw dist="35921" dir="2700000" algn="ctr" rotWithShape="0">
+                    <a:schemeClr val="bg2"/>
+                  </a:outerShdw>
+                </a:effectLst>
+              </a14:hiddenEffects>
+            </a:ext>
+          </a:extLst>
+        </p:spPr>
+      </p:pic>
+      <p:sp>
+        <p:nvSpPr>
+          <p:cNvPr id="6" name="타원 5"/>
+          <p:cNvSpPr/>
+          <p:nvPr/>
+        </p:nvSpPr>
+        <p:spPr>
+          <a:xfrm>
+            <a:off x="212335" y="836712"/>
+            <a:ext cx="831273" cy="831273"/>
+          </a:xfrm>
+          <a:prstGeom prst="ellipse">
+            <a:avLst/>
+          </a:prstGeom>
+          <a:solidFill>
+            <a:srgbClr val="F94545"/>
+          </a:solidFill>
+          <a:ln>
+            <a:solidFill>
+              <a:schemeClr val="tx1"/>
+            </a:solidFill>
+          </a:ln>
+        </p:spPr>
+        <p:style>
+          <a:lnRef idx="2">
+            <a:schemeClr val="accent1">
+              <a:shade val="50000"/>
+            </a:schemeClr>
+          </a:lnRef>
+          <a:fillRef idx="1">
+            <a:schemeClr val="accent1"/>
+          </a:fillRef>
+          <a:effectRef idx="0">
+            <a:schemeClr val="accent1"/>
+          </a:effectRef>
+          <a:fontRef idx="minor">
+            <a:schemeClr val="lt1"/>
+          </a:fontRef>
+        </p:style>
+        <p:txBody>
+          <a:bodyPr rtlCol="0" anchor="ctr"/>
+          <a:lstStyle/>
+          <a:p>
+            <a:pPr algn="ctr"/>
+            <a:r>
+              <a:rPr lang="en-US" altLang="ko-KR" sz="2400" b="1" dirty="0">
+                <a:solidFill>
+                  <a:sysClr val="windowText" lastClr="000000"/>
+                </a:solidFill>
+              </a:rPr>
+              <a:t>58</a:t>
+            </a:r>
+            <a:endParaRPr lang="ko-KR" altLang="en-US" sz="2400" b="1" dirty="0">
+              <a:solidFill>
+                <a:sysClr val="windowText" lastClr="000000"/>
+              </a:solidFill>
+            </a:endParaRPr>
+          </a:p>
+        </p:txBody>
+      </p:sp>
+      <p:sp>
+        <p:nvSpPr>
+          <p:cNvPr id="7" name="타원 6"/>
+          <p:cNvSpPr/>
+          <p:nvPr/>
+        </p:nvSpPr>
+        <p:spPr>
+          <a:xfrm>
+            <a:off x="1198342" y="836712"/>
+            <a:ext cx="831273" cy="831273"/>
+          </a:xfrm>
+          <a:prstGeom prst="ellipse">
+            <a:avLst/>
+          </a:prstGeom>
+          <a:solidFill>
+            <a:srgbClr val="F94545"/>
+          </a:solidFill>
+          <a:ln>
+            <a:solidFill>
+              <a:schemeClr val="tx1"/>
+            </a:solidFill>
+          </a:ln>
+        </p:spPr>
+        <p:style>
+          <a:lnRef idx="2">
+            <a:schemeClr val="accent1">
+              <a:shade val="50000"/>
+            </a:schemeClr>
+          </a:lnRef>
+          <a:fillRef idx="1">
+            <a:schemeClr val="accent1"/>
+          </a:fillRef>
+          <a:effectRef idx="0">
+            <a:schemeClr val="accent1"/>
+          </a:effectRef>
+          <a:fontRef idx="minor">
+            <a:schemeClr val="lt1"/>
+          </a:fontRef>
+        </p:style>
+        <p:txBody>
+          <a:bodyPr rtlCol="0" anchor="ctr"/>
+          <a:lstStyle/>
+          <a:p>
+            <a:pPr algn="ctr"/>
+            <a:r>
+              <a:rPr lang="en-US" altLang="ko-KR" sz="2400" b="1" dirty="0">
+                <a:solidFill>
+                  <a:sysClr val="windowText" lastClr="000000"/>
+                </a:solidFill>
+              </a:rPr>
+              <a:t>69</a:t>
+            </a:r>
+            <a:endParaRPr lang="ko-KR" altLang="en-US" sz="2400" b="1" dirty="0">
+              <a:solidFill>
+                <a:sysClr val="windowText" lastClr="000000"/>
+              </a:solidFill>
+            </a:endParaRPr>
+          </a:p>
+        </p:txBody>
+      </p:sp>
+      <p:sp>
+        <p:nvSpPr>
+          <p:cNvPr id="8" name="타원 7"/>
+          <p:cNvSpPr/>
+          <p:nvPr/>
+        </p:nvSpPr>
+        <p:spPr>
+          <a:xfrm>
+            <a:off x="2184349" y="836712"/>
+            <a:ext cx="831273" cy="831273"/>
+          </a:xfrm>
+          <a:prstGeom prst="ellipse">
+            <a:avLst/>
+          </a:prstGeom>
+          <a:solidFill>
+            <a:srgbClr val="F94545"/>
+          </a:solidFill>
+          <a:ln>
+            <a:solidFill>
+              <a:schemeClr val="tx1"/>
+            </a:solidFill>
+          </a:ln>
+        </p:spPr>
+        <p:style>
+          <a:lnRef idx="2">
+            <a:schemeClr val="accent1">
+              <a:shade val="50000"/>
+            </a:schemeClr>
+          </a:lnRef>
+          <a:fillRef idx="1">
+            <a:schemeClr val="accent1"/>
+          </a:fillRef>
+          <a:effectRef idx="0">
+            <a:schemeClr val="accent1"/>
+          </a:effectRef>
+          <a:fontRef idx="minor">
+            <a:schemeClr val="lt1"/>
+          </a:fontRef>
+        </p:style>
+        <p:txBody>
+          <a:bodyPr rtlCol="0" anchor="ctr"/>
+          <a:lstStyle/>
+          <a:p>
+            <a:pPr algn="ctr"/>
+            <a:r>
+              <a:rPr lang="en-US" altLang="ko-KR" sz="2400" b="1" dirty="0">
+                <a:solidFill>
+                  <a:sysClr val="windowText" lastClr="000000"/>
+                </a:solidFill>
+              </a:rPr>
+              <a:t>64</a:t>
+            </a:r>
+            <a:endParaRPr lang="ko-KR" altLang="en-US" sz="2400" b="1" dirty="0">
+              <a:solidFill>
+                <a:sysClr val="windowText" lastClr="000000"/>
+              </a:solidFill>
+            </a:endParaRPr>
+          </a:p>
+        </p:txBody>
+      </p:sp>
+      <p:sp>
+        <p:nvSpPr>
+          <p:cNvPr id="9" name="타원 8"/>
+          <p:cNvSpPr/>
+          <p:nvPr/>
+        </p:nvSpPr>
+        <p:spPr>
+          <a:xfrm>
+            <a:off x="3170356" y="836712"/>
+            <a:ext cx="831273" cy="831273"/>
+          </a:xfrm>
+          <a:prstGeom prst="ellipse">
+            <a:avLst/>
+          </a:prstGeom>
+          <a:solidFill>
+            <a:srgbClr val="F94545"/>
+          </a:solidFill>
+          <a:ln>
+            <a:solidFill>
+              <a:schemeClr val="tx1"/>
+            </a:solidFill>
+          </a:ln>
+        </p:spPr>
+        <p:style>
+          <a:lnRef idx="2">
+            <a:schemeClr val="accent1">
+              <a:shade val="50000"/>
+            </a:schemeClr>
+          </a:lnRef>
+          <a:fillRef idx="1">
+            <a:schemeClr val="accent1"/>
+          </a:fillRef>
+          <a:effectRef idx="0">
+            <a:schemeClr val="accent1"/>
+          </a:effectRef>
+          <a:fontRef idx="minor">
+            <a:schemeClr val="lt1"/>
+          </a:fontRef>
+        </p:style>
+        <p:txBody>
+          <a:bodyPr rtlCol="0" anchor="ctr"/>
+          <a:lstStyle/>
+          <a:p>
+            <a:pPr algn="ctr"/>
+            <a:r>
+              <a:rPr lang="en-US" altLang="ko-KR" sz="2400" b="1" dirty="0">
+                <a:solidFill>
+                  <a:sysClr val="windowText" lastClr="000000"/>
+                </a:solidFill>
+              </a:rPr>
+              <a:t>55</a:t>
+            </a:r>
+            <a:endParaRPr lang="ko-KR" altLang="en-US" sz="2400" b="1" dirty="0">
+              <a:solidFill>
+                <a:sysClr val="windowText" lastClr="000000"/>
+              </a:solidFill>
+            </a:endParaRPr>
+          </a:p>
+        </p:txBody>
+      </p:sp>
+      <p:sp>
+        <p:nvSpPr>
+          <p:cNvPr id="10" name="타원 9"/>
+          <p:cNvSpPr/>
+          <p:nvPr/>
+        </p:nvSpPr>
+        <p:spPr>
+          <a:xfrm>
+            <a:off x="4156363" y="836712"/>
+            <a:ext cx="831273" cy="831273"/>
+          </a:xfrm>
+          <a:prstGeom prst="ellipse">
+            <a:avLst/>
+          </a:prstGeom>
+          <a:solidFill>
+            <a:srgbClr val="92B1D6"/>
+          </a:solidFill>
+          <a:ln>
+            <a:solidFill>
+              <a:schemeClr val="tx1"/>
+            </a:solidFill>
+          </a:ln>
+        </p:spPr>
+        <p:style>
+          <a:lnRef idx="2">
+            <a:schemeClr val="accent1">
+              <a:shade val="50000"/>
+            </a:schemeClr>
+          </a:lnRef>
+          <a:fillRef idx="1">
+            <a:schemeClr val="accent1"/>
+          </a:fillRef>
+          <a:effectRef idx="0">
+            <a:schemeClr val="accent1"/>
+          </a:effectRef>
+          <a:fontRef idx="minor">
+            <a:schemeClr val="lt1"/>
+          </a:fontRef>
+        </p:style>
+        <p:txBody>
+          <a:bodyPr rtlCol="0" anchor="ctr"/>
+          <a:lstStyle/>
+          <a:p>
+            <a:pPr algn="ctr"/>
+            <a:r>
+              <a:rPr lang="en-US" altLang="ko-KR" sz="2400" b="1" dirty="0">
+                <a:solidFill>
+                  <a:sysClr val="windowText" lastClr="000000"/>
+                </a:solidFill>
+              </a:rPr>
+              <a:t>51</a:t>
+            </a:r>
+            <a:endParaRPr lang="ko-KR" altLang="en-US" sz="2400" b="1" dirty="0">
+              <a:solidFill>
+                <a:sysClr val="windowText" lastClr="000000"/>
+              </a:solidFill>
+            </a:endParaRPr>
+          </a:p>
+        </p:txBody>
+      </p:sp>
+      <p:sp>
+        <p:nvSpPr>
+          <p:cNvPr id="11" name="타원 10"/>
+          <p:cNvSpPr/>
+          <p:nvPr/>
+        </p:nvSpPr>
+        <p:spPr>
+          <a:xfrm>
+            <a:off x="5142370" y="836712"/>
+            <a:ext cx="831273" cy="831273"/>
+          </a:xfrm>
+          <a:prstGeom prst="ellipse">
+            <a:avLst/>
+          </a:prstGeom>
+          <a:solidFill>
+            <a:srgbClr val="92B1D6"/>
+          </a:solidFill>
+          <a:ln>
+            <a:solidFill>
+              <a:schemeClr val="tx1"/>
+            </a:solidFill>
+          </a:ln>
+        </p:spPr>
+        <p:style>
+          <a:lnRef idx="2">
+            <a:schemeClr val="accent1">
+              <a:shade val="50000"/>
+            </a:schemeClr>
+          </a:lnRef>
+          <a:fillRef idx="1">
+            <a:schemeClr val="accent1"/>
+          </a:fillRef>
+          <a:effectRef idx="0">
+            <a:schemeClr val="accent1"/>
+          </a:effectRef>
+          <a:fontRef idx="minor">
+            <a:schemeClr val="lt1"/>
+          </a:fontRef>
+        </p:style>
+        <p:txBody>
+          <a:bodyPr rtlCol="0" anchor="ctr"/>
+          <a:lstStyle/>
+          <a:p>
+            <a:pPr algn="ctr"/>
+            <a:r>
+              <a:rPr lang="en-US" altLang="ko-KR" sz="2400" b="1" dirty="0">
+                <a:solidFill>
+                  <a:sysClr val="windowText" lastClr="000000"/>
+                </a:solidFill>
+              </a:rPr>
+              <a:t>41</a:t>
+            </a:r>
+            <a:endParaRPr lang="ko-KR" altLang="en-US" sz="2400" b="1" dirty="0">
+              <a:solidFill>
+                <a:sysClr val="windowText" lastClr="000000"/>
+              </a:solidFill>
+            </a:endParaRPr>
+          </a:p>
+        </p:txBody>
+      </p:sp>
+      <p:sp>
+        <p:nvSpPr>
+          <p:cNvPr id="12" name="타원 11"/>
+          <p:cNvSpPr/>
+          <p:nvPr/>
+        </p:nvSpPr>
+        <p:spPr>
+          <a:xfrm>
+            <a:off x="6128377" y="836712"/>
+            <a:ext cx="831273" cy="831273"/>
+          </a:xfrm>
+          <a:prstGeom prst="ellipse">
+            <a:avLst/>
+          </a:prstGeom>
+          <a:solidFill>
+            <a:srgbClr val="92B1D6"/>
+          </a:solidFill>
+          <a:ln>
+            <a:solidFill>
+              <a:schemeClr val="tx1"/>
+            </a:solidFill>
+          </a:ln>
+        </p:spPr>
+        <p:style>
+          <a:lnRef idx="2">
+            <a:schemeClr val="accent1">
+              <a:shade val="50000"/>
+            </a:schemeClr>
+          </a:lnRef>
+          <a:fillRef idx="1">
+            <a:schemeClr val="accent1"/>
+          </a:fillRef>
+          <a:effectRef idx="0">
+            <a:schemeClr val="accent1"/>
+          </a:effectRef>
+          <a:fontRef idx="minor">
+            <a:schemeClr val="lt1"/>
+          </a:fontRef>
+        </p:style>
+        <p:txBody>
+          <a:bodyPr rtlCol="0" anchor="ctr"/>
+          <a:lstStyle/>
+          <a:p>
+            <a:pPr algn="ctr"/>
+            <a:r>
+              <a:rPr lang="en-US" altLang="ko-KR" sz="2400" b="1" dirty="0">
+                <a:solidFill>
+                  <a:sysClr val="windowText" lastClr="000000"/>
+                </a:solidFill>
+              </a:rPr>
+              <a:t>51</a:t>
+            </a:r>
+            <a:endParaRPr lang="ko-KR" altLang="en-US" sz="2400" b="1" dirty="0">
+              <a:solidFill>
+                <a:sysClr val="windowText" lastClr="000000"/>
+              </a:solidFill>
+            </a:endParaRPr>
+          </a:p>
+        </p:txBody>
+      </p:sp>
+      <p:sp>
+        <p:nvSpPr>
+          <p:cNvPr id="13" name="타원 12"/>
+          <p:cNvSpPr/>
+          <p:nvPr/>
+        </p:nvSpPr>
+        <p:spPr>
+          <a:xfrm>
+            <a:off x="7114384" y="836712"/>
+            <a:ext cx="831273" cy="831273"/>
+          </a:xfrm>
+          <a:prstGeom prst="ellipse">
+            <a:avLst/>
+          </a:prstGeom>
+          <a:solidFill>
+            <a:srgbClr val="92B1D6"/>
+          </a:solidFill>
+          <a:ln>
+            <a:solidFill>
+              <a:schemeClr val="tx1"/>
+            </a:solidFill>
+          </a:ln>
+        </p:spPr>
+        <p:style>
+          <a:lnRef idx="2">
+            <a:schemeClr val="accent1">
+              <a:shade val="50000"/>
+            </a:schemeClr>
+          </a:lnRef>
+          <a:fillRef idx="1">
+            <a:schemeClr val="accent1"/>
+          </a:fillRef>
+          <a:effectRef idx="0">
+            <a:schemeClr val="accent1"/>
+          </a:effectRef>
+          <a:fontRef idx="minor">
+            <a:schemeClr val="lt1"/>
+          </a:fontRef>
+        </p:style>
+        <p:txBody>
+          <a:bodyPr rtlCol="0" anchor="ctr"/>
+          <a:lstStyle/>
+          <a:p>
+            <a:pPr algn="ctr"/>
+            <a:r>
+              <a:rPr lang="en-US" altLang="ko-KR" sz="2400" b="1" dirty="0">
+                <a:solidFill>
+                  <a:sysClr val="windowText" lastClr="000000"/>
+                </a:solidFill>
+              </a:rPr>
+              <a:t>71</a:t>
+            </a:r>
+            <a:endParaRPr lang="ko-KR" altLang="en-US" sz="2400" b="1" dirty="0">
+              <a:solidFill>
+                <a:sysClr val="windowText" lastClr="000000"/>
+              </a:solidFill>
+            </a:endParaRPr>
+          </a:p>
+        </p:txBody>
+      </p:sp>
+      <p:sp>
+        <p:nvSpPr>
+          <p:cNvPr id="14" name="타원 13"/>
+          <p:cNvSpPr/>
+          <p:nvPr/>
+        </p:nvSpPr>
+        <p:spPr>
+          <a:xfrm>
+            <a:off x="8100392" y="836712"/>
+            <a:ext cx="831273" cy="831273"/>
+          </a:xfrm>
+          <a:prstGeom prst="ellipse">
+            <a:avLst/>
+          </a:prstGeom>
+          <a:solidFill>
+            <a:srgbClr val="92B1D6"/>
+          </a:solidFill>
+          <a:ln>
+            <a:solidFill>
+              <a:schemeClr val="tx1"/>
+            </a:solidFill>
+          </a:ln>
+        </p:spPr>
+        <p:style>
+          <a:lnRef idx="2">
+            <a:schemeClr val="accent1">
+              <a:shade val="50000"/>
+            </a:schemeClr>
+          </a:lnRef>
+          <a:fillRef idx="1">
+            <a:schemeClr val="accent1"/>
+          </a:fillRef>
+          <a:effectRef idx="0">
+            <a:schemeClr val="accent1"/>
+          </a:effectRef>
+          <a:fontRef idx="minor">
+            <a:schemeClr val="lt1"/>
+          </a:fontRef>
+        </p:style>
+        <p:txBody>
+          <a:bodyPr rtlCol="0" anchor="ctr"/>
+          <a:lstStyle/>
+          <a:p>
+            <a:pPr algn="ctr"/>
+            <a:r>
+              <a:rPr lang="en-US" altLang="ko-KR" sz="2400" b="1" dirty="0">
+                <a:solidFill>
+                  <a:sysClr val="windowText" lastClr="000000"/>
+                </a:solidFill>
+              </a:rPr>
+              <a:t>42</a:t>
+            </a:r>
+            <a:endParaRPr lang="ko-KR" altLang="en-US" sz="2400" b="1" dirty="0">
+              <a:solidFill>
+                <a:sysClr val="windowText" lastClr="000000"/>
+              </a:solidFill>
+            </a:endParaRPr>
+          </a:p>
+        </p:txBody>
+      </p:sp>
+      <p:sp>
+        <p:nvSpPr>
+          <p:cNvPr id="2" name="직사각형 1"/>
+          <p:cNvSpPr/>
+          <p:nvPr/>
+        </p:nvSpPr>
+        <p:spPr>
+          <a:xfrm>
+            <a:off x="2764709" y="3022104"/>
+            <a:ext cx="1353188" cy="914400"/>
+          </a:xfrm>
+          <a:prstGeom prst="rect">
+            <a:avLst/>
+          </a:prstGeom>
+          <a:noFill/>
+          <a:ln>
+            <a:noFill/>
+          </a:ln>
+        </p:spPr>
+        <p:style>
+          <a:lnRef idx="2">
+            <a:schemeClr val="accent1">
+              <a:shade val="50000"/>
+            </a:schemeClr>
+          </a:lnRef>
+          <a:fillRef idx="1">
+            <a:schemeClr val="accent1"/>
+          </a:fillRef>
+          <a:effectRef idx="0">
+            <a:schemeClr val="accent1"/>
+          </a:effectRef>
+          <a:fontRef idx="minor">
+            <a:schemeClr val="lt1"/>
+          </a:fontRef>
+        </p:style>
+        <p:txBody>
+          <a:bodyPr rtlCol="0" anchor="ctr"/>
+          <a:lstStyle/>
+          <a:p>
+            <a:pPr algn="ctr"/>
+            <a:r>
+              <a:rPr lang="en-US" altLang="ko-KR" sz="2800" dirty="0">
+                <a:solidFill>
+                  <a:schemeClr val="tx1"/>
+                </a:solidFill>
+              </a:rPr>
+              <a:t>50.75</a:t>
+            </a:r>
+            <a:endParaRPr lang="ko-KR" altLang="en-US" sz="2800" dirty="0">
+              <a:solidFill>
+                <a:schemeClr val="tx1"/>
+              </a:solidFill>
+            </a:endParaRPr>
+          </a:p>
+        </p:txBody>
+      </p:sp>
+      <p:sp>
+        <p:nvSpPr>
+          <p:cNvPr id="21" name="직사각형 20"/>
+          <p:cNvSpPr/>
+          <p:nvPr/>
+        </p:nvSpPr>
+        <p:spPr>
+          <a:xfrm>
+            <a:off x="4217038" y="3022104"/>
+            <a:ext cx="1131499" cy="914400"/>
+          </a:xfrm>
+          <a:prstGeom prst="rect">
+            <a:avLst/>
+          </a:prstGeom>
+          <a:noFill/>
+          <a:ln>
+            <a:noFill/>
+          </a:ln>
+        </p:spPr>
+        <p:style>
+          <a:lnRef idx="2">
+            <a:schemeClr val="accent1">
+              <a:shade val="50000"/>
+            </a:schemeClr>
+          </a:lnRef>
+          <a:fillRef idx="1">
+            <a:schemeClr val="accent1"/>
+          </a:fillRef>
+          <a:effectRef idx="0">
+            <a:schemeClr val="accent1"/>
+          </a:effectRef>
+          <a:fontRef idx="minor">
+            <a:schemeClr val="lt1"/>
+          </a:fontRef>
+        </p:style>
+        <p:txBody>
+          <a:bodyPr rtlCol="0" anchor="ctr"/>
+          <a:lstStyle/>
+          <a:p>
+            <a:pPr algn="ctr"/>
+            <a:r>
+              <a:rPr lang="en-US" altLang="ko-KR" sz="2800" dirty="0">
+                <a:solidFill>
+                  <a:schemeClr val="tx1"/>
+                </a:solidFill>
+              </a:rPr>
+              <a:t>59.80</a:t>
+            </a:r>
+            <a:endParaRPr lang="ko-KR" altLang="en-US" sz="2800" dirty="0">
+              <a:solidFill>
+                <a:schemeClr val="tx1"/>
+              </a:solidFill>
+            </a:endParaRPr>
+          </a:p>
+        </p:txBody>
+      </p:sp>
+      <p:cxnSp>
+        <p:nvCxnSpPr>
+          <p:cNvPr id="4" name="직선 연결선 3"/>
+          <p:cNvCxnSpPr>
+            <a:stCxn id="7" idx="4"/>
+            <a:endCxn id="2" idx="0"/>
+          </p:cNvCxnSpPr>
+          <p:nvPr/>
+        </p:nvCxnSpPr>
+        <p:spPr>
+          <a:xfrm>
+            <a:off x="1613979" y="1667985"/>
+            <a:ext cx="1827324" cy="1354119"/>
+          </a:xfrm>
+          <a:prstGeom prst="line">
+            <a:avLst/>
+          </a:prstGeom>
+          <a:ln w="28575">
+            <a:solidFill>
+              <a:schemeClr val="tx1"/>
+            </a:solidFill>
+          </a:ln>
+        </p:spPr>
+        <p:style>
+          <a:lnRef idx="1">
+            <a:schemeClr val="accent1"/>
+          </a:lnRef>
+          <a:fillRef idx="0">
+            <a:schemeClr val="accent1"/>
+          </a:fillRef>
+          <a:effectRef idx="0">
+            <a:schemeClr val="accent1"/>
+          </a:effectRef>
+          <a:fontRef idx="minor">
+            <a:schemeClr val="tx1"/>
+          </a:fontRef>
+        </p:style>
+      </p:cxnSp>
+      <p:cxnSp>
+        <p:nvCxnSpPr>
+          <p:cNvPr id="15" name="직선 연결선 14"/>
+          <p:cNvCxnSpPr>
+            <a:stCxn id="14" idx="4"/>
+            <a:endCxn id="2" idx="0"/>
+          </p:cNvCxnSpPr>
+          <p:nvPr/>
+        </p:nvCxnSpPr>
+        <p:spPr>
+          <a:xfrm flipH="1">
+            <a:off x="3441303" y="1667985"/>
+            <a:ext cx="5074726" cy="1354119"/>
+          </a:xfrm>
+          <a:prstGeom prst="line">
+            <a:avLst/>
+          </a:prstGeom>
+          <a:ln w="28575">
+            <a:solidFill>
+              <a:schemeClr val="tx1"/>
+            </a:solidFill>
+          </a:ln>
+        </p:spPr>
+        <p:style>
+          <a:lnRef idx="1">
+            <a:schemeClr val="accent1"/>
+          </a:lnRef>
+          <a:fillRef idx="0">
+            <a:schemeClr val="accent1"/>
+          </a:fillRef>
+          <a:effectRef idx="0">
+            <a:schemeClr val="accent1"/>
+          </a:effectRef>
+          <a:fontRef idx="minor">
+            <a:schemeClr val="tx1"/>
+          </a:fontRef>
+        </p:style>
+      </p:cxnSp>
+      <p:cxnSp>
+        <p:nvCxnSpPr>
+          <p:cNvPr id="23" name="직선 연결선 22"/>
+          <p:cNvCxnSpPr>
+            <a:stCxn id="11" idx="4"/>
+            <a:endCxn id="2" idx="0"/>
+          </p:cNvCxnSpPr>
+          <p:nvPr/>
+        </p:nvCxnSpPr>
+        <p:spPr>
+          <a:xfrm flipH="1">
+            <a:off x="3441303" y="1667985"/>
+            <a:ext cx="2116704" cy="1354119"/>
+          </a:xfrm>
+          <a:prstGeom prst="line">
+            <a:avLst/>
+          </a:prstGeom>
+          <a:ln w="28575">
+            <a:solidFill>
+              <a:schemeClr val="tx1"/>
+            </a:solidFill>
+          </a:ln>
+        </p:spPr>
+        <p:style>
+          <a:lnRef idx="1">
+            <a:schemeClr val="accent1"/>
+          </a:lnRef>
+          <a:fillRef idx="0">
+            <a:schemeClr val="accent1"/>
+          </a:fillRef>
+          <a:effectRef idx="0">
+            <a:schemeClr val="accent1"/>
+          </a:effectRef>
+          <a:fontRef idx="minor">
+            <a:schemeClr val="tx1"/>
+          </a:fontRef>
+        </p:style>
+      </p:cxnSp>
+      <p:cxnSp>
+        <p:nvCxnSpPr>
+          <p:cNvPr id="25" name="직선 연결선 24"/>
+          <p:cNvCxnSpPr>
+            <a:stCxn id="12" idx="4"/>
+            <a:endCxn id="2" idx="0"/>
+          </p:cNvCxnSpPr>
+          <p:nvPr/>
+        </p:nvCxnSpPr>
+        <p:spPr>
+          <a:xfrm flipH="1">
+            <a:off x="3441303" y="1667985"/>
+            <a:ext cx="3102711" cy="1354119"/>
+          </a:xfrm>
+          <a:prstGeom prst="line">
+            <a:avLst/>
+          </a:prstGeom>
+          <a:ln w="28575">
+            <a:solidFill>
+              <a:schemeClr val="tx1"/>
+            </a:solidFill>
+          </a:ln>
+        </p:spPr>
+        <p:style>
+          <a:lnRef idx="1">
+            <a:schemeClr val="accent1"/>
+          </a:lnRef>
+          <a:fillRef idx="0">
+            <a:schemeClr val="accent1"/>
+          </a:fillRef>
+          <a:effectRef idx="0">
+            <a:schemeClr val="accent1"/>
+          </a:effectRef>
+          <a:fontRef idx="minor">
+            <a:schemeClr val="tx1"/>
+          </a:fontRef>
+        </p:style>
+      </p:cxnSp>
+      <p:cxnSp>
+        <p:nvCxnSpPr>
+          <p:cNvPr id="27" name="직선 연결선 26"/>
+          <p:cNvCxnSpPr>
+            <a:stCxn id="6" idx="4"/>
+            <a:endCxn id="21" idx="0"/>
+          </p:cNvCxnSpPr>
+          <p:nvPr/>
+        </p:nvCxnSpPr>
+        <p:spPr>
+          <a:xfrm>
+            <a:off x="627972" y="1667985"/>
+            <a:ext cx="4154816" cy="1354119"/>
+          </a:xfrm>
+          <a:prstGeom prst="line">
+            <a:avLst/>
+          </a:prstGeom>
+          <a:ln w="28575">
+            <a:solidFill>
+              <a:schemeClr val="tx1"/>
+            </a:solidFill>
+            <a:prstDash val="dash"/>
+          </a:ln>
+        </p:spPr>
+        <p:style>
+          <a:lnRef idx="1">
+            <a:schemeClr val="accent1"/>
+          </a:lnRef>
+          <a:fillRef idx="0">
+            <a:schemeClr val="accent1"/>
+          </a:fillRef>
+          <a:effectRef idx="0">
+            <a:schemeClr val="accent1"/>
+          </a:effectRef>
+          <a:fontRef idx="minor">
+            <a:schemeClr val="tx1"/>
+          </a:fontRef>
+        </p:style>
+      </p:cxnSp>
+      <p:cxnSp>
+        <p:nvCxnSpPr>
+          <p:cNvPr id="29" name="직선 연결선 28"/>
+          <p:cNvCxnSpPr>
+            <a:stCxn id="8" idx="4"/>
+            <a:endCxn id="21" idx="0"/>
+          </p:cNvCxnSpPr>
+          <p:nvPr/>
+        </p:nvCxnSpPr>
+        <p:spPr>
+          <a:xfrm>
+            <a:off x="2599986" y="1667985"/>
+            <a:ext cx="2182802" cy="1354119"/>
+          </a:xfrm>
+          <a:prstGeom prst="line">
+            <a:avLst/>
+          </a:prstGeom>
+          <a:ln w="28575">
+            <a:solidFill>
+              <a:schemeClr val="tx1"/>
+            </a:solidFill>
+            <a:prstDash val="dash"/>
+          </a:ln>
+        </p:spPr>
+        <p:style>
+          <a:lnRef idx="1">
+            <a:schemeClr val="accent1"/>
+          </a:lnRef>
+          <a:fillRef idx="0">
+            <a:schemeClr val="accent1"/>
+          </a:fillRef>
+          <a:effectRef idx="0">
+            <a:schemeClr val="accent1"/>
+          </a:effectRef>
+          <a:fontRef idx="minor">
+            <a:schemeClr val="tx1"/>
+          </a:fontRef>
+        </p:style>
+      </p:cxnSp>
+      <p:cxnSp>
+        <p:nvCxnSpPr>
+          <p:cNvPr id="31" name="직선 연결선 30"/>
+          <p:cNvCxnSpPr>
+            <a:stCxn id="9" idx="4"/>
+            <a:endCxn id="21" idx="0"/>
+          </p:cNvCxnSpPr>
+          <p:nvPr/>
+        </p:nvCxnSpPr>
+        <p:spPr>
+          <a:xfrm>
+            <a:off x="3585993" y="1667985"/>
+            <a:ext cx="1196795" cy="1354119"/>
+          </a:xfrm>
+          <a:prstGeom prst="line">
+            <a:avLst/>
+          </a:prstGeom>
+          <a:ln w="28575">
+            <a:solidFill>
+              <a:schemeClr val="tx1"/>
+            </a:solidFill>
+            <a:prstDash val="dash"/>
+          </a:ln>
+        </p:spPr>
+        <p:style>
+          <a:lnRef idx="1">
+            <a:schemeClr val="accent1"/>
+          </a:lnRef>
+          <a:fillRef idx="0">
+            <a:schemeClr val="accent1"/>
+          </a:fillRef>
+          <a:effectRef idx="0">
+            <a:schemeClr val="accent1"/>
+          </a:effectRef>
+          <a:fontRef idx="minor">
+            <a:schemeClr val="tx1"/>
+          </a:fontRef>
+        </p:style>
+      </p:cxnSp>
+      <p:cxnSp>
+        <p:nvCxnSpPr>
+          <p:cNvPr id="33" name="직선 화살표 연결선 32"/>
+          <p:cNvCxnSpPr>
+            <a:stCxn id="13" idx="4"/>
+            <a:endCxn id="21" idx="0"/>
+          </p:cNvCxnSpPr>
+          <p:nvPr/>
+        </p:nvCxnSpPr>
+        <p:spPr>
+          <a:xfrm flipH="1">
+            <a:off x="4782788" y="1667985"/>
+            <a:ext cx="2747233" cy="1354119"/>
+          </a:xfrm>
+          <a:prstGeom prst="straightConnector1">
+            <a:avLst/>
+          </a:prstGeom>
+          <a:ln w="28575">
+            <a:solidFill>
+              <a:schemeClr val="tx1"/>
+            </a:solidFill>
+            <a:prstDash val="dash"/>
+            <a:headEnd type="none" w="med" len="med"/>
+            <a:tailEnd type="none" w="med" len="med"/>
+          </a:ln>
+        </p:spPr>
+        <p:style>
+          <a:lnRef idx="1">
+            <a:schemeClr val="accent1"/>
+          </a:lnRef>
+          <a:fillRef idx="0">
+            <a:schemeClr val="accent1"/>
+          </a:fillRef>
+          <a:effectRef idx="0">
+            <a:schemeClr val="accent1"/>
+          </a:effectRef>
+          <a:fontRef idx="minor">
+            <a:schemeClr val="tx1"/>
+          </a:fontRef>
+        </p:style>
+      </p:cxnSp>
+      <p:cxnSp>
+        <p:nvCxnSpPr>
+          <p:cNvPr id="35" name="직선 연결선 34"/>
+          <p:cNvCxnSpPr>
+            <a:stCxn id="10" idx="4"/>
+            <a:endCxn id="21" idx="0"/>
+          </p:cNvCxnSpPr>
+          <p:nvPr/>
+        </p:nvCxnSpPr>
+        <p:spPr>
+          <a:xfrm>
+            <a:off x="4572000" y="1667985"/>
+            <a:ext cx="210788" cy="1354119"/>
+          </a:xfrm>
+          <a:prstGeom prst="line">
+            <a:avLst/>
+          </a:prstGeom>
+          <a:ln w="28575">
+            <a:solidFill>
+              <a:schemeClr val="tx1"/>
+            </a:solidFill>
+            <a:prstDash val="dash"/>
+          </a:ln>
+        </p:spPr>
+        <p:style>
+          <a:lnRef idx="1">
+            <a:schemeClr val="accent1"/>
+          </a:lnRef>
+          <a:fillRef idx="0">
+            <a:schemeClr val="accent1"/>
+          </a:fillRef>
+          <a:effectRef idx="0">
+            <a:schemeClr val="accent1"/>
+          </a:effectRef>
+          <a:fontRef idx="minor">
+            <a:schemeClr val="tx1"/>
+          </a:fontRef>
+        </p:style>
+      </p:cxnSp>
+      <p:sp>
+        <p:nvSpPr>
+          <p:cNvPr id="36" name="TextBox 35"/>
+          <p:cNvSpPr txBox="1"/>
+          <p:nvPr/>
+        </p:nvSpPr>
+        <p:spPr>
+          <a:xfrm>
+            <a:off x="3951826" y="3212976"/>
+            <a:ext cx="332142" cy="523220"/>
+          </a:xfrm>
+          <a:prstGeom prst="rect">
+            <a:avLst/>
+          </a:prstGeom>
+          <a:noFill/>
+        </p:spPr>
+        <p:txBody>
+          <a:bodyPr wrap="none" rtlCol="0">
+            <a:spAutoFit/>
+          </a:bodyPr>
+          <a:lstStyle/>
+          <a:p>
+            <a:r>
+              <a:rPr lang="en-US" altLang="ko-KR" sz="2800" dirty="0"/>
+              <a:t>-</a:t>
+            </a:r>
+            <a:endParaRPr lang="ko-KR" altLang="en-US" sz="2800" dirty="0"/>
+          </a:p>
+        </p:txBody>
+      </p:sp>
+      <p:sp>
+        <p:nvSpPr>
+          <p:cNvPr id="55" name="TextBox 54"/>
+          <p:cNvSpPr txBox="1"/>
+          <p:nvPr/>
+        </p:nvSpPr>
+        <p:spPr>
+          <a:xfrm>
+            <a:off x="5142370" y="3212976"/>
+            <a:ext cx="1380506" cy="523220"/>
+          </a:xfrm>
+          <a:prstGeom prst="rect">
+            <a:avLst/>
+          </a:prstGeom>
+          <a:noFill/>
+        </p:spPr>
+        <p:txBody>
+          <a:bodyPr wrap="none" rtlCol="0">
+            <a:spAutoFit/>
+          </a:bodyPr>
+          <a:lstStyle/>
+          <a:p>
+            <a:r>
+              <a:rPr lang="en-US" altLang="ko-KR" sz="2800" dirty="0"/>
+              <a:t>= -9.05</a:t>
+            </a:r>
+            <a:endParaRPr lang="ko-KR" altLang="en-US" sz="2800" dirty="0"/>
+          </a:p>
+        </p:txBody>
+      </p:sp>
+      <p:sp>
+        <p:nvSpPr>
+          <p:cNvPr id="61" name="TextBox 60"/>
+          <p:cNvSpPr txBox="1"/>
+          <p:nvPr/>
+        </p:nvSpPr>
+        <p:spPr>
+          <a:xfrm>
+            <a:off x="179512" y="188640"/>
+            <a:ext cx="2212465" cy="523220"/>
+          </a:xfrm>
+          <a:prstGeom prst="rect">
+            <a:avLst/>
+          </a:prstGeom>
+          <a:noFill/>
+        </p:spPr>
+        <p:txBody>
+          <a:bodyPr wrap="none" rtlCol="0">
+            <a:spAutoFit/>
+          </a:bodyPr>
+          <a:lstStyle/>
+          <a:p>
+            <a:r>
+              <a:rPr lang="en-US" altLang="ko-KR" sz="2800" b="1" dirty="0"/>
+              <a:t>[2</a:t>
+            </a:r>
+            <a:r>
+              <a:rPr lang="ko-KR" altLang="en-US" sz="2800" b="1" dirty="0"/>
+              <a:t>회차 선택</a:t>
+            </a:r>
+            <a:r>
+              <a:rPr lang="en-US" altLang="ko-KR" sz="2800" b="1" dirty="0"/>
+              <a:t>]</a:t>
+            </a:r>
+            <a:endParaRPr lang="ko-KR" altLang="en-US" sz="2800" b="1" dirty="0"/>
+          </a:p>
+        </p:txBody>
+      </p:sp>
+    </p:spTree>
+    <p:extLst>
+      <p:ext uri="{BB962C8B-B14F-4D97-AF65-F5344CB8AC3E}">
+        <p14:creationId xmlns:p14="http://schemas.microsoft.com/office/powerpoint/2010/main" val="1743622771"/>
       </p:ext>
     </p:extLst>
   </p:cSld>
